--- a/Lecture#22/Lecture_22_handout.pptx
+++ b/Lecture#22/Lecture_22_handout.pptx
@@ -6,10 +6,10 @@
     <p:sldMasterId id="2147483665" r:id="rId2"/>
   </p:sldMasterIdLst>
   <p:notesMasterIdLst>
-    <p:notesMasterId r:id="rId13"/>
+    <p:notesMasterId r:id="rId16"/>
   </p:notesMasterIdLst>
   <p:handoutMasterIdLst>
-    <p:handoutMasterId r:id="rId14"/>
+    <p:handoutMasterId r:id="rId17"/>
   </p:handoutMasterIdLst>
   <p:sldIdLst>
     <p:sldId id="260" r:id="rId3"/>
@@ -22,6 +22,9 @@
     <p:sldId id="448" r:id="rId10"/>
     <p:sldId id="449" r:id="rId11"/>
     <p:sldId id="450" r:id="rId12"/>
+    <p:sldId id="452" r:id="rId13"/>
+    <p:sldId id="451" r:id="rId14"/>
+    <p:sldId id="453" r:id="rId15"/>
   </p:sldIdLst>
   <p:sldSz cx="10058400" cy="7772400"/>
   <p:notesSz cx="7315200" cy="9601200"/>
@@ -274,7 +277,7 @@
                 </a:solidFill>
               </a:rPr>
               <a:pPr/>
-              <a:t>4/16/2019</a:t>
+              <a:t>4/18/2019</a:t>
             </a:fld>
             <a:endParaRPr lang="en-US" dirty="0">
               <a:solidFill>
@@ -435,7 +438,7 @@
             <a:fld id="{DBF7D493-8EEB-7E45-916B-5FBC49ABC710}" type="datetimeFigureOut">
               <a:rPr lang="en-US" smtClean="0"/>
               <a:pPr/>
-              <a:t>4/16/2019</a:t>
+              <a:t>4/18/2019</a:t>
             </a:fld>
             <a:endParaRPr lang="en-US" dirty="0"/>
           </a:p>
@@ -3264,6 +3267,235 @@
 </p:sld>
 </file>
 
+<file path=ppt/slides/slide11.xml><?xml version="1.0" encoding="utf-8"?>
+<p:sld xmlns:a="http://schemas.openxmlformats.org/drawingml/2006/main" xmlns:r="http://schemas.openxmlformats.org/officeDocument/2006/relationships" xmlns:p="http://schemas.openxmlformats.org/presentationml/2006/main">
+  <p:cSld>
+    <p:spTree>
+      <p:nvGrpSpPr>
+        <p:cNvPr id="1" name=""/>
+        <p:cNvGrpSpPr/>
+        <p:nvPr/>
+      </p:nvGrpSpPr>
+      <p:grpSpPr>
+        <a:xfrm>
+          <a:off x="0" y="0"/>
+          <a:ext cx="0" cy="0"/>
+          <a:chOff x="0" y="0"/>
+          <a:chExt cx="0" cy="0"/>
+        </a:xfrm>
+      </p:grpSpPr>
+      <p:sp>
+        <p:nvSpPr>
+          <p:cNvPr id="2" name="Text Placeholder 1">
+            <a:extLst>
+              <a:ext uri="{FF2B5EF4-FFF2-40B4-BE49-F238E27FC236}">
+                <a16:creationId xmlns:a16="http://schemas.microsoft.com/office/drawing/2014/main" id="{FC6A0041-1720-4567-93FF-ACCE08F815DC}"/>
+              </a:ext>
+            </a:extLst>
+          </p:cNvPr>
+          <p:cNvSpPr>
+            <a:spLocks noGrp="1"/>
+          </p:cNvSpPr>
+          <p:nvPr>
+            <p:ph type="body" sz="quarter" idx="10"/>
+          </p:nvPr>
+        </p:nvSpPr>
+        <p:spPr>
+          <a:xfrm>
+            <a:off x="444500" y="339426"/>
+            <a:ext cx="9245600" cy="742950"/>
+          </a:xfrm>
+        </p:spPr>
+        <p:txBody>
+          <a:bodyPr/>
+          <a:lstStyle/>
+          <a:p>
+            <a:r>
+              <a:rPr lang="en-US" dirty="0" err="1"/>
+              <a:t>inOrder</a:t>
+            </a:r>
+            <a:r>
+              <a:rPr lang="en-US" dirty="0"/>
+              <a:t> LC3 (</a:t>
+            </a:r>
+            <a:r>
+              <a:rPr lang="en-US" b="0" dirty="0"/>
+              <a:t>please see, inOrder.asm in </a:t>
+            </a:r>
+            <a:r>
+              <a:rPr lang="en-US" b="0" dirty="0" err="1"/>
+              <a:t>github</a:t>
+            </a:r>
+            <a:r>
+              <a:rPr lang="en-US" dirty="0"/>
+              <a:t>)</a:t>
+            </a:r>
+          </a:p>
+        </p:txBody>
+      </p:sp>
+      <p:pic>
+        <p:nvPicPr>
+          <p:cNvPr id="4" name="Picture 3">
+            <a:extLst>
+              <a:ext uri="{FF2B5EF4-FFF2-40B4-BE49-F238E27FC236}">
+                <a16:creationId xmlns:a16="http://schemas.microsoft.com/office/drawing/2014/main" id="{8FCC5F3F-64A6-4AEC-A7D6-6A028A7AEC5E}"/>
+              </a:ext>
+            </a:extLst>
+          </p:cNvPr>
+          <p:cNvPicPr>
+            <a:picLocks noChangeAspect="1"/>
+          </p:cNvPicPr>
+          <p:nvPr/>
+        </p:nvPicPr>
+        <p:blipFill>
+          <a:blip r:embed="rId2"/>
+          <a:stretch>
+            <a:fillRect/>
+          </a:stretch>
+        </p:blipFill>
+        <p:spPr>
+          <a:xfrm>
+            <a:off x="1657574" y="1680658"/>
+            <a:ext cx="6248400" cy="4152900"/>
+          </a:xfrm>
+          <a:prstGeom prst="rect">
+            <a:avLst/>
+          </a:prstGeom>
+        </p:spPr>
+      </p:pic>
+    </p:spTree>
+    <p:extLst>
+      <p:ext uri="{BB962C8B-B14F-4D97-AF65-F5344CB8AC3E}">
+        <p14:creationId xmlns:p14="http://schemas.microsoft.com/office/powerpoint/2010/main" val="2433470230"/>
+      </p:ext>
+    </p:extLst>
+  </p:cSld>
+  <p:clrMapOvr>
+    <a:masterClrMapping/>
+  </p:clrMapOvr>
+</p:sld>
+</file>
+
+<file path=ppt/slides/slide12.xml><?xml version="1.0" encoding="utf-8"?>
+<p:sld xmlns:a="http://schemas.openxmlformats.org/drawingml/2006/main" xmlns:r="http://schemas.openxmlformats.org/officeDocument/2006/relationships" xmlns:p="http://schemas.openxmlformats.org/presentationml/2006/main">
+  <p:cSld>
+    <p:spTree>
+      <p:nvGrpSpPr>
+        <p:cNvPr id="1" name=""/>
+        <p:cNvGrpSpPr/>
+        <p:nvPr/>
+      </p:nvGrpSpPr>
+      <p:grpSpPr>
+        <a:xfrm>
+          <a:off x="0" y="0"/>
+          <a:ext cx="0" cy="0"/>
+          <a:chOff x="0" y="0"/>
+          <a:chExt cx="0" cy="0"/>
+        </a:xfrm>
+      </p:grpSpPr>
+      <p:pic>
+        <p:nvPicPr>
+          <p:cNvPr id="4" name="Picture 3">
+            <a:extLst>
+              <a:ext uri="{FF2B5EF4-FFF2-40B4-BE49-F238E27FC236}">
+                <a16:creationId xmlns:a16="http://schemas.microsoft.com/office/drawing/2014/main" id="{B1803CE1-0C62-4086-BC20-E1D185883B58}"/>
+              </a:ext>
+            </a:extLst>
+          </p:cNvPr>
+          <p:cNvPicPr>
+            <a:picLocks noChangeAspect="1"/>
+          </p:cNvPicPr>
+          <p:nvPr/>
+        </p:nvPicPr>
+        <p:blipFill>
+          <a:blip r:embed="rId2"/>
+          <a:stretch>
+            <a:fillRect/>
+          </a:stretch>
+        </p:blipFill>
+        <p:spPr>
+          <a:xfrm>
+            <a:off x="0" y="774551"/>
+            <a:ext cx="10058400" cy="5258330"/>
+          </a:xfrm>
+          <a:prstGeom prst="rect">
+            <a:avLst/>
+          </a:prstGeom>
+        </p:spPr>
+      </p:pic>
+    </p:spTree>
+    <p:extLst>
+      <p:ext uri="{BB962C8B-B14F-4D97-AF65-F5344CB8AC3E}">
+        <p14:creationId xmlns:p14="http://schemas.microsoft.com/office/powerpoint/2010/main" val="813768311"/>
+      </p:ext>
+    </p:extLst>
+  </p:cSld>
+  <p:clrMapOvr>
+    <a:masterClrMapping/>
+  </p:clrMapOvr>
+</p:sld>
+</file>
+
+<file path=ppt/slides/slide13.xml><?xml version="1.0" encoding="utf-8"?>
+<p:sld xmlns:a="http://schemas.openxmlformats.org/drawingml/2006/main" xmlns:r="http://schemas.openxmlformats.org/officeDocument/2006/relationships" xmlns:p="http://schemas.openxmlformats.org/presentationml/2006/main">
+  <p:cSld>
+    <p:spTree>
+      <p:nvGrpSpPr>
+        <p:cNvPr id="1" name=""/>
+        <p:cNvGrpSpPr/>
+        <p:nvPr/>
+      </p:nvGrpSpPr>
+      <p:grpSpPr>
+        <a:xfrm>
+          <a:off x="0" y="0"/>
+          <a:ext cx="0" cy="0"/>
+          <a:chOff x="0" y="0"/>
+          <a:chExt cx="0" cy="0"/>
+        </a:xfrm>
+      </p:grpSpPr>
+      <p:pic>
+        <p:nvPicPr>
+          <p:cNvPr id="4" name="Picture 3">
+            <a:extLst>
+              <a:ext uri="{FF2B5EF4-FFF2-40B4-BE49-F238E27FC236}">
+                <a16:creationId xmlns:a16="http://schemas.microsoft.com/office/drawing/2014/main" id="{C2D45158-9D37-4001-80C2-D0D581A81AAA}"/>
+              </a:ext>
+            </a:extLst>
+          </p:cNvPr>
+          <p:cNvPicPr>
+            <a:picLocks noChangeAspect="1"/>
+          </p:cNvPicPr>
+          <p:nvPr/>
+        </p:nvPicPr>
+        <p:blipFill>
+          <a:blip r:embed="rId2"/>
+          <a:stretch>
+            <a:fillRect/>
+          </a:stretch>
+        </p:blipFill>
+        <p:spPr>
+          <a:xfrm>
+            <a:off x="0" y="1200223"/>
+            <a:ext cx="10058400" cy="4812558"/>
+          </a:xfrm>
+          <a:prstGeom prst="rect">
+            <a:avLst/>
+          </a:prstGeom>
+        </p:spPr>
+      </p:pic>
+    </p:spTree>
+    <p:extLst>
+      <p:ext uri="{BB962C8B-B14F-4D97-AF65-F5344CB8AC3E}">
+        <p14:creationId xmlns:p14="http://schemas.microsoft.com/office/powerpoint/2010/main" val="3215938275"/>
+      </p:ext>
+    </p:extLst>
+  </p:cSld>
+  <p:clrMapOvr>
+    <a:masterClrMapping/>
+  </p:clrMapOvr>
+</p:sld>
+</file>
+
 <file path=ppt/slides/slide2.xml><?xml version="1.0" encoding="utf-8"?>
 <p:sld xmlns:a="http://schemas.openxmlformats.org/drawingml/2006/main" xmlns:r="http://schemas.openxmlformats.org/officeDocument/2006/relationships" xmlns:p="http://schemas.openxmlformats.org/presentationml/2006/main">
   <p:cSld>
@@ -4089,7 +4321,7 @@
           <a:graphicData uri="http://schemas.openxmlformats.org/presentationml/2006/ole">
             <mc:AlternateContent xmlns:mc="http://schemas.openxmlformats.org/markup-compatibility/2006">
               <mc:Choice xmlns:v="urn:schemas-microsoft-com:vml" Requires="v">
-                <p:oleObj spid="_x0000_s1034" r:id="rId3" imgW="2879617" imgH="1426410" progId="Visio.Drawing.11">
+                <p:oleObj spid="_x0000_s1036" r:id="rId3" imgW="2879617" imgH="1426410" progId="Visio.Drawing.11">
                   <p:embed/>
                 </p:oleObj>
               </mc:Choice>
@@ -4266,7 +4498,7 @@
           <a:graphicData uri="http://schemas.openxmlformats.org/presentationml/2006/ole">
             <mc:AlternateContent xmlns:mc="http://schemas.openxmlformats.org/markup-compatibility/2006">
               <mc:Choice xmlns:v="urn:schemas-microsoft-com:vml" Requires="v">
-                <p:oleObj spid="_x0000_s1035" r:id="rId5" imgW="2029239" imgH="1408050" progId="Visio.Drawing.11">
+                <p:oleObj spid="_x0000_s1037" r:id="rId5" imgW="2029239" imgH="1408050" progId="Visio.Drawing.11">
                   <p:embed/>
                 </p:oleObj>
               </mc:Choice>

--- a/Lecture#22/Lecture_22_handout.pptx
+++ b/Lecture#22/Lecture_22_handout.pptx
@@ -6,10 +6,10 @@
     <p:sldMasterId id="2147483665" r:id="rId2"/>
   </p:sldMasterIdLst>
   <p:notesMasterIdLst>
-    <p:notesMasterId r:id="rId16"/>
+    <p:notesMasterId r:id="rId18"/>
   </p:notesMasterIdLst>
   <p:handoutMasterIdLst>
-    <p:handoutMasterId r:id="rId17"/>
+    <p:handoutMasterId r:id="rId19"/>
   </p:handoutMasterIdLst>
   <p:sldIdLst>
     <p:sldId id="260" r:id="rId3"/>
@@ -25,6 +25,8 @@
     <p:sldId id="452" r:id="rId13"/>
     <p:sldId id="451" r:id="rId14"/>
     <p:sldId id="453" r:id="rId15"/>
+    <p:sldId id="454" r:id="rId16"/>
+    <p:sldId id="455" r:id="rId17"/>
   </p:sldIdLst>
   <p:sldSz cx="10058400" cy="7772400"/>
   <p:notesSz cx="7315200" cy="9601200"/>
@@ -277,7 +279,7 @@
                 </a:solidFill>
               </a:rPr>
               <a:pPr/>
-              <a:t>4/18/2019</a:t>
+              <a:t>4/30/2019</a:t>
             </a:fld>
             <a:endParaRPr lang="en-US" dirty="0">
               <a:solidFill>
@@ -438,7 +440,7 @@
             <a:fld id="{DBF7D493-8EEB-7E45-916B-5FBC49ABC710}" type="datetimeFigureOut">
               <a:rPr lang="en-US" smtClean="0"/>
               <a:pPr/>
-              <a:t>4/18/2019</a:t>
+              <a:t>4/29/2019</a:t>
             </a:fld>
             <a:endParaRPr lang="en-US" dirty="0"/>
           </a:p>
@@ -3496,6 +3498,9764 @@
 </p:sld>
 </file>
 
+<file path=ppt/slides/slide14.xml><?xml version="1.0" encoding="utf-8"?>
+<p:sld xmlns:a="http://schemas.openxmlformats.org/drawingml/2006/main" xmlns:r="http://schemas.openxmlformats.org/officeDocument/2006/relationships" xmlns:p="http://schemas.openxmlformats.org/presentationml/2006/main">
+  <p:cSld>
+    <p:spTree>
+      <p:nvGrpSpPr>
+        <p:cNvPr id="1" name=""/>
+        <p:cNvGrpSpPr/>
+        <p:nvPr/>
+      </p:nvGrpSpPr>
+      <p:grpSpPr>
+        <a:xfrm>
+          <a:off x="0" y="0"/>
+          <a:ext cx="0" cy="0"/>
+          <a:chOff x="0" y="0"/>
+          <a:chExt cx="0" cy="0"/>
+        </a:xfrm>
+      </p:grpSpPr>
+      <p:graphicFrame>
+        <p:nvGraphicFramePr>
+          <p:cNvPr id="4" name="Table 3">
+            <a:extLst>
+              <a:ext uri="{FF2B5EF4-FFF2-40B4-BE49-F238E27FC236}">
+                <a16:creationId xmlns:a16="http://schemas.microsoft.com/office/drawing/2014/main" id="{D444520E-C9A1-4234-A556-74F25CD05133}"/>
+              </a:ext>
+            </a:extLst>
+          </p:cNvPr>
+          <p:cNvGraphicFramePr>
+            <a:graphicFrameLocks noGrp="1"/>
+          </p:cNvGraphicFramePr>
+          <p:nvPr>
+            <p:extLst>
+              <p:ext uri="{D42A27DB-BD31-4B8C-83A1-F6EECF244321}">
+                <p14:modId xmlns:p14="http://schemas.microsoft.com/office/powerpoint/2010/main" val="1171570965"/>
+              </p:ext>
+            </p:extLst>
+          </p:nvPr>
+        </p:nvGraphicFramePr>
+        <p:xfrm>
+          <a:off x="258184" y="215153"/>
+          <a:ext cx="9111726" cy="6508382"/>
+        </p:xfrm>
+        <a:graphic>
+          <a:graphicData uri="http://schemas.openxmlformats.org/drawingml/2006/table">
+            <a:tbl>
+              <a:tblPr>
+                <a:tableStyleId>{5C22544A-7EE6-4342-B048-85BDC9FD1C3A}</a:tableStyleId>
+              </a:tblPr>
+              <a:tblGrid>
+                <a:gridCol w="3037242">
+                  <a:extLst>
+                    <a:ext uri="{9D8B030D-6E8A-4147-A177-3AD203B41FA5}">
+                      <a16:colId xmlns:a16="http://schemas.microsoft.com/office/drawing/2014/main" val="1394390243"/>
+                    </a:ext>
+                  </a:extLst>
+                </a:gridCol>
+                <a:gridCol w="3037242">
+                  <a:extLst>
+                    <a:ext uri="{9D8B030D-6E8A-4147-A177-3AD203B41FA5}">
+                      <a16:colId xmlns:a16="http://schemas.microsoft.com/office/drawing/2014/main" val="152175752"/>
+                    </a:ext>
+                  </a:extLst>
+                </a:gridCol>
+                <a:gridCol w="3037242">
+                  <a:extLst>
+                    <a:ext uri="{9D8B030D-6E8A-4147-A177-3AD203B41FA5}">
+                      <a16:colId xmlns:a16="http://schemas.microsoft.com/office/drawing/2014/main" val="2047621639"/>
+                    </a:ext>
+                  </a:extLst>
+                </a:gridCol>
+              </a:tblGrid>
+              <a:tr h="382846">
+                <a:tc>
+                  <a:txBody>
+                    <a:bodyPr/>
+                    <a:lstStyle/>
+                    <a:p>
+                      <a:pPr algn="l" fontAlgn="b"/>
+                      <a:r>
+                        <a:rPr lang="en-US" sz="1600" b="1" i="0" u="none" strike="noStrike" baseline="0" dirty="0">
+                          <a:effectLst/>
+                        </a:rPr>
+                        <a:t>Left return: (inOrder.asm)</a:t>
+                      </a:r>
+                      <a:endParaRPr lang="en-US" sz="1600" b="1" i="0" u="none" strike="noStrike" baseline="0" dirty="0">
+                        <a:solidFill>
+                          <a:srgbClr val="000000"/>
+                        </a:solidFill>
+                        <a:effectLst/>
+                        <a:latin typeface="Calibri" panose="020F0502020204030204" pitchFamily="34" charset="0"/>
+                      </a:endParaRPr>
+                    </a:p>
+                  </a:txBody>
+                  <a:tcPr marL="7620" marR="7620" marT="7620" marB="0" anchor="b">
+                    <a:lnR w="12700" cap="flat" cmpd="sng" algn="ctr">
+                      <a:solidFill>
+                        <a:schemeClr val="tx1"/>
+                      </a:solidFill>
+                      <a:prstDash val="solid"/>
+                      <a:round/>
+                      <a:headEnd type="none" w="med" len="med"/>
+                      <a:tailEnd type="none" w="med" len="med"/>
+                    </a:lnR>
+                  </a:tcPr>
+                </a:tc>
+                <a:tc>
+                  <a:txBody>
+                    <a:bodyPr/>
+                    <a:lstStyle/>
+                    <a:p>
+                      <a:pPr algn="ctr" fontAlgn="b"/>
+                      <a:r>
+                        <a:rPr lang="en-US" sz="1600" b="1" i="0" u="none" strike="noStrike" baseline="0">
+                          <a:effectLst/>
+                        </a:rPr>
+                        <a:t> </a:t>
+                      </a:r>
+                      <a:endParaRPr lang="en-US" sz="1600" b="1" i="0" u="none" strike="noStrike" baseline="0">
+                        <a:solidFill>
+                          <a:srgbClr val="000000"/>
+                        </a:solidFill>
+                        <a:effectLst/>
+                        <a:latin typeface="Calibri" panose="020F0502020204030204" pitchFamily="34" charset="0"/>
+                      </a:endParaRPr>
+                    </a:p>
+                  </a:txBody>
+                  <a:tcPr marL="7620" marR="7620" marT="7620" marB="0" anchor="b">
+                    <a:lnL w="12700" cap="flat" cmpd="sng" algn="ctr">
+                      <a:solidFill>
+                        <a:schemeClr val="tx1"/>
+                      </a:solidFill>
+                      <a:prstDash val="solid"/>
+                      <a:round/>
+                      <a:headEnd type="none" w="med" len="med"/>
+                      <a:tailEnd type="none" w="med" len="med"/>
+                    </a:lnL>
+                    <a:lnR w="12700" cap="flat" cmpd="sng" algn="ctr">
+                      <a:solidFill>
+                        <a:schemeClr val="tx1"/>
+                      </a:solidFill>
+                      <a:prstDash val="solid"/>
+                      <a:round/>
+                      <a:headEnd type="none" w="med" len="med"/>
+                      <a:tailEnd type="none" w="med" len="med"/>
+                    </a:lnR>
+                    <a:lnT w="12700" cap="flat" cmpd="sng" algn="ctr">
+                      <a:solidFill>
+                        <a:schemeClr val="tx1"/>
+                      </a:solidFill>
+                      <a:prstDash val="solid"/>
+                      <a:round/>
+                      <a:headEnd type="none" w="med" len="med"/>
+                      <a:tailEnd type="none" w="med" len="med"/>
+                    </a:lnT>
+                    <a:lnB w="12700" cap="flat" cmpd="sng" algn="ctr">
+                      <a:solidFill>
+                        <a:schemeClr val="tx1"/>
+                      </a:solidFill>
+                      <a:prstDash val="solid"/>
+                      <a:round/>
+                      <a:headEnd type="none" w="med" len="med"/>
+                      <a:tailEnd type="none" w="med" len="med"/>
+                    </a:lnB>
+                  </a:tcPr>
+                </a:tc>
+                <a:tc>
+                  <a:txBody>
+                    <a:bodyPr/>
+                    <a:lstStyle/>
+                    <a:p>
+                      <a:pPr algn="l" fontAlgn="b"/>
+                      <a:endParaRPr lang="en-US" sz="1600" b="1" i="0" u="none" strike="noStrike" baseline="0" dirty="0">
+                        <a:solidFill>
+                          <a:srgbClr val="000000"/>
+                        </a:solidFill>
+                        <a:effectLst/>
+                        <a:latin typeface="Calibri" panose="020F0502020204030204" pitchFamily="34" charset="0"/>
+                      </a:endParaRPr>
+                    </a:p>
+                  </a:txBody>
+                  <a:tcPr marL="7620" marR="7620" marT="7620" marB="0" anchor="b">
+                    <a:lnL w="12700" cap="flat" cmpd="sng" algn="ctr">
+                      <a:solidFill>
+                        <a:schemeClr val="tx1"/>
+                      </a:solidFill>
+                      <a:prstDash val="solid"/>
+                      <a:round/>
+                      <a:headEnd type="none" w="med" len="med"/>
+                      <a:tailEnd type="none" w="med" len="med"/>
+                    </a:lnL>
+                  </a:tcPr>
+                </a:tc>
+                <a:extLst>
+                  <a:ext uri="{0D108BD9-81ED-4DB2-BD59-A6C34878D82A}">
+                    <a16:rowId xmlns:a16="http://schemas.microsoft.com/office/drawing/2014/main" val="2991663067"/>
+                  </a:ext>
+                </a:extLst>
+              </a:tr>
+              <a:tr h="382846">
+                <a:tc>
+                  <a:txBody>
+                    <a:bodyPr/>
+                    <a:lstStyle/>
+                    <a:p>
+                      <a:pPr algn="r" fontAlgn="b"/>
+                      <a:endParaRPr lang="en-US" sz="1600" b="1" i="0" u="none" strike="noStrike" baseline="0">
+                        <a:solidFill>
+                          <a:srgbClr val="000000"/>
+                        </a:solidFill>
+                        <a:effectLst/>
+                        <a:latin typeface="Calibri" panose="020F0502020204030204" pitchFamily="34" charset="0"/>
+                      </a:endParaRPr>
+                    </a:p>
+                  </a:txBody>
+                  <a:tcPr marL="7620" marR="7620" marT="7620" marB="0" anchor="b">
+                    <a:lnR w="12700" cap="flat" cmpd="sng" algn="ctr">
+                      <a:solidFill>
+                        <a:schemeClr val="tx1"/>
+                      </a:solidFill>
+                      <a:prstDash val="solid"/>
+                      <a:round/>
+                      <a:headEnd type="none" w="med" len="med"/>
+                      <a:tailEnd type="none" w="med" len="med"/>
+                    </a:lnR>
+                  </a:tcPr>
+                </a:tc>
+                <a:tc>
+                  <a:txBody>
+                    <a:bodyPr/>
+                    <a:lstStyle/>
+                    <a:p>
+                      <a:pPr algn="ctr" fontAlgn="b"/>
+                      <a:r>
+                        <a:rPr lang="en-US" sz="1600" b="1" i="0" u="none" strike="noStrike" baseline="0" dirty="0">
+                          <a:effectLst/>
+                        </a:rPr>
+                        <a:t> </a:t>
+                      </a:r>
+                      <a:endParaRPr lang="en-US" sz="1600" b="1" i="0" u="none" strike="noStrike" baseline="0" dirty="0">
+                        <a:solidFill>
+                          <a:srgbClr val="000000"/>
+                        </a:solidFill>
+                        <a:effectLst/>
+                        <a:latin typeface="Calibri" panose="020F0502020204030204" pitchFamily="34" charset="0"/>
+                      </a:endParaRPr>
+                    </a:p>
+                  </a:txBody>
+                  <a:tcPr marL="7620" marR="7620" marT="7620" marB="0" anchor="b">
+                    <a:lnL w="12700" cap="flat" cmpd="sng" algn="ctr">
+                      <a:solidFill>
+                        <a:schemeClr val="tx1"/>
+                      </a:solidFill>
+                      <a:prstDash val="solid"/>
+                      <a:round/>
+                      <a:headEnd type="none" w="med" len="med"/>
+                      <a:tailEnd type="none" w="med" len="med"/>
+                    </a:lnL>
+                    <a:lnR w="12700" cap="flat" cmpd="sng" algn="ctr">
+                      <a:solidFill>
+                        <a:schemeClr val="tx1"/>
+                      </a:solidFill>
+                      <a:prstDash val="solid"/>
+                      <a:round/>
+                      <a:headEnd type="none" w="med" len="med"/>
+                      <a:tailEnd type="none" w="med" len="med"/>
+                    </a:lnR>
+                    <a:lnT w="12700" cap="flat" cmpd="sng" algn="ctr">
+                      <a:solidFill>
+                        <a:schemeClr val="tx1"/>
+                      </a:solidFill>
+                      <a:prstDash val="solid"/>
+                      <a:round/>
+                      <a:headEnd type="none" w="med" len="med"/>
+                      <a:tailEnd type="none" w="med" len="med"/>
+                    </a:lnT>
+                    <a:lnB w="12700" cap="flat" cmpd="sng" algn="ctr">
+                      <a:solidFill>
+                        <a:schemeClr val="tx1"/>
+                      </a:solidFill>
+                      <a:prstDash val="solid"/>
+                      <a:round/>
+                      <a:headEnd type="none" w="med" len="med"/>
+                      <a:tailEnd type="none" w="med" len="med"/>
+                    </a:lnB>
+                  </a:tcPr>
+                </a:tc>
+                <a:tc>
+                  <a:txBody>
+                    <a:bodyPr/>
+                    <a:lstStyle/>
+                    <a:p>
+                      <a:pPr algn="l" fontAlgn="b"/>
+                      <a:endParaRPr lang="en-US" sz="1600" b="1" i="0" u="none" strike="noStrike" baseline="0">
+                        <a:solidFill>
+                          <a:srgbClr val="000000"/>
+                        </a:solidFill>
+                        <a:effectLst/>
+                        <a:latin typeface="Calibri" panose="020F0502020204030204" pitchFamily="34" charset="0"/>
+                      </a:endParaRPr>
+                    </a:p>
+                  </a:txBody>
+                  <a:tcPr marL="7620" marR="7620" marT="7620" marB="0" anchor="b">
+                    <a:lnL w="12700" cap="flat" cmpd="sng" algn="ctr">
+                      <a:solidFill>
+                        <a:schemeClr val="tx1"/>
+                      </a:solidFill>
+                      <a:prstDash val="solid"/>
+                      <a:round/>
+                      <a:headEnd type="none" w="med" len="med"/>
+                      <a:tailEnd type="none" w="med" len="med"/>
+                    </a:lnL>
+                  </a:tcPr>
+                </a:tc>
+                <a:extLst>
+                  <a:ext uri="{0D108BD9-81ED-4DB2-BD59-A6C34878D82A}">
+                    <a16:rowId xmlns:a16="http://schemas.microsoft.com/office/drawing/2014/main" val="1517830638"/>
+                  </a:ext>
+                </a:extLst>
+              </a:tr>
+              <a:tr h="382846">
+                <a:tc>
+                  <a:txBody>
+                    <a:bodyPr/>
+                    <a:lstStyle/>
+                    <a:p>
+                      <a:pPr algn="r" fontAlgn="b"/>
+                      <a:r>
+                        <a:rPr lang="en-US" sz="1600" b="1" i="0" u="none" strike="noStrike" baseline="0" dirty="0">
+                          <a:effectLst/>
+                        </a:rPr>
+                        <a:t>x6FF4</a:t>
+                      </a:r>
+                      <a:endParaRPr lang="en-US" sz="1600" b="1" i="0" u="none" strike="noStrike" baseline="0" dirty="0">
+                        <a:solidFill>
+                          <a:srgbClr val="000000"/>
+                        </a:solidFill>
+                        <a:effectLst/>
+                        <a:latin typeface="Calibri" panose="020F0502020204030204" pitchFamily="34" charset="0"/>
+                      </a:endParaRPr>
+                    </a:p>
+                  </a:txBody>
+                  <a:tcPr marL="7620" marR="7620" marT="7620" marB="0" anchor="b">
+                    <a:lnR w="12700" cap="flat" cmpd="sng" algn="ctr">
+                      <a:solidFill>
+                        <a:schemeClr val="tx1"/>
+                      </a:solidFill>
+                      <a:prstDash val="solid"/>
+                      <a:round/>
+                      <a:headEnd type="none" w="med" len="med"/>
+                      <a:tailEnd type="none" w="med" len="med"/>
+                    </a:lnR>
+                  </a:tcPr>
+                </a:tc>
+                <a:tc>
+                  <a:txBody>
+                    <a:bodyPr/>
+                    <a:lstStyle/>
+                    <a:p>
+                      <a:pPr algn="ctr" fontAlgn="b"/>
+                      <a:r>
+                        <a:rPr lang="en-US" sz="1600" b="1" i="0" u="none" strike="noStrike" baseline="0" dirty="0">
+                          <a:effectLst/>
+                        </a:rPr>
+                        <a:t> </a:t>
+                      </a:r>
+                      <a:endParaRPr lang="en-US" sz="1600" b="1" i="0" u="none" strike="noStrike" baseline="0" dirty="0">
+                        <a:solidFill>
+                          <a:srgbClr val="000000"/>
+                        </a:solidFill>
+                        <a:effectLst/>
+                        <a:latin typeface="Calibri" panose="020F0502020204030204" pitchFamily="34" charset="0"/>
+                      </a:endParaRPr>
+                    </a:p>
+                  </a:txBody>
+                  <a:tcPr marL="7620" marR="7620" marT="7620" marB="0" anchor="b">
+                    <a:lnL w="12700" cap="flat" cmpd="sng" algn="ctr">
+                      <a:solidFill>
+                        <a:schemeClr val="tx1"/>
+                      </a:solidFill>
+                      <a:prstDash val="solid"/>
+                      <a:round/>
+                      <a:headEnd type="none" w="med" len="med"/>
+                      <a:tailEnd type="none" w="med" len="med"/>
+                    </a:lnL>
+                    <a:lnR w="12700" cap="flat" cmpd="sng" algn="ctr">
+                      <a:solidFill>
+                        <a:schemeClr val="tx1"/>
+                      </a:solidFill>
+                      <a:prstDash val="solid"/>
+                      <a:round/>
+                      <a:headEnd type="none" w="med" len="med"/>
+                      <a:tailEnd type="none" w="med" len="med"/>
+                    </a:lnR>
+                    <a:lnT w="12700" cap="flat" cmpd="sng" algn="ctr">
+                      <a:solidFill>
+                        <a:schemeClr val="tx1"/>
+                      </a:solidFill>
+                      <a:prstDash val="solid"/>
+                      <a:round/>
+                      <a:headEnd type="none" w="med" len="med"/>
+                      <a:tailEnd type="none" w="med" len="med"/>
+                    </a:lnT>
+                    <a:lnB w="12700" cap="flat" cmpd="sng" algn="ctr">
+                      <a:solidFill>
+                        <a:schemeClr val="tx1"/>
+                      </a:solidFill>
+                      <a:prstDash val="solid"/>
+                      <a:round/>
+                      <a:headEnd type="none" w="med" len="med"/>
+                      <a:tailEnd type="none" w="med" len="med"/>
+                    </a:lnB>
+                  </a:tcPr>
+                </a:tc>
+                <a:tc>
+                  <a:txBody>
+                    <a:bodyPr/>
+                    <a:lstStyle/>
+                    <a:p>
+                      <a:pPr algn="l" fontAlgn="b"/>
+                      <a:r>
+                        <a:rPr lang="en-US" sz="1600" b="1" i="0" u="none" strike="noStrike" baseline="0" dirty="0">
+                          <a:effectLst/>
+                        </a:rPr>
+                        <a:t>R5(new)</a:t>
+                      </a:r>
+                      <a:endParaRPr lang="en-US" sz="1600" b="1" i="0" u="none" strike="noStrike" baseline="0" dirty="0">
+                        <a:solidFill>
+                          <a:srgbClr val="000000"/>
+                        </a:solidFill>
+                        <a:effectLst/>
+                        <a:latin typeface="Calibri" panose="020F0502020204030204" pitchFamily="34" charset="0"/>
+                      </a:endParaRPr>
+                    </a:p>
+                  </a:txBody>
+                  <a:tcPr marL="7620" marR="7620" marT="7620" marB="0" anchor="b">
+                    <a:lnL w="12700" cap="flat" cmpd="sng" algn="ctr">
+                      <a:solidFill>
+                        <a:schemeClr val="tx1"/>
+                      </a:solidFill>
+                      <a:prstDash val="solid"/>
+                      <a:round/>
+                      <a:headEnd type="none" w="med" len="med"/>
+                      <a:tailEnd type="none" w="med" len="med"/>
+                    </a:lnL>
+                  </a:tcPr>
+                </a:tc>
+                <a:extLst>
+                  <a:ext uri="{0D108BD9-81ED-4DB2-BD59-A6C34878D82A}">
+                    <a16:rowId xmlns:a16="http://schemas.microsoft.com/office/drawing/2014/main" val="2194750226"/>
+                  </a:ext>
+                </a:extLst>
+              </a:tr>
+              <a:tr h="382846">
+                <a:tc>
+                  <a:txBody>
+                    <a:bodyPr/>
+                    <a:lstStyle/>
+                    <a:p>
+                      <a:pPr algn="r" fontAlgn="b"/>
+                      <a:r>
+                        <a:rPr lang="en-US" sz="1600" b="1" i="0" u="none" strike="noStrike" baseline="0" dirty="0">
+                          <a:effectLst/>
+                        </a:rPr>
+                        <a:t>Restore R5 = x6FF8 </a:t>
+                      </a:r>
+                      <a:endParaRPr lang="en-US" sz="1600" b="1" i="0" u="none" strike="noStrike" baseline="0" dirty="0">
+                        <a:solidFill>
+                          <a:srgbClr val="000000"/>
+                        </a:solidFill>
+                        <a:effectLst/>
+                        <a:latin typeface="Calibri" panose="020F0502020204030204" pitchFamily="34" charset="0"/>
+                      </a:endParaRPr>
+                    </a:p>
+                  </a:txBody>
+                  <a:tcPr marL="7620" marR="7620" marT="7620" marB="0" anchor="b">
+                    <a:lnR w="12700" cap="flat" cmpd="sng" algn="ctr">
+                      <a:solidFill>
+                        <a:schemeClr val="tx1"/>
+                      </a:solidFill>
+                      <a:prstDash val="solid"/>
+                      <a:round/>
+                      <a:headEnd type="none" w="med" len="med"/>
+                      <a:tailEnd type="none" w="med" len="med"/>
+                    </a:lnR>
+                  </a:tcPr>
+                </a:tc>
+                <a:tc>
+                  <a:txBody>
+                    <a:bodyPr/>
+                    <a:lstStyle/>
+                    <a:p>
+                      <a:pPr algn="ctr" fontAlgn="b"/>
+                      <a:r>
+                        <a:rPr lang="en-US" sz="1600" b="1" i="0" u="none" strike="noStrike" baseline="0">
+                          <a:effectLst/>
+                        </a:rPr>
+                        <a:t>R5(old) = x6FF8</a:t>
+                      </a:r>
+                      <a:endParaRPr lang="en-US" sz="1600" b="1" i="0" u="none" strike="noStrike" baseline="0">
+                        <a:solidFill>
+                          <a:srgbClr val="000000"/>
+                        </a:solidFill>
+                        <a:effectLst/>
+                        <a:latin typeface="Calibri" panose="020F0502020204030204" pitchFamily="34" charset="0"/>
+                      </a:endParaRPr>
+                    </a:p>
+                  </a:txBody>
+                  <a:tcPr marL="7620" marR="7620" marT="7620" marB="0" anchor="b">
+                    <a:lnL w="12700" cap="flat" cmpd="sng" algn="ctr">
+                      <a:solidFill>
+                        <a:schemeClr val="tx1"/>
+                      </a:solidFill>
+                      <a:prstDash val="solid"/>
+                      <a:round/>
+                      <a:headEnd type="none" w="med" len="med"/>
+                      <a:tailEnd type="none" w="med" len="med"/>
+                    </a:lnL>
+                    <a:lnR w="12700" cap="flat" cmpd="sng" algn="ctr">
+                      <a:solidFill>
+                        <a:schemeClr val="tx1"/>
+                      </a:solidFill>
+                      <a:prstDash val="solid"/>
+                      <a:round/>
+                      <a:headEnd type="none" w="med" len="med"/>
+                      <a:tailEnd type="none" w="med" len="med"/>
+                    </a:lnR>
+                    <a:lnT w="12700" cap="flat" cmpd="sng" algn="ctr">
+                      <a:solidFill>
+                        <a:schemeClr val="tx1"/>
+                      </a:solidFill>
+                      <a:prstDash val="solid"/>
+                      <a:round/>
+                      <a:headEnd type="none" w="med" len="med"/>
+                      <a:tailEnd type="none" w="med" len="med"/>
+                    </a:lnT>
+                    <a:lnB w="12700" cap="flat" cmpd="sng" algn="ctr">
+                      <a:solidFill>
+                        <a:schemeClr val="tx1"/>
+                      </a:solidFill>
+                      <a:prstDash val="solid"/>
+                      <a:round/>
+                      <a:headEnd type="none" w="med" len="med"/>
+                      <a:tailEnd type="none" w="med" len="med"/>
+                    </a:lnB>
+                  </a:tcPr>
+                </a:tc>
+                <a:tc>
+                  <a:txBody>
+                    <a:bodyPr/>
+                    <a:lstStyle/>
+                    <a:p>
+                      <a:pPr algn="l" fontAlgn="b"/>
+                      <a:r>
+                        <a:rPr lang="en-US" sz="1600" b="1" i="0" u="none" strike="noStrike" baseline="0" dirty="0">
+                          <a:effectLst/>
+                        </a:rPr>
+                        <a:t>R6</a:t>
+                      </a:r>
+                      <a:endParaRPr lang="en-US" sz="1600" b="1" i="0" u="none" strike="noStrike" baseline="0" dirty="0">
+                        <a:solidFill>
+                          <a:srgbClr val="000000"/>
+                        </a:solidFill>
+                        <a:effectLst/>
+                        <a:latin typeface="Calibri" panose="020F0502020204030204" pitchFamily="34" charset="0"/>
+                      </a:endParaRPr>
+                    </a:p>
+                  </a:txBody>
+                  <a:tcPr marL="7620" marR="7620" marT="7620" marB="0" anchor="b">
+                    <a:lnL w="12700" cap="flat" cmpd="sng" algn="ctr">
+                      <a:solidFill>
+                        <a:schemeClr val="tx1"/>
+                      </a:solidFill>
+                      <a:prstDash val="solid"/>
+                      <a:round/>
+                      <a:headEnd type="none" w="med" len="med"/>
+                      <a:tailEnd type="none" w="med" len="med"/>
+                    </a:lnL>
+                  </a:tcPr>
+                </a:tc>
+                <a:extLst>
+                  <a:ext uri="{0D108BD9-81ED-4DB2-BD59-A6C34878D82A}">
+                    <a16:rowId xmlns:a16="http://schemas.microsoft.com/office/drawing/2014/main" val="1542646133"/>
+                  </a:ext>
+                </a:extLst>
+              </a:tr>
+              <a:tr h="382846">
+                <a:tc>
+                  <a:txBody>
+                    <a:bodyPr/>
+                    <a:lstStyle/>
+                    <a:p>
+                      <a:pPr algn="r" fontAlgn="b"/>
+                      <a:endParaRPr lang="en-US" sz="1600" b="1" i="0" u="none" strike="noStrike" baseline="0">
+                        <a:solidFill>
+                          <a:srgbClr val="000000"/>
+                        </a:solidFill>
+                        <a:effectLst/>
+                        <a:latin typeface="Calibri" panose="020F0502020204030204" pitchFamily="34" charset="0"/>
+                      </a:endParaRPr>
+                    </a:p>
+                  </a:txBody>
+                  <a:tcPr marL="7620" marR="7620" marT="7620" marB="0" anchor="b">
+                    <a:lnR w="12700" cap="flat" cmpd="sng" algn="ctr">
+                      <a:solidFill>
+                        <a:schemeClr val="tx1"/>
+                      </a:solidFill>
+                      <a:prstDash val="solid"/>
+                      <a:round/>
+                      <a:headEnd type="none" w="med" len="med"/>
+                      <a:tailEnd type="none" w="med" len="med"/>
+                    </a:lnR>
+                  </a:tcPr>
+                </a:tc>
+                <a:tc>
+                  <a:txBody>
+                    <a:bodyPr/>
+                    <a:lstStyle/>
+                    <a:p>
+                      <a:pPr algn="ctr" fontAlgn="b"/>
+                      <a:r>
+                        <a:rPr lang="en-US" sz="1600" b="1" i="0" u="none" strike="noStrike" baseline="0">
+                          <a:effectLst/>
+                        </a:rPr>
+                        <a:t>R.A (left Return)</a:t>
+                      </a:r>
+                      <a:endParaRPr lang="en-US" sz="1600" b="1" i="0" u="none" strike="noStrike" baseline="0">
+                        <a:solidFill>
+                          <a:srgbClr val="000000"/>
+                        </a:solidFill>
+                        <a:effectLst/>
+                        <a:latin typeface="Calibri" panose="020F0502020204030204" pitchFamily="34" charset="0"/>
+                      </a:endParaRPr>
+                    </a:p>
+                  </a:txBody>
+                  <a:tcPr marL="7620" marR="7620" marT="7620" marB="0" anchor="b">
+                    <a:lnL w="12700" cap="flat" cmpd="sng" algn="ctr">
+                      <a:solidFill>
+                        <a:schemeClr val="tx1"/>
+                      </a:solidFill>
+                      <a:prstDash val="solid"/>
+                      <a:round/>
+                      <a:headEnd type="none" w="med" len="med"/>
+                      <a:tailEnd type="none" w="med" len="med"/>
+                    </a:lnL>
+                    <a:lnR w="12700" cap="flat" cmpd="sng" algn="ctr">
+                      <a:solidFill>
+                        <a:schemeClr val="tx1"/>
+                      </a:solidFill>
+                      <a:prstDash val="solid"/>
+                      <a:round/>
+                      <a:headEnd type="none" w="med" len="med"/>
+                      <a:tailEnd type="none" w="med" len="med"/>
+                    </a:lnR>
+                    <a:lnT w="12700" cap="flat" cmpd="sng" algn="ctr">
+                      <a:solidFill>
+                        <a:schemeClr val="tx1"/>
+                      </a:solidFill>
+                      <a:prstDash val="solid"/>
+                      <a:round/>
+                      <a:headEnd type="none" w="med" len="med"/>
+                      <a:tailEnd type="none" w="med" len="med"/>
+                    </a:lnT>
+                    <a:lnB w="12700" cap="flat" cmpd="sng" algn="ctr">
+                      <a:solidFill>
+                        <a:schemeClr val="tx1"/>
+                      </a:solidFill>
+                      <a:prstDash val="solid"/>
+                      <a:round/>
+                      <a:headEnd type="none" w="med" len="med"/>
+                      <a:tailEnd type="none" w="med" len="med"/>
+                    </a:lnB>
+                  </a:tcPr>
+                </a:tc>
+                <a:tc>
+                  <a:txBody>
+                    <a:bodyPr/>
+                    <a:lstStyle/>
+                    <a:p>
+                      <a:pPr algn="l" fontAlgn="b"/>
+                      <a:endParaRPr lang="en-US" sz="1600" b="1" i="0" u="none" strike="noStrike" baseline="0">
+                        <a:solidFill>
+                          <a:srgbClr val="000000"/>
+                        </a:solidFill>
+                        <a:effectLst/>
+                        <a:latin typeface="Calibri" panose="020F0502020204030204" pitchFamily="34" charset="0"/>
+                      </a:endParaRPr>
+                    </a:p>
+                  </a:txBody>
+                  <a:tcPr marL="7620" marR="7620" marT="7620" marB="0" anchor="b">
+                    <a:lnL w="12700" cap="flat" cmpd="sng" algn="ctr">
+                      <a:solidFill>
+                        <a:schemeClr val="tx1"/>
+                      </a:solidFill>
+                      <a:prstDash val="solid"/>
+                      <a:round/>
+                      <a:headEnd type="none" w="med" len="med"/>
+                      <a:tailEnd type="none" w="med" len="med"/>
+                    </a:lnL>
+                  </a:tcPr>
+                </a:tc>
+                <a:extLst>
+                  <a:ext uri="{0D108BD9-81ED-4DB2-BD59-A6C34878D82A}">
+                    <a16:rowId xmlns:a16="http://schemas.microsoft.com/office/drawing/2014/main" val="1880938316"/>
+                  </a:ext>
+                </a:extLst>
+              </a:tr>
+              <a:tr h="382846">
+                <a:tc>
+                  <a:txBody>
+                    <a:bodyPr/>
+                    <a:lstStyle/>
+                    <a:p>
+                      <a:pPr algn="r" fontAlgn="b"/>
+                      <a:endParaRPr lang="en-US" sz="1600" b="1" i="0" u="none" strike="noStrike" baseline="0">
+                        <a:solidFill>
+                          <a:srgbClr val="000000"/>
+                        </a:solidFill>
+                        <a:effectLst/>
+                        <a:latin typeface="Calibri" panose="020F0502020204030204" pitchFamily="34" charset="0"/>
+                      </a:endParaRPr>
+                    </a:p>
+                  </a:txBody>
+                  <a:tcPr marL="7620" marR="7620" marT="7620" marB="0" anchor="b">
+                    <a:lnR w="12700" cap="flat" cmpd="sng" algn="ctr">
+                      <a:solidFill>
+                        <a:schemeClr val="tx1"/>
+                      </a:solidFill>
+                      <a:prstDash val="solid"/>
+                      <a:round/>
+                      <a:headEnd type="none" w="med" len="med"/>
+                      <a:tailEnd type="none" w="med" len="med"/>
+                    </a:lnR>
+                  </a:tcPr>
+                </a:tc>
+                <a:tc>
+                  <a:txBody>
+                    <a:bodyPr/>
+                    <a:lstStyle/>
+                    <a:p>
+                      <a:pPr algn="ctr" fontAlgn="b"/>
+                      <a:r>
+                        <a:rPr lang="en-US" sz="1600" b="1" i="0" u="none" strike="noStrike" baseline="0">
+                          <a:effectLst/>
+                        </a:rPr>
+                        <a:t>R.V </a:t>
+                      </a:r>
+                      <a:endParaRPr lang="en-US" sz="1600" b="1" i="0" u="none" strike="noStrike" baseline="0">
+                        <a:solidFill>
+                          <a:srgbClr val="000000"/>
+                        </a:solidFill>
+                        <a:effectLst/>
+                        <a:latin typeface="Calibri" panose="020F0502020204030204" pitchFamily="34" charset="0"/>
+                      </a:endParaRPr>
+                    </a:p>
+                  </a:txBody>
+                  <a:tcPr marL="7620" marR="7620" marT="7620" marB="0" anchor="b">
+                    <a:lnL w="12700" cap="flat" cmpd="sng" algn="ctr">
+                      <a:solidFill>
+                        <a:schemeClr val="tx1"/>
+                      </a:solidFill>
+                      <a:prstDash val="solid"/>
+                      <a:round/>
+                      <a:headEnd type="none" w="med" len="med"/>
+                      <a:tailEnd type="none" w="med" len="med"/>
+                    </a:lnL>
+                    <a:lnR w="12700" cap="flat" cmpd="sng" algn="ctr">
+                      <a:solidFill>
+                        <a:schemeClr val="tx1"/>
+                      </a:solidFill>
+                      <a:prstDash val="solid"/>
+                      <a:round/>
+                      <a:headEnd type="none" w="med" len="med"/>
+                      <a:tailEnd type="none" w="med" len="med"/>
+                    </a:lnR>
+                    <a:lnT w="12700" cap="flat" cmpd="sng" algn="ctr">
+                      <a:solidFill>
+                        <a:schemeClr val="tx1"/>
+                      </a:solidFill>
+                      <a:prstDash val="solid"/>
+                      <a:round/>
+                      <a:headEnd type="none" w="med" len="med"/>
+                      <a:tailEnd type="none" w="med" len="med"/>
+                    </a:lnT>
+                    <a:lnB w="12700" cap="flat" cmpd="sng" algn="ctr">
+                      <a:solidFill>
+                        <a:schemeClr val="tx1"/>
+                      </a:solidFill>
+                      <a:prstDash val="solid"/>
+                      <a:round/>
+                      <a:headEnd type="none" w="med" len="med"/>
+                      <a:tailEnd type="none" w="med" len="med"/>
+                    </a:lnB>
+                  </a:tcPr>
+                </a:tc>
+                <a:tc>
+                  <a:txBody>
+                    <a:bodyPr/>
+                    <a:lstStyle/>
+                    <a:p>
+                      <a:pPr algn="l" fontAlgn="b"/>
+                      <a:r>
+                        <a:rPr lang="en-US" sz="1600" b="1" i="0" u="none" strike="noStrike" baseline="0">
+                          <a:effectLst/>
+                        </a:rPr>
+                        <a:t>&lt;-R6 (when DONE is executed 1st)</a:t>
+                      </a:r>
+                      <a:endParaRPr lang="en-US" sz="1600" b="1" i="0" u="none" strike="noStrike" baseline="0">
+                        <a:solidFill>
+                          <a:srgbClr val="000000"/>
+                        </a:solidFill>
+                        <a:effectLst/>
+                        <a:latin typeface="Calibri" panose="020F0502020204030204" pitchFamily="34" charset="0"/>
+                      </a:endParaRPr>
+                    </a:p>
+                  </a:txBody>
+                  <a:tcPr marL="7620" marR="7620" marT="7620" marB="0" anchor="b">
+                    <a:lnL w="12700" cap="flat" cmpd="sng" algn="ctr">
+                      <a:solidFill>
+                        <a:schemeClr val="tx1"/>
+                      </a:solidFill>
+                      <a:prstDash val="solid"/>
+                      <a:round/>
+                      <a:headEnd type="none" w="med" len="med"/>
+                      <a:tailEnd type="none" w="med" len="med"/>
+                    </a:lnL>
+                  </a:tcPr>
+                </a:tc>
+                <a:extLst>
+                  <a:ext uri="{0D108BD9-81ED-4DB2-BD59-A6C34878D82A}">
+                    <a16:rowId xmlns:a16="http://schemas.microsoft.com/office/drawing/2014/main" val="1392119824"/>
+                  </a:ext>
+                </a:extLst>
+              </a:tr>
+              <a:tr h="382846">
+                <a:tc>
+                  <a:txBody>
+                    <a:bodyPr/>
+                    <a:lstStyle/>
+                    <a:p>
+                      <a:pPr algn="r" fontAlgn="b"/>
+                      <a:r>
+                        <a:rPr lang="en-US" sz="1600" b="1" i="0" u="none" strike="noStrike" baseline="0">
+                          <a:effectLst/>
+                        </a:rPr>
+                        <a:t>x6FF8</a:t>
+                      </a:r>
+                      <a:endParaRPr lang="en-US" sz="1600" b="1" i="0" u="none" strike="noStrike" baseline="0">
+                        <a:solidFill>
+                          <a:srgbClr val="000000"/>
+                        </a:solidFill>
+                        <a:effectLst/>
+                        <a:latin typeface="Calibri" panose="020F0502020204030204" pitchFamily="34" charset="0"/>
+                      </a:endParaRPr>
+                    </a:p>
+                  </a:txBody>
+                  <a:tcPr marL="7620" marR="7620" marT="7620" marB="0" anchor="b">
+                    <a:lnR w="12700" cap="flat" cmpd="sng" algn="ctr">
+                      <a:solidFill>
+                        <a:schemeClr val="tx1"/>
+                      </a:solidFill>
+                      <a:prstDash val="solid"/>
+                      <a:round/>
+                      <a:headEnd type="none" w="med" len="med"/>
+                      <a:tailEnd type="none" w="med" len="med"/>
+                    </a:lnR>
+                  </a:tcPr>
+                </a:tc>
+                <a:tc>
+                  <a:txBody>
+                    <a:bodyPr/>
+                    <a:lstStyle/>
+                    <a:p>
+                      <a:pPr algn="ctr" fontAlgn="b"/>
+                      <a:r>
+                        <a:rPr lang="en-US" sz="1600" b="1" i="0" u="none" strike="noStrike" baseline="0">
+                          <a:effectLst/>
+                        </a:rPr>
+                        <a:t>x0</a:t>
+                      </a:r>
+                      <a:endParaRPr lang="en-US" sz="1600" b="1" i="0" u="none" strike="noStrike" baseline="0">
+                        <a:solidFill>
+                          <a:srgbClr val="000000"/>
+                        </a:solidFill>
+                        <a:effectLst/>
+                        <a:latin typeface="Calibri" panose="020F0502020204030204" pitchFamily="34" charset="0"/>
+                      </a:endParaRPr>
+                    </a:p>
+                  </a:txBody>
+                  <a:tcPr marL="7620" marR="7620" marT="7620" marB="0" anchor="b">
+                    <a:lnL w="12700" cap="flat" cmpd="sng" algn="ctr">
+                      <a:solidFill>
+                        <a:schemeClr val="tx1"/>
+                      </a:solidFill>
+                      <a:prstDash val="solid"/>
+                      <a:round/>
+                      <a:headEnd type="none" w="med" len="med"/>
+                      <a:tailEnd type="none" w="med" len="med"/>
+                    </a:lnL>
+                    <a:lnR w="12700" cap="flat" cmpd="sng" algn="ctr">
+                      <a:solidFill>
+                        <a:schemeClr val="tx1"/>
+                      </a:solidFill>
+                      <a:prstDash val="solid"/>
+                      <a:round/>
+                      <a:headEnd type="none" w="med" len="med"/>
+                      <a:tailEnd type="none" w="med" len="med"/>
+                    </a:lnR>
+                    <a:lnT w="12700" cap="flat" cmpd="sng" algn="ctr">
+                      <a:solidFill>
+                        <a:schemeClr val="tx1"/>
+                      </a:solidFill>
+                      <a:prstDash val="solid"/>
+                      <a:round/>
+                      <a:headEnd type="none" w="med" len="med"/>
+                      <a:tailEnd type="none" w="med" len="med"/>
+                    </a:lnT>
+                    <a:lnB w="12700" cap="flat" cmpd="sng" algn="ctr">
+                      <a:solidFill>
+                        <a:schemeClr val="tx1"/>
+                      </a:solidFill>
+                      <a:prstDash val="solid"/>
+                      <a:round/>
+                      <a:headEnd type="none" w="med" len="med"/>
+                      <a:tailEnd type="none" w="med" len="med"/>
+                    </a:lnB>
+                  </a:tcPr>
+                </a:tc>
+                <a:tc>
+                  <a:txBody>
+                    <a:bodyPr/>
+                    <a:lstStyle/>
+                    <a:p>
+                      <a:pPr algn="l" fontAlgn="b"/>
+                      <a:r>
+                        <a:rPr lang="en-US" sz="1600" b="1" i="0" u="none" strike="noStrike" baseline="0">
+                          <a:effectLst/>
+                        </a:rPr>
+                        <a:t>R5(new) </a:t>
+                      </a:r>
+                      <a:endParaRPr lang="en-US" sz="1600" b="1" i="0" u="none" strike="noStrike" baseline="0">
+                        <a:solidFill>
+                          <a:srgbClr val="000000"/>
+                        </a:solidFill>
+                        <a:effectLst/>
+                        <a:latin typeface="Calibri" panose="020F0502020204030204" pitchFamily="34" charset="0"/>
+                      </a:endParaRPr>
+                    </a:p>
+                  </a:txBody>
+                  <a:tcPr marL="7620" marR="7620" marT="7620" marB="0" anchor="b">
+                    <a:lnL w="12700" cap="flat" cmpd="sng" algn="ctr">
+                      <a:solidFill>
+                        <a:schemeClr val="tx1"/>
+                      </a:solidFill>
+                      <a:prstDash val="solid"/>
+                      <a:round/>
+                      <a:headEnd type="none" w="med" len="med"/>
+                      <a:tailEnd type="none" w="med" len="med"/>
+                    </a:lnL>
+                  </a:tcPr>
+                </a:tc>
+                <a:extLst>
+                  <a:ext uri="{0D108BD9-81ED-4DB2-BD59-A6C34878D82A}">
+                    <a16:rowId xmlns:a16="http://schemas.microsoft.com/office/drawing/2014/main" val="111558654"/>
+                  </a:ext>
+                </a:extLst>
+              </a:tr>
+              <a:tr h="382846">
+                <a:tc>
+                  <a:txBody>
+                    <a:bodyPr/>
+                    <a:lstStyle/>
+                    <a:p>
+                      <a:pPr algn="r" fontAlgn="b"/>
+                      <a:r>
+                        <a:rPr lang="en-US" sz="1600" b="1" i="0" u="none" strike="noStrike" baseline="0">
+                          <a:effectLst/>
+                        </a:rPr>
+                        <a:t>After 1st  RET R5 is  updated -</a:t>
+                      </a:r>
+                      <a:endParaRPr lang="en-US" sz="1600" b="1" i="0" u="none" strike="noStrike" baseline="0">
+                        <a:solidFill>
+                          <a:srgbClr val="000000"/>
+                        </a:solidFill>
+                        <a:effectLst/>
+                        <a:latin typeface="Calibri" panose="020F0502020204030204" pitchFamily="34" charset="0"/>
+                      </a:endParaRPr>
+                    </a:p>
+                  </a:txBody>
+                  <a:tcPr marL="7620" marR="7620" marT="7620" marB="0" anchor="b">
+                    <a:lnR w="12700" cap="flat" cmpd="sng" algn="ctr">
+                      <a:solidFill>
+                        <a:schemeClr val="tx1"/>
+                      </a:solidFill>
+                      <a:prstDash val="solid"/>
+                      <a:round/>
+                      <a:headEnd type="none" w="med" len="med"/>
+                      <a:tailEnd type="none" w="med" len="med"/>
+                    </a:lnR>
+                  </a:tcPr>
+                </a:tc>
+                <a:tc>
+                  <a:txBody>
+                    <a:bodyPr/>
+                    <a:lstStyle/>
+                    <a:p>
+                      <a:pPr algn="ctr" fontAlgn="b"/>
+                      <a:r>
+                        <a:rPr lang="en-US" sz="1600" b="1" i="0" u="none" strike="noStrike" baseline="0">
+                          <a:effectLst/>
+                        </a:rPr>
+                        <a:t>R5(old) = x6FFC</a:t>
+                      </a:r>
+                      <a:endParaRPr lang="en-US" sz="1600" b="1" i="0" u="none" strike="noStrike" baseline="0">
+                        <a:solidFill>
+                          <a:srgbClr val="000000"/>
+                        </a:solidFill>
+                        <a:effectLst/>
+                        <a:latin typeface="Calibri" panose="020F0502020204030204" pitchFamily="34" charset="0"/>
+                      </a:endParaRPr>
+                    </a:p>
+                  </a:txBody>
+                  <a:tcPr marL="7620" marR="7620" marT="7620" marB="0" anchor="b">
+                    <a:lnL w="12700" cap="flat" cmpd="sng" algn="ctr">
+                      <a:solidFill>
+                        <a:schemeClr val="tx1"/>
+                      </a:solidFill>
+                      <a:prstDash val="solid"/>
+                      <a:round/>
+                      <a:headEnd type="none" w="med" len="med"/>
+                      <a:tailEnd type="none" w="med" len="med"/>
+                    </a:lnL>
+                    <a:lnR w="12700" cap="flat" cmpd="sng" algn="ctr">
+                      <a:solidFill>
+                        <a:schemeClr val="tx1"/>
+                      </a:solidFill>
+                      <a:prstDash val="solid"/>
+                      <a:round/>
+                      <a:headEnd type="none" w="med" len="med"/>
+                      <a:tailEnd type="none" w="med" len="med"/>
+                    </a:lnR>
+                    <a:lnT w="12700" cap="flat" cmpd="sng" algn="ctr">
+                      <a:solidFill>
+                        <a:schemeClr val="tx1"/>
+                      </a:solidFill>
+                      <a:prstDash val="solid"/>
+                      <a:round/>
+                      <a:headEnd type="none" w="med" len="med"/>
+                      <a:tailEnd type="none" w="med" len="med"/>
+                    </a:lnT>
+                    <a:lnB w="12700" cap="flat" cmpd="sng" algn="ctr">
+                      <a:solidFill>
+                        <a:schemeClr val="tx1"/>
+                      </a:solidFill>
+                      <a:prstDash val="solid"/>
+                      <a:round/>
+                      <a:headEnd type="none" w="med" len="med"/>
+                      <a:tailEnd type="none" w="med" len="med"/>
+                    </a:lnB>
+                  </a:tcPr>
+                </a:tc>
+                <a:tc>
+                  <a:txBody>
+                    <a:bodyPr/>
+                    <a:lstStyle/>
+                    <a:p>
+                      <a:pPr algn="l" fontAlgn="b"/>
+                      <a:r>
+                        <a:rPr lang="en-US" sz="1600" b="1" i="0" u="none" strike="noStrike" baseline="0">
+                          <a:effectLst/>
+                        </a:rPr>
+                        <a:t>R6  &lt;- R6 after 1st RET</a:t>
+                      </a:r>
+                      <a:endParaRPr lang="en-US" sz="1600" b="1" i="0" u="none" strike="noStrike" baseline="0">
+                        <a:solidFill>
+                          <a:srgbClr val="000000"/>
+                        </a:solidFill>
+                        <a:effectLst/>
+                        <a:latin typeface="Calibri" panose="020F0502020204030204" pitchFamily="34" charset="0"/>
+                      </a:endParaRPr>
+                    </a:p>
+                  </a:txBody>
+                  <a:tcPr marL="7620" marR="7620" marT="7620" marB="0" anchor="b">
+                    <a:lnL w="12700" cap="flat" cmpd="sng" algn="ctr">
+                      <a:solidFill>
+                        <a:schemeClr val="tx1"/>
+                      </a:solidFill>
+                      <a:prstDash val="solid"/>
+                      <a:round/>
+                      <a:headEnd type="none" w="med" len="med"/>
+                      <a:tailEnd type="none" w="med" len="med"/>
+                    </a:lnL>
+                  </a:tcPr>
+                </a:tc>
+                <a:extLst>
+                  <a:ext uri="{0D108BD9-81ED-4DB2-BD59-A6C34878D82A}">
+                    <a16:rowId xmlns:a16="http://schemas.microsoft.com/office/drawing/2014/main" val="1828205933"/>
+                  </a:ext>
+                </a:extLst>
+              </a:tr>
+              <a:tr h="382846">
+                <a:tc>
+                  <a:txBody>
+                    <a:bodyPr/>
+                    <a:lstStyle/>
+                    <a:p>
+                      <a:pPr algn="r" fontAlgn="b"/>
+                      <a:r>
+                        <a:rPr lang="en-US" sz="1600" b="1" i="0" u="none" strike="noStrike" baseline="0">
+                          <a:effectLst/>
+                        </a:rPr>
+                        <a:t>with x6FF8</a:t>
+                      </a:r>
+                      <a:endParaRPr lang="en-US" sz="1600" b="1" i="0" u="none" strike="noStrike" baseline="0">
+                        <a:solidFill>
+                          <a:srgbClr val="000000"/>
+                        </a:solidFill>
+                        <a:effectLst/>
+                        <a:latin typeface="Calibri" panose="020F0502020204030204" pitchFamily="34" charset="0"/>
+                      </a:endParaRPr>
+                    </a:p>
+                  </a:txBody>
+                  <a:tcPr marL="7620" marR="7620" marT="7620" marB="0" anchor="b">
+                    <a:lnR w="12700" cap="flat" cmpd="sng" algn="ctr">
+                      <a:solidFill>
+                        <a:schemeClr val="tx1"/>
+                      </a:solidFill>
+                      <a:prstDash val="solid"/>
+                      <a:round/>
+                      <a:headEnd type="none" w="med" len="med"/>
+                      <a:tailEnd type="none" w="med" len="med"/>
+                    </a:lnR>
+                  </a:tcPr>
+                </a:tc>
+                <a:tc>
+                  <a:txBody>
+                    <a:bodyPr/>
+                    <a:lstStyle/>
+                    <a:p>
+                      <a:pPr algn="ctr" fontAlgn="b"/>
+                      <a:r>
+                        <a:rPr lang="en-US" sz="1600" b="1" i="0" u="none" strike="noStrike" baseline="0">
+                          <a:effectLst/>
+                        </a:rPr>
+                        <a:t>R.A (left return)</a:t>
+                      </a:r>
+                      <a:endParaRPr lang="en-US" sz="1600" b="1" i="0" u="none" strike="noStrike" baseline="0">
+                        <a:solidFill>
+                          <a:srgbClr val="000000"/>
+                        </a:solidFill>
+                        <a:effectLst/>
+                        <a:latin typeface="Calibri" panose="020F0502020204030204" pitchFamily="34" charset="0"/>
+                      </a:endParaRPr>
+                    </a:p>
+                  </a:txBody>
+                  <a:tcPr marL="7620" marR="7620" marT="7620" marB="0" anchor="b">
+                    <a:lnL w="12700" cap="flat" cmpd="sng" algn="ctr">
+                      <a:solidFill>
+                        <a:schemeClr val="tx1"/>
+                      </a:solidFill>
+                      <a:prstDash val="solid"/>
+                      <a:round/>
+                      <a:headEnd type="none" w="med" len="med"/>
+                      <a:tailEnd type="none" w="med" len="med"/>
+                    </a:lnL>
+                    <a:lnR w="12700" cap="flat" cmpd="sng" algn="ctr">
+                      <a:solidFill>
+                        <a:schemeClr val="tx1"/>
+                      </a:solidFill>
+                      <a:prstDash val="solid"/>
+                      <a:round/>
+                      <a:headEnd type="none" w="med" len="med"/>
+                      <a:tailEnd type="none" w="med" len="med"/>
+                    </a:lnR>
+                    <a:lnT w="12700" cap="flat" cmpd="sng" algn="ctr">
+                      <a:solidFill>
+                        <a:schemeClr val="tx1"/>
+                      </a:solidFill>
+                      <a:prstDash val="solid"/>
+                      <a:round/>
+                      <a:headEnd type="none" w="med" len="med"/>
+                      <a:tailEnd type="none" w="med" len="med"/>
+                    </a:lnT>
+                    <a:lnB w="12700" cap="flat" cmpd="sng" algn="ctr">
+                      <a:solidFill>
+                        <a:schemeClr val="tx1"/>
+                      </a:solidFill>
+                      <a:prstDash val="solid"/>
+                      <a:round/>
+                      <a:headEnd type="none" w="med" len="med"/>
+                      <a:tailEnd type="none" w="med" len="med"/>
+                    </a:lnB>
+                  </a:tcPr>
+                </a:tc>
+                <a:tc>
+                  <a:txBody>
+                    <a:bodyPr/>
+                    <a:lstStyle/>
+                    <a:p>
+                      <a:pPr algn="l" fontAlgn="b"/>
+                      <a:r>
+                        <a:rPr lang="en-US" sz="1600" b="1" i="0" u="none" strike="noStrike" baseline="0">
+                          <a:effectLst/>
+                        </a:rPr>
+                        <a:t>   R2=[R1+1]=[6004]=x0</a:t>
+                      </a:r>
+                      <a:endParaRPr lang="en-US" sz="1600" b="1" i="0" u="none" strike="noStrike" baseline="0">
+                        <a:solidFill>
+                          <a:srgbClr val="000000"/>
+                        </a:solidFill>
+                        <a:effectLst/>
+                        <a:latin typeface="Calibri" panose="020F0502020204030204" pitchFamily="34" charset="0"/>
+                      </a:endParaRPr>
+                    </a:p>
+                  </a:txBody>
+                  <a:tcPr marL="7620" marR="7620" marT="7620" marB="0" anchor="b">
+                    <a:lnL w="12700" cap="flat" cmpd="sng" algn="ctr">
+                      <a:solidFill>
+                        <a:schemeClr val="tx1"/>
+                      </a:solidFill>
+                      <a:prstDash val="solid"/>
+                      <a:round/>
+                      <a:headEnd type="none" w="med" len="med"/>
+                      <a:tailEnd type="none" w="med" len="med"/>
+                    </a:lnL>
+                  </a:tcPr>
+                </a:tc>
+                <a:extLst>
+                  <a:ext uri="{0D108BD9-81ED-4DB2-BD59-A6C34878D82A}">
+                    <a16:rowId xmlns:a16="http://schemas.microsoft.com/office/drawing/2014/main" val="3652842139"/>
+                  </a:ext>
+                </a:extLst>
+              </a:tr>
+              <a:tr h="382846">
+                <a:tc>
+                  <a:txBody>
+                    <a:bodyPr/>
+                    <a:lstStyle/>
+                    <a:p>
+                      <a:pPr algn="r" fontAlgn="b"/>
+                      <a:r>
+                        <a:rPr lang="en-US" sz="1600" b="1" i="0" u="none" strike="noStrike" baseline="0">
+                          <a:effectLst/>
+                        </a:rPr>
+                        <a:t>R1=[R5+4]=[6FFC]=x6003</a:t>
+                      </a:r>
+                      <a:endParaRPr lang="en-US" sz="1600" b="1" i="0" u="none" strike="noStrike" baseline="0">
+                        <a:solidFill>
+                          <a:srgbClr val="000000"/>
+                        </a:solidFill>
+                        <a:effectLst/>
+                        <a:latin typeface="Calibri" panose="020F0502020204030204" pitchFamily="34" charset="0"/>
+                      </a:endParaRPr>
+                    </a:p>
+                  </a:txBody>
+                  <a:tcPr marL="7620" marR="7620" marT="7620" marB="0" anchor="b">
+                    <a:lnR w="12700" cap="flat" cmpd="sng" algn="ctr">
+                      <a:solidFill>
+                        <a:schemeClr val="tx1"/>
+                      </a:solidFill>
+                      <a:prstDash val="solid"/>
+                      <a:round/>
+                      <a:headEnd type="none" w="med" len="med"/>
+                      <a:tailEnd type="none" w="med" len="med"/>
+                    </a:lnR>
+                  </a:tcPr>
+                </a:tc>
+                <a:tc>
+                  <a:txBody>
+                    <a:bodyPr/>
+                    <a:lstStyle/>
+                    <a:p>
+                      <a:pPr algn="ctr" fontAlgn="b"/>
+                      <a:r>
+                        <a:rPr lang="en-US" sz="1600" b="1" i="0" u="none" strike="noStrike" baseline="0">
+                          <a:effectLst/>
+                        </a:rPr>
+                        <a:t>R.V</a:t>
+                      </a:r>
+                      <a:endParaRPr lang="en-US" sz="1600" b="1" i="0" u="none" strike="noStrike" baseline="0">
+                        <a:solidFill>
+                          <a:srgbClr val="000000"/>
+                        </a:solidFill>
+                        <a:effectLst/>
+                        <a:latin typeface="Calibri" panose="020F0502020204030204" pitchFamily="34" charset="0"/>
+                      </a:endParaRPr>
+                    </a:p>
+                  </a:txBody>
+                  <a:tcPr marL="7620" marR="7620" marT="7620" marB="0" anchor="b">
+                    <a:lnL w="12700" cap="flat" cmpd="sng" algn="ctr">
+                      <a:solidFill>
+                        <a:schemeClr val="tx1"/>
+                      </a:solidFill>
+                      <a:prstDash val="solid"/>
+                      <a:round/>
+                      <a:headEnd type="none" w="med" len="med"/>
+                      <a:tailEnd type="none" w="med" len="med"/>
+                    </a:lnL>
+                    <a:lnR w="12700" cap="flat" cmpd="sng" algn="ctr">
+                      <a:solidFill>
+                        <a:schemeClr val="tx1"/>
+                      </a:solidFill>
+                      <a:prstDash val="solid"/>
+                      <a:round/>
+                      <a:headEnd type="none" w="med" len="med"/>
+                      <a:tailEnd type="none" w="med" len="med"/>
+                    </a:lnR>
+                    <a:lnT w="12700" cap="flat" cmpd="sng" algn="ctr">
+                      <a:solidFill>
+                        <a:schemeClr val="tx1"/>
+                      </a:solidFill>
+                      <a:prstDash val="solid"/>
+                      <a:round/>
+                      <a:headEnd type="none" w="med" len="med"/>
+                      <a:tailEnd type="none" w="med" len="med"/>
+                    </a:lnT>
+                    <a:lnB w="12700" cap="flat" cmpd="sng" algn="ctr">
+                      <a:solidFill>
+                        <a:schemeClr val="tx1"/>
+                      </a:solidFill>
+                      <a:prstDash val="solid"/>
+                      <a:round/>
+                      <a:headEnd type="none" w="med" len="med"/>
+                      <a:tailEnd type="none" w="med" len="med"/>
+                    </a:lnB>
+                  </a:tcPr>
+                </a:tc>
+                <a:tc>
+                  <a:txBody>
+                    <a:bodyPr/>
+                    <a:lstStyle/>
+                    <a:p>
+                      <a:pPr algn="l" fontAlgn="b"/>
+                      <a:r>
+                        <a:rPr lang="pt-BR" sz="1600" b="1" i="0" u="none" strike="noStrike" baseline="0">
+                          <a:effectLst/>
+                        </a:rPr>
+                        <a:t>R0 = [R1]=[6003]= 2 (printed)</a:t>
+                      </a:r>
+                      <a:endParaRPr lang="pt-BR" sz="1600" b="1" i="0" u="none" strike="noStrike" baseline="0">
+                        <a:solidFill>
+                          <a:srgbClr val="000000"/>
+                        </a:solidFill>
+                        <a:effectLst/>
+                        <a:latin typeface="Calibri" panose="020F0502020204030204" pitchFamily="34" charset="0"/>
+                      </a:endParaRPr>
+                    </a:p>
+                  </a:txBody>
+                  <a:tcPr marL="7620" marR="7620" marT="7620" marB="0" anchor="b">
+                    <a:lnL w="12700" cap="flat" cmpd="sng" algn="ctr">
+                      <a:solidFill>
+                        <a:schemeClr val="tx1"/>
+                      </a:solidFill>
+                      <a:prstDash val="solid"/>
+                      <a:round/>
+                      <a:headEnd type="none" w="med" len="med"/>
+                      <a:tailEnd type="none" w="med" len="med"/>
+                    </a:lnL>
+                  </a:tcPr>
+                </a:tc>
+                <a:extLst>
+                  <a:ext uri="{0D108BD9-81ED-4DB2-BD59-A6C34878D82A}">
+                    <a16:rowId xmlns:a16="http://schemas.microsoft.com/office/drawing/2014/main" val="1906418092"/>
+                  </a:ext>
+                </a:extLst>
+              </a:tr>
+              <a:tr h="382846">
+                <a:tc>
+                  <a:txBody>
+                    <a:bodyPr/>
+                    <a:lstStyle/>
+                    <a:p>
+                      <a:pPr algn="r" fontAlgn="b"/>
+                      <a:r>
+                        <a:rPr lang="en-US" sz="1600" b="1" i="0" u="none" strike="noStrike" baseline="0">
+                          <a:effectLst/>
+                        </a:rPr>
+                        <a:t>x6FFC</a:t>
+                      </a:r>
+                      <a:endParaRPr lang="en-US" sz="1600" b="1" i="0" u="none" strike="noStrike" baseline="0">
+                        <a:solidFill>
+                          <a:srgbClr val="000000"/>
+                        </a:solidFill>
+                        <a:effectLst/>
+                        <a:latin typeface="Calibri" panose="020F0502020204030204" pitchFamily="34" charset="0"/>
+                      </a:endParaRPr>
+                    </a:p>
+                  </a:txBody>
+                  <a:tcPr marL="7620" marR="7620" marT="7620" marB="0" anchor="b">
+                    <a:lnR w="12700" cap="flat" cmpd="sng" algn="ctr">
+                      <a:solidFill>
+                        <a:schemeClr val="tx1"/>
+                      </a:solidFill>
+                      <a:prstDash val="solid"/>
+                      <a:round/>
+                      <a:headEnd type="none" w="med" len="med"/>
+                      <a:tailEnd type="none" w="med" len="med"/>
+                    </a:lnR>
+                  </a:tcPr>
+                </a:tc>
+                <a:tc>
+                  <a:txBody>
+                    <a:bodyPr/>
+                    <a:lstStyle/>
+                    <a:p>
+                      <a:pPr algn="ctr" fontAlgn="b"/>
+                      <a:r>
+                        <a:rPr lang="en-US" sz="1600" b="1" i="0" u="none" strike="noStrike" baseline="0">
+                          <a:effectLst/>
+                        </a:rPr>
+                        <a:t>x6003</a:t>
+                      </a:r>
+                      <a:endParaRPr lang="en-US" sz="1600" b="1" i="0" u="none" strike="noStrike" baseline="0">
+                        <a:solidFill>
+                          <a:srgbClr val="000000"/>
+                        </a:solidFill>
+                        <a:effectLst/>
+                        <a:latin typeface="Calibri" panose="020F0502020204030204" pitchFamily="34" charset="0"/>
+                      </a:endParaRPr>
+                    </a:p>
+                  </a:txBody>
+                  <a:tcPr marL="7620" marR="7620" marT="7620" marB="0" anchor="b">
+                    <a:lnL w="12700" cap="flat" cmpd="sng" algn="ctr">
+                      <a:solidFill>
+                        <a:schemeClr val="tx1"/>
+                      </a:solidFill>
+                      <a:prstDash val="solid"/>
+                      <a:round/>
+                      <a:headEnd type="none" w="med" len="med"/>
+                      <a:tailEnd type="none" w="med" len="med"/>
+                    </a:lnL>
+                    <a:lnR w="12700" cap="flat" cmpd="sng" algn="ctr">
+                      <a:solidFill>
+                        <a:schemeClr val="tx1"/>
+                      </a:solidFill>
+                      <a:prstDash val="solid"/>
+                      <a:round/>
+                      <a:headEnd type="none" w="med" len="med"/>
+                      <a:tailEnd type="none" w="med" len="med"/>
+                    </a:lnR>
+                    <a:lnT w="12700" cap="flat" cmpd="sng" algn="ctr">
+                      <a:solidFill>
+                        <a:schemeClr val="tx1"/>
+                      </a:solidFill>
+                      <a:prstDash val="solid"/>
+                      <a:round/>
+                      <a:headEnd type="none" w="med" len="med"/>
+                      <a:tailEnd type="none" w="med" len="med"/>
+                    </a:lnT>
+                    <a:lnB w="12700" cap="flat" cmpd="sng" algn="ctr">
+                      <a:solidFill>
+                        <a:schemeClr val="tx1"/>
+                      </a:solidFill>
+                      <a:prstDash val="solid"/>
+                      <a:round/>
+                      <a:headEnd type="none" w="med" len="med"/>
+                      <a:tailEnd type="none" w="med" len="med"/>
+                    </a:lnB>
+                  </a:tcPr>
+                </a:tc>
+                <a:tc>
+                  <a:txBody>
+                    <a:bodyPr/>
+                    <a:lstStyle/>
+                    <a:p>
+                      <a:pPr algn="l" fontAlgn="b"/>
+                      <a:r>
+                        <a:rPr lang="en-US" sz="1600" b="1" i="0" u="none" strike="noStrike" baseline="0" dirty="0">
+                          <a:effectLst/>
+                        </a:rPr>
+                        <a:t>R5(new)</a:t>
+                      </a:r>
+                      <a:endParaRPr lang="en-US" sz="1600" b="1" i="0" u="none" strike="noStrike" baseline="0" dirty="0">
+                        <a:solidFill>
+                          <a:srgbClr val="000000"/>
+                        </a:solidFill>
+                        <a:effectLst/>
+                        <a:latin typeface="Calibri" panose="020F0502020204030204" pitchFamily="34" charset="0"/>
+                      </a:endParaRPr>
+                    </a:p>
+                  </a:txBody>
+                  <a:tcPr marL="7620" marR="7620" marT="7620" marB="0" anchor="b">
+                    <a:lnL w="12700" cap="flat" cmpd="sng" algn="ctr">
+                      <a:solidFill>
+                        <a:schemeClr val="tx1"/>
+                      </a:solidFill>
+                      <a:prstDash val="solid"/>
+                      <a:round/>
+                      <a:headEnd type="none" w="med" len="med"/>
+                      <a:tailEnd type="none" w="med" len="med"/>
+                    </a:lnL>
+                  </a:tcPr>
+                </a:tc>
+                <a:extLst>
+                  <a:ext uri="{0D108BD9-81ED-4DB2-BD59-A6C34878D82A}">
+                    <a16:rowId xmlns:a16="http://schemas.microsoft.com/office/drawing/2014/main" val="3427889447"/>
+                  </a:ext>
+                </a:extLst>
+              </a:tr>
+              <a:tr h="382846">
+                <a:tc>
+                  <a:txBody>
+                    <a:bodyPr/>
+                    <a:lstStyle/>
+                    <a:p>
+                      <a:pPr algn="r" fontAlgn="b"/>
+                      <a:r>
+                        <a:rPr lang="en-US" sz="1600" b="1" i="0" u="none" strike="noStrike" baseline="0">
+                          <a:effectLst/>
+                        </a:rPr>
+                        <a:t> </a:t>
+                      </a:r>
+                      <a:endParaRPr lang="en-US" sz="1600" b="1" i="0" u="none" strike="noStrike" baseline="0">
+                        <a:solidFill>
+                          <a:srgbClr val="000000"/>
+                        </a:solidFill>
+                        <a:effectLst/>
+                        <a:latin typeface="Calibri" panose="020F0502020204030204" pitchFamily="34" charset="0"/>
+                      </a:endParaRPr>
+                    </a:p>
+                  </a:txBody>
+                  <a:tcPr marL="7620" marR="7620" marT="7620" marB="0" anchor="b">
+                    <a:lnR w="12700" cap="flat" cmpd="sng" algn="ctr">
+                      <a:solidFill>
+                        <a:schemeClr val="tx1"/>
+                      </a:solidFill>
+                      <a:prstDash val="solid"/>
+                      <a:round/>
+                      <a:headEnd type="none" w="med" len="med"/>
+                      <a:tailEnd type="none" w="med" len="med"/>
+                    </a:lnR>
+                  </a:tcPr>
+                </a:tc>
+                <a:tc>
+                  <a:txBody>
+                    <a:bodyPr/>
+                    <a:lstStyle/>
+                    <a:p>
+                      <a:pPr algn="ctr" fontAlgn="b"/>
+                      <a:r>
+                        <a:rPr lang="en-US" sz="1600" b="1" i="0" u="none" strike="noStrike" baseline="0">
+                          <a:effectLst/>
+                        </a:rPr>
+                        <a:t>R5(old)</a:t>
+                      </a:r>
+                      <a:endParaRPr lang="en-US" sz="1600" b="1" i="0" u="none" strike="noStrike" baseline="0">
+                        <a:solidFill>
+                          <a:srgbClr val="000000"/>
+                        </a:solidFill>
+                        <a:effectLst/>
+                        <a:latin typeface="Calibri" panose="020F0502020204030204" pitchFamily="34" charset="0"/>
+                      </a:endParaRPr>
+                    </a:p>
+                  </a:txBody>
+                  <a:tcPr marL="7620" marR="7620" marT="7620" marB="0" anchor="b">
+                    <a:lnL w="12700" cap="flat" cmpd="sng" algn="ctr">
+                      <a:solidFill>
+                        <a:schemeClr val="tx1"/>
+                      </a:solidFill>
+                      <a:prstDash val="solid"/>
+                      <a:round/>
+                      <a:headEnd type="none" w="med" len="med"/>
+                      <a:tailEnd type="none" w="med" len="med"/>
+                    </a:lnL>
+                    <a:lnR w="12700" cap="flat" cmpd="sng" algn="ctr">
+                      <a:solidFill>
+                        <a:schemeClr val="tx1"/>
+                      </a:solidFill>
+                      <a:prstDash val="solid"/>
+                      <a:round/>
+                      <a:headEnd type="none" w="med" len="med"/>
+                      <a:tailEnd type="none" w="med" len="med"/>
+                    </a:lnR>
+                    <a:lnT w="12700" cap="flat" cmpd="sng" algn="ctr">
+                      <a:solidFill>
+                        <a:schemeClr val="tx1"/>
+                      </a:solidFill>
+                      <a:prstDash val="solid"/>
+                      <a:round/>
+                      <a:headEnd type="none" w="med" len="med"/>
+                      <a:tailEnd type="none" w="med" len="med"/>
+                    </a:lnT>
+                    <a:lnB w="12700" cap="flat" cmpd="sng" algn="ctr">
+                      <a:solidFill>
+                        <a:schemeClr val="tx1"/>
+                      </a:solidFill>
+                      <a:prstDash val="solid"/>
+                      <a:round/>
+                      <a:headEnd type="none" w="med" len="med"/>
+                      <a:tailEnd type="none" w="med" len="med"/>
+                    </a:lnB>
+                  </a:tcPr>
+                </a:tc>
+                <a:tc>
+                  <a:txBody>
+                    <a:bodyPr/>
+                    <a:lstStyle/>
+                    <a:p>
+                      <a:pPr algn="l" fontAlgn="b"/>
+                      <a:r>
+                        <a:rPr lang="en-US" sz="1600" b="1" i="0" u="none" strike="noStrike" baseline="0" dirty="0">
+                          <a:effectLst/>
+                        </a:rPr>
+                        <a:t>R6</a:t>
+                      </a:r>
+                      <a:endParaRPr lang="en-US" sz="1600" b="1" i="0" u="none" strike="noStrike" baseline="0" dirty="0">
+                        <a:solidFill>
+                          <a:srgbClr val="000000"/>
+                        </a:solidFill>
+                        <a:effectLst/>
+                        <a:latin typeface="Calibri" panose="020F0502020204030204" pitchFamily="34" charset="0"/>
+                      </a:endParaRPr>
+                    </a:p>
+                  </a:txBody>
+                  <a:tcPr marL="7620" marR="7620" marT="7620" marB="0" anchor="b">
+                    <a:lnL w="12700" cap="flat" cmpd="sng" algn="ctr">
+                      <a:solidFill>
+                        <a:schemeClr val="tx1"/>
+                      </a:solidFill>
+                      <a:prstDash val="solid"/>
+                      <a:round/>
+                      <a:headEnd type="none" w="med" len="med"/>
+                      <a:tailEnd type="none" w="med" len="med"/>
+                    </a:lnL>
+                  </a:tcPr>
+                </a:tc>
+                <a:extLst>
+                  <a:ext uri="{0D108BD9-81ED-4DB2-BD59-A6C34878D82A}">
+                    <a16:rowId xmlns:a16="http://schemas.microsoft.com/office/drawing/2014/main" val="1898882846"/>
+                  </a:ext>
+                </a:extLst>
+              </a:tr>
+              <a:tr h="382846">
+                <a:tc>
+                  <a:txBody>
+                    <a:bodyPr/>
+                    <a:lstStyle/>
+                    <a:p>
+                      <a:pPr algn="r" fontAlgn="b"/>
+                      <a:endParaRPr lang="en-US" sz="1600" b="1" i="0" u="none" strike="noStrike" baseline="0" dirty="0">
+                        <a:solidFill>
+                          <a:srgbClr val="000000"/>
+                        </a:solidFill>
+                        <a:effectLst/>
+                        <a:latin typeface="Calibri" panose="020F0502020204030204" pitchFamily="34" charset="0"/>
+                      </a:endParaRPr>
+                    </a:p>
+                  </a:txBody>
+                  <a:tcPr marL="7620" marR="7620" marT="7620" marB="0" anchor="b">
+                    <a:lnR w="12700" cap="flat" cmpd="sng" algn="ctr">
+                      <a:solidFill>
+                        <a:schemeClr val="tx1"/>
+                      </a:solidFill>
+                      <a:prstDash val="solid"/>
+                      <a:round/>
+                      <a:headEnd type="none" w="med" len="med"/>
+                      <a:tailEnd type="none" w="med" len="med"/>
+                    </a:lnR>
+                  </a:tcPr>
+                </a:tc>
+                <a:tc>
+                  <a:txBody>
+                    <a:bodyPr/>
+                    <a:lstStyle/>
+                    <a:p>
+                      <a:pPr algn="ctr" fontAlgn="b"/>
+                      <a:r>
+                        <a:rPr lang="en-US" sz="1600" b="1" i="0" u="none" strike="noStrike" baseline="0" dirty="0">
+                          <a:effectLst/>
+                          <a:highlight>
+                            <a:srgbClr val="E6E6E6"/>
+                          </a:highlight>
+                        </a:rPr>
+                        <a:t>R.A=HALT (R7)</a:t>
+                      </a:r>
+                      <a:endParaRPr lang="en-US" sz="1600" b="1" i="0" u="none" strike="noStrike" baseline="0" dirty="0">
+                        <a:solidFill>
+                          <a:srgbClr val="000000"/>
+                        </a:solidFill>
+                        <a:effectLst/>
+                        <a:highlight>
+                          <a:srgbClr val="E6E6E6"/>
+                        </a:highlight>
+                        <a:latin typeface="Calibri" panose="020F0502020204030204" pitchFamily="34" charset="0"/>
+                      </a:endParaRPr>
+                    </a:p>
+                  </a:txBody>
+                  <a:tcPr marL="7620" marR="7620" marT="7620" marB="0" anchor="b">
+                    <a:lnL w="12700" cap="flat" cmpd="sng" algn="ctr">
+                      <a:solidFill>
+                        <a:schemeClr val="tx1"/>
+                      </a:solidFill>
+                      <a:prstDash val="solid"/>
+                      <a:round/>
+                      <a:headEnd type="none" w="med" len="med"/>
+                      <a:tailEnd type="none" w="med" len="med"/>
+                    </a:lnL>
+                    <a:lnR w="12700" cap="flat" cmpd="sng" algn="ctr">
+                      <a:solidFill>
+                        <a:schemeClr val="tx1"/>
+                      </a:solidFill>
+                      <a:prstDash val="solid"/>
+                      <a:round/>
+                      <a:headEnd type="none" w="med" len="med"/>
+                      <a:tailEnd type="none" w="med" len="med"/>
+                    </a:lnR>
+                    <a:lnT w="12700" cap="flat" cmpd="sng" algn="ctr">
+                      <a:solidFill>
+                        <a:schemeClr val="tx1"/>
+                      </a:solidFill>
+                      <a:prstDash val="solid"/>
+                      <a:round/>
+                      <a:headEnd type="none" w="med" len="med"/>
+                      <a:tailEnd type="none" w="med" len="med"/>
+                    </a:lnT>
+                    <a:lnB w="12700" cap="flat" cmpd="sng" algn="ctr">
+                      <a:solidFill>
+                        <a:schemeClr val="tx1"/>
+                      </a:solidFill>
+                      <a:prstDash val="solid"/>
+                      <a:round/>
+                      <a:headEnd type="none" w="med" len="med"/>
+                      <a:tailEnd type="none" w="med" len="med"/>
+                    </a:lnB>
+                  </a:tcPr>
+                </a:tc>
+                <a:tc>
+                  <a:txBody>
+                    <a:bodyPr/>
+                    <a:lstStyle/>
+                    <a:p>
+                      <a:pPr algn="l" fontAlgn="b"/>
+                      <a:r>
+                        <a:rPr lang="en-US" sz="1600" b="1" i="0" u="none" strike="noStrike" baseline="0">
+                          <a:effectLst/>
+                        </a:rPr>
+                        <a:t>   R2=[R1+1]=[6001]=x6003</a:t>
+                      </a:r>
+                      <a:endParaRPr lang="en-US" sz="1600" b="1" i="0" u="none" strike="noStrike" baseline="0">
+                        <a:solidFill>
+                          <a:srgbClr val="000000"/>
+                        </a:solidFill>
+                        <a:effectLst/>
+                        <a:latin typeface="Calibri" panose="020F0502020204030204" pitchFamily="34" charset="0"/>
+                      </a:endParaRPr>
+                    </a:p>
+                  </a:txBody>
+                  <a:tcPr marL="7620" marR="7620" marT="7620" marB="0" anchor="b">
+                    <a:lnL w="12700" cap="flat" cmpd="sng" algn="ctr">
+                      <a:solidFill>
+                        <a:schemeClr val="tx1"/>
+                      </a:solidFill>
+                      <a:prstDash val="solid"/>
+                      <a:round/>
+                      <a:headEnd type="none" w="med" len="med"/>
+                      <a:tailEnd type="none" w="med" len="med"/>
+                    </a:lnL>
+                  </a:tcPr>
+                </a:tc>
+                <a:extLst>
+                  <a:ext uri="{0D108BD9-81ED-4DB2-BD59-A6C34878D82A}">
+                    <a16:rowId xmlns:a16="http://schemas.microsoft.com/office/drawing/2014/main" val="1133515798"/>
+                  </a:ext>
+                </a:extLst>
+              </a:tr>
+              <a:tr h="382846">
+                <a:tc>
+                  <a:txBody>
+                    <a:bodyPr/>
+                    <a:lstStyle/>
+                    <a:p>
+                      <a:pPr algn="r" fontAlgn="b"/>
+                      <a:endParaRPr lang="en-US" sz="1600" b="1" i="0" u="none" strike="noStrike" baseline="0" dirty="0">
+                        <a:solidFill>
+                          <a:srgbClr val="000000"/>
+                        </a:solidFill>
+                        <a:effectLst/>
+                        <a:latin typeface="Calibri" panose="020F0502020204030204" pitchFamily="34" charset="0"/>
+                      </a:endParaRPr>
+                    </a:p>
+                  </a:txBody>
+                  <a:tcPr marL="7620" marR="7620" marT="7620" marB="0" anchor="b">
+                    <a:lnR w="12700" cap="flat" cmpd="sng" algn="ctr">
+                      <a:solidFill>
+                        <a:schemeClr val="tx1"/>
+                      </a:solidFill>
+                      <a:prstDash val="solid"/>
+                      <a:round/>
+                      <a:headEnd type="none" w="med" len="med"/>
+                      <a:tailEnd type="none" w="med" len="med"/>
+                    </a:lnR>
+                  </a:tcPr>
+                </a:tc>
+                <a:tc>
+                  <a:txBody>
+                    <a:bodyPr/>
+                    <a:lstStyle/>
+                    <a:p>
+                      <a:pPr algn="ctr" fontAlgn="b"/>
+                      <a:r>
+                        <a:rPr lang="en-US" sz="1600" b="1" i="0" u="none" strike="noStrike" baseline="0" dirty="0">
+                          <a:effectLst/>
+                          <a:highlight>
+                            <a:srgbClr val="E6E6E6"/>
+                          </a:highlight>
+                        </a:rPr>
+                        <a:t>R.V</a:t>
+                      </a:r>
+                      <a:endParaRPr lang="en-US" sz="1600" b="1" i="0" u="none" strike="noStrike" baseline="0" dirty="0">
+                        <a:solidFill>
+                          <a:srgbClr val="000000"/>
+                        </a:solidFill>
+                        <a:effectLst/>
+                        <a:highlight>
+                          <a:srgbClr val="E6E6E6"/>
+                        </a:highlight>
+                        <a:latin typeface="Calibri" panose="020F0502020204030204" pitchFamily="34" charset="0"/>
+                      </a:endParaRPr>
+                    </a:p>
+                  </a:txBody>
+                  <a:tcPr marL="7620" marR="7620" marT="7620" marB="0" anchor="b">
+                    <a:lnL w="12700" cap="flat" cmpd="sng" algn="ctr">
+                      <a:solidFill>
+                        <a:schemeClr val="tx1"/>
+                      </a:solidFill>
+                      <a:prstDash val="solid"/>
+                      <a:round/>
+                      <a:headEnd type="none" w="med" len="med"/>
+                      <a:tailEnd type="none" w="med" len="med"/>
+                    </a:lnL>
+                    <a:lnR w="12700" cap="flat" cmpd="sng" algn="ctr">
+                      <a:solidFill>
+                        <a:schemeClr val="tx1"/>
+                      </a:solidFill>
+                      <a:prstDash val="solid"/>
+                      <a:round/>
+                      <a:headEnd type="none" w="med" len="med"/>
+                      <a:tailEnd type="none" w="med" len="med"/>
+                    </a:lnR>
+                    <a:lnT w="12700" cap="flat" cmpd="sng" algn="ctr">
+                      <a:solidFill>
+                        <a:schemeClr val="tx1"/>
+                      </a:solidFill>
+                      <a:prstDash val="solid"/>
+                      <a:round/>
+                      <a:headEnd type="none" w="med" len="med"/>
+                      <a:tailEnd type="none" w="med" len="med"/>
+                    </a:lnT>
+                    <a:lnB w="12700" cap="flat" cmpd="sng" algn="ctr">
+                      <a:solidFill>
+                        <a:schemeClr val="tx1"/>
+                      </a:solidFill>
+                      <a:prstDash val="solid"/>
+                      <a:round/>
+                      <a:headEnd type="none" w="med" len="med"/>
+                      <a:tailEnd type="none" w="med" len="med"/>
+                    </a:lnB>
+                  </a:tcPr>
+                </a:tc>
+                <a:tc>
+                  <a:txBody>
+                    <a:bodyPr/>
+                    <a:lstStyle/>
+                    <a:p>
+                      <a:pPr algn="l" fontAlgn="b"/>
+                      <a:endParaRPr lang="en-US" sz="1600" b="1" i="0" u="none" strike="noStrike" baseline="0" dirty="0">
+                        <a:solidFill>
+                          <a:srgbClr val="000000"/>
+                        </a:solidFill>
+                        <a:effectLst/>
+                        <a:latin typeface="Calibri" panose="020F0502020204030204" pitchFamily="34" charset="0"/>
+                      </a:endParaRPr>
+                    </a:p>
+                  </a:txBody>
+                  <a:tcPr marL="7620" marR="7620" marT="7620" marB="0" anchor="b">
+                    <a:lnL w="12700" cap="flat" cmpd="sng" algn="ctr">
+                      <a:solidFill>
+                        <a:schemeClr val="tx1"/>
+                      </a:solidFill>
+                      <a:prstDash val="solid"/>
+                      <a:round/>
+                      <a:headEnd type="none" w="med" len="med"/>
+                      <a:tailEnd type="none" w="med" len="med"/>
+                    </a:lnL>
+                  </a:tcPr>
+                </a:tc>
+                <a:extLst>
+                  <a:ext uri="{0D108BD9-81ED-4DB2-BD59-A6C34878D82A}">
+                    <a16:rowId xmlns:a16="http://schemas.microsoft.com/office/drawing/2014/main" val="424329292"/>
+                  </a:ext>
+                </a:extLst>
+              </a:tr>
+              <a:tr h="382846">
+                <a:tc>
+                  <a:txBody>
+                    <a:bodyPr/>
+                    <a:lstStyle/>
+                    <a:p>
+                      <a:pPr algn="r" fontAlgn="b"/>
+                      <a:r>
+                        <a:rPr lang="en-US" sz="1600" b="1" i="0" u="none" strike="noStrike" baseline="0" dirty="0">
+                          <a:effectLst/>
+                          <a:highlight>
+                            <a:srgbClr val="E6E6E6"/>
+                          </a:highlight>
+                        </a:rPr>
+                        <a:t>x7000</a:t>
+                      </a:r>
+                      <a:endParaRPr lang="en-US" sz="1600" b="1" i="0" u="none" strike="noStrike" baseline="0" dirty="0">
+                        <a:solidFill>
+                          <a:srgbClr val="000000"/>
+                        </a:solidFill>
+                        <a:effectLst/>
+                        <a:highlight>
+                          <a:srgbClr val="E6E6E6"/>
+                        </a:highlight>
+                        <a:latin typeface="Calibri" panose="020F0502020204030204" pitchFamily="34" charset="0"/>
+                      </a:endParaRPr>
+                    </a:p>
+                  </a:txBody>
+                  <a:tcPr marL="7620" marR="7620" marT="7620" marB="0" anchor="b">
+                    <a:lnR w="12700" cap="flat" cmpd="sng" algn="ctr">
+                      <a:solidFill>
+                        <a:schemeClr val="tx1"/>
+                      </a:solidFill>
+                      <a:prstDash val="solid"/>
+                      <a:round/>
+                      <a:headEnd type="none" w="med" len="med"/>
+                      <a:tailEnd type="none" w="med" len="med"/>
+                    </a:lnR>
+                  </a:tcPr>
+                </a:tc>
+                <a:tc>
+                  <a:txBody>
+                    <a:bodyPr/>
+                    <a:lstStyle/>
+                    <a:p>
+                      <a:pPr algn="ctr" fontAlgn="b"/>
+                      <a:r>
+                        <a:rPr lang="en-US" sz="1600" b="1" i="0" u="none" strike="noStrike" baseline="0" dirty="0">
+                          <a:effectLst/>
+                          <a:highlight>
+                            <a:srgbClr val="E6E6E6"/>
+                          </a:highlight>
+                        </a:rPr>
+                        <a:t>x6000</a:t>
+                      </a:r>
+                      <a:endParaRPr lang="en-US" sz="1600" b="1" i="0" u="none" strike="noStrike" baseline="0" dirty="0">
+                        <a:solidFill>
+                          <a:srgbClr val="000000"/>
+                        </a:solidFill>
+                        <a:effectLst/>
+                        <a:highlight>
+                          <a:srgbClr val="E6E6E6"/>
+                        </a:highlight>
+                        <a:latin typeface="Calibri" panose="020F0502020204030204" pitchFamily="34" charset="0"/>
+                      </a:endParaRPr>
+                    </a:p>
+                  </a:txBody>
+                  <a:tcPr marL="7620" marR="7620" marT="7620" marB="0" anchor="b">
+                    <a:lnL w="12700" cap="flat" cmpd="sng" algn="ctr">
+                      <a:solidFill>
+                        <a:schemeClr val="tx1"/>
+                      </a:solidFill>
+                      <a:prstDash val="solid"/>
+                      <a:round/>
+                      <a:headEnd type="none" w="med" len="med"/>
+                      <a:tailEnd type="none" w="med" len="med"/>
+                    </a:lnL>
+                    <a:lnR w="12700" cap="flat" cmpd="sng" algn="ctr">
+                      <a:solidFill>
+                        <a:schemeClr val="tx1"/>
+                      </a:solidFill>
+                      <a:prstDash val="solid"/>
+                      <a:round/>
+                      <a:headEnd type="none" w="med" len="med"/>
+                      <a:tailEnd type="none" w="med" len="med"/>
+                    </a:lnR>
+                    <a:lnT w="12700" cap="flat" cmpd="sng" algn="ctr">
+                      <a:solidFill>
+                        <a:schemeClr val="tx1"/>
+                      </a:solidFill>
+                      <a:prstDash val="solid"/>
+                      <a:round/>
+                      <a:headEnd type="none" w="med" len="med"/>
+                      <a:tailEnd type="none" w="med" len="med"/>
+                    </a:lnT>
+                    <a:lnB w="12700" cap="flat" cmpd="sng" algn="ctr">
+                      <a:solidFill>
+                        <a:schemeClr val="tx1"/>
+                      </a:solidFill>
+                      <a:prstDash val="solid"/>
+                      <a:round/>
+                      <a:headEnd type="none" w="med" len="med"/>
+                      <a:tailEnd type="none" w="med" len="med"/>
+                    </a:lnB>
+                  </a:tcPr>
+                </a:tc>
+                <a:tc>
+                  <a:txBody>
+                    <a:bodyPr/>
+                    <a:lstStyle/>
+                    <a:p>
+                      <a:pPr algn="l" fontAlgn="b"/>
+                      <a:r>
+                        <a:rPr lang="en-US" sz="1600" b="1" i="0" u="none" strike="noStrike" baseline="0" dirty="0">
+                          <a:effectLst/>
+                          <a:highlight>
+                            <a:srgbClr val="E6E6E6"/>
+                          </a:highlight>
+                        </a:rPr>
+                        <a:t>R6, R5</a:t>
+                      </a:r>
+                      <a:endParaRPr lang="en-US" sz="1600" b="1" i="0" u="none" strike="noStrike" baseline="0" dirty="0">
+                        <a:solidFill>
+                          <a:srgbClr val="000000"/>
+                        </a:solidFill>
+                        <a:effectLst/>
+                        <a:highlight>
+                          <a:srgbClr val="E6E6E6"/>
+                        </a:highlight>
+                        <a:latin typeface="Calibri" panose="020F0502020204030204" pitchFamily="34" charset="0"/>
+                      </a:endParaRPr>
+                    </a:p>
+                  </a:txBody>
+                  <a:tcPr marL="7620" marR="7620" marT="7620" marB="0" anchor="b">
+                    <a:lnL w="12700" cap="flat" cmpd="sng" algn="ctr">
+                      <a:solidFill>
+                        <a:schemeClr val="tx1"/>
+                      </a:solidFill>
+                      <a:prstDash val="solid"/>
+                      <a:round/>
+                      <a:headEnd type="none" w="med" len="med"/>
+                      <a:tailEnd type="none" w="med" len="med"/>
+                    </a:lnL>
+                  </a:tcPr>
+                </a:tc>
+                <a:extLst>
+                  <a:ext uri="{0D108BD9-81ED-4DB2-BD59-A6C34878D82A}">
+                    <a16:rowId xmlns:a16="http://schemas.microsoft.com/office/drawing/2014/main" val="2817333160"/>
+                  </a:ext>
+                </a:extLst>
+              </a:tr>
+              <a:tr h="382846">
+                <a:tc>
+                  <a:txBody>
+                    <a:bodyPr/>
+                    <a:lstStyle/>
+                    <a:p>
+                      <a:pPr algn="r" fontAlgn="b"/>
+                      <a:endParaRPr lang="en-US" sz="1600" b="1" i="0" u="none" strike="noStrike" baseline="0" dirty="0">
+                        <a:solidFill>
+                          <a:srgbClr val="000000"/>
+                        </a:solidFill>
+                        <a:effectLst/>
+                        <a:latin typeface="Calibri" panose="020F0502020204030204" pitchFamily="34" charset="0"/>
+                      </a:endParaRPr>
+                    </a:p>
+                  </a:txBody>
+                  <a:tcPr marL="7620" marR="7620" marT="7620" marB="0" anchor="b">
+                    <a:lnR w="12700" cap="flat" cmpd="sng" algn="ctr">
+                      <a:solidFill>
+                        <a:schemeClr val="tx1"/>
+                      </a:solidFill>
+                      <a:prstDash val="solid"/>
+                      <a:round/>
+                      <a:headEnd type="none" w="med" len="med"/>
+                      <a:tailEnd type="none" w="med" len="med"/>
+                    </a:lnR>
+                  </a:tcPr>
+                </a:tc>
+                <a:tc>
+                  <a:txBody>
+                    <a:bodyPr/>
+                    <a:lstStyle/>
+                    <a:p>
+                      <a:pPr algn="ctr" fontAlgn="b"/>
+                      <a:r>
+                        <a:rPr lang="en-US" sz="1600" b="1" i="0" u="none" strike="noStrike" baseline="0" dirty="0">
+                          <a:effectLst/>
+                        </a:rPr>
+                        <a:t> </a:t>
+                      </a:r>
+                      <a:endParaRPr lang="en-US" sz="1600" b="1" i="0" u="none" strike="noStrike" baseline="0" dirty="0">
+                        <a:solidFill>
+                          <a:srgbClr val="000000"/>
+                        </a:solidFill>
+                        <a:effectLst/>
+                        <a:latin typeface="Calibri" panose="020F0502020204030204" pitchFamily="34" charset="0"/>
+                      </a:endParaRPr>
+                    </a:p>
+                  </a:txBody>
+                  <a:tcPr marL="7620" marR="7620" marT="7620" marB="0" anchor="b">
+                    <a:lnL w="12700" cap="flat" cmpd="sng" algn="ctr">
+                      <a:solidFill>
+                        <a:schemeClr val="tx1"/>
+                      </a:solidFill>
+                      <a:prstDash val="solid"/>
+                      <a:round/>
+                      <a:headEnd type="none" w="med" len="med"/>
+                      <a:tailEnd type="none" w="med" len="med"/>
+                    </a:lnL>
+                    <a:lnR w="12700" cap="flat" cmpd="sng" algn="ctr">
+                      <a:solidFill>
+                        <a:schemeClr val="tx1"/>
+                      </a:solidFill>
+                      <a:prstDash val="solid"/>
+                      <a:round/>
+                      <a:headEnd type="none" w="med" len="med"/>
+                      <a:tailEnd type="none" w="med" len="med"/>
+                    </a:lnR>
+                    <a:lnT w="12700" cap="flat" cmpd="sng" algn="ctr">
+                      <a:solidFill>
+                        <a:schemeClr val="tx1"/>
+                      </a:solidFill>
+                      <a:prstDash val="solid"/>
+                      <a:round/>
+                      <a:headEnd type="none" w="med" len="med"/>
+                      <a:tailEnd type="none" w="med" len="med"/>
+                    </a:lnT>
+                    <a:lnB w="12700" cap="flat" cmpd="sng" algn="ctr">
+                      <a:solidFill>
+                        <a:schemeClr val="tx1"/>
+                      </a:solidFill>
+                      <a:prstDash val="solid"/>
+                      <a:round/>
+                      <a:headEnd type="none" w="med" len="med"/>
+                      <a:tailEnd type="none" w="med" len="med"/>
+                    </a:lnB>
+                  </a:tcPr>
+                </a:tc>
+                <a:tc>
+                  <a:txBody>
+                    <a:bodyPr/>
+                    <a:lstStyle/>
+                    <a:p>
+                      <a:pPr algn="l" fontAlgn="b"/>
+                      <a:r>
+                        <a:rPr lang="en-US" sz="1600" b="1" i="0" u="none" strike="noStrike" baseline="0" dirty="0">
+                          <a:effectLst/>
+                        </a:rPr>
+                        <a:t>main</a:t>
+                      </a:r>
+                      <a:endParaRPr lang="en-US" sz="1600" b="1" i="0" u="none" strike="noStrike" baseline="0" dirty="0">
+                        <a:solidFill>
+                          <a:srgbClr val="000000"/>
+                        </a:solidFill>
+                        <a:effectLst/>
+                        <a:latin typeface="Calibri" panose="020F0502020204030204" pitchFamily="34" charset="0"/>
+                      </a:endParaRPr>
+                    </a:p>
+                  </a:txBody>
+                  <a:tcPr marL="7620" marR="7620" marT="7620" marB="0" anchor="b">
+                    <a:lnL w="12700" cap="flat" cmpd="sng" algn="ctr">
+                      <a:solidFill>
+                        <a:schemeClr val="tx1"/>
+                      </a:solidFill>
+                      <a:prstDash val="solid"/>
+                      <a:round/>
+                      <a:headEnd type="none" w="med" len="med"/>
+                      <a:tailEnd type="none" w="med" len="med"/>
+                    </a:lnL>
+                  </a:tcPr>
+                </a:tc>
+                <a:extLst>
+                  <a:ext uri="{0D108BD9-81ED-4DB2-BD59-A6C34878D82A}">
+                    <a16:rowId xmlns:a16="http://schemas.microsoft.com/office/drawing/2014/main" val="733617846"/>
+                  </a:ext>
+                </a:extLst>
+              </a:tr>
+              <a:tr h="382846">
+                <a:tc>
+                  <a:txBody>
+                    <a:bodyPr/>
+                    <a:lstStyle/>
+                    <a:p>
+                      <a:pPr algn="r" fontAlgn="b"/>
+                      <a:endParaRPr lang="en-US" sz="1600" b="1" i="0" u="none" strike="noStrike" baseline="0" dirty="0">
+                        <a:solidFill>
+                          <a:srgbClr val="000000"/>
+                        </a:solidFill>
+                        <a:effectLst/>
+                        <a:latin typeface="Calibri" panose="020F0502020204030204" pitchFamily="34" charset="0"/>
+                      </a:endParaRPr>
+                    </a:p>
+                  </a:txBody>
+                  <a:tcPr marL="7620" marR="7620" marT="7620" marB="0" anchor="b">
+                    <a:lnR w="12700" cap="flat" cmpd="sng" algn="ctr">
+                      <a:solidFill>
+                        <a:schemeClr val="tx1"/>
+                      </a:solidFill>
+                      <a:prstDash val="solid"/>
+                      <a:round/>
+                      <a:headEnd type="none" w="med" len="med"/>
+                      <a:tailEnd type="none" w="med" len="med"/>
+                    </a:lnR>
+                  </a:tcPr>
+                </a:tc>
+                <a:tc>
+                  <a:txBody>
+                    <a:bodyPr/>
+                    <a:lstStyle/>
+                    <a:p>
+                      <a:pPr algn="ctr" fontAlgn="b"/>
+                      <a:r>
+                        <a:rPr lang="en-US" sz="1600" b="1" i="0" u="none" strike="noStrike" baseline="0" dirty="0">
+                          <a:effectLst/>
+                        </a:rPr>
+                        <a:t> </a:t>
+                      </a:r>
+                      <a:endParaRPr lang="en-US" sz="1600" b="1" i="0" u="none" strike="noStrike" baseline="0" dirty="0">
+                        <a:solidFill>
+                          <a:srgbClr val="000000"/>
+                        </a:solidFill>
+                        <a:effectLst/>
+                        <a:latin typeface="Calibri" panose="020F0502020204030204" pitchFamily="34" charset="0"/>
+                      </a:endParaRPr>
+                    </a:p>
+                  </a:txBody>
+                  <a:tcPr marL="7620" marR="7620" marT="7620" marB="0" anchor="b">
+                    <a:lnL w="12700" cap="flat" cmpd="sng" algn="ctr">
+                      <a:solidFill>
+                        <a:schemeClr val="tx1"/>
+                      </a:solidFill>
+                      <a:prstDash val="solid"/>
+                      <a:round/>
+                      <a:headEnd type="none" w="med" len="med"/>
+                      <a:tailEnd type="none" w="med" len="med"/>
+                    </a:lnL>
+                    <a:lnR w="12700" cap="flat" cmpd="sng" algn="ctr">
+                      <a:solidFill>
+                        <a:schemeClr val="tx1"/>
+                      </a:solidFill>
+                      <a:prstDash val="solid"/>
+                      <a:round/>
+                      <a:headEnd type="none" w="med" len="med"/>
+                      <a:tailEnd type="none" w="med" len="med"/>
+                    </a:lnR>
+                    <a:lnT w="12700" cap="flat" cmpd="sng" algn="ctr">
+                      <a:solidFill>
+                        <a:schemeClr val="tx1"/>
+                      </a:solidFill>
+                      <a:prstDash val="solid"/>
+                      <a:round/>
+                      <a:headEnd type="none" w="med" len="med"/>
+                      <a:tailEnd type="none" w="med" len="med"/>
+                    </a:lnT>
+                    <a:lnB w="12700" cap="flat" cmpd="sng" algn="ctr">
+                      <a:solidFill>
+                        <a:schemeClr val="tx1"/>
+                      </a:solidFill>
+                      <a:prstDash val="solid"/>
+                      <a:round/>
+                      <a:headEnd type="none" w="med" len="med"/>
+                      <a:tailEnd type="none" w="med" len="med"/>
+                    </a:lnB>
+                  </a:tcPr>
+                </a:tc>
+                <a:tc>
+                  <a:txBody>
+                    <a:bodyPr/>
+                    <a:lstStyle/>
+                    <a:p>
+                      <a:pPr algn="l" fontAlgn="b"/>
+                      <a:endParaRPr lang="en-US" sz="1600" b="1" i="0" u="none" strike="noStrike" baseline="0" dirty="0">
+                        <a:solidFill>
+                          <a:srgbClr val="000000"/>
+                        </a:solidFill>
+                        <a:effectLst/>
+                        <a:latin typeface="Calibri" panose="020F0502020204030204" pitchFamily="34" charset="0"/>
+                      </a:endParaRPr>
+                    </a:p>
+                  </a:txBody>
+                  <a:tcPr marL="7620" marR="7620" marT="7620" marB="0" anchor="b">
+                    <a:lnL w="12700" cap="flat" cmpd="sng" algn="ctr">
+                      <a:solidFill>
+                        <a:schemeClr val="tx1"/>
+                      </a:solidFill>
+                      <a:prstDash val="solid"/>
+                      <a:round/>
+                      <a:headEnd type="none" w="med" len="med"/>
+                      <a:tailEnd type="none" w="med" len="med"/>
+                    </a:lnL>
+                  </a:tcPr>
+                </a:tc>
+                <a:extLst>
+                  <a:ext uri="{0D108BD9-81ED-4DB2-BD59-A6C34878D82A}">
+                    <a16:rowId xmlns:a16="http://schemas.microsoft.com/office/drawing/2014/main" val="896590632"/>
+                  </a:ext>
+                </a:extLst>
+              </a:tr>
+            </a:tbl>
+          </a:graphicData>
+        </a:graphic>
+      </p:graphicFrame>
+      <p:sp>
+        <p:nvSpPr>
+          <p:cNvPr id="5" name="Rectangle 4">
+            <a:extLst>
+              <a:ext uri="{FF2B5EF4-FFF2-40B4-BE49-F238E27FC236}">
+                <a16:creationId xmlns:a16="http://schemas.microsoft.com/office/drawing/2014/main" id="{1F407385-AE67-4AEA-81F9-6C9FB0576819}"/>
+              </a:ext>
+            </a:extLst>
+          </p:cNvPr>
+          <p:cNvSpPr/>
+          <p:nvPr/>
+        </p:nvSpPr>
+        <p:spPr>
+          <a:xfrm>
+            <a:off x="2517289" y="5572461"/>
+            <a:ext cx="4432151" cy="398033"/>
+          </a:xfrm>
+          <a:prstGeom prst="rect">
+            <a:avLst/>
+          </a:prstGeom>
+          <a:gradFill>
+            <a:gsLst>
+              <a:gs pos="0">
+                <a:schemeClr val="accent1">
+                  <a:tint val="100000"/>
+                  <a:shade val="100000"/>
+                  <a:satMod val="130000"/>
+                  <a:alpha val="0"/>
+                </a:schemeClr>
+              </a:gs>
+              <a:gs pos="100000">
+                <a:schemeClr val="accent1">
+                  <a:tint val="50000"/>
+                  <a:shade val="100000"/>
+                  <a:satMod val="350000"/>
+                </a:schemeClr>
+              </a:gs>
+            </a:gsLst>
+          </a:gradFill>
+        </p:spPr>
+        <p:style>
+          <a:lnRef idx="1">
+            <a:schemeClr val="accent1"/>
+          </a:lnRef>
+          <a:fillRef idx="3">
+            <a:schemeClr val="accent1"/>
+          </a:fillRef>
+          <a:effectRef idx="2">
+            <a:schemeClr val="accent1"/>
+          </a:effectRef>
+          <a:fontRef idx="minor">
+            <a:schemeClr val="lt1"/>
+          </a:fontRef>
+        </p:style>
+        <p:txBody>
+          <a:bodyPr rtlCol="0" anchor="ctr"/>
+          <a:lstStyle/>
+          <a:p>
+            <a:pPr algn="ctr"/>
+            <a:endParaRPr lang="en-US"/>
+          </a:p>
+        </p:txBody>
+      </p:sp>
+      <p:sp>
+        <p:nvSpPr>
+          <p:cNvPr id="6" name="Rectangle 5">
+            <a:extLst>
+              <a:ext uri="{FF2B5EF4-FFF2-40B4-BE49-F238E27FC236}">
+                <a16:creationId xmlns:a16="http://schemas.microsoft.com/office/drawing/2014/main" id="{8550CEF9-084A-4EB4-827B-E5F373A0DEFF}"/>
+              </a:ext>
+            </a:extLst>
+          </p:cNvPr>
+          <p:cNvSpPr/>
+          <p:nvPr/>
+        </p:nvSpPr>
+        <p:spPr>
+          <a:xfrm>
+            <a:off x="3289300" y="5174428"/>
+            <a:ext cx="3048000" cy="398033"/>
+          </a:xfrm>
+          <a:prstGeom prst="rect">
+            <a:avLst/>
+          </a:prstGeom>
+          <a:gradFill>
+            <a:gsLst>
+              <a:gs pos="0">
+                <a:schemeClr val="accent1">
+                  <a:tint val="100000"/>
+                  <a:shade val="100000"/>
+                  <a:satMod val="130000"/>
+                  <a:alpha val="0"/>
+                </a:schemeClr>
+              </a:gs>
+              <a:gs pos="100000">
+                <a:schemeClr val="accent1">
+                  <a:tint val="50000"/>
+                  <a:shade val="100000"/>
+                  <a:satMod val="350000"/>
+                </a:schemeClr>
+              </a:gs>
+            </a:gsLst>
+          </a:gradFill>
+        </p:spPr>
+        <p:style>
+          <a:lnRef idx="1">
+            <a:schemeClr val="accent1"/>
+          </a:lnRef>
+          <a:fillRef idx="3">
+            <a:schemeClr val="accent1"/>
+          </a:fillRef>
+          <a:effectRef idx="2">
+            <a:schemeClr val="accent1"/>
+          </a:effectRef>
+          <a:fontRef idx="minor">
+            <a:schemeClr val="lt1"/>
+          </a:fontRef>
+        </p:style>
+        <p:txBody>
+          <a:bodyPr rtlCol="0" anchor="ctr"/>
+          <a:lstStyle/>
+          <a:p>
+            <a:pPr algn="ctr"/>
+            <a:endParaRPr lang="en-US"/>
+          </a:p>
+        </p:txBody>
+      </p:sp>
+      <p:sp>
+        <p:nvSpPr>
+          <p:cNvPr id="7" name="Rectangle 6">
+            <a:extLst>
+              <a:ext uri="{FF2B5EF4-FFF2-40B4-BE49-F238E27FC236}">
+                <a16:creationId xmlns:a16="http://schemas.microsoft.com/office/drawing/2014/main" id="{1D63DA9C-2B5F-46C6-823F-D672D2445018}"/>
+              </a:ext>
+            </a:extLst>
+          </p:cNvPr>
+          <p:cNvSpPr/>
+          <p:nvPr/>
+        </p:nvSpPr>
+        <p:spPr>
+          <a:xfrm>
+            <a:off x="3289300" y="4780729"/>
+            <a:ext cx="3048000" cy="393700"/>
+          </a:xfrm>
+          <a:prstGeom prst="rect">
+            <a:avLst/>
+          </a:prstGeom>
+          <a:gradFill>
+            <a:gsLst>
+              <a:gs pos="0">
+                <a:schemeClr val="accent1">
+                  <a:tint val="100000"/>
+                  <a:shade val="100000"/>
+                  <a:satMod val="130000"/>
+                  <a:alpha val="0"/>
+                </a:schemeClr>
+              </a:gs>
+              <a:gs pos="100000">
+                <a:schemeClr val="accent1">
+                  <a:tint val="50000"/>
+                  <a:shade val="100000"/>
+                  <a:satMod val="350000"/>
+                </a:schemeClr>
+              </a:gs>
+            </a:gsLst>
+          </a:gradFill>
+        </p:spPr>
+        <p:style>
+          <a:lnRef idx="1">
+            <a:schemeClr val="accent1"/>
+          </a:lnRef>
+          <a:fillRef idx="3">
+            <a:schemeClr val="accent1"/>
+          </a:fillRef>
+          <a:effectRef idx="2">
+            <a:schemeClr val="accent1"/>
+          </a:effectRef>
+          <a:fontRef idx="minor">
+            <a:schemeClr val="lt1"/>
+          </a:fontRef>
+        </p:style>
+        <p:txBody>
+          <a:bodyPr rtlCol="0" anchor="ctr"/>
+          <a:lstStyle/>
+          <a:p>
+            <a:pPr algn="ctr"/>
+            <a:endParaRPr lang="en-US"/>
+          </a:p>
+        </p:txBody>
+      </p:sp>
+      <p:sp>
+        <p:nvSpPr>
+          <p:cNvPr id="8" name="Rectangle 7">
+            <a:extLst>
+              <a:ext uri="{FF2B5EF4-FFF2-40B4-BE49-F238E27FC236}">
+                <a16:creationId xmlns:a16="http://schemas.microsoft.com/office/drawing/2014/main" id="{C7E316E2-C3D7-4EF7-8915-618D40DDA156}"/>
+              </a:ext>
+            </a:extLst>
+          </p:cNvPr>
+          <p:cNvSpPr/>
+          <p:nvPr/>
+        </p:nvSpPr>
+        <p:spPr>
+          <a:xfrm>
+            <a:off x="3289300" y="4382696"/>
+            <a:ext cx="3048000" cy="436724"/>
+          </a:xfrm>
+          <a:prstGeom prst="rect">
+            <a:avLst/>
+          </a:prstGeom>
+          <a:gradFill>
+            <a:gsLst>
+              <a:gs pos="0">
+                <a:schemeClr val="accent1">
+                  <a:tint val="100000"/>
+                  <a:shade val="100000"/>
+                  <a:satMod val="130000"/>
+                  <a:alpha val="0"/>
+                </a:schemeClr>
+              </a:gs>
+              <a:gs pos="100000">
+                <a:schemeClr val="accent1">
+                  <a:tint val="50000"/>
+                  <a:shade val="100000"/>
+                  <a:satMod val="350000"/>
+                </a:schemeClr>
+              </a:gs>
+            </a:gsLst>
+          </a:gradFill>
+        </p:spPr>
+        <p:style>
+          <a:lnRef idx="1">
+            <a:schemeClr val="accent1"/>
+          </a:lnRef>
+          <a:fillRef idx="3">
+            <a:schemeClr val="accent1"/>
+          </a:fillRef>
+          <a:effectRef idx="2">
+            <a:schemeClr val="accent1"/>
+          </a:effectRef>
+          <a:fontRef idx="minor">
+            <a:schemeClr val="lt1"/>
+          </a:fontRef>
+        </p:style>
+        <p:txBody>
+          <a:bodyPr rtlCol="0" anchor="ctr"/>
+          <a:lstStyle/>
+          <a:p>
+            <a:pPr algn="ctr"/>
+            <a:endParaRPr lang="en-US"/>
+          </a:p>
+        </p:txBody>
+      </p:sp>
+      <p:sp>
+        <p:nvSpPr>
+          <p:cNvPr id="10" name="Rectangle 9">
+            <a:extLst>
+              <a:ext uri="{FF2B5EF4-FFF2-40B4-BE49-F238E27FC236}">
+                <a16:creationId xmlns:a16="http://schemas.microsoft.com/office/drawing/2014/main" id="{BC6E2FAC-77D3-4E4C-8E01-1D43158A5DC3}"/>
+              </a:ext>
+            </a:extLst>
+          </p:cNvPr>
+          <p:cNvSpPr/>
+          <p:nvPr/>
+        </p:nvSpPr>
+        <p:spPr>
+          <a:xfrm>
+            <a:off x="6344995" y="4037795"/>
+            <a:ext cx="3048000" cy="355516"/>
+          </a:xfrm>
+          <a:prstGeom prst="rect">
+            <a:avLst/>
+          </a:prstGeom>
+          <a:gradFill>
+            <a:gsLst>
+              <a:gs pos="0">
+                <a:srgbClr val="FF0000">
+                  <a:alpha val="0"/>
+                </a:srgbClr>
+              </a:gs>
+              <a:gs pos="100000">
+                <a:schemeClr val="accent1">
+                  <a:tint val="50000"/>
+                  <a:shade val="100000"/>
+                  <a:satMod val="350000"/>
+                </a:schemeClr>
+              </a:gs>
+            </a:gsLst>
+          </a:gradFill>
+        </p:spPr>
+        <p:style>
+          <a:lnRef idx="1">
+            <a:schemeClr val="accent1"/>
+          </a:lnRef>
+          <a:fillRef idx="3">
+            <a:schemeClr val="accent1"/>
+          </a:fillRef>
+          <a:effectRef idx="2">
+            <a:schemeClr val="accent1"/>
+          </a:effectRef>
+          <a:fontRef idx="minor">
+            <a:schemeClr val="lt1"/>
+          </a:fontRef>
+        </p:style>
+        <p:txBody>
+          <a:bodyPr rtlCol="0" anchor="ctr"/>
+          <a:lstStyle/>
+          <a:p>
+            <a:pPr algn="ctr"/>
+            <a:endParaRPr lang="en-US"/>
+          </a:p>
+        </p:txBody>
+      </p:sp>
+      <p:sp>
+        <p:nvSpPr>
+          <p:cNvPr id="11" name="Rectangle 10">
+            <a:extLst>
+              <a:ext uri="{FF2B5EF4-FFF2-40B4-BE49-F238E27FC236}">
+                <a16:creationId xmlns:a16="http://schemas.microsoft.com/office/drawing/2014/main" id="{9520BE04-81FC-4C94-A963-4D99F49D4BB4}"/>
+              </a:ext>
+            </a:extLst>
+          </p:cNvPr>
+          <p:cNvSpPr/>
+          <p:nvPr/>
+        </p:nvSpPr>
+        <p:spPr>
+          <a:xfrm>
+            <a:off x="3289300" y="5565230"/>
+            <a:ext cx="3048000" cy="355516"/>
+          </a:xfrm>
+          <a:prstGeom prst="rect">
+            <a:avLst/>
+          </a:prstGeom>
+          <a:gradFill>
+            <a:gsLst>
+              <a:gs pos="0">
+                <a:srgbClr val="FF0000">
+                  <a:alpha val="0"/>
+                </a:srgbClr>
+              </a:gs>
+              <a:gs pos="100000">
+                <a:schemeClr val="accent1">
+                  <a:tint val="50000"/>
+                  <a:shade val="100000"/>
+                  <a:satMod val="350000"/>
+                </a:schemeClr>
+              </a:gs>
+            </a:gsLst>
+          </a:gradFill>
+        </p:spPr>
+        <p:style>
+          <a:lnRef idx="1">
+            <a:schemeClr val="accent1"/>
+          </a:lnRef>
+          <a:fillRef idx="3">
+            <a:schemeClr val="accent1"/>
+          </a:fillRef>
+          <a:effectRef idx="2">
+            <a:schemeClr val="accent1"/>
+          </a:effectRef>
+          <a:fontRef idx="minor">
+            <a:schemeClr val="lt1"/>
+          </a:fontRef>
+        </p:style>
+        <p:txBody>
+          <a:bodyPr rtlCol="0" anchor="ctr"/>
+          <a:lstStyle/>
+          <a:p>
+            <a:pPr algn="ctr"/>
+            <a:endParaRPr lang="en-US"/>
+          </a:p>
+        </p:txBody>
+      </p:sp>
+      <p:sp>
+        <p:nvSpPr>
+          <p:cNvPr id="12" name="Rectangle 11">
+            <a:extLst>
+              <a:ext uri="{FF2B5EF4-FFF2-40B4-BE49-F238E27FC236}">
+                <a16:creationId xmlns:a16="http://schemas.microsoft.com/office/drawing/2014/main" id="{8ACA54E3-6AF7-4453-94AF-60BEA1294A79}"/>
+              </a:ext>
+            </a:extLst>
+          </p:cNvPr>
+          <p:cNvSpPr/>
+          <p:nvPr/>
+        </p:nvSpPr>
+        <p:spPr>
+          <a:xfrm>
+            <a:off x="6314215" y="4872454"/>
+            <a:ext cx="3048000" cy="355516"/>
+          </a:xfrm>
+          <a:prstGeom prst="rect">
+            <a:avLst/>
+          </a:prstGeom>
+          <a:gradFill>
+            <a:gsLst>
+              <a:gs pos="0">
+                <a:srgbClr val="FF0000">
+                  <a:alpha val="0"/>
+                </a:srgbClr>
+              </a:gs>
+              <a:gs pos="100000">
+                <a:schemeClr val="accent1">
+                  <a:tint val="50000"/>
+                  <a:shade val="100000"/>
+                  <a:satMod val="350000"/>
+                </a:schemeClr>
+              </a:gs>
+            </a:gsLst>
+          </a:gradFill>
+        </p:spPr>
+        <p:style>
+          <a:lnRef idx="1">
+            <a:schemeClr val="accent1"/>
+          </a:lnRef>
+          <a:fillRef idx="3">
+            <a:schemeClr val="accent1"/>
+          </a:fillRef>
+          <a:effectRef idx="2">
+            <a:schemeClr val="accent1"/>
+          </a:effectRef>
+          <a:fontRef idx="minor">
+            <a:schemeClr val="lt1"/>
+          </a:fontRef>
+        </p:style>
+        <p:txBody>
+          <a:bodyPr rtlCol="0" anchor="ctr"/>
+          <a:lstStyle/>
+          <a:p>
+            <a:pPr algn="ctr"/>
+            <a:endParaRPr lang="en-US"/>
+          </a:p>
+        </p:txBody>
+      </p:sp>
+      <p:sp>
+        <p:nvSpPr>
+          <p:cNvPr id="13" name="Rectangle 12">
+            <a:extLst>
+              <a:ext uri="{FF2B5EF4-FFF2-40B4-BE49-F238E27FC236}">
+                <a16:creationId xmlns:a16="http://schemas.microsoft.com/office/drawing/2014/main" id="{F35116CE-7027-4AD8-99AC-D2ADA67A7625}"/>
+              </a:ext>
+            </a:extLst>
+          </p:cNvPr>
+          <p:cNvSpPr/>
+          <p:nvPr/>
+        </p:nvSpPr>
+        <p:spPr>
+          <a:xfrm>
+            <a:off x="3296995" y="4052055"/>
+            <a:ext cx="3048000" cy="355516"/>
+          </a:xfrm>
+          <a:prstGeom prst="rect">
+            <a:avLst/>
+          </a:prstGeom>
+          <a:gradFill>
+            <a:gsLst>
+              <a:gs pos="0">
+                <a:srgbClr val="FF0000">
+                  <a:alpha val="0"/>
+                </a:srgbClr>
+              </a:gs>
+              <a:gs pos="100000">
+                <a:schemeClr val="accent1">
+                  <a:tint val="50000"/>
+                  <a:shade val="100000"/>
+                  <a:satMod val="350000"/>
+                </a:schemeClr>
+              </a:gs>
+            </a:gsLst>
+          </a:gradFill>
+        </p:spPr>
+        <p:style>
+          <a:lnRef idx="1">
+            <a:schemeClr val="accent1"/>
+          </a:lnRef>
+          <a:fillRef idx="3">
+            <a:schemeClr val="accent1"/>
+          </a:fillRef>
+          <a:effectRef idx="2">
+            <a:schemeClr val="accent1"/>
+          </a:effectRef>
+          <a:fontRef idx="minor">
+            <a:schemeClr val="lt1"/>
+          </a:fontRef>
+        </p:style>
+        <p:txBody>
+          <a:bodyPr rtlCol="0" anchor="ctr"/>
+          <a:lstStyle/>
+          <a:p>
+            <a:pPr algn="ctr"/>
+            <a:endParaRPr lang="en-US"/>
+          </a:p>
+        </p:txBody>
+      </p:sp>
+      <p:sp>
+        <p:nvSpPr>
+          <p:cNvPr id="14" name="Rectangle 13">
+            <a:extLst>
+              <a:ext uri="{FF2B5EF4-FFF2-40B4-BE49-F238E27FC236}">
+                <a16:creationId xmlns:a16="http://schemas.microsoft.com/office/drawing/2014/main" id="{6ADE6B6B-E8FB-41A9-9526-84663CDBC0CD}"/>
+              </a:ext>
+            </a:extLst>
+          </p:cNvPr>
+          <p:cNvSpPr/>
+          <p:nvPr/>
+        </p:nvSpPr>
+        <p:spPr>
+          <a:xfrm>
+            <a:off x="3296995" y="3672172"/>
+            <a:ext cx="3048000" cy="355516"/>
+          </a:xfrm>
+          <a:prstGeom prst="rect">
+            <a:avLst/>
+          </a:prstGeom>
+          <a:gradFill>
+            <a:gsLst>
+              <a:gs pos="0">
+                <a:srgbClr val="FF0000">
+                  <a:alpha val="0"/>
+                </a:srgbClr>
+              </a:gs>
+              <a:gs pos="100000">
+                <a:schemeClr val="accent1">
+                  <a:tint val="50000"/>
+                  <a:shade val="100000"/>
+                  <a:satMod val="350000"/>
+                </a:schemeClr>
+              </a:gs>
+            </a:gsLst>
+          </a:gradFill>
+        </p:spPr>
+        <p:style>
+          <a:lnRef idx="1">
+            <a:schemeClr val="accent1"/>
+          </a:lnRef>
+          <a:fillRef idx="3">
+            <a:schemeClr val="accent1"/>
+          </a:fillRef>
+          <a:effectRef idx="2">
+            <a:schemeClr val="accent1"/>
+          </a:effectRef>
+          <a:fontRef idx="minor">
+            <a:schemeClr val="lt1"/>
+          </a:fontRef>
+        </p:style>
+        <p:txBody>
+          <a:bodyPr rtlCol="0" anchor="ctr"/>
+          <a:lstStyle/>
+          <a:p>
+            <a:pPr algn="ctr"/>
+            <a:endParaRPr lang="en-US"/>
+          </a:p>
+        </p:txBody>
+      </p:sp>
+      <p:sp>
+        <p:nvSpPr>
+          <p:cNvPr id="15" name="Rectangle 14">
+            <a:extLst>
+              <a:ext uri="{FF2B5EF4-FFF2-40B4-BE49-F238E27FC236}">
+                <a16:creationId xmlns:a16="http://schemas.microsoft.com/office/drawing/2014/main" id="{1EE11BB6-AA70-4117-A97A-DFEDBD7D95CD}"/>
+              </a:ext>
+            </a:extLst>
+          </p:cNvPr>
+          <p:cNvSpPr/>
+          <p:nvPr/>
+        </p:nvSpPr>
+        <p:spPr>
+          <a:xfrm>
+            <a:off x="3296995" y="3286854"/>
+            <a:ext cx="3048000" cy="355516"/>
+          </a:xfrm>
+          <a:prstGeom prst="rect">
+            <a:avLst/>
+          </a:prstGeom>
+          <a:gradFill>
+            <a:gsLst>
+              <a:gs pos="0">
+                <a:srgbClr val="FF0000">
+                  <a:alpha val="0"/>
+                </a:srgbClr>
+              </a:gs>
+              <a:gs pos="100000">
+                <a:schemeClr val="accent1">
+                  <a:tint val="50000"/>
+                  <a:shade val="100000"/>
+                  <a:satMod val="350000"/>
+                </a:schemeClr>
+              </a:gs>
+            </a:gsLst>
+          </a:gradFill>
+        </p:spPr>
+        <p:style>
+          <a:lnRef idx="1">
+            <a:schemeClr val="accent1"/>
+          </a:lnRef>
+          <a:fillRef idx="3">
+            <a:schemeClr val="accent1"/>
+          </a:fillRef>
+          <a:effectRef idx="2">
+            <a:schemeClr val="accent1"/>
+          </a:effectRef>
+          <a:fontRef idx="minor">
+            <a:schemeClr val="lt1"/>
+          </a:fontRef>
+        </p:style>
+        <p:txBody>
+          <a:bodyPr rtlCol="0" anchor="ctr"/>
+          <a:lstStyle/>
+          <a:p>
+            <a:pPr algn="ctr"/>
+            <a:endParaRPr lang="en-US"/>
+          </a:p>
+        </p:txBody>
+      </p:sp>
+      <p:sp>
+        <p:nvSpPr>
+          <p:cNvPr id="16" name="Rectangle 15">
+            <a:extLst>
+              <a:ext uri="{FF2B5EF4-FFF2-40B4-BE49-F238E27FC236}">
+                <a16:creationId xmlns:a16="http://schemas.microsoft.com/office/drawing/2014/main" id="{F5FA8F6A-F930-4FE4-B0BB-5065D8E6ACA1}"/>
+              </a:ext>
+            </a:extLst>
+          </p:cNvPr>
+          <p:cNvSpPr/>
+          <p:nvPr/>
+        </p:nvSpPr>
+        <p:spPr>
+          <a:xfrm>
+            <a:off x="3296995" y="2904821"/>
+            <a:ext cx="3048000" cy="355516"/>
+          </a:xfrm>
+          <a:prstGeom prst="rect">
+            <a:avLst/>
+          </a:prstGeom>
+          <a:gradFill>
+            <a:gsLst>
+              <a:gs pos="0">
+                <a:srgbClr val="FF0000">
+                  <a:alpha val="0"/>
+                </a:srgbClr>
+              </a:gs>
+              <a:gs pos="100000">
+                <a:schemeClr val="accent1">
+                  <a:tint val="50000"/>
+                  <a:shade val="100000"/>
+                  <a:satMod val="350000"/>
+                </a:schemeClr>
+              </a:gs>
+            </a:gsLst>
+          </a:gradFill>
+        </p:spPr>
+        <p:style>
+          <a:lnRef idx="1">
+            <a:schemeClr val="accent1"/>
+          </a:lnRef>
+          <a:fillRef idx="3">
+            <a:schemeClr val="accent1"/>
+          </a:fillRef>
+          <a:effectRef idx="2">
+            <a:schemeClr val="accent1"/>
+          </a:effectRef>
+          <a:fontRef idx="minor">
+            <a:schemeClr val="lt1"/>
+          </a:fontRef>
+        </p:style>
+        <p:txBody>
+          <a:bodyPr rtlCol="0" anchor="ctr"/>
+          <a:lstStyle/>
+          <a:p>
+            <a:pPr algn="ctr"/>
+            <a:endParaRPr lang="en-US"/>
+          </a:p>
+        </p:txBody>
+      </p:sp>
+      <p:sp>
+        <p:nvSpPr>
+          <p:cNvPr id="17" name="Rectangle 16">
+            <a:extLst>
+              <a:ext uri="{FF2B5EF4-FFF2-40B4-BE49-F238E27FC236}">
+                <a16:creationId xmlns:a16="http://schemas.microsoft.com/office/drawing/2014/main" id="{52C4F080-10E0-49FE-962F-AB99F911128B}"/>
+              </a:ext>
+            </a:extLst>
+          </p:cNvPr>
+          <p:cNvSpPr/>
+          <p:nvPr/>
+        </p:nvSpPr>
+        <p:spPr>
+          <a:xfrm>
+            <a:off x="6337300" y="2578903"/>
+            <a:ext cx="3048000" cy="355516"/>
+          </a:xfrm>
+          <a:prstGeom prst="rect">
+            <a:avLst/>
+          </a:prstGeom>
+          <a:gradFill>
+            <a:gsLst>
+              <a:gs pos="0">
+                <a:srgbClr val="FF0000">
+                  <a:alpha val="0"/>
+                </a:srgbClr>
+              </a:gs>
+              <a:gs pos="100000">
+                <a:schemeClr val="accent1">
+                  <a:tint val="50000"/>
+                  <a:shade val="100000"/>
+                  <a:satMod val="350000"/>
+                </a:schemeClr>
+              </a:gs>
+            </a:gsLst>
+          </a:gradFill>
+        </p:spPr>
+        <p:style>
+          <a:lnRef idx="1">
+            <a:schemeClr val="accent1"/>
+          </a:lnRef>
+          <a:fillRef idx="3">
+            <a:schemeClr val="accent1"/>
+          </a:fillRef>
+          <a:effectRef idx="2">
+            <a:schemeClr val="accent1"/>
+          </a:effectRef>
+          <a:fontRef idx="minor">
+            <a:schemeClr val="lt1"/>
+          </a:fontRef>
+        </p:style>
+        <p:txBody>
+          <a:bodyPr rtlCol="0" anchor="ctr"/>
+          <a:lstStyle/>
+          <a:p>
+            <a:pPr algn="ctr"/>
+            <a:endParaRPr lang="en-US"/>
+          </a:p>
+        </p:txBody>
+      </p:sp>
+      <p:sp>
+        <p:nvSpPr>
+          <p:cNvPr id="18" name="Rectangle 17">
+            <a:extLst>
+              <a:ext uri="{FF2B5EF4-FFF2-40B4-BE49-F238E27FC236}">
+                <a16:creationId xmlns:a16="http://schemas.microsoft.com/office/drawing/2014/main" id="{E9511410-5929-4E0C-8753-830B24273359}"/>
+              </a:ext>
+            </a:extLst>
+          </p:cNvPr>
+          <p:cNvSpPr/>
+          <p:nvPr/>
+        </p:nvSpPr>
+        <p:spPr>
+          <a:xfrm>
+            <a:off x="3304690" y="4061587"/>
+            <a:ext cx="3048000" cy="355516"/>
+          </a:xfrm>
+          <a:prstGeom prst="rect">
+            <a:avLst/>
+          </a:prstGeom>
+          <a:gradFill>
+            <a:gsLst>
+              <a:gs pos="0">
+                <a:srgbClr val="4EB9A8">
+                  <a:alpha val="0"/>
+                </a:srgbClr>
+              </a:gs>
+              <a:gs pos="0">
+                <a:srgbClr val="00B050">
+                  <a:alpha val="0"/>
+                </a:srgbClr>
+              </a:gs>
+              <a:gs pos="100000">
+                <a:schemeClr val="accent1">
+                  <a:tint val="50000"/>
+                  <a:shade val="100000"/>
+                  <a:satMod val="350000"/>
+                </a:schemeClr>
+              </a:gs>
+            </a:gsLst>
+          </a:gradFill>
+        </p:spPr>
+        <p:style>
+          <a:lnRef idx="1">
+            <a:schemeClr val="accent1"/>
+          </a:lnRef>
+          <a:fillRef idx="3">
+            <a:schemeClr val="accent1"/>
+          </a:fillRef>
+          <a:effectRef idx="2">
+            <a:schemeClr val="accent1"/>
+          </a:effectRef>
+          <a:fontRef idx="minor">
+            <a:schemeClr val="lt1"/>
+          </a:fontRef>
+        </p:style>
+        <p:txBody>
+          <a:bodyPr rtlCol="0" anchor="ctr"/>
+          <a:lstStyle/>
+          <a:p>
+            <a:pPr algn="ctr"/>
+            <a:endParaRPr lang="en-US"/>
+          </a:p>
+        </p:txBody>
+      </p:sp>
+      <p:sp>
+        <p:nvSpPr>
+          <p:cNvPr id="19" name="Rectangle 18">
+            <a:extLst>
+              <a:ext uri="{FF2B5EF4-FFF2-40B4-BE49-F238E27FC236}">
+                <a16:creationId xmlns:a16="http://schemas.microsoft.com/office/drawing/2014/main" id="{8D126168-361C-4657-9112-43F0A2969E12}"/>
+              </a:ext>
+            </a:extLst>
+          </p:cNvPr>
+          <p:cNvSpPr/>
+          <p:nvPr/>
+        </p:nvSpPr>
+        <p:spPr>
+          <a:xfrm>
+            <a:off x="6352690" y="3340752"/>
+            <a:ext cx="3048000" cy="355516"/>
+          </a:xfrm>
+          <a:prstGeom prst="rect">
+            <a:avLst/>
+          </a:prstGeom>
+          <a:gradFill>
+            <a:gsLst>
+              <a:gs pos="0">
+                <a:srgbClr val="4EB9A8">
+                  <a:alpha val="0"/>
+                </a:srgbClr>
+              </a:gs>
+              <a:gs pos="0">
+                <a:srgbClr val="00B050">
+                  <a:alpha val="0"/>
+                </a:srgbClr>
+              </a:gs>
+              <a:gs pos="100000">
+                <a:schemeClr val="accent1">
+                  <a:tint val="50000"/>
+                  <a:shade val="100000"/>
+                  <a:satMod val="350000"/>
+                </a:schemeClr>
+              </a:gs>
+            </a:gsLst>
+          </a:gradFill>
+        </p:spPr>
+        <p:style>
+          <a:lnRef idx="1">
+            <a:schemeClr val="accent1"/>
+          </a:lnRef>
+          <a:fillRef idx="3">
+            <a:schemeClr val="accent1"/>
+          </a:fillRef>
+          <a:effectRef idx="2">
+            <a:schemeClr val="accent1"/>
+          </a:effectRef>
+          <a:fontRef idx="minor">
+            <a:schemeClr val="lt1"/>
+          </a:fontRef>
+        </p:style>
+        <p:txBody>
+          <a:bodyPr rtlCol="0" anchor="ctr"/>
+          <a:lstStyle/>
+          <a:p>
+            <a:pPr algn="ctr"/>
+            <a:endParaRPr lang="en-US"/>
+          </a:p>
+        </p:txBody>
+      </p:sp>
+      <p:sp>
+        <p:nvSpPr>
+          <p:cNvPr id="20" name="Rectangle 19">
+            <a:extLst>
+              <a:ext uri="{FF2B5EF4-FFF2-40B4-BE49-F238E27FC236}">
+                <a16:creationId xmlns:a16="http://schemas.microsoft.com/office/drawing/2014/main" id="{92D5F1B3-2572-4008-8FC3-91F525348F7B}"/>
+              </a:ext>
+            </a:extLst>
+          </p:cNvPr>
+          <p:cNvSpPr/>
+          <p:nvPr/>
+        </p:nvSpPr>
+        <p:spPr>
+          <a:xfrm>
+            <a:off x="3278915" y="2514009"/>
+            <a:ext cx="3048000" cy="355516"/>
+          </a:xfrm>
+          <a:prstGeom prst="rect">
+            <a:avLst/>
+          </a:prstGeom>
+          <a:gradFill>
+            <a:gsLst>
+              <a:gs pos="0">
+                <a:srgbClr val="4EB9A8">
+                  <a:alpha val="0"/>
+                </a:srgbClr>
+              </a:gs>
+              <a:gs pos="0">
+                <a:srgbClr val="00B050">
+                  <a:alpha val="0"/>
+                </a:srgbClr>
+              </a:gs>
+              <a:gs pos="100000">
+                <a:schemeClr val="accent1">
+                  <a:tint val="50000"/>
+                  <a:shade val="100000"/>
+                  <a:satMod val="350000"/>
+                </a:schemeClr>
+              </a:gs>
+            </a:gsLst>
+          </a:gradFill>
+        </p:spPr>
+        <p:style>
+          <a:lnRef idx="1">
+            <a:schemeClr val="accent1"/>
+          </a:lnRef>
+          <a:fillRef idx="3">
+            <a:schemeClr val="accent1"/>
+          </a:fillRef>
+          <a:effectRef idx="2">
+            <a:schemeClr val="accent1"/>
+          </a:effectRef>
+          <a:fontRef idx="minor">
+            <a:schemeClr val="lt1"/>
+          </a:fontRef>
+        </p:style>
+        <p:txBody>
+          <a:bodyPr rtlCol="0" anchor="ctr"/>
+          <a:lstStyle/>
+          <a:p>
+            <a:pPr algn="ctr"/>
+            <a:endParaRPr lang="en-US"/>
+          </a:p>
+        </p:txBody>
+      </p:sp>
+      <p:sp>
+        <p:nvSpPr>
+          <p:cNvPr id="21" name="Rectangle 20">
+            <a:extLst>
+              <a:ext uri="{FF2B5EF4-FFF2-40B4-BE49-F238E27FC236}">
+                <a16:creationId xmlns:a16="http://schemas.microsoft.com/office/drawing/2014/main" id="{4538D877-4C78-4EF5-B35F-A8F9106572A4}"/>
+              </a:ext>
+            </a:extLst>
+          </p:cNvPr>
+          <p:cNvSpPr/>
+          <p:nvPr/>
+        </p:nvSpPr>
+        <p:spPr>
+          <a:xfrm>
+            <a:off x="3304690" y="2158493"/>
+            <a:ext cx="3048000" cy="355516"/>
+          </a:xfrm>
+          <a:prstGeom prst="rect">
+            <a:avLst/>
+          </a:prstGeom>
+          <a:gradFill>
+            <a:gsLst>
+              <a:gs pos="0">
+                <a:srgbClr val="4EB9A8">
+                  <a:alpha val="0"/>
+                </a:srgbClr>
+              </a:gs>
+              <a:gs pos="0">
+                <a:srgbClr val="00B050">
+                  <a:alpha val="0"/>
+                </a:srgbClr>
+              </a:gs>
+              <a:gs pos="100000">
+                <a:schemeClr val="accent1">
+                  <a:tint val="50000"/>
+                  <a:shade val="100000"/>
+                  <a:satMod val="350000"/>
+                </a:schemeClr>
+              </a:gs>
+            </a:gsLst>
+          </a:gradFill>
+        </p:spPr>
+        <p:style>
+          <a:lnRef idx="1">
+            <a:schemeClr val="accent1"/>
+          </a:lnRef>
+          <a:fillRef idx="3">
+            <a:schemeClr val="accent1"/>
+          </a:fillRef>
+          <a:effectRef idx="2">
+            <a:schemeClr val="accent1"/>
+          </a:effectRef>
+          <a:fontRef idx="minor">
+            <a:schemeClr val="lt1"/>
+          </a:fontRef>
+        </p:style>
+        <p:txBody>
+          <a:bodyPr rtlCol="0" anchor="ctr"/>
+          <a:lstStyle/>
+          <a:p>
+            <a:pPr algn="ctr"/>
+            <a:endParaRPr lang="en-US"/>
+          </a:p>
+        </p:txBody>
+      </p:sp>
+      <p:sp>
+        <p:nvSpPr>
+          <p:cNvPr id="22" name="Rectangle 21">
+            <a:extLst>
+              <a:ext uri="{FF2B5EF4-FFF2-40B4-BE49-F238E27FC236}">
+                <a16:creationId xmlns:a16="http://schemas.microsoft.com/office/drawing/2014/main" id="{193100F0-B73F-4986-A043-27204FC76A58}"/>
+              </a:ext>
+            </a:extLst>
+          </p:cNvPr>
+          <p:cNvSpPr/>
+          <p:nvPr/>
+        </p:nvSpPr>
+        <p:spPr>
+          <a:xfrm>
+            <a:off x="3304690" y="1763760"/>
+            <a:ext cx="3048000" cy="355516"/>
+          </a:xfrm>
+          <a:prstGeom prst="rect">
+            <a:avLst/>
+          </a:prstGeom>
+          <a:gradFill>
+            <a:gsLst>
+              <a:gs pos="0">
+                <a:srgbClr val="4EB9A8">
+                  <a:alpha val="0"/>
+                </a:srgbClr>
+              </a:gs>
+              <a:gs pos="0">
+                <a:srgbClr val="00B050">
+                  <a:alpha val="0"/>
+                </a:srgbClr>
+              </a:gs>
+              <a:gs pos="100000">
+                <a:schemeClr val="accent1">
+                  <a:tint val="50000"/>
+                  <a:shade val="100000"/>
+                  <a:satMod val="350000"/>
+                </a:schemeClr>
+              </a:gs>
+            </a:gsLst>
+          </a:gradFill>
+        </p:spPr>
+        <p:style>
+          <a:lnRef idx="1">
+            <a:schemeClr val="accent1"/>
+          </a:lnRef>
+          <a:fillRef idx="3">
+            <a:schemeClr val="accent1"/>
+          </a:fillRef>
+          <a:effectRef idx="2">
+            <a:schemeClr val="accent1"/>
+          </a:effectRef>
+          <a:fontRef idx="minor">
+            <a:schemeClr val="lt1"/>
+          </a:fontRef>
+        </p:style>
+        <p:txBody>
+          <a:bodyPr rtlCol="0" anchor="ctr"/>
+          <a:lstStyle/>
+          <a:p>
+            <a:pPr algn="ctr"/>
+            <a:endParaRPr lang="en-US"/>
+          </a:p>
+        </p:txBody>
+      </p:sp>
+      <p:sp>
+        <p:nvSpPr>
+          <p:cNvPr id="23" name="Rectangle 22">
+            <a:extLst>
+              <a:ext uri="{FF2B5EF4-FFF2-40B4-BE49-F238E27FC236}">
+                <a16:creationId xmlns:a16="http://schemas.microsoft.com/office/drawing/2014/main" id="{93B8FEAA-9C85-40A7-9281-08225A3F8A67}"/>
+              </a:ext>
+            </a:extLst>
+          </p:cNvPr>
+          <p:cNvSpPr/>
+          <p:nvPr/>
+        </p:nvSpPr>
+        <p:spPr>
+          <a:xfrm>
+            <a:off x="3304690" y="1355846"/>
+            <a:ext cx="3048000" cy="355516"/>
+          </a:xfrm>
+          <a:prstGeom prst="rect">
+            <a:avLst/>
+          </a:prstGeom>
+          <a:gradFill>
+            <a:gsLst>
+              <a:gs pos="0">
+                <a:srgbClr val="4EB9A8">
+                  <a:alpha val="0"/>
+                </a:srgbClr>
+              </a:gs>
+              <a:gs pos="0">
+                <a:srgbClr val="00B050">
+                  <a:alpha val="0"/>
+                </a:srgbClr>
+              </a:gs>
+              <a:gs pos="100000">
+                <a:schemeClr val="accent1">
+                  <a:tint val="50000"/>
+                  <a:shade val="100000"/>
+                  <a:satMod val="350000"/>
+                </a:schemeClr>
+              </a:gs>
+            </a:gsLst>
+          </a:gradFill>
+        </p:spPr>
+        <p:style>
+          <a:lnRef idx="1">
+            <a:schemeClr val="accent1"/>
+          </a:lnRef>
+          <a:fillRef idx="3">
+            <a:schemeClr val="accent1"/>
+          </a:fillRef>
+          <a:effectRef idx="2">
+            <a:schemeClr val="accent1"/>
+          </a:effectRef>
+          <a:fontRef idx="minor">
+            <a:schemeClr val="lt1"/>
+          </a:fontRef>
+        </p:style>
+        <p:txBody>
+          <a:bodyPr rtlCol="0" anchor="ctr"/>
+          <a:lstStyle/>
+          <a:p>
+            <a:pPr algn="ctr"/>
+            <a:endParaRPr lang="en-US"/>
+          </a:p>
+        </p:txBody>
+      </p:sp>
+      <p:sp>
+        <p:nvSpPr>
+          <p:cNvPr id="25" name="Rectangle 24">
+            <a:extLst>
+              <a:ext uri="{FF2B5EF4-FFF2-40B4-BE49-F238E27FC236}">
+                <a16:creationId xmlns:a16="http://schemas.microsoft.com/office/drawing/2014/main" id="{EA630505-CAD0-4571-9B91-9D8A0EC5B351}"/>
+              </a:ext>
+            </a:extLst>
+          </p:cNvPr>
+          <p:cNvSpPr/>
+          <p:nvPr/>
+        </p:nvSpPr>
+        <p:spPr>
+          <a:xfrm>
+            <a:off x="6352690" y="1026007"/>
+            <a:ext cx="3048000" cy="355516"/>
+          </a:xfrm>
+          <a:prstGeom prst="rect">
+            <a:avLst/>
+          </a:prstGeom>
+          <a:gradFill>
+            <a:gsLst>
+              <a:gs pos="0">
+                <a:srgbClr val="4EB9A8">
+                  <a:alpha val="0"/>
+                </a:srgbClr>
+              </a:gs>
+              <a:gs pos="0">
+                <a:srgbClr val="00B050">
+                  <a:alpha val="0"/>
+                </a:srgbClr>
+              </a:gs>
+              <a:gs pos="100000">
+                <a:schemeClr val="accent1">
+                  <a:tint val="50000"/>
+                  <a:shade val="100000"/>
+                  <a:satMod val="350000"/>
+                </a:schemeClr>
+              </a:gs>
+            </a:gsLst>
+          </a:gradFill>
+        </p:spPr>
+        <p:style>
+          <a:lnRef idx="1">
+            <a:schemeClr val="accent1"/>
+          </a:lnRef>
+          <a:fillRef idx="3">
+            <a:schemeClr val="accent1"/>
+          </a:fillRef>
+          <a:effectRef idx="2">
+            <a:schemeClr val="accent1"/>
+          </a:effectRef>
+          <a:fontRef idx="minor">
+            <a:schemeClr val="lt1"/>
+          </a:fontRef>
+        </p:style>
+        <p:txBody>
+          <a:bodyPr rtlCol="0" anchor="ctr"/>
+          <a:lstStyle/>
+          <a:p>
+            <a:pPr algn="ctr"/>
+            <a:endParaRPr lang="en-US"/>
+          </a:p>
+        </p:txBody>
+      </p:sp>
+      <p:sp>
+        <p:nvSpPr>
+          <p:cNvPr id="26" name="Rectangle 25">
+            <a:extLst>
+              <a:ext uri="{FF2B5EF4-FFF2-40B4-BE49-F238E27FC236}">
+                <a16:creationId xmlns:a16="http://schemas.microsoft.com/office/drawing/2014/main" id="{D0B48891-B10B-4343-840A-43E89C2E18A6}"/>
+              </a:ext>
+            </a:extLst>
+          </p:cNvPr>
+          <p:cNvSpPr/>
+          <p:nvPr/>
+        </p:nvSpPr>
+        <p:spPr>
+          <a:xfrm>
+            <a:off x="3304690" y="2497742"/>
+            <a:ext cx="3048000" cy="355516"/>
+          </a:xfrm>
+          <a:prstGeom prst="rect">
+            <a:avLst/>
+          </a:prstGeom>
+          <a:gradFill>
+            <a:gsLst>
+              <a:gs pos="0">
+                <a:srgbClr val="C00000">
+                  <a:alpha val="0"/>
+                </a:srgbClr>
+              </a:gs>
+              <a:gs pos="0">
+                <a:schemeClr val="bg2">
+                  <a:lumMod val="50000"/>
+                  <a:alpha val="0"/>
+                </a:schemeClr>
+              </a:gs>
+              <a:gs pos="100000">
+                <a:schemeClr val="bg1"/>
+              </a:gs>
+            </a:gsLst>
+          </a:gradFill>
+        </p:spPr>
+        <p:style>
+          <a:lnRef idx="1">
+            <a:schemeClr val="accent1"/>
+          </a:lnRef>
+          <a:fillRef idx="3">
+            <a:schemeClr val="accent1"/>
+          </a:fillRef>
+          <a:effectRef idx="2">
+            <a:schemeClr val="accent1"/>
+          </a:effectRef>
+          <a:fontRef idx="minor">
+            <a:schemeClr val="lt1"/>
+          </a:fontRef>
+        </p:style>
+        <p:txBody>
+          <a:bodyPr rtlCol="0" anchor="ctr"/>
+          <a:lstStyle/>
+          <a:p>
+            <a:pPr algn="ctr"/>
+            <a:endParaRPr lang="en-US"/>
+          </a:p>
+        </p:txBody>
+      </p:sp>
+      <p:sp>
+        <p:nvSpPr>
+          <p:cNvPr id="28" name="Rectangle 27">
+            <a:extLst>
+              <a:ext uri="{FF2B5EF4-FFF2-40B4-BE49-F238E27FC236}">
+                <a16:creationId xmlns:a16="http://schemas.microsoft.com/office/drawing/2014/main" id="{1E17ED65-7B31-419D-B02A-67501884BD6E}"/>
+              </a:ext>
+            </a:extLst>
+          </p:cNvPr>
+          <p:cNvSpPr/>
+          <p:nvPr/>
+        </p:nvSpPr>
+        <p:spPr>
+          <a:xfrm>
+            <a:off x="225910" y="1381523"/>
+            <a:ext cx="3048000" cy="355516"/>
+          </a:xfrm>
+          <a:prstGeom prst="rect">
+            <a:avLst/>
+          </a:prstGeom>
+          <a:gradFill>
+            <a:gsLst>
+              <a:gs pos="0">
+                <a:srgbClr val="C00000">
+                  <a:alpha val="0"/>
+                </a:srgbClr>
+              </a:gs>
+              <a:gs pos="0">
+                <a:schemeClr val="bg2">
+                  <a:lumMod val="50000"/>
+                  <a:alpha val="0"/>
+                </a:schemeClr>
+              </a:gs>
+              <a:gs pos="100000">
+                <a:schemeClr val="bg1"/>
+              </a:gs>
+            </a:gsLst>
+          </a:gradFill>
+        </p:spPr>
+        <p:style>
+          <a:lnRef idx="1">
+            <a:schemeClr val="accent1"/>
+          </a:lnRef>
+          <a:fillRef idx="3">
+            <a:schemeClr val="accent1"/>
+          </a:fillRef>
+          <a:effectRef idx="2">
+            <a:schemeClr val="accent1"/>
+          </a:effectRef>
+          <a:fontRef idx="minor">
+            <a:schemeClr val="lt1"/>
+          </a:fontRef>
+        </p:style>
+        <p:txBody>
+          <a:bodyPr rtlCol="0" anchor="ctr"/>
+          <a:lstStyle/>
+          <a:p>
+            <a:pPr algn="ctr"/>
+            <a:endParaRPr lang="en-US"/>
+          </a:p>
+        </p:txBody>
+      </p:sp>
+      <p:sp>
+        <p:nvSpPr>
+          <p:cNvPr id="29" name="Rectangle 28">
+            <a:extLst>
+              <a:ext uri="{FF2B5EF4-FFF2-40B4-BE49-F238E27FC236}">
+                <a16:creationId xmlns:a16="http://schemas.microsoft.com/office/drawing/2014/main" id="{B6699654-6E30-4A5E-99EC-B791F1D063B3}"/>
+              </a:ext>
+            </a:extLst>
+          </p:cNvPr>
+          <p:cNvSpPr/>
+          <p:nvPr/>
+        </p:nvSpPr>
+        <p:spPr>
+          <a:xfrm>
+            <a:off x="3304690" y="1762397"/>
+            <a:ext cx="3048000" cy="355516"/>
+          </a:xfrm>
+          <a:prstGeom prst="rect">
+            <a:avLst/>
+          </a:prstGeom>
+          <a:gradFill>
+            <a:gsLst>
+              <a:gs pos="0">
+                <a:srgbClr val="C00000">
+                  <a:alpha val="0"/>
+                </a:srgbClr>
+              </a:gs>
+              <a:gs pos="0">
+                <a:schemeClr val="bg2">
+                  <a:lumMod val="50000"/>
+                  <a:alpha val="0"/>
+                </a:schemeClr>
+              </a:gs>
+              <a:gs pos="100000">
+                <a:schemeClr val="bg1"/>
+              </a:gs>
+            </a:gsLst>
+          </a:gradFill>
+        </p:spPr>
+        <p:style>
+          <a:lnRef idx="1">
+            <a:schemeClr val="accent1"/>
+          </a:lnRef>
+          <a:fillRef idx="3">
+            <a:schemeClr val="accent1"/>
+          </a:fillRef>
+          <a:effectRef idx="2">
+            <a:schemeClr val="accent1"/>
+          </a:effectRef>
+          <a:fontRef idx="minor">
+            <a:schemeClr val="lt1"/>
+          </a:fontRef>
+        </p:style>
+        <p:txBody>
+          <a:bodyPr rtlCol="0" anchor="ctr"/>
+          <a:lstStyle/>
+          <a:p>
+            <a:pPr algn="ctr"/>
+            <a:endParaRPr lang="en-US"/>
+          </a:p>
+        </p:txBody>
+      </p:sp>
+      <p:sp>
+        <p:nvSpPr>
+          <p:cNvPr id="30" name="Rectangle 29">
+            <a:extLst>
+              <a:ext uri="{FF2B5EF4-FFF2-40B4-BE49-F238E27FC236}">
+                <a16:creationId xmlns:a16="http://schemas.microsoft.com/office/drawing/2014/main" id="{9BC09BE0-8D9C-4CFE-B0E5-0F4F13FF1BEC}"/>
+              </a:ext>
+            </a:extLst>
+          </p:cNvPr>
+          <p:cNvSpPr/>
+          <p:nvPr/>
+        </p:nvSpPr>
+        <p:spPr>
+          <a:xfrm>
+            <a:off x="6314215" y="2154438"/>
+            <a:ext cx="3048000" cy="355516"/>
+          </a:xfrm>
+          <a:prstGeom prst="rect">
+            <a:avLst/>
+          </a:prstGeom>
+          <a:gradFill>
+            <a:gsLst>
+              <a:gs pos="0">
+                <a:srgbClr val="C00000">
+                  <a:alpha val="0"/>
+                </a:srgbClr>
+              </a:gs>
+              <a:gs pos="0">
+                <a:schemeClr val="bg2">
+                  <a:lumMod val="50000"/>
+                  <a:alpha val="0"/>
+                </a:schemeClr>
+              </a:gs>
+              <a:gs pos="100000">
+                <a:schemeClr val="bg1"/>
+              </a:gs>
+            </a:gsLst>
+          </a:gradFill>
+        </p:spPr>
+        <p:style>
+          <a:lnRef idx="1">
+            <a:schemeClr val="accent1"/>
+          </a:lnRef>
+          <a:fillRef idx="3">
+            <a:schemeClr val="accent1"/>
+          </a:fillRef>
+          <a:effectRef idx="2">
+            <a:schemeClr val="accent1"/>
+          </a:effectRef>
+          <a:fontRef idx="minor">
+            <a:schemeClr val="lt1"/>
+          </a:fontRef>
+        </p:style>
+        <p:txBody>
+          <a:bodyPr rtlCol="0" anchor="ctr"/>
+          <a:lstStyle/>
+          <a:p>
+            <a:pPr algn="ctr"/>
+            <a:endParaRPr lang="en-US"/>
+          </a:p>
+        </p:txBody>
+      </p:sp>
+      <p:sp>
+        <p:nvSpPr>
+          <p:cNvPr id="31" name="Rectangle 30">
+            <a:extLst>
+              <a:ext uri="{FF2B5EF4-FFF2-40B4-BE49-F238E27FC236}">
+                <a16:creationId xmlns:a16="http://schemas.microsoft.com/office/drawing/2014/main" id="{8429BA61-8B30-49F2-88B4-B6B765491A57}"/>
+              </a:ext>
+            </a:extLst>
+          </p:cNvPr>
+          <p:cNvSpPr/>
+          <p:nvPr/>
+        </p:nvSpPr>
+        <p:spPr>
+          <a:xfrm>
+            <a:off x="6352690" y="2967483"/>
+            <a:ext cx="3048000" cy="355516"/>
+          </a:xfrm>
+          <a:prstGeom prst="rect">
+            <a:avLst/>
+          </a:prstGeom>
+          <a:gradFill>
+            <a:gsLst>
+              <a:gs pos="0">
+                <a:srgbClr val="C00000">
+                  <a:alpha val="0"/>
+                </a:srgbClr>
+              </a:gs>
+              <a:gs pos="0">
+                <a:schemeClr val="bg2">
+                  <a:lumMod val="50000"/>
+                  <a:alpha val="0"/>
+                </a:schemeClr>
+              </a:gs>
+              <a:gs pos="100000">
+                <a:schemeClr val="bg1"/>
+              </a:gs>
+            </a:gsLst>
+          </a:gradFill>
+        </p:spPr>
+        <p:style>
+          <a:lnRef idx="1">
+            <a:schemeClr val="accent1"/>
+          </a:lnRef>
+          <a:fillRef idx="3">
+            <a:schemeClr val="accent1"/>
+          </a:fillRef>
+          <a:effectRef idx="2">
+            <a:schemeClr val="accent1"/>
+          </a:effectRef>
+          <a:fontRef idx="minor">
+            <a:schemeClr val="lt1"/>
+          </a:fontRef>
+        </p:style>
+        <p:txBody>
+          <a:bodyPr rtlCol="0" anchor="ctr"/>
+          <a:lstStyle/>
+          <a:p>
+            <a:pPr algn="ctr"/>
+            <a:endParaRPr lang="en-US"/>
+          </a:p>
+        </p:txBody>
+      </p:sp>
+      <p:sp>
+        <p:nvSpPr>
+          <p:cNvPr id="33" name="Rectangle 32">
+            <a:extLst>
+              <a:ext uri="{FF2B5EF4-FFF2-40B4-BE49-F238E27FC236}">
+                <a16:creationId xmlns:a16="http://schemas.microsoft.com/office/drawing/2014/main" id="{7665555B-9F56-42ED-A4D5-19D982ECCF54}"/>
+              </a:ext>
+            </a:extLst>
+          </p:cNvPr>
+          <p:cNvSpPr/>
+          <p:nvPr/>
+        </p:nvSpPr>
+        <p:spPr>
+          <a:xfrm>
+            <a:off x="256690" y="1012749"/>
+            <a:ext cx="9144000" cy="1872652"/>
+          </a:xfrm>
+          <a:prstGeom prst="rect">
+            <a:avLst/>
+          </a:prstGeom>
+          <a:gradFill>
+            <a:gsLst>
+              <a:gs pos="0">
+                <a:srgbClr val="C00000">
+                  <a:alpha val="62000"/>
+                </a:srgbClr>
+              </a:gs>
+              <a:gs pos="0">
+                <a:schemeClr val="tx1">
+                  <a:lumMod val="85000"/>
+                  <a:lumOff val="15000"/>
+                  <a:alpha val="46000"/>
+                </a:schemeClr>
+              </a:gs>
+              <a:gs pos="100000">
+                <a:schemeClr val="bg1"/>
+              </a:gs>
+            </a:gsLst>
+          </a:gradFill>
+        </p:spPr>
+        <p:style>
+          <a:lnRef idx="1">
+            <a:schemeClr val="accent1"/>
+          </a:lnRef>
+          <a:fillRef idx="3">
+            <a:schemeClr val="accent1"/>
+          </a:fillRef>
+          <a:effectRef idx="2">
+            <a:schemeClr val="accent1"/>
+          </a:effectRef>
+          <a:fontRef idx="minor">
+            <a:schemeClr val="lt1"/>
+          </a:fontRef>
+        </p:style>
+        <p:txBody>
+          <a:bodyPr rtlCol="0" anchor="ctr"/>
+          <a:lstStyle/>
+          <a:p>
+            <a:pPr algn="ctr"/>
+            <a:endParaRPr lang="en-US"/>
+          </a:p>
+        </p:txBody>
+      </p:sp>
+      <p:sp>
+        <p:nvSpPr>
+          <p:cNvPr id="34" name="Rectangle 33">
+            <a:extLst>
+              <a:ext uri="{FF2B5EF4-FFF2-40B4-BE49-F238E27FC236}">
+                <a16:creationId xmlns:a16="http://schemas.microsoft.com/office/drawing/2014/main" id="{91BD2A6F-DBD5-4322-B118-615D0E4A9B92}"/>
+              </a:ext>
+            </a:extLst>
+          </p:cNvPr>
+          <p:cNvSpPr/>
+          <p:nvPr/>
+        </p:nvSpPr>
+        <p:spPr>
+          <a:xfrm>
+            <a:off x="3468257" y="4020987"/>
+            <a:ext cx="2669315" cy="355516"/>
+          </a:xfrm>
+          <a:prstGeom prst="rect">
+            <a:avLst/>
+          </a:prstGeom>
+          <a:gradFill>
+            <a:gsLst>
+              <a:gs pos="0">
+                <a:srgbClr val="C00000">
+                  <a:alpha val="0"/>
+                </a:srgbClr>
+              </a:gs>
+              <a:gs pos="0">
+                <a:schemeClr val="tx1">
+                  <a:lumMod val="85000"/>
+                  <a:lumOff val="15000"/>
+                  <a:alpha val="46000"/>
+                </a:schemeClr>
+              </a:gs>
+              <a:gs pos="100000">
+                <a:schemeClr val="bg1"/>
+              </a:gs>
+            </a:gsLst>
+          </a:gradFill>
+        </p:spPr>
+        <p:style>
+          <a:lnRef idx="1">
+            <a:schemeClr val="accent1"/>
+          </a:lnRef>
+          <a:fillRef idx="3">
+            <a:schemeClr val="accent1"/>
+          </a:fillRef>
+          <a:effectRef idx="2">
+            <a:schemeClr val="accent1"/>
+          </a:effectRef>
+          <a:fontRef idx="minor">
+            <a:schemeClr val="lt1"/>
+          </a:fontRef>
+        </p:style>
+        <p:txBody>
+          <a:bodyPr rtlCol="0" anchor="ctr"/>
+          <a:lstStyle/>
+          <a:p>
+            <a:pPr algn="ctr"/>
+            <a:endParaRPr lang="en-US"/>
+          </a:p>
+        </p:txBody>
+      </p:sp>
+      <p:sp>
+        <p:nvSpPr>
+          <p:cNvPr id="35" name="Rectangle 34">
+            <a:extLst>
+              <a:ext uri="{FF2B5EF4-FFF2-40B4-BE49-F238E27FC236}">
+                <a16:creationId xmlns:a16="http://schemas.microsoft.com/office/drawing/2014/main" id="{09FA1B46-E8DF-41C1-BF64-E4203771EE41}"/>
+              </a:ext>
+            </a:extLst>
+          </p:cNvPr>
+          <p:cNvSpPr/>
+          <p:nvPr/>
+        </p:nvSpPr>
+        <p:spPr>
+          <a:xfrm>
+            <a:off x="6326915" y="3677955"/>
+            <a:ext cx="2669315" cy="355516"/>
+          </a:xfrm>
+          <a:prstGeom prst="rect">
+            <a:avLst/>
+          </a:prstGeom>
+          <a:gradFill>
+            <a:gsLst>
+              <a:gs pos="0">
+                <a:srgbClr val="C00000">
+                  <a:alpha val="0"/>
+                </a:srgbClr>
+              </a:gs>
+              <a:gs pos="0">
+                <a:schemeClr val="tx1">
+                  <a:lumMod val="85000"/>
+                  <a:lumOff val="15000"/>
+                  <a:alpha val="46000"/>
+                </a:schemeClr>
+              </a:gs>
+              <a:gs pos="100000">
+                <a:schemeClr val="bg1"/>
+              </a:gs>
+            </a:gsLst>
+          </a:gradFill>
+        </p:spPr>
+        <p:style>
+          <a:lnRef idx="1">
+            <a:schemeClr val="accent1"/>
+          </a:lnRef>
+          <a:fillRef idx="3">
+            <a:schemeClr val="accent1"/>
+          </a:fillRef>
+          <a:effectRef idx="2">
+            <a:schemeClr val="accent1"/>
+          </a:effectRef>
+          <a:fontRef idx="minor">
+            <a:schemeClr val="lt1"/>
+          </a:fontRef>
+        </p:style>
+        <p:txBody>
+          <a:bodyPr rtlCol="0" anchor="ctr"/>
+          <a:lstStyle/>
+          <a:p>
+            <a:pPr algn="ctr"/>
+            <a:endParaRPr lang="en-US"/>
+          </a:p>
+        </p:txBody>
+      </p:sp>
+    </p:spTree>
+    <p:extLst>
+      <p:ext uri="{BB962C8B-B14F-4D97-AF65-F5344CB8AC3E}">
+        <p14:creationId xmlns:p14="http://schemas.microsoft.com/office/powerpoint/2010/main" val="276142153"/>
+      </p:ext>
+    </p:extLst>
+  </p:cSld>
+  <p:clrMapOvr>
+    <a:masterClrMapping/>
+  </p:clrMapOvr>
+  <p:timing>
+    <p:tnLst>
+      <p:par>
+        <p:cTn id="1" dur="indefinite" restart="never" nodeType="tmRoot">
+          <p:childTnLst>
+            <p:seq concurrent="1" nextAc="seek">
+              <p:cTn id="2" dur="indefinite" nodeType="mainSeq">
+                <p:childTnLst>
+                  <p:par>
+                    <p:cTn id="3" fill="hold">
+                      <p:stCondLst>
+                        <p:cond delay="indefinite"/>
+                      </p:stCondLst>
+                      <p:childTnLst>
+                        <p:par>
+                          <p:cTn id="4" fill="hold">
+                            <p:stCondLst>
+                              <p:cond delay="0"/>
+                            </p:stCondLst>
+                            <p:childTnLst>
+                              <p:par>
+                                <p:cTn id="5" presetID="1" presetClass="entr" presetSubtype="0" fill="hold" grpId="0" nodeType="clickEffect">
+                                  <p:stCondLst>
+                                    <p:cond delay="0"/>
+                                  </p:stCondLst>
+                                  <p:childTnLst>
+                                    <p:set>
+                                      <p:cBhvr>
+                                        <p:cTn id="6" dur="1" fill="hold">
+                                          <p:stCondLst>
+                                            <p:cond delay="0"/>
+                                          </p:stCondLst>
+                                        </p:cTn>
+                                        <p:tgtEl>
+                                          <p:spTgt spid="5"/>
+                                        </p:tgtEl>
+                                        <p:attrNameLst>
+                                          <p:attrName>style.visibility</p:attrName>
+                                        </p:attrNameLst>
+                                      </p:cBhvr>
+                                      <p:to>
+                                        <p:strVal val="visible"/>
+                                      </p:to>
+                                    </p:set>
+                                  </p:childTnLst>
+                                </p:cTn>
+                              </p:par>
+                            </p:childTnLst>
+                          </p:cTn>
+                        </p:par>
+                      </p:childTnLst>
+                    </p:cTn>
+                  </p:par>
+                  <p:par>
+                    <p:cTn id="7" fill="hold">
+                      <p:stCondLst>
+                        <p:cond delay="indefinite"/>
+                      </p:stCondLst>
+                      <p:childTnLst>
+                        <p:par>
+                          <p:cTn id="8" fill="hold">
+                            <p:stCondLst>
+                              <p:cond delay="0"/>
+                            </p:stCondLst>
+                            <p:childTnLst>
+                              <p:par>
+                                <p:cTn id="9" presetID="1" presetClass="entr" presetSubtype="0" fill="hold" grpId="0" nodeType="clickEffect">
+                                  <p:stCondLst>
+                                    <p:cond delay="0"/>
+                                  </p:stCondLst>
+                                  <p:childTnLst>
+                                    <p:set>
+                                      <p:cBhvr>
+                                        <p:cTn id="10" dur="1" fill="hold">
+                                          <p:stCondLst>
+                                            <p:cond delay="0"/>
+                                          </p:stCondLst>
+                                        </p:cTn>
+                                        <p:tgtEl>
+                                          <p:spTgt spid="6"/>
+                                        </p:tgtEl>
+                                        <p:attrNameLst>
+                                          <p:attrName>style.visibility</p:attrName>
+                                        </p:attrNameLst>
+                                      </p:cBhvr>
+                                      <p:to>
+                                        <p:strVal val="visible"/>
+                                      </p:to>
+                                    </p:set>
+                                  </p:childTnLst>
+                                </p:cTn>
+                              </p:par>
+                            </p:childTnLst>
+                          </p:cTn>
+                        </p:par>
+                      </p:childTnLst>
+                    </p:cTn>
+                  </p:par>
+                  <p:par>
+                    <p:cTn id="11" fill="hold">
+                      <p:stCondLst>
+                        <p:cond delay="indefinite"/>
+                      </p:stCondLst>
+                      <p:childTnLst>
+                        <p:par>
+                          <p:cTn id="12" fill="hold">
+                            <p:stCondLst>
+                              <p:cond delay="0"/>
+                            </p:stCondLst>
+                            <p:childTnLst>
+                              <p:par>
+                                <p:cTn id="13" presetID="1" presetClass="entr" presetSubtype="0" fill="hold" grpId="0" nodeType="clickEffect">
+                                  <p:stCondLst>
+                                    <p:cond delay="0"/>
+                                  </p:stCondLst>
+                                  <p:childTnLst>
+                                    <p:set>
+                                      <p:cBhvr>
+                                        <p:cTn id="14" dur="1" fill="hold">
+                                          <p:stCondLst>
+                                            <p:cond delay="0"/>
+                                          </p:stCondLst>
+                                        </p:cTn>
+                                        <p:tgtEl>
+                                          <p:spTgt spid="7"/>
+                                        </p:tgtEl>
+                                        <p:attrNameLst>
+                                          <p:attrName>style.visibility</p:attrName>
+                                        </p:attrNameLst>
+                                      </p:cBhvr>
+                                      <p:to>
+                                        <p:strVal val="visible"/>
+                                      </p:to>
+                                    </p:set>
+                                  </p:childTnLst>
+                                </p:cTn>
+                              </p:par>
+                            </p:childTnLst>
+                          </p:cTn>
+                        </p:par>
+                      </p:childTnLst>
+                    </p:cTn>
+                  </p:par>
+                  <p:par>
+                    <p:cTn id="15" fill="hold">
+                      <p:stCondLst>
+                        <p:cond delay="indefinite"/>
+                      </p:stCondLst>
+                      <p:childTnLst>
+                        <p:par>
+                          <p:cTn id="16" fill="hold">
+                            <p:stCondLst>
+                              <p:cond delay="0"/>
+                            </p:stCondLst>
+                            <p:childTnLst>
+                              <p:par>
+                                <p:cTn id="17" presetID="1" presetClass="entr" presetSubtype="0" fill="hold" grpId="0" nodeType="clickEffect">
+                                  <p:stCondLst>
+                                    <p:cond delay="0"/>
+                                  </p:stCondLst>
+                                  <p:childTnLst>
+                                    <p:set>
+                                      <p:cBhvr>
+                                        <p:cTn id="18" dur="1" fill="hold">
+                                          <p:stCondLst>
+                                            <p:cond delay="0"/>
+                                          </p:stCondLst>
+                                        </p:cTn>
+                                        <p:tgtEl>
+                                          <p:spTgt spid="8"/>
+                                        </p:tgtEl>
+                                        <p:attrNameLst>
+                                          <p:attrName>style.visibility</p:attrName>
+                                        </p:attrNameLst>
+                                      </p:cBhvr>
+                                      <p:to>
+                                        <p:strVal val="visible"/>
+                                      </p:to>
+                                    </p:set>
+                                  </p:childTnLst>
+                                </p:cTn>
+                              </p:par>
+                            </p:childTnLst>
+                          </p:cTn>
+                        </p:par>
+                      </p:childTnLst>
+                    </p:cTn>
+                  </p:par>
+                  <p:par>
+                    <p:cTn id="19" fill="hold">
+                      <p:stCondLst>
+                        <p:cond delay="indefinite"/>
+                      </p:stCondLst>
+                      <p:childTnLst>
+                        <p:par>
+                          <p:cTn id="20" fill="hold">
+                            <p:stCondLst>
+                              <p:cond delay="0"/>
+                            </p:stCondLst>
+                            <p:childTnLst>
+                              <p:par>
+                                <p:cTn id="21" presetID="1" presetClass="entr" presetSubtype="0" fill="hold" grpId="0" nodeType="clickEffect">
+                                  <p:stCondLst>
+                                    <p:cond delay="0"/>
+                                  </p:stCondLst>
+                                  <p:childTnLst>
+                                    <p:set>
+                                      <p:cBhvr>
+                                        <p:cTn id="22" dur="1" fill="hold">
+                                          <p:stCondLst>
+                                            <p:cond delay="0"/>
+                                          </p:stCondLst>
+                                        </p:cTn>
+                                        <p:tgtEl>
+                                          <p:spTgt spid="10"/>
+                                        </p:tgtEl>
+                                        <p:attrNameLst>
+                                          <p:attrName>style.visibility</p:attrName>
+                                        </p:attrNameLst>
+                                      </p:cBhvr>
+                                      <p:to>
+                                        <p:strVal val="visible"/>
+                                      </p:to>
+                                    </p:set>
+                                  </p:childTnLst>
+                                </p:cTn>
+                              </p:par>
+                            </p:childTnLst>
+                          </p:cTn>
+                        </p:par>
+                      </p:childTnLst>
+                    </p:cTn>
+                  </p:par>
+                  <p:par>
+                    <p:cTn id="23" fill="hold">
+                      <p:stCondLst>
+                        <p:cond delay="indefinite"/>
+                      </p:stCondLst>
+                      <p:childTnLst>
+                        <p:par>
+                          <p:cTn id="24" fill="hold">
+                            <p:stCondLst>
+                              <p:cond delay="0"/>
+                            </p:stCondLst>
+                            <p:childTnLst>
+                              <p:par>
+                                <p:cTn id="25" presetID="1" presetClass="entr" presetSubtype="0" fill="hold" grpId="0" nodeType="clickEffect">
+                                  <p:stCondLst>
+                                    <p:cond delay="0"/>
+                                  </p:stCondLst>
+                                  <p:childTnLst>
+                                    <p:set>
+                                      <p:cBhvr>
+                                        <p:cTn id="26" dur="1" fill="hold">
+                                          <p:stCondLst>
+                                            <p:cond delay="0"/>
+                                          </p:stCondLst>
+                                        </p:cTn>
+                                        <p:tgtEl>
+                                          <p:spTgt spid="11"/>
+                                        </p:tgtEl>
+                                        <p:attrNameLst>
+                                          <p:attrName>style.visibility</p:attrName>
+                                        </p:attrNameLst>
+                                      </p:cBhvr>
+                                      <p:to>
+                                        <p:strVal val="visible"/>
+                                      </p:to>
+                                    </p:set>
+                                  </p:childTnLst>
+                                </p:cTn>
+                              </p:par>
+                            </p:childTnLst>
+                          </p:cTn>
+                        </p:par>
+                      </p:childTnLst>
+                    </p:cTn>
+                  </p:par>
+                  <p:par>
+                    <p:cTn id="27" fill="hold">
+                      <p:stCondLst>
+                        <p:cond delay="indefinite"/>
+                      </p:stCondLst>
+                      <p:childTnLst>
+                        <p:par>
+                          <p:cTn id="28" fill="hold">
+                            <p:stCondLst>
+                              <p:cond delay="0"/>
+                            </p:stCondLst>
+                            <p:childTnLst>
+                              <p:par>
+                                <p:cTn id="29" presetID="1" presetClass="entr" presetSubtype="0" fill="hold" grpId="0" nodeType="clickEffect">
+                                  <p:stCondLst>
+                                    <p:cond delay="0"/>
+                                  </p:stCondLst>
+                                  <p:childTnLst>
+                                    <p:set>
+                                      <p:cBhvr>
+                                        <p:cTn id="30" dur="1" fill="hold">
+                                          <p:stCondLst>
+                                            <p:cond delay="0"/>
+                                          </p:stCondLst>
+                                        </p:cTn>
+                                        <p:tgtEl>
+                                          <p:spTgt spid="12"/>
+                                        </p:tgtEl>
+                                        <p:attrNameLst>
+                                          <p:attrName>style.visibility</p:attrName>
+                                        </p:attrNameLst>
+                                      </p:cBhvr>
+                                      <p:to>
+                                        <p:strVal val="visible"/>
+                                      </p:to>
+                                    </p:set>
+                                  </p:childTnLst>
+                                </p:cTn>
+                              </p:par>
+                            </p:childTnLst>
+                          </p:cTn>
+                        </p:par>
+                      </p:childTnLst>
+                    </p:cTn>
+                  </p:par>
+                  <p:par>
+                    <p:cTn id="31" fill="hold">
+                      <p:stCondLst>
+                        <p:cond delay="indefinite"/>
+                      </p:stCondLst>
+                      <p:childTnLst>
+                        <p:par>
+                          <p:cTn id="32" fill="hold">
+                            <p:stCondLst>
+                              <p:cond delay="0"/>
+                            </p:stCondLst>
+                            <p:childTnLst>
+                              <p:par>
+                                <p:cTn id="33" presetID="1" presetClass="entr" presetSubtype="0" fill="hold" grpId="0" nodeType="clickEffect">
+                                  <p:stCondLst>
+                                    <p:cond delay="0"/>
+                                  </p:stCondLst>
+                                  <p:childTnLst>
+                                    <p:set>
+                                      <p:cBhvr>
+                                        <p:cTn id="34" dur="1" fill="hold">
+                                          <p:stCondLst>
+                                            <p:cond delay="0"/>
+                                          </p:stCondLst>
+                                        </p:cTn>
+                                        <p:tgtEl>
+                                          <p:spTgt spid="13"/>
+                                        </p:tgtEl>
+                                        <p:attrNameLst>
+                                          <p:attrName>style.visibility</p:attrName>
+                                        </p:attrNameLst>
+                                      </p:cBhvr>
+                                      <p:to>
+                                        <p:strVal val="visible"/>
+                                      </p:to>
+                                    </p:set>
+                                  </p:childTnLst>
+                                </p:cTn>
+                              </p:par>
+                            </p:childTnLst>
+                          </p:cTn>
+                        </p:par>
+                      </p:childTnLst>
+                    </p:cTn>
+                  </p:par>
+                  <p:par>
+                    <p:cTn id="35" fill="hold">
+                      <p:stCondLst>
+                        <p:cond delay="indefinite"/>
+                      </p:stCondLst>
+                      <p:childTnLst>
+                        <p:par>
+                          <p:cTn id="36" fill="hold">
+                            <p:stCondLst>
+                              <p:cond delay="0"/>
+                            </p:stCondLst>
+                            <p:childTnLst>
+                              <p:par>
+                                <p:cTn id="37" presetID="1" presetClass="entr" presetSubtype="0" fill="hold" grpId="0" nodeType="clickEffect">
+                                  <p:stCondLst>
+                                    <p:cond delay="0"/>
+                                  </p:stCondLst>
+                                  <p:childTnLst>
+                                    <p:set>
+                                      <p:cBhvr>
+                                        <p:cTn id="38" dur="1" fill="hold">
+                                          <p:stCondLst>
+                                            <p:cond delay="0"/>
+                                          </p:stCondLst>
+                                        </p:cTn>
+                                        <p:tgtEl>
+                                          <p:spTgt spid="14"/>
+                                        </p:tgtEl>
+                                        <p:attrNameLst>
+                                          <p:attrName>style.visibility</p:attrName>
+                                        </p:attrNameLst>
+                                      </p:cBhvr>
+                                      <p:to>
+                                        <p:strVal val="visible"/>
+                                      </p:to>
+                                    </p:set>
+                                  </p:childTnLst>
+                                </p:cTn>
+                              </p:par>
+                            </p:childTnLst>
+                          </p:cTn>
+                        </p:par>
+                      </p:childTnLst>
+                    </p:cTn>
+                  </p:par>
+                  <p:par>
+                    <p:cTn id="39" fill="hold">
+                      <p:stCondLst>
+                        <p:cond delay="indefinite"/>
+                      </p:stCondLst>
+                      <p:childTnLst>
+                        <p:par>
+                          <p:cTn id="40" fill="hold">
+                            <p:stCondLst>
+                              <p:cond delay="0"/>
+                            </p:stCondLst>
+                            <p:childTnLst>
+                              <p:par>
+                                <p:cTn id="41" presetID="1" presetClass="entr" presetSubtype="0" fill="hold" grpId="0" nodeType="clickEffect">
+                                  <p:stCondLst>
+                                    <p:cond delay="0"/>
+                                  </p:stCondLst>
+                                  <p:childTnLst>
+                                    <p:set>
+                                      <p:cBhvr>
+                                        <p:cTn id="42" dur="1" fill="hold">
+                                          <p:stCondLst>
+                                            <p:cond delay="0"/>
+                                          </p:stCondLst>
+                                        </p:cTn>
+                                        <p:tgtEl>
+                                          <p:spTgt spid="15"/>
+                                        </p:tgtEl>
+                                        <p:attrNameLst>
+                                          <p:attrName>style.visibility</p:attrName>
+                                        </p:attrNameLst>
+                                      </p:cBhvr>
+                                      <p:to>
+                                        <p:strVal val="visible"/>
+                                      </p:to>
+                                    </p:set>
+                                  </p:childTnLst>
+                                </p:cTn>
+                              </p:par>
+                            </p:childTnLst>
+                          </p:cTn>
+                        </p:par>
+                      </p:childTnLst>
+                    </p:cTn>
+                  </p:par>
+                  <p:par>
+                    <p:cTn id="43" fill="hold">
+                      <p:stCondLst>
+                        <p:cond delay="indefinite"/>
+                      </p:stCondLst>
+                      <p:childTnLst>
+                        <p:par>
+                          <p:cTn id="44" fill="hold">
+                            <p:stCondLst>
+                              <p:cond delay="0"/>
+                            </p:stCondLst>
+                            <p:childTnLst>
+                              <p:par>
+                                <p:cTn id="45" presetID="1" presetClass="entr" presetSubtype="0" fill="hold" grpId="0" nodeType="clickEffect">
+                                  <p:stCondLst>
+                                    <p:cond delay="0"/>
+                                  </p:stCondLst>
+                                  <p:childTnLst>
+                                    <p:set>
+                                      <p:cBhvr>
+                                        <p:cTn id="46" dur="1" fill="hold">
+                                          <p:stCondLst>
+                                            <p:cond delay="0"/>
+                                          </p:stCondLst>
+                                        </p:cTn>
+                                        <p:tgtEl>
+                                          <p:spTgt spid="16"/>
+                                        </p:tgtEl>
+                                        <p:attrNameLst>
+                                          <p:attrName>style.visibility</p:attrName>
+                                        </p:attrNameLst>
+                                      </p:cBhvr>
+                                      <p:to>
+                                        <p:strVal val="visible"/>
+                                      </p:to>
+                                    </p:set>
+                                  </p:childTnLst>
+                                </p:cTn>
+                              </p:par>
+                            </p:childTnLst>
+                          </p:cTn>
+                        </p:par>
+                      </p:childTnLst>
+                    </p:cTn>
+                  </p:par>
+                  <p:par>
+                    <p:cTn id="47" fill="hold">
+                      <p:stCondLst>
+                        <p:cond delay="indefinite"/>
+                      </p:stCondLst>
+                      <p:childTnLst>
+                        <p:par>
+                          <p:cTn id="48" fill="hold">
+                            <p:stCondLst>
+                              <p:cond delay="0"/>
+                            </p:stCondLst>
+                            <p:childTnLst>
+                              <p:par>
+                                <p:cTn id="49" presetID="1" presetClass="entr" presetSubtype="0" fill="hold" grpId="0" nodeType="clickEffect">
+                                  <p:stCondLst>
+                                    <p:cond delay="0"/>
+                                  </p:stCondLst>
+                                  <p:childTnLst>
+                                    <p:set>
+                                      <p:cBhvr>
+                                        <p:cTn id="50" dur="1" fill="hold">
+                                          <p:stCondLst>
+                                            <p:cond delay="0"/>
+                                          </p:stCondLst>
+                                        </p:cTn>
+                                        <p:tgtEl>
+                                          <p:spTgt spid="17"/>
+                                        </p:tgtEl>
+                                        <p:attrNameLst>
+                                          <p:attrName>style.visibility</p:attrName>
+                                        </p:attrNameLst>
+                                      </p:cBhvr>
+                                      <p:to>
+                                        <p:strVal val="visible"/>
+                                      </p:to>
+                                    </p:set>
+                                  </p:childTnLst>
+                                </p:cTn>
+                              </p:par>
+                            </p:childTnLst>
+                          </p:cTn>
+                        </p:par>
+                      </p:childTnLst>
+                    </p:cTn>
+                  </p:par>
+                  <p:par>
+                    <p:cTn id="51" fill="hold">
+                      <p:stCondLst>
+                        <p:cond delay="indefinite"/>
+                      </p:stCondLst>
+                      <p:childTnLst>
+                        <p:par>
+                          <p:cTn id="52" fill="hold">
+                            <p:stCondLst>
+                              <p:cond delay="0"/>
+                            </p:stCondLst>
+                            <p:childTnLst>
+                              <p:par>
+                                <p:cTn id="53" presetID="1" presetClass="entr" presetSubtype="0" fill="hold" grpId="0" nodeType="clickEffect">
+                                  <p:stCondLst>
+                                    <p:cond delay="0"/>
+                                  </p:stCondLst>
+                                  <p:childTnLst>
+                                    <p:set>
+                                      <p:cBhvr>
+                                        <p:cTn id="54" dur="1" fill="hold">
+                                          <p:stCondLst>
+                                            <p:cond delay="0"/>
+                                          </p:stCondLst>
+                                        </p:cTn>
+                                        <p:tgtEl>
+                                          <p:spTgt spid="18"/>
+                                        </p:tgtEl>
+                                        <p:attrNameLst>
+                                          <p:attrName>style.visibility</p:attrName>
+                                        </p:attrNameLst>
+                                      </p:cBhvr>
+                                      <p:to>
+                                        <p:strVal val="visible"/>
+                                      </p:to>
+                                    </p:set>
+                                  </p:childTnLst>
+                                </p:cTn>
+                              </p:par>
+                            </p:childTnLst>
+                          </p:cTn>
+                        </p:par>
+                      </p:childTnLst>
+                    </p:cTn>
+                  </p:par>
+                  <p:par>
+                    <p:cTn id="55" fill="hold">
+                      <p:stCondLst>
+                        <p:cond delay="indefinite"/>
+                      </p:stCondLst>
+                      <p:childTnLst>
+                        <p:par>
+                          <p:cTn id="56" fill="hold">
+                            <p:stCondLst>
+                              <p:cond delay="0"/>
+                            </p:stCondLst>
+                            <p:childTnLst>
+                              <p:par>
+                                <p:cTn id="57" presetID="1" presetClass="entr" presetSubtype="0" fill="hold" grpId="0" nodeType="clickEffect">
+                                  <p:stCondLst>
+                                    <p:cond delay="0"/>
+                                  </p:stCondLst>
+                                  <p:childTnLst>
+                                    <p:set>
+                                      <p:cBhvr>
+                                        <p:cTn id="58" dur="1" fill="hold">
+                                          <p:stCondLst>
+                                            <p:cond delay="0"/>
+                                          </p:stCondLst>
+                                        </p:cTn>
+                                        <p:tgtEl>
+                                          <p:spTgt spid="19"/>
+                                        </p:tgtEl>
+                                        <p:attrNameLst>
+                                          <p:attrName>style.visibility</p:attrName>
+                                        </p:attrNameLst>
+                                      </p:cBhvr>
+                                      <p:to>
+                                        <p:strVal val="visible"/>
+                                      </p:to>
+                                    </p:set>
+                                  </p:childTnLst>
+                                </p:cTn>
+                              </p:par>
+                            </p:childTnLst>
+                          </p:cTn>
+                        </p:par>
+                      </p:childTnLst>
+                    </p:cTn>
+                  </p:par>
+                  <p:par>
+                    <p:cTn id="59" fill="hold">
+                      <p:stCondLst>
+                        <p:cond delay="indefinite"/>
+                      </p:stCondLst>
+                      <p:childTnLst>
+                        <p:par>
+                          <p:cTn id="60" fill="hold">
+                            <p:stCondLst>
+                              <p:cond delay="0"/>
+                            </p:stCondLst>
+                            <p:childTnLst>
+                              <p:par>
+                                <p:cTn id="61" presetID="1" presetClass="entr" presetSubtype="0" fill="hold" grpId="0" nodeType="clickEffect">
+                                  <p:stCondLst>
+                                    <p:cond delay="0"/>
+                                  </p:stCondLst>
+                                  <p:childTnLst>
+                                    <p:set>
+                                      <p:cBhvr>
+                                        <p:cTn id="62" dur="1" fill="hold">
+                                          <p:stCondLst>
+                                            <p:cond delay="0"/>
+                                          </p:stCondLst>
+                                        </p:cTn>
+                                        <p:tgtEl>
+                                          <p:spTgt spid="20"/>
+                                        </p:tgtEl>
+                                        <p:attrNameLst>
+                                          <p:attrName>style.visibility</p:attrName>
+                                        </p:attrNameLst>
+                                      </p:cBhvr>
+                                      <p:to>
+                                        <p:strVal val="visible"/>
+                                      </p:to>
+                                    </p:set>
+                                  </p:childTnLst>
+                                </p:cTn>
+                              </p:par>
+                            </p:childTnLst>
+                          </p:cTn>
+                        </p:par>
+                      </p:childTnLst>
+                    </p:cTn>
+                  </p:par>
+                  <p:par>
+                    <p:cTn id="63" fill="hold">
+                      <p:stCondLst>
+                        <p:cond delay="indefinite"/>
+                      </p:stCondLst>
+                      <p:childTnLst>
+                        <p:par>
+                          <p:cTn id="64" fill="hold">
+                            <p:stCondLst>
+                              <p:cond delay="0"/>
+                            </p:stCondLst>
+                            <p:childTnLst>
+                              <p:par>
+                                <p:cTn id="65" presetID="1" presetClass="entr" presetSubtype="0" fill="hold" grpId="0" nodeType="clickEffect">
+                                  <p:stCondLst>
+                                    <p:cond delay="0"/>
+                                  </p:stCondLst>
+                                  <p:childTnLst>
+                                    <p:set>
+                                      <p:cBhvr>
+                                        <p:cTn id="66" dur="1" fill="hold">
+                                          <p:stCondLst>
+                                            <p:cond delay="0"/>
+                                          </p:stCondLst>
+                                        </p:cTn>
+                                        <p:tgtEl>
+                                          <p:spTgt spid="21"/>
+                                        </p:tgtEl>
+                                        <p:attrNameLst>
+                                          <p:attrName>style.visibility</p:attrName>
+                                        </p:attrNameLst>
+                                      </p:cBhvr>
+                                      <p:to>
+                                        <p:strVal val="visible"/>
+                                      </p:to>
+                                    </p:set>
+                                  </p:childTnLst>
+                                </p:cTn>
+                              </p:par>
+                            </p:childTnLst>
+                          </p:cTn>
+                        </p:par>
+                      </p:childTnLst>
+                    </p:cTn>
+                  </p:par>
+                  <p:par>
+                    <p:cTn id="67" fill="hold">
+                      <p:stCondLst>
+                        <p:cond delay="indefinite"/>
+                      </p:stCondLst>
+                      <p:childTnLst>
+                        <p:par>
+                          <p:cTn id="68" fill="hold">
+                            <p:stCondLst>
+                              <p:cond delay="0"/>
+                            </p:stCondLst>
+                            <p:childTnLst>
+                              <p:par>
+                                <p:cTn id="69" presetID="1" presetClass="entr" presetSubtype="0" fill="hold" grpId="0" nodeType="clickEffect">
+                                  <p:stCondLst>
+                                    <p:cond delay="0"/>
+                                  </p:stCondLst>
+                                  <p:childTnLst>
+                                    <p:set>
+                                      <p:cBhvr>
+                                        <p:cTn id="70" dur="1" fill="hold">
+                                          <p:stCondLst>
+                                            <p:cond delay="0"/>
+                                          </p:stCondLst>
+                                        </p:cTn>
+                                        <p:tgtEl>
+                                          <p:spTgt spid="22"/>
+                                        </p:tgtEl>
+                                        <p:attrNameLst>
+                                          <p:attrName>style.visibility</p:attrName>
+                                        </p:attrNameLst>
+                                      </p:cBhvr>
+                                      <p:to>
+                                        <p:strVal val="visible"/>
+                                      </p:to>
+                                    </p:set>
+                                  </p:childTnLst>
+                                </p:cTn>
+                              </p:par>
+                            </p:childTnLst>
+                          </p:cTn>
+                        </p:par>
+                      </p:childTnLst>
+                    </p:cTn>
+                  </p:par>
+                  <p:par>
+                    <p:cTn id="71" fill="hold">
+                      <p:stCondLst>
+                        <p:cond delay="indefinite"/>
+                      </p:stCondLst>
+                      <p:childTnLst>
+                        <p:par>
+                          <p:cTn id="72" fill="hold">
+                            <p:stCondLst>
+                              <p:cond delay="0"/>
+                            </p:stCondLst>
+                            <p:childTnLst>
+                              <p:par>
+                                <p:cTn id="73" presetID="1" presetClass="entr" presetSubtype="0" fill="hold" grpId="0" nodeType="clickEffect">
+                                  <p:stCondLst>
+                                    <p:cond delay="0"/>
+                                  </p:stCondLst>
+                                  <p:childTnLst>
+                                    <p:set>
+                                      <p:cBhvr>
+                                        <p:cTn id="74" dur="1" fill="hold">
+                                          <p:stCondLst>
+                                            <p:cond delay="0"/>
+                                          </p:stCondLst>
+                                        </p:cTn>
+                                        <p:tgtEl>
+                                          <p:spTgt spid="23"/>
+                                        </p:tgtEl>
+                                        <p:attrNameLst>
+                                          <p:attrName>style.visibility</p:attrName>
+                                        </p:attrNameLst>
+                                      </p:cBhvr>
+                                      <p:to>
+                                        <p:strVal val="visible"/>
+                                      </p:to>
+                                    </p:set>
+                                  </p:childTnLst>
+                                </p:cTn>
+                              </p:par>
+                            </p:childTnLst>
+                          </p:cTn>
+                        </p:par>
+                      </p:childTnLst>
+                    </p:cTn>
+                  </p:par>
+                  <p:par>
+                    <p:cTn id="75" fill="hold">
+                      <p:stCondLst>
+                        <p:cond delay="indefinite"/>
+                      </p:stCondLst>
+                      <p:childTnLst>
+                        <p:par>
+                          <p:cTn id="76" fill="hold">
+                            <p:stCondLst>
+                              <p:cond delay="0"/>
+                            </p:stCondLst>
+                            <p:childTnLst>
+                              <p:par>
+                                <p:cTn id="77" presetID="1" presetClass="entr" presetSubtype="0" fill="hold" grpId="0" nodeType="clickEffect">
+                                  <p:stCondLst>
+                                    <p:cond delay="0"/>
+                                  </p:stCondLst>
+                                  <p:childTnLst>
+                                    <p:set>
+                                      <p:cBhvr>
+                                        <p:cTn id="78" dur="1" fill="hold">
+                                          <p:stCondLst>
+                                            <p:cond delay="0"/>
+                                          </p:stCondLst>
+                                        </p:cTn>
+                                        <p:tgtEl>
+                                          <p:spTgt spid="25"/>
+                                        </p:tgtEl>
+                                        <p:attrNameLst>
+                                          <p:attrName>style.visibility</p:attrName>
+                                        </p:attrNameLst>
+                                      </p:cBhvr>
+                                      <p:to>
+                                        <p:strVal val="visible"/>
+                                      </p:to>
+                                    </p:set>
+                                  </p:childTnLst>
+                                </p:cTn>
+                              </p:par>
+                            </p:childTnLst>
+                          </p:cTn>
+                        </p:par>
+                      </p:childTnLst>
+                    </p:cTn>
+                  </p:par>
+                  <p:par>
+                    <p:cTn id="79" fill="hold">
+                      <p:stCondLst>
+                        <p:cond delay="indefinite"/>
+                      </p:stCondLst>
+                      <p:childTnLst>
+                        <p:par>
+                          <p:cTn id="80" fill="hold">
+                            <p:stCondLst>
+                              <p:cond delay="0"/>
+                            </p:stCondLst>
+                            <p:childTnLst>
+                              <p:par>
+                                <p:cTn id="81" presetID="1" presetClass="entr" presetSubtype="0" fill="hold" grpId="0" nodeType="clickEffect">
+                                  <p:stCondLst>
+                                    <p:cond delay="0"/>
+                                  </p:stCondLst>
+                                  <p:childTnLst>
+                                    <p:set>
+                                      <p:cBhvr>
+                                        <p:cTn id="82" dur="1" fill="hold">
+                                          <p:stCondLst>
+                                            <p:cond delay="0"/>
+                                          </p:stCondLst>
+                                        </p:cTn>
+                                        <p:tgtEl>
+                                          <p:spTgt spid="26"/>
+                                        </p:tgtEl>
+                                        <p:attrNameLst>
+                                          <p:attrName>style.visibility</p:attrName>
+                                        </p:attrNameLst>
+                                      </p:cBhvr>
+                                      <p:to>
+                                        <p:strVal val="visible"/>
+                                      </p:to>
+                                    </p:set>
+                                  </p:childTnLst>
+                                </p:cTn>
+                              </p:par>
+                            </p:childTnLst>
+                          </p:cTn>
+                        </p:par>
+                      </p:childTnLst>
+                    </p:cTn>
+                  </p:par>
+                  <p:par>
+                    <p:cTn id="83" fill="hold">
+                      <p:stCondLst>
+                        <p:cond delay="indefinite"/>
+                      </p:stCondLst>
+                      <p:childTnLst>
+                        <p:par>
+                          <p:cTn id="84" fill="hold">
+                            <p:stCondLst>
+                              <p:cond delay="0"/>
+                            </p:stCondLst>
+                            <p:childTnLst>
+                              <p:par>
+                                <p:cTn id="85" presetID="1" presetClass="entr" presetSubtype="0" fill="hold" grpId="0" nodeType="clickEffect">
+                                  <p:stCondLst>
+                                    <p:cond delay="0"/>
+                                  </p:stCondLst>
+                                  <p:childTnLst>
+                                    <p:set>
+                                      <p:cBhvr>
+                                        <p:cTn id="86" dur="1" fill="hold">
+                                          <p:stCondLst>
+                                            <p:cond delay="0"/>
+                                          </p:stCondLst>
+                                        </p:cTn>
+                                        <p:tgtEl>
+                                          <p:spTgt spid="28"/>
+                                        </p:tgtEl>
+                                        <p:attrNameLst>
+                                          <p:attrName>style.visibility</p:attrName>
+                                        </p:attrNameLst>
+                                      </p:cBhvr>
+                                      <p:to>
+                                        <p:strVal val="visible"/>
+                                      </p:to>
+                                    </p:set>
+                                  </p:childTnLst>
+                                </p:cTn>
+                              </p:par>
+                            </p:childTnLst>
+                          </p:cTn>
+                        </p:par>
+                      </p:childTnLst>
+                    </p:cTn>
+                  </p:par>
+                  <p:par>
+                    <p:cTn id="87" fill="hold">
+                      <p:stCondLst>
+                        <p:cond delay="indefinite"/>
+                      </p:stCondLst>
+                      <p:childTnLst>
+                        <p:par>
+                          <p:cTn id="88" fill="hold">
+                            <p:stCondLst>
+                              <p:cond delay="0"/>
+                            </p:stCondLst>
+                            <p:childTnLst>
+                              <p:par>
+                                <p:cTn id="89" presetID="1" presetClass="entr" presetSubtype="0" fill="hold" grpId="0" nodeType="clickEffect">
+                                  <p:stCondLst>
+                                    <p:cond delay="0"/>
+                                  </p:stCondLst>
+                                  <p:childTnLst>
+                                    <p:set>
+                                      <p:cBhvr>
+                                        <p:cTn id="90" dur="1" fill="hold">
+                                          <p:stCondLst>
+                                            <p:cond delay="0"/>
+                                          </p:stCondLst>
+                                        </p:cTn>
+                                        <p:tgtEl>
+                                          <p:spTgt spid="29"/>
+                                        </p:tgtEl>
+                                        <p:attrNameLst>
+                                          <p:attrName>style.visibility</p:attrName>
+                                        </p:attrNameLst>
+                                      </p:cBhvr>
+                                      <p:to>
+                                        <p:strVal val="visible"/>
+                                      </p:to>
+                                    </p:set>
+                                  </p:childTnLst>
+                                </p:cTn>
+                              </p:par>
+                            </p:childTnLst>
+                          </p:cTn>
+                        </p:par>
+                      </p:childTnLst>
+                    </p:cTn>
+                  </p:par>
+                  <p:par>
+                    <p:cTn id="91" fill="hold">
+                      <p:stCondLst>
+                        <p:cond delay="indefinite"/>
+                      </p:stCondLst>
+                      <p:childTnLst>
+                        <p:par>
+                          <p:cTn id="92" fill="hold">
+                            <p:stCondLst>
+                              <p:cond delay="0"/>
+                            </p:stCondLst>
+                            <p:childTnLst>
+                              <p:par>
+                                <p:cTn id="93" presetID="1" presetClass="entr" presetSubtype="0" fill="hold" grpId="0" nodeType="clickEffect">
+                                  <p:stCondLst>
+                                    <p:cond delay="0"/>
+                                  </p:stCondLst>
+                                  <p:childTnLst>
+                                    <p:set>
+                                      <p:cBhvr>
+                                        <p:cTn id="94" dur="1" fill="hold">
+                                          <p:stCondLst>
+                                            <p:cond delay="0"/>
+                                          </p:stCondLst>
+                                        </p:cTn>
+                                        <p:tgtEl>
+                                          <p:spTgt spid="30"/>
+                                        </p:tgtEl>
+                                        <p:attrNameLst>
+                                          <p:attrName>style.visibility</p:attrName>
+                                        </p:attrNameLst>
+                                      </p:cBhvr>
+                                      <p:to>
+                                        <p:strVal val="visible"/>
+                                      </p:to>
+                                    </p:set>
+                                  </p:childTnLst>
+                                </p:cTn>
+                              </p:par>
+                            </p:childTnLst>
+                          </p:cTn>
+                        </p:par>
+                      </p:childTnLst>
+                    </p:cTn>
+                  </p:par>
+                  <p:par>
+                    <p:cTn id="95" fill="hold">
+                      <p:stCondLst>
+                        <p:cond delay="indefinite"/>
+                      </p:stCondLst>
+                      <p:childTnLst>
+                        <p:par>
+                          <p:cTn id="96" fill="hold">
+                            <p:stCondLst>
+                              <p:cond delay="0"/>
+                            </p:stCondLst>
+                            <p:childTnLst>
+                              <p:par>
+                                <p:cTn id="97" presetID="1" presetClass="entr" presetSubtype="0" fill="hold" grpId="0" nodeType="clickEffect">
+                                  <p:stCondLst>
+                                    <p:cond delay="0"/>
+                                  </p:stCondLst>
+                                  <p:childTnLst>
+                                    <p:set>
+                                      <p:cBhvr>
+                                        <p:cTn id="98" dur="1" fill="hold">
+                                          <p:stCondLst>
+                                            <p:cond delay="0"/>
+                                          </p:stCondLst>
+                                        </p:cTn>
+                                        <p:tgtEl>
+                                          <p:spTgt spid="31"/>
+                                        </p:tgtEl>
+                                        <p:attrNameLst>
+                                          <p:attrName>style.visibility</p:attrName>
+                                        </p:attrNameLst>
+                                      </p:cBhvr>
+                                      <p:to>
+                                        <p:strVal val="visible"/>
+                                      </p:to>
+                                    </p:set>
+                                  </p:childTnLst>
+                                </p:cTn>
+                              </p:par>
+                            </p:childTnLst>
+                          </p:cTn>
+                        </p:par>
+                      </p:childTnLst>
+                    </p:cTn>
+                  </p:par>
+                  <p:par>
+                    <p:cTn id="99" fill="hold">
+                      <p:stCondLst>
+                        <p:cond delay="indefinite"/>
+                      </p:stCondLst>
+                      <p:childTnLst>
+                        <p:par>
+                          <p:cTn id="100" fill="hold">
+                            <p:stCondLst>
+                              <p:cond delay="0"/>
+                            </p:stCondLst>
+                            <p:childTnLst>
+                              <p:par>
+                                <p:cTn id="101" presetID="1" presetClass="entr" presetSubtype="0" fill="hold" grpId="0" nodeType="clickEffect">
+                                  <p:stCondLst>
+                                    <p:cond delay="0"/>
+                                  </p:stCondLst>
+                                  <p:childTnLst>
+                                    <p:set>
+                                      <p:cBhvr>
+                                        <p:cTn id="102" dur="1" fill="hold">
+                                          <p:stCondLst>
+                                            <p:cond delay="0"/>
+                                          </p:stCondLst>
+                                        </p:cTn>
+                                        <p:tgtEl>
+                                          <p:spTgt spid="33"/>
+                                        </p:tgtEl>
+                                        <p:attrNameLst>
+                                          <p:attrName>style.visibility</p:attrName>
+                                        </p:attrNameLst>
+                                      </p:cBhvr>
+                                      <p:to>
+                                        <p:strVal val="visible"/>
+                                      </p:to>
+                                    </p:set>
+                                  </p:childTnLst>
+                                </p:cTn>
+                              </p:par>
+                            </p:childTnLst>
+                          </p:cTn>
+                        </p:par>
+                      </p:childTnLst>
+                    </p:cTn>
+                  </p:par>
+                  <p:par>
+                    <p:cTn id="103" fill="hold">
+                      <p:stCondLst>
+                        <p:cond delay="indefinite"/>
+                      </p:stCondLst>
+                      <p:childTnLst>
+                        <p:par>
+                          <p:cTn id="104" fill="hold">
+                            <p:stCondLst>
+                              <p:cond delay="0"/>
+                            </p:stCondLst>
+                            <p:childTnLst>
+                              <p:par>
+                                <p:cTn id="105" presetID="1" presetClass="entr" presetSubtype="0" fill="hold" grpId="0" nodeType="clickEffect">
+                                  <p:stCondLst>
+                                    <p:cond delay="0"/>
+                                  </p:stCondLst>
+                                  <p:childTnLst>
+                                    <p:set>
+                                      <p:cBhvr>
+                                        <p:cTn id="106" dur="1" fill="hold">
+                                          <p:stCondLst>
+                                            <p:cond delay="0"/>
+                                          </p:stCondLst>
+                                        </p:cTn>
+                                        <p:tgtEl>
+                                          <p:spTgt spid="34"/>
+                                        </p:tgtEl>
+                                        <p:attrNameLst>
+                                          <p:attrName>style.visibility</p:attrName>
+                                        </p:attrNameLst>
+                                      </p:cBhvr>
+                                      <p:to>
+                                        <p:strVal val="visible"/>
+                                      </p:to>
+                                    </p:set>
+                                  </p:childTnLst>
+                                </p:cTn>
+                              </p:par>
+                            </p:childTnLst>
+                          </p:cTn>
+                        </p:par>
+                      </p:childTnLst>
+                    </p:cTn>
+                  </p:par>
+                  <p:par>
+                    <p:cTn id="107" fill="hold">
+                      <p:stCondLst>
+                        <p:cond delay="indefinite"/>
+                      </p:stCondLst>
+                      <p:childTnLst>
+                        <p:par>
+                          <p:cTn id="108" fill="hold">
+                            <p:stCondLst>
+                              <p:cond delay="0"/>
+                            </p:stCondLst>
+                            <p:childTnLst>
+                              <p:par>
+                                <p:cTn id="109" presetID="1" presetClass="entr" presetSubtype="0" fill="hold" grpId="0" nodeType="clickEffect">
+                                  <p:stCondLst>
+                                    <p:cond delay="0"/>
+                                  </p:stCondLst>
+                                  <p:childTnLst>
+                                    <p:set>
+                                      <p:cBhvr>
+                                        <p:cTn id="110" dur="1" fill="hold">
+                                          <p:stCondLst>
+                                            <p:cond delay="0"/>
+                                          </p:stCondLst>
+                                        </p:cTn>
+                                        <p:tgtEl>
+                                          <p:spTgt spid="35"/>
+                                        </p:tgtEl>
+                                        <p:attrNameLst>
+                                          <p:attrName>style.visibility</p:attrName>
+                                        </p:attrNameLst>
+                                      </p:cBhvr>
+                                      <p:to>
+                                        <p:strVal val="visible"/>
+                                      </p:to>
+                                    </p:set>
+                                  </p:childTnLst>
+                                </p:cTn>
+                              </p:par>
+                            </p:childTnLst>
+                          </p:cTn>
+                        </p:par>
+                      </p:childTnLst>
+                    </p:cTn>
+                  </p:par>
+                </p:childTnLst>
+              </p:cTn>
+              <p:prevCondLst>
+                <p:cond evt="onPrev" delay="0">
+                  <p:tgtEl>
+                    <p:sldTgt/>
+                  </p:tgtEl>
+                </p:cond>
+              </p:prevCondLst>
+              <p:nextCondLst>
+                <p:cond evt="onNext" delay="0">
+                  <p:tgtEl>
+                    <p:sldTgt/>
+                  </p:tgtEl>
+                </p:cond>
+              </p:nextCondLst>
+            </p:seq>
+          </p:childTnLst>
+        </p:cTn>
+      </p:par>
+    </p:tnLst>
+    <p:bldLst>
+      <p:bldP spid="5" grpId="0" animBg="1"/>
+      <p:bldP spid="6" grpId="0" animBg="1"/>
+      <p:bldP spid="7" grpId="0" animBg="1"/>
+      <p:bldP spid="8" grpId="0" animBg="1"/>
+      <p:bldP spid="10" grpId="0" animBg="1"/>
+      <p:bldP spid="11" grpId="0" animBg="1"/>
+      <p:bldP spid="12" grpId="0" animBg="1"/>
+      <p:bldP spid="13" grpId="0" animBg="1"/>
+      <p:bldP spid="14" grpId="0" animBg="1"/>
+      <p:bldP spid="15" grpId="0" animBg="1"/>
+      <p:bldP spid="16" grpId="0" animBg="1"/>
+      <p:bldP spid="17" grpId="0" animBg="1"/>
+      <p:bldP spid="18" grpId="0" animBg="1"/>
+      <p:bldP spid="19" grpId="0" animBg="1"/>
+      <p:bldP spid="20" grpId="0" animBg="1"/>
+      <p:bldP spid="21" grpId="0" animBg="1"/>
+      <p:bldP spid="22" grpId="0" animBg="1"/>
+      <p:bldP spid="23" grpId="0" animBg="1"/>
+      <p:bldP spid="25" grpId="0" animBg="1"/>
+      <p:bldP spid="26" grpId="0" animBg="1"/>
+      <p:bldP spid="28" grpId="0" animBg="1"/>
+      <p:bldP spid="29" grpId="0" animBg="1"/>
+      <p:bldP spid="30" grpId="0" animBg="1"/>
+      <p:bldP spid="31" grpId="0" animBg="1"/>
+      <p:bldP spid="33" grpId="0" animBg="1"/>
+      <p:bldP spid="34" grpId="0" animBg="1"/>
+      <p:bldP spid="35" grpId="0" animBg="1"/>
+    </p:bldLst>
+  </p:timing>
+</p:sld>
+</file>
+
+<file path=ppt/slides/slide15.xml><?xml version="1.0" encoding="utf-8"?>
+<p:sld xmlns:a="http://schemas.openxmlformats.org/drawingml/2006/main" xmlns:r="http://schemas.openxmlformats.org/officeDocument/2006/relationships" xmlns:p="http://schemas.openxmlformats.org/presentationml/2006/main">
+  <p:cSld>
+    <p:spTree>
+      <p:nvGrpSpPr>
+        <p:cNvPr id="1" name=""/>
+        <p:cNvGrpSpPr/>
+        <p:nvPr/>
+      </p:nvGrpSpPr>
+      <p:grpSpPr>
+        <a:xfrm>
+          <a:off x="0" y="0"/>
+          <a:ext cx="0" cy="0"/>
+          <a:chOff x="0" y="0"/>
+          <a:chExt cx="0" cy="0"/>
+        </a:xfrm>
+      </p:grpSpPr>
+      <p:graphicFrame>
+        <p:nvGraphicFramePr>
+          <p:cNvPr id="4" name="Table 3">
+            <a:extLst>
+              <a:ext uri="{FF2B5EF4-FFF2-40B4-BE49-F238E27FC236}">
+                <a16:creationId xmlns:a16="http://schemas.microsoft.com/office/drawing/2014/main" id="{4633C023-8EB9-4041-918B-B8B1D7A6C488}"/>
+              </a:ext>
+            </a:extLst>
+          </p:cNvPr>
+          <p:cNvGraphicFramePr>
+            <a:graphicFrameLocks noGrp="1"/>
+          </p:cNvGraphicFramePr>
+          <p:nvPr>
+            <p:extLst>
+              <p:ext uri="{D42A27DB-BD31-4B8C-83A1-F6EECF244321}">
+                <p14:modId xmlns:p14="http://schemas.microsoft.com/office/powerpoint/2010/main" val="3661692088"/>
+              </p:ext>
+            </p:extLst>
+          </p:nvPr>
+        </p:nvGraphicFramePr>
+        <p:xfrm>
+          <a:off x="344244" y="344245"/>
+          <a:ext cx="9477486" cy="6476099"/>
+        </p:xfrm>
+        <a:graphic>
+          <a:graphicData uri="http://schemas.openxmlformats.org/drawingml/2006/table">
+            <a:tbl>
+              <a:tblPr>
+                <a:tableStyleId>{5C22544A-7EE6-4342-B048-85BDC9FD1C3A}</a:tableStyleId>
+              </a:tblPr>
+              <a:tblGrid>
+                <a:gridCol w="3159162">
+                  <a:extLst>
+                    <a:ext uri="{9D8B030D-6E8A-4147-A177-3AD203B41FA5}">
+                      <a16:colId xmlns:a16="http://schemas.microsoft.com/office/drawing/2014/main" val="2891422159"/>
+                    </a:ext>
+                  </a:extLst>
+                </a:gridCol>
+                <a:gridCol w="3159162">
+                  <a:extLst>
+                    <a:ext uri="{9D8B030D-6E8A-4147-A177-3AD203B41FA5}">
+                      <a16:colId xmlns:a16="http://schemas.microsoft.com/office/drawing/2014/main" val="3695259913"/>
+                    </a:ext>
+                  </a:extLst>
+                </a:gridCol>
+                <a:gridCol w="3159162">
+                  <a:extLst>
+                    <a:ext uri="{9D8B030D-6E8A-4147-A177-3AD203B41FA5}">
+                      <a16:colId xmlns:a16="http://schemas.microsoft.com/office/drawing/2014/main" val="2301210971"/>
+                    </a:ext>
+                  </a:extLst>
+                </a:gridCol>
+              </a:tblGrid>
+              <a:tr h="380947">
+                <a:tc>
+                  <a:txBody>
+                    <a:bodyPr/>
+                    <a:lstStyle/>
+                    <a:p>
+                      <a:pPr algn="l" fontAlgn="b"/>
+                      <a:r>
+                        <a:rPr lang="en-US" sz="1600" b="1" i="0" u="none" strike="noStrike" baseline="0">
+                          <a:effectLst/>
+                        </a:rPr>
+                        <a:t>Right Return (inOrder.asm)</a:t>
+                      </a:r>
+                      <a:endParaRPr lang="en-US" sz="1600" b="1" i="0" u="none" strike="noStrike" baseline="0">
+                        <a:solidFill>
+                          <a:srgbClr val="000000"/>
+                        </a:solidFill>
+                        <a:effectLst/>
+                        <a:latin typeface="Calibri" panose="020F0502020204030204" pitchFamily="34" charset="0"/>
+                      </a:endParaRPr>
+                    </a:p>
+                  </a:txBody>
+                  <a:tcPr marL="7620" marR="7620" marT="7620" marB="0" anchor="b">
+                    <a:lnR w="12700" cap="flat" cmpd="sng" algn="ctr">
+                      <a:solidFill>
+                        <a:schemeClr val="tx1"/>
+                      </a:solidFill>
+                      <a:prstDash val="solid"/>
+                      <a:round/>
+                      <a:headEnd type="none" w="med" len="med"/>
+                      <a:tailEnd type="none" w="med" len="med"/>
+                    </a:lnR>
+                  </a:tcPr>
+                </a:tc>
+                <a:tc>
+                  <a:txBody>
+                    <a:bodyPr/>
+                    <a:lstStyle/>
+                    <a:p>
+                      <a:pPr algn="ctr" fontAlgn="b"/>
+                      <a:endParaRPr lang="en-US" sz="1600" b="1" i="0" u="none" strike="noStrike" baseline="0">
+                        <a:solidFill>
+                          <a:srgbClr val="000000"/>
+                        </a:solidFill>
+                        <a:effectLst/>
+                        <a:latin typeface="Calibri" panose="020F0502020204030204" pitchFamily="34" charset="0"/>
+                      </a:endParaRPr>
+                    </a:p>
+                  </a:txBody>
+                  <a:tcPr marL="7620" marR="7620" marT="7620" marB="0" anchor="b">
+                    <a:lnL w="12700" cap="flat" cmpd="sng" algn="ctr">
+                      <a:solidFill>
+                        <a:schemeClr val="tx1"/>
+                      </a:solidFill>
+                      <a:prstDash val="solid"/>
+                      <a:round/>
+                      <a:headEnd type="none" w="med" len="med"/>
+                      <a:tailEnd type="none" w="med" len="med"/>
+                    </a:lnL>
+                    <a:lnR w="12700" cap="flat" cmpd="sng" algn="ctr">
+                      <a:solidFill>
+                        <a:schemeClr val="tx1"/>
+                      </a:solidFill>
+                      <a:prstDash val="solid"/>
+                      <a:round/>
+                      <a:headEnd type="none" w="med" len="med"/>
+                      <a:tailEnd type="none" w="med" len="med"/>
+                    </a:lnR>
+                    <a:lnT w="12700" cap="flat" cmpd="sng" algn="ctr">
+                      <a:solidFill>
+                        <a:schemeClr val="tx1"/>
+                      </a:solidFill>
+                      <a:prstDash val="solid"/>
+                      <a:round/>
+                      <a:headEnd type="none" w="med" len="med"/>
+                      <a:tailEnd type="none" w="med" len="med"/>
+                    </a:lnT>
+                    <a:lnB w="12700" cap="flat" cmpd="sng" algn="ctr">
+                      <a:solidFill>
+                        <a:schemeClr val="tx1"/>
+                      </a:solidFill>
+                      <a:prstDash val="solid"/>
+                      <a:round/>
+                      <a:headEnd type="none" w="med" len="med"/>
+                      <a:tailEnd type="none" w="med" len="med"/>
+                    </a:lnB>
+                  </a:tcPr>
+                </a:tc>
+                <a:tc>
+                  <a:txBody>
+                    <a:bodyPr/>
+                    <a:lstStyle/>
+                    <a:p>
+                      <a:pPr algn="l" fontAlgn="b"/>
+                      <a:endParaRPr lang="en-US" sz="1600" b="1" i="0" u="none" strike="noStrike" baseline="0">
+                        <a:solidFill>
+                          <a:srgbClr val="000000"/>
+                        </a:solidFill>
+                        <a:effectLst/>
+                        <a:latin typeface="Calibri" panose="020F0502020204030204" pitchFamily="34" charset="0"/>
+                      </a:endParaRPr>
+                    </a:p>
+                  </a:txBody>
+                  <a:tcPr marL="7620" marR="7620" marT="7620" marB="0" anchor="b">
+                    <a:lnL w="12700" cap="flat" cmpd="sng" algn="ctr">
+                      <a:solidFill>
+                        <a:schemeClr val="tx1"/>
+                      </a:solidFill>
+                      <a:prstDash val="solid"/>
+                      <a:round/>
+                      <a:headEnd type="none" w="med" len="med"/>
+                      <a:tailEnd type="none" w="med" len="med"/>
+                    </a:lnL>
+                  </a:tcPr>
+                </a:tc>
+                <a:extLst>
+                  <a:ext uri="{0D108BD9-81ED-4DB2-BD59-A6C34878D82A}">
+                    <a16:rowId xmlns:a16="http://schemas.microsoft.com/office/drawing/2014/main" val="2741662527"/>
+                  </a:ext>
+                </a:extLst>
+              </a:tr>
+              <a:tr h="380947">
+                <a:tc>
+                  <a:txBody>
+                    <a:bodyPr/>
+                    <a:lstStyle/>
+                    <a:p>
+                      <a:pPr algn="r" fontAlgn="b"/>
+                      <a:endParaRPr lang="en-US" sz="1600" b="1" i="0" u="none" strike="noStrike" baseline="0">
+                        <a:solidFill>
+                          <a:srgbClr val="000000"/>
+                        </a:solidFill>
+                        <a:effectLst/>
+                        <a:latin typeface="Calibri" panose="020F0502020204030204" pitchFamily="34" charset="0"/>
+                      </a:endParaRPr>
+                    </a:p>
+                  </a:txBody>
+                  <a:tcPr marL="7620" marR="7620" marT="7620" marB="0" anchor="b">
+                    <a:lnR w="12700" cap="flat" cmpd="sng" algn="ctr">
+                      <a:solidFill>
+                        <a:schemeClr val="tx1"/>
+                      </a:solidFill>
+                      <a:prstDash val="solid"/>
+                      <a:round/>
+                      <a:headEnd type="none" w="med" len="med"/>
+                      <a:tailEnd type="none" w="med" len="med"/>
+                    </a:lnR>
+                  </a:tcPr>
+                </a:tc>
+                <a:tc>
+                  <a:txBody>
+                    <a:bodyPr/>
+                    <a:lstStyle/>
+                    <a:p>
+                      <a:pPr algn="ctr" fontAlgn="b"/>
+                      <a:endParaRPr lang="en-US" sz="1600" b="1" i="0" u="none" strike="noStrike" baseline="0">
+                        <a:solidFill>
+                          <a:srgbClr val="000000"/>
+                        </a:solidFill>
+                        <a:effectLst/>
+                        <a:latin typeface="Calibri" panose="020F0502020204030204" pitchFamily="34" charset="0"/>
+                      </a:endParaRPr>
+                    </a:p>
+                  </a:txBody>
+                  <a:tcPr marL="7620" marR="7620" marT="7620" marB="0" anchor="b">
+                    <a:lnL w="12700" cap="flat" cmpd="sng" algn="ctr">
+                      <a:solidFill>
+                        <a:schemeClr val="tx1"/>
+                      </a:solidFill>
+                      <a:prstDash val="solid"/>
+                      <a:round/>
+                      <a:headEnd type="none" w="med" len="med"/>
+                      <a:tailEnd type="none" w="med" len="med"/>
+                    </a:lnL>
+                    <a:lnR w="12700" cap="flat" cmpd="sng" algn="ctr">
+                      <a:solidFill>
+                        <a:schemeClr val="tx1"/>
+                      </a:solidFill>
+                      <a:prstDash val="solid"/>
+                      <a:round/>
+                      <a:headEnd type="none" w="med" len="med"/>
+                      <a:tailEnd type="none" w="med" len="med"/>
+                    </a:lnR>
+                    <a:lnT w="12700" cap="flat" cmpd="sng" algn="ctr">
+                      <a:solidFill>
+                        <a:schemeClr val="tx1"/>
+                      </a:solidFill>
+                      <a:prstDash val="solid"/>
+                      <a:round/>
+                      <a:headEnd type="none" w="med" len="med"/>
+                      <a:tailEnd type="none" w="med" len="med"/>
+                    </a:lnT>
+                    <a:lnB w="12700" cap="flat" cmpd="sng" algn="ctr">
+                      <a:solidFill>
+                        <a:schemeClr val="tx1"/>
+                      </a:solidFill>
+                      <a:prstDash val="solid"/>
+                      <a:round/>
+                      <a:headEnd type="none" w="med" len="med"/>
+                      <a:tailEnd type="none" w="med" len="med"/>
+                    </a:lnB>
+                  </a:tcPr>
+                </a:tc>
+                <a:tc>
+                  <a:txBody>
+                    <a:bodyPr/>
+                    <a:lstStyle/>
+                    <a:p>
+                      <a:pPr algn="l" fontAlgn="b"/>
+                      <a:endParaRPr lang="en-US" sz="1600" b="1" i="0" u="none" strike="noStrike" baseline="0">
+                        <a:solidFill>
+                          <a:srgbClr val="000000"/>
+                        </a:solidFill>
+                        <a:effectLst/>
+                        <a:latin typeface="Calibri" panose="020F0502020204030204" pitchFamily="34" charset="0"/>
+                      </a:endParaRPr>
+                    </a:p>
+                  </a:txBody>
+                  <a:tcPr marL="7620" marR="7620" marT="7620" marB="0" anchor="b">
+                    <a:lnL w="12700" cap="flat" cmpd="sng" algn="ctr">
+                      <a:solidFill>
+                        <a:schemeClr val="tx1"/>
+                      </a:solidFill>
+                      <a:prstDash val="solid"/>
+                      <a:round/>
+                      <a:headEnd type="none" w="med" len="med"/>
+                      <a:tailEnd type="none" w="med" len="med"/>
+                    </a:lnL>
+                  </a:tcPr>
+                </a:tc>
+                <a:extLst>
+                  <a:ext uri="{0D108BD9-81ED-4DB2-BD59-A6C34878D82A}">
+                    <a16:rowId xmlns:a16="http://schemas.microsoft.com/office/drawing/2014/main" val="898137518"/>
+                  </a:ext>
+                </a:extLst>
+              </a:tr>
+              <a:tr h="380947">
+                <a:tc>
+                  <a:txBody>
+                    <a:bodyPr/>
+                    <a:lstStyle/>
+                    <a:p>
+                      <a:pPr algn="r" fontAlgn="b"/>
+                      <a:endParaRPr lang="en-US" sz="1600" b="1" i="0" u="none" strike="noStrike" baseline="0">
+                        <a:solidFill>
+                          <a:srgbClr val="000000"/>
+                        </a:solidFill>
+                        <a:effectLst/>
+                        <a:latin typeface="Calibri" panose="020F0502020204030204" pitchFamily="34" charset="0"/>
+                      </a:endParaRPr>
+                    </a:p>
+                  </a:txBody>
+                  <a:tcPr marL="7620" marR="7620" marT="7620" marB="0" anchor="b">
+                    <a:lnR w="12700" cap="flat" cmpd="sng" algn="ctr">
+                      <a:solidFill>
+                        <a:schemeClr val="tx1"/>
+                      </a:solidFill>
+                      <a:prstDash val="solid"/>
+                      <a:round/>
+                      <a:headEnd type="none" w="med" len="med"/>
+                      <a:tailEnd type="none" w="med" len="med"/>
+                    </a:lnR>
+                  </a:tcPr>
+                </a:tc>
+                <a:tc>
+                  <a:txBody>
+                    <a:bodyPr/>
+                    <a:lstStyle/>
+                    <a:p>
+                      <a:pPr algn="ctr" fontAlgn="b"/>
+                      <a:endParaRPr lang="en-US" sz="1600" b="1" i="0" u="none" strike="noStrike" baseline="0">
+                        <a:solidFill>
+                          <a:srgbClr val="000000"/>
+                        </a:solidFill>
+                        <a:effectLst/>
+                        <a:latin typeface="Calibri" panose="020F0502020204030204" pitchFamily="34" charset="0"/>
+                      </a:endParaRPr>
+                    </a:p>
+                  </a:txBody>
+                  <a:tcPr marL="7620" marR="7620" marT="7620" marB="0" anchor="b">
+                    <a:lnL w="12700" cap="flat" cmpd="sng" algn="ctr">
+                      <a:solidFill>
+                        <a:schemeClr val="tx1"/>
+                      </a:solidFill>
+                      <a:prstDash val="solid"/>
+                      <a:round/>
+                      <a:headEnd type="none" w="med" len="med"/>
+                      <a:tailEnd type="none" w="med" len="med"/>
+                    </a:lnL>
+                    <a:lnR w="12700" cap="flat" cmpd="sng" algn="ctr">
+                      <a:solidFill>
+                        <a:schemeClr val="tx1"/>
+                      </a:solidFill>
+                      <a:prstDash val="solid"/>
+                      <a:round/>
+                      <a:headEnd type="none" w="med" len="med"/>
+                      <a:tailEnd type="none" w="med" len="med"/>
+                    </a:lnR>
+                    <a:lnT w="12700" cap="flat" cmpd="sng" algn="ctr">
+                      <a:solidFill>
+                        <a:schemeClr val="tx1"/>
+                      </a:solidFill>
+                      <a:prstDash val="solid"/>
+                      <a:round/>
+                      <a:headEnd type="none" w="med" len="med"/>
+                      <a:tailEnd type="none" w="med" len="med"/>
+                    </a:lnT>
+                    <a:lnB w="12700" cap="flat" cmpd="sng" algn="ctr">
+                      <a:solidFill>
+                        <a:schemeClr val="tx1"/>
+                      </a:solidFill>
+                      <a:prstDash val="solid"/>
+                      <a:round/>
+                      <a:headEnd type="none" w="med" len="med"/>
+                      <a:tailEnd type="none" w="med" len="med"/>
+                    </a:lnB>
+                  </a:tcPr>
+                </a:tc>
+                <a:tc>
+                  <a:txBody>
+                    <a:bodyPr/>
+                    <a:lstStyle/>
+                    <a:p>
+                      <a:pPr algn="l" fontAlgn="b"/>
+                      <a:endParaRPr lang="en-US" sz="1600" b="1" i="0" u="none" strike="noStrike" baseline="0">
+                        <a:solidFill>
+                          <a:srgbClr val="000000"/>
+                        </a:solidFill>
+                        <a:effectLst/>
+                        <a:latin typeface="Calibri" panose="020F0502020204030204" pitchFamily="34" charset="0"/>
+                      </a:endParaRPr>
+                    </a:p>
+                  </a:txBody>
+                  <a:tcPr marL="7620" marR="7620" marT="7620" marB="0" anchor="b">
+                    <a:lnL w="12700" cap="flat" cmpd="sng" algn="ctr">
+                      <a:solidFill>
+                        <a:schemeClr val="tx1"/>
+                      </a:solidFill>
+                      <a:prstDash val="solid"/>
+                      <a:round/>
+                      <a:headEnd type="none" w="med" len="med"/>
+                      <a:tailEnd type="none" w="med" len="med"/>
+                    </a:lnL>
+                  </a:tcPr>
+                </a:tc>
+                <a:extLst>
+                  <a:ext uri="{0D108BD9-81ED-4DB2-BD59-A6C34878D82A}">
+                    <a16:rowId xmlns:a16="http://schemas.microsoft.com/office/drawing/2014/main" val="2894882326"/>
+                  </a:ext>
+                </a:extLst>
+              </a:tr>
+              <a:tr h="380947">
+                <a:tc>
+                  <a:txBody>
+                    <a:bodyPr/>
+                    <a:lstStyle/>
+                    <a:p>
+                      <a:pPr algn="r" fontAlgn="b"/>
+                      <a:r>
+                        <a:rPr lang="en-US" sz="1600" b="1" i="0" u="none" strike="noStrike" baseline="0">
+                          <a:effectLst/>
+                        </a:rPr>
+                        <a:t>x6FF4</a:t>
+                      </a:r>
+                      <a:endParaRPr lang="en-US" sz="1600" b="1" i="0" u="none" strike="noStrike" baseline="0">
+                        <a:solidFill>
+                          <a:srgbClr val="000000"/>
+                        </a:solidFill>
+                        <a:effectLst/>
+                        <a:latin typeface="Calibri" panose="020F0502020204030204" pitchFamily="34" charset="0"/>
+                      </a:endParaRPr>
+                    </a:p>
+                  </a:txBody>
+                  <a:tcPr marL="7620" marR="7620" marT="7620" marB="0" anchor="b">
+                    <a:lnR w="12700" cap="flat" cmpd="sng" algn="ctr">
+                      <a:solidFill>
+                        <a:schemeClr val="tx1"/>
+                      </a:solidFill>
+                      <a:prstDash val="solid"/>
+                      <a:round/>
+                      <a:headEnd type="none" w="med" len="med"/>
+                      <a:tailEnd type="none" w="med" len="med"/>
+                    </a:lnR>
+                  </a:tcPr>
+                </a:tc>
+                <a:tc>
+                  <a:txBody>
+                    <a:bodyPr/>
+                    <a:lstStyle/>
+                    <a:p>
+                      <a:pPr algn="ctr" fontAlgn="b"/>
+                      <a:r>
+                        <a:rPr lang="en-US" sz="1600" b="1" i="0" u="none" strike="noStrike" baseline="0">
+                          <a:effectLst/>
+                        </a:rPr>
+                        <a:t> </a:t>
+                      </a:r>
+                      <a:endParaRPr lang="en-US" sz="1600" b="1" i="0" u="none" strike="noStrike" baseline="0">
+                        <a:solidFill>
+                          <a:srgbClr val="000000"/>
+                        </a:solidFill>
+                        <a:effectLst/>
+                        <a:latin typeface="Calibri" panose="020F0502020204030204" pitchFamily="34" charset="0"/>
+                      </a:endParaRPr>
+                    </a:p>
+                  </a:txBody>
+                  <a:tcPr marL="7620" marR="7620" marT="7620" marB="0" anchor="b">
+                    <a:lnL w="12700" cap="flat" cmpd="sng" algn="ctr">
+                      <a:solidFill>
+                        <a:schemeClr val="tx1"/>
+                      </a:solidFill>
+                      <a:prstDash val="solid"/>
+                      <a:round/>
+                      <a:headEnd type="none" w="med" len="med"/>
+                      <a:tailEnd type="none" w="med" len="med"/>
+                    </a:lnL>
+                    <a:lnR w="12700" cap="flat" cmpd="sng" algn="ctr">
+                      <a:solidFill>
+                        <a:schemeClr val="tx1"/>
+                      </a:solidFill>
+                      <a:prstDash val="solid"/>
+                      <a:round/>
+                      <a:headEnd type="none" w="med" len="med"/>
+                      <a:tailEnd type="none" w="med" len="med"/>
+                    </a:lnR>
+                    <a:lnT w="12700" cap="flat" cmpd="sng" algn="ctr">
+                      <a:solidFill>
+                        <a:schemeClr val="tx1"/>
+                      </a:solidFill>
+                      <a:prstDash val="solid"/>
+                      <a:round/>
+                      <a:headEnd type="none" w="med" len="med"/>
+                      <a:tailEnd type="none" w="med" len="med"/>
+                    </a:lnT>
+                    <a:lnB w="12700" cap="flat" cmpd="sng" algn="ctr">
+                      <a:solidFill>
+                        <a:schemeClr val="tx1"/>
+                      </a:solidFill>
+                      <a:prstDash val="solid"/>
+                      <a:round/>
+                      <a:headEnd type="none" w="med" len="med"/>
+                      <a:tailEnd type="none" w="med" len="med"/>
+                    </a:lnB>
+                  </a:tcPr>
+                </a:tc>
+                <a:tc>
+                  <a:txBody>
+                    <a:bodyPr/>
+                    <a:lstStyle/>
+                    <a:p>
+                      <a:pPr algn="l" fontAlgn="b"/>
+                      <a:r>
+                        <a:rPr lang="en-US" sz="1600" b="1" i="0" u="none" strike="noStrike" baseline="0">
+                          <a:effectLst/>
+                        </a:rPr>
+                        <a:t>R5(new)</a:t>
+                      </a:r>
+                      <a:endParaRPr lang="en-US" sz="1600" b="1" i="0" u="none" strike="noStrike" baseline="0">
+                        <a:solidFill>
+                          <a:srgbClr val="000000"/>
+                        </a:solidFill>
+                        <a:effectLst/>
+                        <a:latin typeface="Calibri" panose="020F0502020204030204" pitchFamily="34" charset="0"/>
+                      </a:endParaRPr>
+                    </a:p>
+                  </a:txBody>
+                  <a:tcPr marL="7620" marR="7620" marT="7620" marB="0" anchor="b">
+                    <a:lnL w="12700" cap="flat" cmpd="sng" algn="ctr">
+                      <a:solidFill>
+                        <a:schemeClr val="tx1"/>
+                      </a:solidFill>
+                      <a:prstDash val="solid"/>
+                      <a:round/>
+                      <a:headEnd type="none" w="med" len="med"/>
+                      <a:tailEnd type="none" w="med" len="med"/>
+                    </a:lnL>
+                  </a:tcPr>
+                </a:tc>
+                <a:extLst>
+                  <a:ext uri="{0D108BD9-81ED-4DB2-BD59-A6C34878D82A}">
+                    <a16:rowId xmlns:a16="http://schemas.microsoft.com/office/drawing/2014/main" val="3360199896"/>
+                  </a:ext>
+                </a:extLst>
+              </a:tr>
+              <a:tr h="380947">
+                <a:tc>
+                  <a:txBody>
+                    <a:bodyPr/>
+                    <a:lstStyle/>
+                    <a:p>
+                      <a:pPr algn="r" fontAlgn="b"/>
+                      <a:r>
+                        <a:rPr lang="en-US" sz="1600" b="1" i="0" u="none" strike="noStrike" baseline="0" dirty="0">
+                          <a:effectLst/>
+                        </a:rPr>
+                        <a:t>After 2</a:t>
+                      </a:r>
+                      <a:r>
+                        <a:rPr lang="en-US" sz="1600" b="1" i="0" u="none" strike="noStrike" baseline="30000" dirty="0">
+                          <a:effectLst/>
+                        </a:rPr>
+                        <a:t>nd</a:t>
+                      </a:r>
+                      <a:r>
+                        <a:rPr lang="en-US" sz="1600" b="1" i="0" u="none" strike="noStrike" baseline="0" dirty="0">
+                          <a:effectLst/>
+                        </a:rPr>
+                        <a:t> DONE R5 is  updated -</a:t>
+                      </a:r>
+                      <a:endParaRPr lang="en-US" sz="1600" b="1" i="0" u="none" strike="noStrike" baseline="0" dirty="0">
+                        <a:solidFill>
+                          <a:srgbClr val="000000"/>
+                        </a:solidFill>
+                        <a:effectLst/>
+                        <a:latin typeface="Calibri" panose="020F0502020204030204" pitchFamily="34" charset="0"/>
+                      </a:endParaRPr>
+                    </a:p>
+                  </a:txBody>
+                  <a:tcPr marL="7620" marR="7620" marT="7620" marB="0" anchor="b">
+                    <a:lnR w="12700" cap="flat" cmpd="sng" algn="ctr">
+                      <a:solidFill>
+                        <a:schemeClr val="tx1"/>
+                      </a:solidFill>
+                      <a:prstDash val="solid"/>
+                      <a:round/>
+                      <a:headEnd type="none" w="med" len="med"/>
+                      <a:tailEnd type="none" w="med" len="med"/>
+                    </a:lnR>
+                  </a:tcPr>
+                </a:tc>
+                <a:tc>
+                  <a:txBody>
+                    <a:bodyPr/>
+                    <a:lstStyle/>
+                    <a:p>
+                      <a:pPr algn="ctr" fontAlgn="b"/>
+                      <a:r>
+                        <a:rPr lang="en-US" sz="1600" b="1" i="0" u="none" strike="noStrike" baseline="0">
+                          <a:effectLst/>
+                        </a:rPr>
+                        <a:t>R5 (old) =x6FF8</a:t>
+                      </a:r>
+                      <a:endParaRPr lang="en-US" sz="1600" b="1" i="0" u="none" strike="noStrike" baseline="0">
+                        <a:solidFill>
+                          <a:srgbClr val="000000"/>
+                        </a:solidFill>
+                        <a:effectLst/>
+                        <a:latin typeface="Calibri" panose="020F0502020204030204" pitchFamily="34" charset="0"/>
+                      </a:endParaRPr>
+                    </a:p>
+                  </a:txBody>
+                  <a:tcPr marL="7620" marR="7620" marT="7620" marB="0" anchor="b">
+                    <a:lnL w="12700" cap="flat" cmpd="sng" algn="ctr">
+                      <a:solidFill>
+                        <a:schemeClr val="tx1"/>
+                      </a:solidFill>
+                      <a:prstDash val="solid"/>
+                      <a:round/>
+                      <a:headEnd type="none" w="med" len="med"/>
+                      <a:tailEnd type="none" w="med" len="med"/>
+                    </a:lnL>
+                    <a:lnR w="12700" cap="flat" cmpd="sng" algn="ctr">
+                      <a:solidFill>
+                        <a:schemeClr val="tx1"/>
+                      </a:solidFill>
+                      <a:prstDash val="solid"/>
+                      <a:round/>
+                      <a:headEnd type="none" w="med" len="med"/>
+                      <a:tailEnd type="none" w="med" len="med"/>
+                    </a:lnR>
+                    <a:lnT w="12700" cap="flat" cmpd="sng" algn="ctr">
+                      <a:solidFill>
+                        <a:schemeClr val="tx1"/>
+                      </a:solidFill>
+                      <a:prstDash val="solid"/>
+                      <a:round/>
+                      <a:headEnd type="none" w="med" len="med"/>
+                      <a:tailEnd type="none" w="med" len="med"/>
+                    </a:lnT>
+                    <a:lnB w="12700" cap="flat" cmpd="sng" algn="ctr">
+                      <a:solidFill>
+                        <a:schemeClr val="tx1"/>
+                      </a:solidFill>
+                      <a:prstDash val="solid"/>
+                      <a:round/>
+                      <a:headEnd type="none" w="med" len="med"/>
+                      <a:tailEnd type="none" w="med" len="med"/>
+                    </a:lnB>
+                  </a:tcPr>
+                </a:tc>
+                <a:tc>
+                  <a:txBody>
+                    <a:bodyPr/>
+                    <a:lstStyle/>
+                    <a:p>
+                      <a:pPr algn="l" fontAlgn="b"/>
+                      <a:r>
+                        <a:rPr lang="en-US" sz="1600" b="1" i="0" u="none" strike="noStrike" baseline="0" dirty="0">
+                          <a:effectLst/>
+                        </a:rPr>
+                        <a:t>R6        ; R5=x6FF8 (after 2</a:t>
+                      </a:r>
+                      <a:r>
+                        <a:rPr lang="en-US" sz="1600" b="1" i="0" u="none" strike="noStrike" baseline="30000" dirty="0">
+                          <a:effectLst/>
+                        </a:rPr>
+                        <a:t>nd</a:t>
+                      </a:r>
+                      <a:r>
+                        <a:rPr lang="en-US" sz="1600" b="1" i="0" u="none" strike="noStrike" baseline="0" dirty="0">
+                          <a:effectLst/>
+                        </a:rPr>
+                        <a:t> DONE)</a:t>
+                      </a:r>
+                      <a:endParaRPr lang="en-US" sz="1600" b="1" i="0" u="none" strike="noStrike" baseline="0" dirty="0">
+                        <a:solidFill>
+                          <a:srgbClr val="000000"/>
+                        </a:solidFill>
+                        <a:effectLst/>
+                        <a:latin typeface="Calibri" panose="020F0502020204030204" pitchFamily="34" charset="0"/>
+                      </a:endParaRPr>
+                    </a:p>
+                  </a:txBody>
+                  <a:tcPr marL="7620" marR="7620" marT="7620" marB="0" anchor="b">
+                    <a:lnL w="12700" cap="flat" cmpd="sng" algn="ctr">
+                      <a:solidFill>
+                        <a:schemeClr val="tx1"/>
+                      </a:solidFill>
+                      <a:prstDash val="solid"/>
+                      <a:round/>
+                      <a:headEnd type="none" w="med" len="med"/>
+                      <a:tailEnd type="none" w="med" len="med"/>
+                    </a:lnL>
+                  </a:tcPr>
+                </a:tc>
+                <a:extLst>
+                  <a:ext uri="{0D108BD9-81ED-4DB2-BD59-A6C34878D82A}">
+                    <a16:rowId xmlns:a16="http://schemas.microsoft.com/office/drawing/2014/main" val="2214580155"/>
+                  </a:ext>
+                </a:extLst>
+              </a:tr>
+              <a:tr h="380947">
+                <a:tc>
+                  <a:txBody>
+                    <a:bodyPr/>
+                    <a:lstStyle/>
+                    <a:p>
+                      <a:pPr algn="r" fontAlgn="b"/>
+                      <a:r>
+                        <a:rPr lang="en-US" sz="1600" b="1" i="0" u="none" strike="noStrike" baseline="0">
+                          <a:effectLst/>
+                        </a:rPr>
+                        <a:t>with x6FF8</a:t>
+                      </a:r>
+                      <a:endParaRPr lang="en-US" sz="1600" b="1" i="0" u="none" strike="noStrike" baseline="0">
+                        <a:solidFill>
+                          <a:srgbClr val="000000"/>
+                        </a:solidFill>
+                        <a:effectLst/>
+                        <a:latin typeface="Calibri" panose="020F0502020204030204" pitchFamily="34" charset="0"/>
+                      </a:endParaRPr>
+                    </a:p>
+                  </a:txBody>
+                  <a:tcPr marL="7620" marR="7620" marT="7620" marB="0" anchor="b">
+                    <a:lnR w="12700" cap="flat" cmpd="sng" algn="ctr">
+                      <a:solidFill>
+                        <a:schemeClr val="tx1"/>
+                      </a:solidFill>
+                      <a:prstDash val="solid"/>
+                      <a:round/>
+                      <a:headEnd type="none" w="med" len="med"/>
+                      <a:tailEnd type="none" w="med" len="med"/>
+                    </a:lnR>
+                  </a:tcPr>
+                </a:tc>
+                <a:tc>
+                  <a:txBody>
+                    <a:bodyPr/>
+                    <a:lstStyle/>
+                    <a:p>
+                      <a:pPr algn="ctr" fontAlgn="b"/>
+                      <a:r>
+                        <a:rPr lang="en-US" sz="1600" b="1" i="0" u="none" strike="noStrike" baseline="0">
+                          <a:effectLst/>
+                        </a:rPr>
+                        <a:t>R.A (right return) R7</a:t>
+                      </a:r>
+                      <a:endParaRPr lang="en-US" sz="1600" b="1" i="0" u="none" strike="noStrike" baseline="0">
+                        <a:solidFill>
+                          <a:srgbClr val="000000"/>
+                        </a:solidFill>
+                        <a:effectLst/>
+                        <a:latin typeface="Calibri" panose="020F0502020204030204" pitchFamily="34" charset="0"/>
+                      </a:endParaRPr>
+                    </a:p>
+                  </a:txBody>
+                  <a:tcPr marL="7620" marR="7620" marT="7620" marB="0" anchor="b">
+                    <a:lnL w="12700" cap="flat" cmpd="sng" algn="ctr">
+                      <a:solidFill>
+                        <a:schemeClr val="tx1"/>
+                      </a:solidFill>
+                      <a:prstDash val="solid"/>
+                      <a:round/>
+                      <a:headEnd type="none" w="med" len="med"/>
+                      <a:tailEnd type="none" w="med" len="med"/>
+                    </a:lnL>
+                    <a:lnR w="12700" cap="flat" cmpd="sng" algn="ctr">
+                      <a:solidFill>
+                        <a:schemeClr val="tx1"/>
+                      </a:solidFill>
+                      <a:prstDash val="solid"/>
+                      <a:round/>
+                      <a:headEnd type="none" w="med" len="med"/>
+                      <a:tailEnd type="none" w="med" len="med"/>
+                    </a:lnR>
+                    <a:lnT w="12700" cap="flat" cmpd="sng" algn="ctr">
+                      <a:solidFill>
+                        <a:schemeClr val="tx1"/>
+                      </a:solidFill>
+                      <a:prstDash val="solid"/>
+                      <a:round/>
+                      <a:headEnd type="none" w="med" len="med"/>
+                      <a:tailEnd type="none" w="med" len="med"/>
+                    </a:lnT>
+                    <a:lnB w="12700" cap="flat" cmpd="sng" algn="ctr">
+                      <a:solidFill>
+                        <a:schemeClr val="tx1"/>
+                      </a:solidFill>
+                      <a:prstDash val="solid"/>
+                      <a:round/>
+                      <a:headEnd type="none" w="med" len="med"/>
+                      <a:tailEnd type="none" w="med" len="med"/>
+                    </a:lnB>
+                  </a:tcPr>
+                </a:tc>
+                <a:tc>
+                  <a:txBody>
+                    <a:bodyPr/>
+                    <a:lstStyle/>
+                    <a:p>
+                      <a:pPr algn="l" fontAlgn="b"/>
+                      <a:endParaRPr lang="en-US" sz="1600" b="1" i="0" u="none" strike="noStrike" baseline="0">
+                        <a:solidFill>
+                          <a:srgbClr val="000000"/>
+                        </a:solidFill>
+                        <a:effectLst/>
+                        <a:latin typeface="Calibri" panose="020F0502020204030204" pitchFamily="34" charset="0"/>
+                      </a:endParaRPr>
+                    </a:p>
+                  </a:txBody>
+                  <a:tcPr marL="7620" marR="7620" marT="7620" marB="0" anchor="b">
+                    <a:lnL w="12700" cap="flat" cmpd="sng" algn="ctr">
+                      <a:solidFill>
+                        <a:schemeClr val="tx1"/>
+                      </a:solidFill>
+                      <a:prstDash val="solid"/>
+                      <a:round/>
+                      <a:headEnd type="none" w="med" len="med"/>
+                      <a:tailEnd type="none" w="med" len="med"/>
+                    </a:lnL>
+                  </a:tcPr>
+                </a:tc>
+                <a:extLst>
+                  <a:ext uri="{0D108BD9-81ED-4DB2-BD59-A6C34878D82A}">
+                    <a16:rowId xmlns:a16="http://schemas.microsoft.com/office/drawing/2014/main" val="328952304"/>
+                  </a:ext>
+                </a:extLst>
+              </a:tr>
+              <a:tr h="380947">
+                <a:tc>
+                  <a:txBody>
+                    <a:bodyPr/>
+                    <a:lstStyle/>
+                    <a:p>
+                      <a:pPr algn="r" fontAlgn="b"/>
+                      <a:r>
+                        <a:rPr lang="en-US" sz="1600" b="1" i="0" u="none" strike="noStrike" baseline="0">
+                          <a:effectLst/>
+                        </a:rPr>
+                        <a:t>(after 2nd DONE, RET)-&gt;R6 </a:t>
+                      </a:r>
+                      <a:endParaRPr lang="en-US" sz="1600" b="1" i="0" u="none" strike="noStrike" baseline="0">
+                        <a:solidFill>
+                          <a:srgbClr val="000000"/>
+                        </a:solidFill>
+                        <a:effectLst/>
+                        <a:latin typeface="Calibri" panose="020F0502020204030204" pitchFamily="34" charset="0"/>
+                      </a:endParaRPr>
+                    </a:p>
+                  </a:txBody>
+                  <a:tcPr marL="7620" marR="7620" marT="7620" marB="0" anchor="b">
+                    <a:lnR w="12700" cap="flat" cmpd="sng" algn="ctr">
+                      <a:solidFill>
+                        <a:schemeClr val="tx1"/>
+                      </a:solidFill>
+                      <a:prstDash val="solid"/>
+                      <a:round/>
+                      <a:headEnd type="none" w="med" len="med"/>
+                      <a:tailEnd type="none" w="med" len="med"/>
+                    </a:lnR>
+                  </a:tcPr>
+                </a:tc>
+                <a:tc>
+                  <a:txBody>
+                    <a:bodyPr/>
+                    <a:lstStyle/>
+                    <a:p>
+                      <a:pPr algn="ctr" fontAlgn="b"/>
+                      <a:r>
+                        <a:rPr lang="en-US" sz="1600" b="1" i="0" u="none" strike="noStrike" baseline="0">
+                          <a:effectLst/>
+                        </a:rPr>
+                        <a:t>R.V </a:t>
+                      </a:r>
+                      <a:endParaRPr lang="en-US" sz="1600" b="1" i="0" u="none" strike="noStrike" baseline="0">
+                        <a:solidFill>
+                          <a:srgbClr val="000000"/>
+                        </a:solidFill>
+                        <a:effectLst/>
+                        <a:latin typeface="Calibri" panose="020F0502020204030204" pitchFamily="34" charset="0"/>
+                      </a:endParaRPr>
+                    </a:p>
+                  </a:txBody>
+                  <a:tcPr marL="7620" marR="7620" marT="7620" marB="0" anchor="b">
+                    <a:lnL w="12700" cap="flat" cmpd="sng" algn="ctr">
+                      <a:solidFill>
+                        <a:schemeClr val="tx1"/>
+                      </a:solidFill>
+                      <a:prstDash val="solid"/>
+                      <a:round/>
+                      <a:headEnd type="none" w="med" len="med"/>
+                      <a:tailEnd type="none" w="med" len="med"/>
+                    </a:lnL>
+                    <a:lnR w="12700" cap="flat" cmpd="sng" algn="ctr">
+                      <a:solidFill>
+                        <a:schemeClr val="tx1"/>
+                      </a:solidFill>
+                      <a:prstDash val="solid"/>
+                      <a:round/>
+                      <a:headEnd type="none" w="med" len="med"/>
+                      <a:tailEnd type="none" w="med" len="med"/>
+                    </a:lnR>
+                    <a:lnT w="12700" cap="flat" cmpd="sng" algn="ctr">
+                      <a:solidFill>
+                        <a:schemeClr val="tx1"/>
+                      </a:solidFill>
+                      <a:prstDash val="solid"/>
+                      <a:round/>
+                      <a:headEnd type="none" w="med" len="med"/>
+                      <a:tailEnd type="none" w="med" len="med"/>
+                    </a:lnT>
+                    <a:lnB w="12700" cap="flat" cmpd="sng" algn="ctr">
+                      <a:solidFill>
+                        <a:schemeClr val="tx1"/>
+                      </a:solidFill>
+                      <a:prstDash val="solid"/>
+                      <a:round/>
+                      <a:headEnd type="none" w="med" len="med"/>
+                      <a:tailEnd type="none" w="med" len="med"/>
+                    </a:lnB>
+                  </a:tcPr>
+                </a:tc>
+                <a:tc>
+                  <a:txBody>
+                    <a:bodyPr/>
+                    <a:lstStyle/>
+                    <a:p>
+                      <a:pPr algn="l" fontAlgn="b"/>
+                      <a:r>
+                        <a:rPr lang="pt-BR" sz="1600" b="1" i="0" u="none" strike="noStrike" baseline="0" dirty="0">
+                          <a:effectLst/>
+                        </a:rPr>
+                        <a:t>R3= [R1+2]=[6004]= 0 (NULL)</a:t>
+                      </a:r>
+                      <a:endParaRPr lang="pt-BR" sz="1600" b="1" i="0" u="none" strike="noStrike" baseline="0" dirty="0">
+                        <a:solidFill>
+                          <a:srgbClr val="000000"/>
+                        </a:solidFill>
+                        <a:effectLst/>
+                        <a:latin typeface="Calibri" panose="020F0502020204030204" pitchFamily="34" charset="0"/>
+                      </a:endParaRPr>
+                    </a:p>
+                  </a:txBody>
+                  <a:tcPr marL="7620" marR="7620" marT="7620" marB="0" anchor="b">
+                    <a:lnL w="12700" cap="flat" cmpd="sng" algn="ctr">
+                      <a:solidFill>
+                        <a:schemeClr val="tx1"/>
+                      </a:solidFill>
+                      <a:prstDash val="solid"/>
+                      <a:round/>
+                      <a:headEnd type="none" w="med" len="med"/>
+                      <a:tailEnd type="none" w="med" len="med"/>
+                    </a:lnL>
+                  </a:tcPr>
+                </a:tc>
+                <a:extLst>
+                  <a:ext uri="{0D108BD9-81ED-4DB2-BD59-A6C34878D82A}">
+                    <a16:rowId xmlns:a16="http://schemas.microsoft.com/office/drawing/2014/main" val="600743708"/>
+                  </a:ext>
+                </a:extLst>
+              </a:tr>
+              <a:tr h="380947">
+                <a:tc>
+                  <a:txBody>
+                    <a:bodyPr/>
+                    <a:lstStyle/>
+                    <a:p>
+                      <a:pPr algn="r" fontAlgn="b"/>
+                      <a:r>
+                        <a:rPr lang="en-US" sz="1600" b="1" i="0" u="none" strike="noStrike" baseline="0">
+                          <a:effectLst/>
+                        </a:rPr>
+                        <a:t>x6FF8</a:t>
+                      </a:r>
+                      <a:endParaRPr lang="en-US" sz="1600" b="1" i="0" u="none" strike="noStrike" baseline="0">
+                        <a:solidFill>
+                          <a:srgbClr val="000000"/>
+                        </a:solidFill>
+                        <a:effectLst/>
+                        <a:latin typeface="Calibri" panose="020F0502020204030204" pitchFamily="34" charset="0"/>
+                      </a:endParaRPr>
+                    </a:p>
+                  </a:txBody>
+                  <a:tcPr marL="7620" marR="7620" marT="7620" marB="0" anchor="b">
+                    <a:lnR w="12700" cap="flat" cmpd="sng" algn="ctr">
+                      <a:solidFill>
+                        <a:schemeClr val="tx1"/>
+                      </a:solidFill>
+                      <a:prstDash val="solid"/>
+                      <a:round/>
+                      <a:headEnd type="none" w="med" len="med"/>
+                      <a:tailEnd type="none" w="med" len="med"/>
+                    </a:lnR>
+                  </a:tcPr>
+                </a:tc>
+                <a:tc>
+                  <a:txBody>
+                    <a:bodyPr/>
+                    <a:lstStyle/>
+                    <a:p>
+                      <a:pPr algn="ctr" fontAlgn="b"/>
+                      <a:r>
+                        <a:rPr lang="en-US" sz="1600" b="1" i="0" u="none" strike="noStrike" baseline="0">
+                          <a:effectLst/>
+                        </a:rPr>
+                        <a:t>x0</a:t>
+                      </a:r>
+                      <a:endParaRPr lang="en-US" sz="1600" b="1" i="0" u="none" strike="noStrike" baseline="0">
+                        <a:solidFill>
+                          <a:srgbClr val="000000"/>
+                        </a:solidFill>
+                        <a:effectLst/>
+                        <a:latin typeface="Calibri" panose="020F0502020204030204" pitchFamily="34" charset="0"/>
+                      </a:endParaRPr>
+                    </a:p>
+                  </a:txBody>
+                  <a:tcPr marL="7620" marR="7620" marT="7620" marB="0" anchor="b">
+                    <a:lnL w="12700" cap="flat" cmpd="sng" algn="ctr">
+                      <a:solidFill>
+                        <a:schemeClr val="tx1"/>
+                      </a:solidFill>
+                      <a:prstDash val="solid"/>
+                      <a:round/>
+                      <a:headEnd type="none" w="med" len="med"/>
+                      <a:tailEnd type="none" w="med" len="med"/>
+                    </a:lnL>
+                    <a:lnR w="12700" cap="flat" cmpd="sng" algn="ctr">
+                      <a:solidFill>
+                        <a:schemeClr val="tx1"/>
+                      </a:solidFill>
+                      <a:prstDash val="solid"/>
+                      <a:round/>
+                      <a:headEnd type="none" w="med" len="med"/>
+                      <a:tailEnd type="none" w="med" len="med"/>
+                    </a:lnR>
+                    <a:lnT w="12700" cap="flat" cmpd="sng" algn="ctr">
+                      <a:solidFill>
+                        <a:schemeClr val="tx1"/>
+                      </a:solidFill>
+                      <a:prstDash val="solid"/>
+                      <a:round/>
+                      <a:headEnd type="none" w="med" len="med"/>
+                      <a:tailEnd type="none" w="med" len="med"/>
+                    </a:lnT>
+                    <a:lnB w="12700" cap="flat" cmpd="sng" algn="ctr">
+                      <a:solidFill>
+                        <a:schemeClr val="tx1"/>
+                      </a:solidFill>
+                      <a:prstDash val="solid"/>
+                      <a:round/>
+                      <a:headEnd type="none" w="med" len="med"/>
+                      <a:tailEnd type="none" w="med" len="med"/>
+                    </a:lnB>
+                  </a:tcPr>
+                </a:tc>
+                <a:tc>
+                  <a:txBody>
+                    <a:bodyPr/>
+                    <a:lstStyle/>
+                    <a:p>
+                      <a:pPr algn="l" fontAlgn="b"/>
+                      <a:r>
+                        <a:rPr lang="en-US" sz="1600" b="1" i="0" u="none" strike="noStrike" baseline="0">
+                          <a:effectLst/>
+                        </a:rPr>
+                        <a:t>R5(new)  &lt;-R6</a:t>
+                      </a:r>
+                      <a:endParaRPr lang="en-US" sz="1600" b="1" i="0" u="none" strike="noStrike" baseline="0">
+                        <a:solidFill>
+                          <a:srgbClr val="000000"/>
+                        </a:solidFill>
+                        <a:effectLst/>
+                        <a:latin typeface="Calibri" panose="020F0502020204030204" pitchFamily="34" charset="0"/>
+                      </a:endParaRPr>
+                    </a:p>
+                  </a:txBody>
+                  <a:tcPr marL="7620" marR="7620" marT="7620" marB="0" anchor="b">
+                    <a:lnL w="12700" cap="flat" cmpd="sng" algn="ctr">
+                      <a:solidFill>
+                        <a:schemeClr val="tx1"/>
+                      </a:solidFill>
+                      <a:prstDash val="solid"/>
+                      <a:round/>
+                      <a:headEnd type="none" w="med" len="med"/>
+                      <a:tailEnd type="none" w="med" len="med"/>
+                    </a:lnL>
+                  </a:tcPr>
+                </a:tc>
+                <a:extLst>
+                  <a:ext uri="{0D108BD9-81ED-4DB2-BD59-A6C34878D82A}">
+                    <a16:rowId xmlns:a16="http://schemas.microsoft.com/office/drawing/2014/main" val="750671369"/>
+                  </a:ext>
+                </a:extLst>
+              </a:tr>
+              <a:tr h="380947">
+                <a:tc>
+                  <a:txBody>
+                    <a:bodyPr/>
+                    <a:lstStyle/>
+                    <a:p>
+                      <a:pPr algn="r" fontAlgn="b"/>
+                      <a:r>
+                        <a:rPr lang="en-US" sz="1600" b="1" i="0" u="none" strike="noStrike" baseline="0">
+                          <a:effectLst/>
+                        </a:rPr>
+                        <a:t>After 2nd  RET R5 is  updated -</a:t>
+                      </a:r>
+                      <a:endParaRPr lang="en-US" sz="1600" b="1" i="0" u="none" strike="noStrike" baseline="0">
+                        <a:solidFill>
+                          <a:srgbClr val="000000"/>
+                        </a:solidFill>
+                        <a:effectLst/>
+                        <a:latin typeface="Calibri" panose="020F0502020204030204" pitchFamily="34" charset="0"/>
+                      </a:endParaRPr>
+                    </a:p>
+                  </a:txBody>
+                  <a:tcPr marL="7620" marR="7620" marT="7620" marB="0" anchor="b">
+                    <a:lnR w="12700" cap="flat" cmpd="sng" algn="ctr">
+                      <a:solidFill>
+                        <a:schemeClr val="tx1"/>
+                      </a:solidFill>
+                      <a:prstDash val="solid"/>
+                      <a:round/>
+                      <a:headEnd type="none" w="med" len="med"/>
+                      <a:tailEnd type="none" w="med" len="med"/>
+                    </a:lnR>
+                  </a:tcPr>
+                </a:tc>
+                <a:tc>
+                  <a:txBody>
+                    <a:bodyPr/>
+                    <a:lstStyle/>
+                    <a:p>
+                      <a:pPr algn="ctr" fontAlgn="b"/>
+                      <a:r>
+                        <a:rPr lang="en-US" sz="1600" b="1" i="0" u="none" strike="noStrike" baseline="0">
+                          <a:effectLst/>
+                        </a:rPr>
+                        <a:t>R5(old) = x6FFC</a:t>
+                      </a:r>
+                      <a:endParaRPr lang="en-US" sz="1600" b="1" i="0" u="none" strike="noStrike" baseline="0">
+                        <a:solidFill>
+                          <a:srgbClr val="000000"/>
+                        </a:solidFill>
+                        <a:effectLst/>
+                        <a:latin typeface="Calibri" panose="020F0502020204030204" pitchFamily="34" charset="0"/>
+                      </a:endParaRPr>
+                    </a:p>
+                  </a:txBody>
+                  <a:tcPr marL="7620" marR="7620" marT="7620" marB="0" anchor="b">
+                    <a:lnL w="12700" cap="flat" cmpd="sng" algn="ctr">
+                      <a:solidFill>
+                        <a:schemeClr val="tx1"/>
+                      </a:solidFill>
+                      <a:prstDash val="solid"/>
+                      <a:round/>
+                      <a:headEnd type="none" w="med" len="med"/>
+                      <a:tailEnd type="none" w="med" len="med"/>
+                    </a:lnL>
+                    <a:lnR w="12700" cap="flat" cmpd="sng" algn="ctr">
+                      <a:solidFill>
+                        <a:schemeClr val="tx1"/>
+                      </a:solidFill>
+                      <a:prstDash val="solid"/>
+                      <a:round/>
+                      <a:headEnd type="none" w="med" len="med"/>
+                      <a:tailEnd type="none" w="med" len="med"/>
+                    </a:lnR>
+                    <a:lnT w="12700" cap="flat" cmpd="sng" algn="ctr">
+                      <a:solidFill>
+                        <a:schemeClr val="tx1"/>
+                      </a:solidFill>
+                      <a:prstDash val="solid"/>
+                      <a:round/>
+                      <a:headEnd type="none" w="med" len="med"/>
+                      <a:tailEnd type="none" w="med" len="med"/>
+                    </a:lnT>
+                    <a:lnB w="12700" cap="flat" cmpd="sng" algn="ctr">
+                      <a:solidFill>
+                        <a:schemeClr val="tx1"/>
+                      </a:solidFill>
+                      <a:prstDash val="solid"/>
+                      <a:round/>
+                      <a:headEnd type="none" w="med" len="med"/>
+                      <a:tailEnd type="none" w="med" len="med"/>
+                    </a:lnB>
+                  </a:tcPr>
+                </a:tc>
+                <a:tc>
+                  <a:txBody>
+                    <a:bodyPr/>
+                    <a:lstStyle/>
+                    <a:p>
+                      <a:pPr algn="l" fontAlgn="b"/>
+                      <a:r>
+                        <a:rPr lang="pt-BR" sz="1600" b="1" i="0" u="none" strike="noStrike" baseline="0">
+                          <a:effectLst/>
+                        </a:rPr>
+                        <a:t>R6  &lt;- R6 after 2nd RET</a:t>
+                      </a:r>
+                      <a:endParaRPr lang="pt-BR" sz="1600" b="1" i="0" u="none" strike="noStrike" baseline="0">
+                        <a:solidFill>
+                          <a:srgbClr val="000000"/>
+                        </a:solidFill>
+                        <a:effectLst/>
+                        <a:latin typeface="Calibri" panose="020F0502020204030204" pitchFamily="34" charset="0"/>
+                      </a:endParaRPr>
+                    </a:p>
+                  </a:txBody>
+                  <a:tcPr marL="7620" marR="7620" marT="7620" marB="0" anchor="b">
+                    <a:lnL w="12700" cap="flat" cmpd="sng" algn="ctr">
+                      <a:solidFill>
+                        <a:schemeClr val="tx1"/>
+                      </a:solidFill>
+                      <a:prstDash val="solid"/>
+                      <a:round/>
+                      <a:headEnd type="none" w="med" len="med"/>
+                      <a:tailEnd type="none" w="med" len="med"/>
+                    </a:lnL>
+                  </a:tcPr>
+                </a:tc>
+                <a:extLst>
+                  <a:ext uri="{0D108BD9-81ED-4DB2-BD59-A6C34878D82A}">
+                    <a16:rowId xmlns:a16="http://schemas.microsoft.com/office/drawing/2014/main" val="4130091826"/>
+                  </a:ext>
+                </a:extLst>
+              </a:tr>
+              <a:tr h="380947">
+                <a:tc>
+                  <a:txBody>
+                    <a:bodyPr/>
+                    <a:lstStyle/>
+                    <a:p>
+                      <a:pPr algn="r" fontAlgn="b"/>
+                      <a:r>
+                        <a:rPr lang="en-US" sz="1600" b="1" i="0" u="none" strike="noStrike" baseline="0">
+                          <a:effectLst/>
+                        </a:rPr>
+                        <a:t>with x6FFC</a:t>
+                      </a:r>
+                      <a:endParaRPr lang="en-US" sz="1600" b="1" i="0" u="none" strike="noStrike" baseline="0">
+                        <a:solidFill>
+                          <a:srgbClr val="000000"/>
+                        </a:solidFill>
+                        <a:effectLst/>
+                        <a:latin typeface="Calibri" panose="020F0502020204030204" pitchFamily="34" charset="0"/>
+                      </a:endParaRPr>
+                    </a:p>
+                  </a:txBody>
+                  <a:tcPr marL="7620" marR="7620" marT="7620" marB="0" anchor="b">
+                    <a:lnR w="12700" cap="flat" cmpd="sng" algn="ctr">
+                      <a:solidFill>
+                        <a:schemeClr val="tx1"/>
+                      </a:solidFill>
+                      <a:prstDash val="solid"/>
+                      <a:round/>
+                      <a:headEnd type="none" w="med" len="med"/>
+                      <a:tailEnd type="none" w="med" len="med"/>
+                    </a:lnR>
+                  </a:tcPr>
+                </a:tc>
+                <a:tc>
+                  <a:txBody>
+                    <a:bodyPr/>
+                    <a:lstStyle/>
+                    <a:p>
+                      <a:pPr algn="ctr" fontAlgn="b"/>
+                      <a:r>
+                        <a:rPr lang="en-US" sz="1600" b="1" i="0" u="none" strike="noStrike" baseline="0" dirty="0">
+                          <a:effectLst/>
+                        </a:rPr>
+                        <a:t>R.A (left return)</a:t>
+                      </a:r>
+                      <a:endParaRPr lang="en-US" sz="1600" b="1" i="0" u="none" strike="noStrike" baseline="0" dirty="0">
+                        <a:solidFill>
+                          <a:srgbClr val="000000"/>
+                        </a:solidFill>
+                        <a:effectLst/>
+                        <a:latin typeface="Calibri" panose="020F0502020204030204" pitchFamily="34" charset="0"/>
+                      </a:endParaRPr>
+                    </a:p>
+                  </a:txBody>
+                  <a:tcPr marL="7620" marR="7620" marT="7620" marB="0" anchor="b">
+                    <a:lnL w="12700" cap="flat" cmpd="sng" algn="ctr">
+                      <a:solidFill>
+                        <a:schemeClr val="tx1"/>
+                      </a:solidFill>
+                      <a:prstDash val="solid"/>
+                      <a:round/>
+                      <a:headEnd type="none" w="med" len="med"/>
+                      <a:tailEnd type="none" w="med" len="med"/>
+                    </a:lnL>
+                    <a:lnR w="12700" cap="flat" cmpd="sng" algn="ctr">
+                      <a:solidFill>
+                        <a:schemeClr val="tx1"/>
+                      </a:solidFill>
+                      <a:prstDash val="solid"/>
+                      <a:round/>
+                      <a:headEnd type="none" w="med" len="med"/>
+                      <a:tailEnd type="none" w="med" len="med"/>
+                    </a:lnR>
+                    <a:lnT w="12700" cap="flat" cmpd="sng" algn="ctr">
+                      <a:solidFill>
+                        <a:schemeClr val="tx1"/>
+                      </a:solidFill>
+                      <a:prstDash val="solid"/>
+                      <a:round/>
+                      <a:headEnd type="none" w="med" len="med"/>
+                      <a:tailEnd type="none" w="med" len="med"/>
+                    </a:lnT>
+                    <a:lnB w="12700" cap="flat" cmpd="sng" algn="ctr">
+                      <a:solidFill>
+                        <a:schemeClr val="tx1"/>
+                      </a:solidFill>
+                      <a:prstDash val="solid"/>
+                      <a:round/>
+                      <a:headEnd type="none" w="med" len="med"/>
+                      <a:tailEnd type="none" w="med" len="med"/>
+                    </a:lnB>
+                  </a:tcPr>
+                </a:tc>
+                <a:tc>
+                  <a:txBody>
+                    <a:bodyPr/>
+                    <a:lstStyle/>
+                    <a:p>
+                      <a:pPr algn="l" fontAlgn="b"/>
+                      <a:r>
+                        <a:rPr lang="pt-BR" sz="1600" b="1" i="0" u="none" strike="noStrike" baseline="0">
+                          <a:effectLst/>
+                        </a:rPr>
+                        <a:t>   R2=[R1+1]=[6004]=x0 (NULL)</a:t>
+                      </a:r>
+                      <a:endParaRPr lang="pt-BR" sz="1600" b="1" i="0" u="none" strike="noStrike" baseline="0">
+                        <a:solidFill>
+                          <a:srgbClr val="000000"/>
+                        </a:solidFill>
+                        <a:effectLst/>
+                        <a:latin typeface="Calibri" panose="020F0502020204030204" pitchFamily="34" charset="0"/>
+                      </a:endParaRPr>
+                    </a:p>
+                  </a:txBody>
+                  <a:tcPr marL="7620" marR="7620" marT="7620" marB="0" anchor="b">
+                    <a:lnL w="12700" cap="flat" cmpd="sng" algn="ctr">
+                      <a:solidFill>
+                        <a:schemeClr val="tx1"/>
+                      </a:solidFill>
+                      <a:prstDash val="solid"/>
+                      <a:round/>
+                      <a:headEnd type="none" w="med" len="med"/>
+                      <a:tailEnd type="none" w="med" len="med"/>
+                    </a:lnL>
+                  </a:tcPr>
+                </a:tc>
+                <a:extLst>
+                  <a:ext uri="{0D108BD9-81ED-4DB2-BD59-A6C34878D82A}">
+                    <a16:rowId xmlns:a16="http://schemas.microsoft.com/office/drawing/2014/main" val="4217942732"/>
+                  </a:ext>
+                </a:extLst>
+              </a:tr>
+              <a:tr h="380947">
+                <a:tc>
+                  <a:txBody>
+                    <a:bodyPr/>
+                    <a:lstStyle/>
+                    <a:p>
+                      <a:pPr algn="r" fontAlgn="b"/>
+                      <a:r>
+                        <a:rPr lang="en-US" sz="1600" b="1" i="0" u="none" strike="noStrike" baseline="0" dirty="0">
+                          <a:effectLst/>
+                        </a:rPr>
+                        <a:t>After 2nd return R7 is  left return</a:t>
+                      </a:r>
+                      <a:endParaRPr lang="en-US" sz="1600" b="1" i="0" u="none" strike="noStrike" baseline="0" dirty="0">
+                        <a:solidFill>
+                          <a:srgbClr val="000000"/>
+                        </a:solidFill>
+                        <a:effectLst/>
+                        <a:latin typeface="Calibri" panose="020F0502020204030204" pitchFamily="34" charset="0"/>
+                      </a:endParaRPr>
+                    </a:p>
+                  </a:txBody>
+                  <a:tcPr marL="7620" marR="7620" marT="7620" marB="0" anchor="b">
+                    <a:lnR w="12700" cap="flat" cmpd="sng" algn="ctr">
+                      <a:solidFill>
+                        <a:schemeClr val="tx1"/>
+                      </a:solidFill>
+                      <a:prstDash val="solid"/>
+                      <a:round/>
+                      <a:headEnd type="none" w="med" len="med"/>
+                      <a:tailEnd type="none" w="med" len="med"/>
+                    </a:lnR>
+                  </a:tcPr>
+                </a:tc>
+                <a:tc>
+                  <a:txBody>
+                    <a:bodyPr/>
+                    <a:lstStyle/>
+                    <a:p>
+                      <a:pPr algn="ctr" fontAlgn="b"/>
+                      <a:r>
+                        <a:rPr lang="en-US" sz="1600" b="1" i="0" u="none" strike="noStrike" baseline="0">
+                          <a:effectLst/>
+                        </a:rPr>
+                        <a:t>R.V</a:t>
+                      </a:r>
+                      <a:endParaRPr lang="en-US" sz="1600" b="1" i="0" u="none" strike="noStrike" baseline="0">
+                        <a:solidFill>
+                          <a:srgbClr val="000000"/>
+                        </a:solidFill>
+                        <a:effectLst/>
+                        <a:latin typeface="Calibri" panose="020F0502020204030204" pitchFamily="34" charset="0"/>
+                      </a:endParaRPr>
+                    </a:p>
+                  </a:txBody>
+                  <a:tcPr marL="7620" marR="7620" marT="7620" marB="0" anchor="b">
+                    <a:lnL w="12700" cap="flat" cmpd="sng" algn="ctr">
+                      <a:solidFill>
+                        <a:schemeClr val="tx1"/>
+                      </a:solidFill>
+                      <a:prstDash val="solid"/>
+                      <a:round/>
+                      <a:headEnd type="none" w="med" len="med"/>
+                      <a:tailEnd type="none" w="med" len="med"/>
+                    </a:lnL>
+                    <a:lnR w="12700" cap="flat" cmpd="sng" algn="ctr">
+                      <a:solidFill>
+                        <a:schemeClr val="tx1"/>
+                      </a:solidFill>
+                      <a:prstDash val="solid"/>
+                      <a:round/>
+                      <a:headEnd type="none" w="med" len="med"/>
+                      <a:tailEnd type="none" w="med" len="med"/>
+                    </a:lnR>
+                    <a:lnT w="12700" cap="flat" cmpd="sng" algn="ctr">
+                      <a:solidFill>
+                        <a:schemeClr val="tx1"/>
+                      </a:solidFill>
+                      <a:prstDash val="solid"/>
+                      <a:round/>
+                      <a:headEnd type="none" w="med" len="med"/>
+                      <a:tailEnd type="none" w="med" len="med"/>
+                    </a:lnT>
+                    <a:lnB w="12700" cap="flat" cmpd="sng" algn="ctr">
+                      <a:solidFill>
+                        <a:schemeClr val="tx1"/>
+                      </a:solidFill>
+                      <a:prstDash val="solid"/>
+                      <a:round/>
+                      <a:headEnd type="none" w="med" len="med"/>
+                      <a:tailEnd type="none" w="med" len="med"/>
+                    </a:lnB>
+                  </a:tcPr>
+                </a:tc>
+                <a:tc>
+                  <a:txBody>
+                    <a:bodyPr/>
+                    <a:lstStyle/>
+                    <a:p>
+                      <a:pPr algn="l" fontAlgn="b"/>
+                      <a:endParaRPr lang="pt-BR" sz="1600" b="1" i="0" u="none" strike="noStrike" baseline="0" dirty="0">
+                        <a:solidFill>
+                          <a:srgbClr val="000000"/>
+                        </a:solidFill>
+                        <a:effectLst/>
+                        <a:latin typeface="Calibri" panose="020F0502020204030204" pitchFamily="34" charset="0"/>
+                      </a:endParaRPr>
+                    </a:p>
+                  </a:txBody>
+                  <a:tcPr marL="7620" marR="7620" marT="7620" marB="0" anchor="b">
+                    <a:lnL w="12700" cap="flat" cmpd="sng" algn="ctr">
+                      <a:solidFill>
+                        <a:schemeClr val="tx1"/>
+                      </a:solidFill>
+                      <a:prstDash val="solid"/>
+                      <a:round/>
+                      <a:headEnd type="none" w="med" len="med"/>
+                      <a:tailEnd type="none" w="med" len="med"/>
+                    </a:lnL>
+                  </a:tcPr>
+                </a:tc>
+                <a:extLst>
+                  <a:ext uri="{0D108BD9-81ED-4DB2-BD59-A6C34878D82A}">
+                    <a16:rowId xmlns:a16="http://schemas.microsoft.com/office/drawing/2014/main" val="1540805586"/>
+                  </a:ext>
+                </a:extLst>
+              </a:tr>
+              <a:tr h="380947">
+                <a:tc>
+                  <a:txBody>
+                    <a:bodyPr/>
+                    <a:lstStyle/>
+                    <a:p>
+                      <a:pPr algn="r" fontAlgn="b"/>
+                      <a:r>
+                        <a:rPr lang="en-US" sz="1600" b="1" i="0" u="none" strike="noStrike" baseline="0" dirty="0">
+                          <a:effectLst/>
+                        </a:rPr>
+                        <a:t>After 2</a:t>
+                      </a:r>
+                      <a:r>
+                        <a:rPr lang="en-US" sz="1600" b="1" i="0" u="none" strike="noStrike" baseline="30000" dirty="0">
+                          <a:effectLst/>
+                        </a:rPr>
+                        <a:t>nd</a:t>
+                      </a:r>
+                      <a:r>
+                        <a:rPr lang="en-US" sz="1600" b="1" i="0" u="none" strike="noStrike" baseline="0" dirty="0">
+                          <a:effectLst/>
+                        </a:rPr>
+                        <a:t>  RET R5 = x6FFC</a:t>
+                      </a:r>
+                      <a:endParaRPr lang="en-US" sz="1600" b="1" i="0" u="none" strike="noStrike" baseline="0" dirty="0">
+                        <a:solidFill>
+                          <a:srgbClr val="000000"/>
+                        </a:solidFill>
+                        <a:effectLst/>
+                        <a:latin typeface="Calibri" panose="020F0502020204030204" pitchFamily="34" charset="0"/>
+                      </a:endParaRPr>
+                    </a:p>
+                  </a:txBody>
+                  <a:tcPr marL="7620" marR="7620" marT="7620" marB="0" anchor="b">
+                    <a:lnR w="12700" cap="flat" cmpd="sng" algn="ctr">
+                      <a:solidFill>
+                        <a:schemeClr val="tx1"/>
+                      </a:solidFill>
+                      <a:prstDash val="solid"/>
+                      <a:round/>
+                      <a:headEnd type="none" w="med" len="med"/>
+                      <a:tailEnd type="none" w="med" len="med"/>
+                    </a:lnR>
+                  </a:tcPr>
+                </a:tc>
+                <a:tc>
+                  <a:txBody>
+                    <a:bodyPr/>
+                    <a:lstStyle/>
+                    <a:p>
+                      <a:pPr algn="ctr" fontAlgn="b"/>
+                      <a:r>
+                        <a:rPr lang="en-US" sz="1600" b="1" i="0" u="none" strike="noStrike" baseline="0">
+                          <a:effectLst/>
+                        </a:rPr>
+                        <a:t>x6003</a:t>
+                      </a:r>
+                      <a:endParaRPr lang="en-US" sz="1600" b="1" i="0" u="none" strike="noStrike" baseline="0">
+                        <a:solidFill>
+                          <a:srgbClr val="000000"/>
+                        </a:solidFill>
+                        <a:effectLst/>
+                        <a:latin typeface="Calibri" panose="020F0502020204030204" pitchFamily="34" charset="0"/>
+                      </a:endParaRPr>
+                    </a:p>
+                  </a:txBody>
+                  <a:tcPr marL="7620" marR="7620" marT="7620" marB="0" anchor="b">
+                    <a:lnL w="12700" cap="flat" cmpd="sng" algn="ctr">
+                      <a:solidFill>
+                        <a:schemeClr val="tx1"/>
+                      </a:solidFill>
+                      <a:prstDash val="solid"/>
+                      <a:round/>
+                      <a:headEnd type="none" w="med" len="med"/>
+                      <a:tailEnd type="none" w="med" len="med"/>
+                    </a:lnL>
+                    <a:lnR w="12700" cap="flat" cmpd="sng" algn="ctr">
+                      <a:solidFill>
+                        <a:schemeClr val="tx1"/>
+                      </a:solidFill>
+                      <a:prstDash val="solid"/>
+                      <a:round/>
+                      <a:headEnd type="none" w="med" len="med"/>
+                      <a:tailEnd type="none" w="med" len="med"/>
+                    </a:lnR>
+                    <a:lnT w="12700" cap="flat" cmpd="sng" algn="ctr">
+                      <a:solidFill>
+                        <a:schemeClr val="tx1"/>
+                      </a:solidFill>
+                      <a:prstDash val="solid"/>
+                      <a:round/>
+                      <a:headEnd type="none" w="med" len="med"/>
+                      <a:tailEnd type="none" w="med" len="med"/>
+                    </a:lnT>
+                    <a:lnB w="12700" cap="flat" cmpd="sng" algn="ctr">
+                      <a:solidFill>
+                        <a:schemeClr val="tx1"/>
+                      </a:solidFill>
+                      <a:prstDash val="solid"/>
+                      <a:round/>
+                      <a:headEnd type="none" w="med" len="med"/>
+                      <a:tailEnd type="none" w="med" len="med"/>
+                    </a:lnB>
+                  </a:tcPr>
+                </a:tc>
+                <a:tc>
+                  <a:txBody>
+                    <a:bodyPr/>
+                    <a:lstStyle/>
+                    <a:p>
+                      <a:pPr algn="l" fontAlgn="b"/>
+                      <a:r>
+                        <a:rPr lang="en-US" sz="1600" b="1" i="0" u="none" strike="noStrike" baseline="0" dirty="0">
+                          <a:effectLst/>
+                        </a:rPr>
+                        <a:t>R5(new)</a:t>
+                      </a:r>
+                      <a:endParaRPr lang="en-US" sz="1600" b="1" i="0" u="none" strike="noStrike" baseline="0" dirty="0">
+                        <a:solidFill>
+                          <a:srgbClr val="000000"/>
+                        </a:solidFill>
+                        <a:effectLst/>
+                        <a:latin typeface="Calibri" panose="020F0502020204030204" pitchFamily="34" charset="0"/>
+                      </a:endParaRPr>
+                    </a:p>
+                  </a:txBody>
+                  <a:tcPr marL="7620" marR="7620" marT="7620" marB="0" anchor="b">
+                    <a:lnL w="12700" cap="flat" cmpd="sng" algn="ctr">
+                      <a:solidFill>
+                        <a:schemeClr val="tx1"/>
+                      </a:solidFill>
+                      <a:prstDash val="solid"/>
+                      <a:round/>
+                      <a:headEnd type="none" w="med" len="med"/>
+                      <a:tailEnd type="none" w="med" len="med"/>
+                    </a:lnL>
+                  </a:tcPr>
+                </a:tc>
+                <a:extLst>
+                  <a:ext uri="{0D108BD9-81ED-4DB2-BD59-A6C34878D82A}">
+                    <a16:rowId xmlns:a16="http://schemas.microsoft.com/office/drawing/2014/main" val="3198006321"/>
+                  </a:ext>
+                </a:extLst>
+              </a:tr>
+              <a:tr h="380947">
+                <a:tc>
+                  <a:txBody>
+                    <a:bodyPr/>
+                    <a:lstStyle/>
+                    <a:p>
+                      <a:pPr algn="r" fontAlgn="b"/>
+                      <a:r>
+                        <a:rPr lang="en-US" sz="1600" b="1" i="0" u="none" strike="noStrike" baseline="0" dirty="0">
+                          <a:effectLst/>
+                        </a:rPr>
+                        <a:t> R1 = [R5+4] = [x7000] = x6000</a:t>
+                      </a:r>
+                      <a:endParaRPr lang="en-US" sz="1600" b="1" i="0" u="none" strike="noStrike" baseline="0" dirty="0">
+                        <a:solidFill>
+                          <a:srgbClr val="000000"/>
+                        </a:solidFill>
+                        <a:effectLst/>
+                        <a:latin typeface="Calibri" panose="020F0502020204030204" pitchFamily="34" charset="0"/>
+                      </a:endParaRPr>
+                    </a:p>
+                  </a:txBody>
+                  <a:tcPr marL="7620" marR="7620" marT="7620" marB="0" anchor="b">
+                    <a:lnR w="12700" cap="flat" cmpd="sng" algn="ctr">
+                      <a:solidFill>
+                        <a:schemeClr val="tx1"/>
+                      </a:solidFill>
+                      <a:prstDash val="solid"/>
+                      <a:round/>
+                      <a:headEnd type="none" w="med" len="med"/>
+                      <a:tailEnd type="none" w="med" len="med"/>
+                    </a:lnR>
+                  </a:tcPr>
+                </a:tc>
+                <a:tc>
+                  <a:txBody>
+                    <a:bodyPr/>
+                    <a:lstStyle/>
+                    <a:p>
+                      <a:pPr algn="ctr" fontAlgn="b"/>
+                      <a:r>
+                        <a:rPr lang="en-US" sz="1600" b="1" i="0" u="none" strike="noStrike" baseline="0" dirty="0">
+                          <a:effectLst/>
+                        </a:rPr>
+                        <a:t>R5(old)</a:t>
+                      </a:r>
+                      <a:endParaRPr lang="en-US" sz="1600" b="1" i="0" u="none" strike="noStrike" baseline="0" dirty="0">
+                        <a:solidFill>
+                          <a:srgbClr val="000000"/>
+                        </a:solidFill>
+                        <a:effectLst/>
+                        <a:latin typeface="Calibri" panose="020F0502020204030204" pitchFamily="34" charset="0"/>
+                      </a:endParaRPr>
+                    </a:p>
+                  </a:txBody>
+                  <a:tcPr marL="7620" marR="7620" marT="7620" marB="0" anchor="b">
+                    <a:lnL w="12700" cap="flat" cmpd="sng" algn="ctr">
+                      <a:solidFill>
+                        <a:schemeClr val="tx1"/>
+                      </a:solidFill>
+                      <a:prstDash val="solid"/>
+                      <a:round/>
+                      <a:headEnd type="none" w="med" len="med"/>
+                      <a:tailEnd type="none" w="med" len="med"/>
+                    </a:lnL>
+                    <a:lnR w="12700" cap="flat" cmpd="sng" algn="ctr">
+                      <a:solidFill>
+                        <a:schemeClr val="tx1"/>
+                      </a:solidFill>
+                      <a:prstDash val="solid"/>
+                      <a:round/>
+                      <a:headEnd type="none" w="med" len="med"/>
+                      <a:tailEnd type="none" w="med" len="med"/>
+                    </a:lnR>
+                    <a:lnT w="12700" cap="flat" cmpd="sng" algn="ctr">
+                      <a:solidFill>
+                        <a:schemeClr val="tx1"/>
+                      </a:solidFill>
+                      <a:prstDash val="solid"/>
+                      <a:round/>
+                      <a:headEnd type="none" w="med" len="med"/>
+                      <a:tailEnd type="none" w="med" len="med"/>
+                    </a:lnT>
+                    <a:lnB w="12700" cap="flat" cmpd="sng" algn="ctr">
+                      <a:solidFill>
+                        <a:schemeClr val="tx1"/>
+                      </a:solidFill>
+                      <a:prstDash val="solid"/>
+                      <a:round/>
+                      <a:headEnd type="none" w="med" len="med"/>
+                      <a:tailEnd type="none" w="med" len="med"/>
+                    </a:lnB>
+                  </a:tcPr>
+                </a:tc>
+                <a:tc>
+                  <a:txBody>
+                    <a:bodyPr/>
+                    <a:lstStyle/>
+                    <a:p>
+                      <a:pPr algn="l" fontAlgn="b"/>
+                      <a:r>
+                        <a:rPr lang="en-US" sz="1600" b="1" i="0" u="none" strike="noStrike" baseline="0" dirty="0">
+                          <a:effectLst/>
+                        </a:rPr>
+                        <a:t>R6</a:t>
+                      </a:r>
+                      <a:endParaRPr lang="en-US" sz="1600" b="1" i="0" u="none" strike="noStrike" baseline="0" dirty="0">
+                        <a:solidFill>
+                          <a:srgbClr val="000000"/>
+                        </a:solidFill>
+                        <a:effectLst/>
+                        <a:latin typeface="Calibri" panose="020F0502020204030204" pitchFamily="34" charset="0"/>
+                      </a:endParaRPr>
+                    </a:p>
+                  </a:txBody>
+                  <a:tcPr marL="7620" marR="7620" marT="7620" marB="0" anchor="b">
+                    <a:lnL w="12700" cap="flat" cmpd="sng" algn="ctr">
+                      <a:solidFill>
+                        <a:schemeClr val="tx1"/>
+                      </a:solidFill>
+                      <a:prstDash val="solid"/>
+                      <a:round/>
+                      <a:headEnd type="none" w="med" len="med"/>
+                      <a:tailEnd type="none" w="med" len="med"/>
+                    </a:lnL>
+                  </a:tcPr>
+                </a:tc>
+                <a:extLst>
+                  <a:ext uri="{0D108BD9-81ED-4DB2-BD59-A6C34878D82A}">
+                    <a16:rowId xmlns:a16="http://schemas.microsoft.com/office/drawing/2014/main" val="247583188"/>
+                  </a:ext>
+                </a:extLst>
+              </a:tr>
+              <a:tr h="380947">
+                <a:tc>
+                  <a:txBody>
+                    <a:bodyPr/>
+                    <a:lstStyle/>
+                    <a:p>
+                      <a:pPr algn="r" fontAlgn="b"/>
+                      <a:r>
+                        <a:rPr lang="en-US" sz="1600" b="1" i="0" u="none" strike="noStrike" baseline="0" dirty="0">
+                          <a:solidFill>
+                            <a:srgbClr val="000000"/>
+                          </a:solidFill>
+                          <a:effectLst/>
+                          <a:latin typeface="Calibri" panose="020F0502020204030204" pitchFamily="34" charset="0"/>
+                        </a:rPr>
+                        <a:t>R0=[R1]=[x6000]=x38 (print 8) </a:t>
+                      </a:r>
+                    </a:p>
+                  </a:txBody>
+                  <a:tcPr marL="7620" marR="7620" marT="7620" marB="0" anchor="b">
+                    <a:lnR w="12700" cap="flat" cmpd="sng" algn="ctr">
+                      <a:solidFill>
+                        <a:schemeClr val="tx1"/>
+                      </a:solidFill>
+                      <a:prstDash val="solid"/>
+                      <a:round/>
+                      <a:headEnd type="none" w="med" len="med"/>
+                      <a:tailEnd type="none" w="med" len="med"/>
+                    </a:lnR>
+                  </a:tcPr>
+                </a:tc>
+                <a:tc>
+                  <a:txBody>
+                    <a:bodyPr/>
+                    <a:lstStyle/>
+                    <a:p>
+                      <a:pPr algn="ctr" fontAlgn="b"/>
+                      <a:r>
+                        <a:rPr lang="en-US" sz="1600" b="1" i="0" u="none" strike="noStrike" baseline="0" dirty="0">
+                          <a:effectLst/>
+                        </a:rPr>
+                        <a:t>R.A=HALT (R7)</a:t>
+                      </a:r>
+                      <a:endParaRPr lang="en-US" sz="1600" b="1" i="0" u="none" strike="noStrike" baseline="0" dirty="0">
+                        <a:solidFill>
+                          <a:srgbClr val="000000"/>
+                        </a:solidFill>
+                        <a:effectLst/>
+                        <a:latin typeface="Calibri" panose="020F0502020204030204" pitchFamily="34" charset="0"/>
+                      </a:endParaRPr>
+                    </a:p>
+                  </a:txBody>
+                  <a:tcPr marL="7620" marR="7620" marT="7620" marB="0" anchor="b">
+                    <a:lnL w="12700" cap="flat" cmpd="sng" algn="ctr">
+                      <a:solidFill>
+                        <a:schemeClr val="tx1"/>
+                      </a:solidFill>
+                      <a:prstDash val="solid"/>
+                      <a:round/>
+                      <a:headEnd type="none" w="med" len="med"/>
+                      <a:tailEnd type="none" w="med" len="med"/>
+                    </a:lnL>
+                    <a:lnR w="12700" cap="flat" cmpd="sng" algn="ctr">
+                      <a:solidFill>
+                        <a:schemeClr val="tx1"/>
+                      </a:solidFill>
+                      <a:prstDash val="solid"/>
+                      <a:round/>
+                      <a:headEnd type="none" w="med" len="med"/>
+                      <a:tailEnd type="none" w="med" len="med"/>
+                    </a:lnR>
+                    <a:lnT w="12700" cap="flat" cmpd="sng" algn="ctr">
+                      <a:solidFill>
+                        <a:schemeClr val="tx1"/>
+                      </a:solidFill>
+                      <a:prstDash val="solid"/>
+                      <a:round/>
+                      <a:headEnd type="none" w="med" len="med"/>
+                      <a:tailEnd type="none" w="med" len="med"/>
+                    </a:lnT>
+                    <a:lnB w="12700" cap="flat" cmpd="sng" algn="ctr">
+                      <a:solidFill>
+                        <a:schemeClr val="tx1"/>
+                      </a:solidFill>
+                      <a:prstDash val="solid"/>
+                      <a:round/>
+                      <a:headEnd type="none" w="med" len="med"/>
+                      <a:tailEnd type="none" w="med" len="med"/>
+                    </a:lnB>
+                  </a:tcPr>
+                </a:tc>
+                <a:tc>
+                  <a:txBody>
+                    <a:bodyPr/>
+                    <a:lstStyle/>
+                    <a:p>
+                      <a:pPr algn="l" fontAlgn="b"/>
+                      <a:r>
+                        <a:rPr lang="en-US" sz="1600" b="1" i="0" u="none" strike="noStrike" baseline="0">
+                          <a:effectLst/>
+                        </a:rPr>
+                        <a:t>   R2=[R1+1]=[6001]=x6003</a:t>
+                      </a:r>
+                      <a:endParaRPr lang="en-US" sz="1600" b="1" i="0" u="none" strike="noStrike" baseline="0">
+                        <a:solidFill>
+                          <a:srgbClr val="000000"/>
+                        </a:solidFill>
+                        <a:effectLst/>
+                        <a:latin typeface="Calibri" panose="020F0502020204030204" pitchFamily="34" charset="0"/>
+                      </a:endParaRPr>
+                    </a:p>
+                  </a:txBody>
+                  <a:tcPr marL="7620" marR="7620" marT="7620" marB="0" anchor="b">
+                    <a:lnL w="12700" cap="flat" cmpd="sng" algn="ctr">
+                      <a:solidFill>
+                        <a:schemeClr val="tx1"/>
+                      </a:solidFill>
+                      <a:prstDash val="solid"/>
+                      <a:round/>
+                      <a:headEnd type="none" w="med" len="med"/>
+                      <a:tailEnd type="none" w="med" len="med"/>
+                    </a:lnL>
+                  </a:tcPr>
+                </a:tc>
+                <a:extLst>
+                  <a:ext uri="{0D108BD9-81ED-4DB2-BD59-A6C34878D82A}">
+                    <a16:rowId xmlns:a16="http://schemas.microsoft.com/office/drawing/2014/main" val="3465677991"/>
+                  </a:ext>
+                </a:extLst>
+              </a:tr>
+              <a:tr h="380947">
+                <a:tc>
+                  <a:txBody>
+                    <a:bodyPr/>
+                    <a:lstStyle/>
+                    <a:p>
+                      <a:pPr algn="r" fontAlgn="b"/>
+                      <a:endParaRPr lang="en-US" sz="1600" b="1" i="0" u="none" strike="noStrike" baseline="0" dirty="0">
+                        <a:solidFill>
+                          <a:srgbClr val="000000"/>
+                        </a:solidFill>
+                        <a:effectLst/>
+                        <a:latin typeface="Calibri" panose="020F0502020204030204" pitchFamily="34" charset="0"/>
+                      </a:endParaRPr>
+                    </a:p>
+                  </a:txBody>
+                  <a:tcPr marL="7620" marR="7620" marT="7620" marB="0" anchor="b">
+                    <a:lnR w="12700" cap="flat" cmpd="sng" algn="ctr">
+                      <a:solidFill>
+                        <a:schemeClr val="tx1"/>
+                      </a:solidFill>
+                      <a:prstDash val="solid"/>
+                      <a:round/>
+                      <a:headEnd type="none" w="med" len="med"/>
+                      <a:tailEnd type="none" w="med" len="med"/>
+                    </a:lnR>
+                  </a:tcPr>
+                </a:tc>
+                <a:tc>
+                  <a:txBody>
+                    <a:bodyPr/>
+                    <a:lstStyle/>
+                    <a:p>
+                      <a:pPr algn="ctr" fontAlgn="b"/>
+                      <a:r>
+                        <a:rPr lang="en-US" sz="1600" b="1" i="0" u="none" strike="noStrike" baseline="0">
+                          <a:effectLst/>
+                        </a:rPr>
+                        <a:t>R.V</a:t>
+                      </a:r>
+                      <a:endParaRPr lang="en-US" sz="1600" b="1" i="0" u="none" strike="noStrike" baseline="0">
+                        <a:solidFill>
+                          <a:srgbClr val="000000"/>
+                        </a:solidFill>
+                        <a:effectLst/>
+                        <a:latin typeface="Calibri" panose="020F0502020204030204" pitchFamily="34" charset="0"/>
+                      </a:endParaRPr>
+                    </a:p>
+                  </a:txBody>
+                  <a:tcPr marL="7620" marR="7620" marT="7620" marB="0" anchor="b">
+                    <a:lnL w="12700" cap="flat" cmpd="sng" algn="ctr">
+                      <a:solidFill>
+                        <a:schemeClr val="tx1"/>
+                      </a:solidFill>
+                      <a:prstDash val="solid"/>
+                      <a:round/>
+                      <a:headEnd type="none" w="med" len="med"/>
+                      <a:tailEnd type="none" w="med" len="med"/>
+                    </a:lnL>
+                    <a:lnR w="12700" cap="flat" cmpd="sng" algn="ctr">
+                      <a:solidFill>
+                        <a:schemeClr val="tx1"/>
+                      </a:solidFill>
+                      <a:prstDash val="solid"/>
+                      <a:round/>
+                      <a:headEnd type="none" w="med" len="med"/>
+                      <a:tailEnd type="none" w="med" len="med"/>
+                    </a:lnR>
+                    <a:lnT w="12700" cap="flat" cmpd="sng" algn="ctr">
+                      <a:solidFill>
+                        <a:schemeClr val="tx1"/>
+                      </a:solidFill>
+                      <a:prstDash val="solid"/>
+                      <a:round/>
+                      <a:headEnd type="none" w="med" len="med"/>
+                      <a:tailEnd type="none" w="med" len="med"/>
+                    </a:lnT>
+                    <a:lnB w="12700" cap="flat" cmpd="sng" algn="ctr">
+                      <a:solidFill>
+                        <a:schemeClr val="tx1"/>
+                      </a:solidFill>
+                      <a:prstDash val="solid"/>
+                      <a:round/>
+                      <a:headEnd type="none" w="med" len="med"/>
+                      <a:tailEnd type="none" w="med" len="med"/>
+                    </a:lnB>
+                  </a:tcPr>
+                </a:tc>
+                <a:tc>
+                  <a:txBody>
+                    <a:bodyPr/>
+                    <a:lstStyle/>
+                    <a:p>
+                      <a:pPr algn="l" fontAlgn="b"/>
+                      <a:r>
+                        <a:rPr lang="en-US" sz="1600" b="1" i="0" u="none" strike="noStrike" baseline="0" dirty="0">
+                          <a:solidFill>
+                            <a:srgbClr val="000000"/>
+                          </a:solidFill>
+                          <a:effectLst/>
+                          <a:latin typeface="Calibri" panose="020F0502020204030204" pitchFamily="34" charset="0"/>
+                        </a:rPr>
+                        <a:t> </a:t>
+                      </a:r>
+                    </a:p>
+                  </a:txBody>
+                  <a:tcPr marL="7620" marR="7620" marT="7620" marB="0" anchor="b">
+                    <a:lnL w="12700" cap="flat" cmpd="sng" algn="ctr">
+                      <a:solidFill>
+                        <a:schemeClr val="tx1"/>
+                      </a:solidFill>
+                      <a:prstDash val="solid"/>
+                      <a:round/>
+                      <a:headEnd type="none" w="med" len="med"/>
+                      <a:tailEnd type="none" w="med" len="med"/>
+                    </a:lnL>
+                  </a:tcPr>
+                </a:tc>
+                <a:extLst>
+                  <a:ext uri="{0D108BD9-81ED-4DB2-BD59-A6C34878D82A}">
+                    <a16:rowId xmlns:a16="http://schemas.microsoft.com/office/drawing/2014/main" val="1098804458"/>
+                  </a:ext>
+                </a:extLst>
+              </a:tr>
+              <a:tr h="380947">
+                <a:tc>
+                  <a:txBody>
+                    <a:bodyPr/>
+                    <a:lstStyle/>
+                    <a:p>
+                      <a:pPr algn="r" fontAlgn="b"/>
+                      <a:r>
+                        <a:rPr lang="en-US" sz="1600" b="1" i="0" u="none" strike="noStrike" baseline="0" dirty="0">
+                          <a:effectLst/>
+                        </a:rPr>
+                        <a:t>x7000</a:t>
+                      </a:r>
+                      <a:endParaRPr lang="en-US" sz="1600" b="1" i="0" u="none" strike="noStrike" baseline="0" dirty="0">
+                        <a:solidFill>
+                          <a:srgbClr val="000000"/>
+                        </a:solidFill>
+                        <a:effectLst/>
+                        <a:latin typeface="Calibri" panose="020F0502020204030204" pitchFamily="34" charset="0"/>
+                      </a:endParaRPr>
+                    </a:p>
+                  </a:txBody>
+                  <a:tcPr marL="7620" marR="7620" marT="7620" marB="0" anchor="b">
+                    <a:lnR w="12700" cap="flat" cmpd="sng" algn="ctr">
+                      <a:solidFill>
+                        <a:schemeClr val="tx1"/>
+                      </a:solidFill>
+                      <a:prstDash val="solid"/>
+                      <a:round/>
+                      <a:headEnd type="none" w="med" len="med"/>
+                      <a:tailEnd type="none" w="med" len="med"/>
+                    </a:lnR>
+                  </a:tcPr>
+                </a:tc>
+                <a:tc>
+                  <a:txBody>
+                    <a:bodyPr/>
+                    <a:lstStyle/>
+                    <a:p>
+                      <a:pPr algn="ctr" fontAlgn="b"/>
+                      <a:r>
+                        <a:rPr lang="en-US" sz="1600" b="1" i="0" u="none" strike="noStrike" baseline="0">
+                          <a:effectLst/>
+                        </a:rPr>
+                        <a:t>x6000</a:t>
+                      </a:r>
+                      <a:endParaRPr lang="en-US" sz="1600" b="1" i="0" u="none" strike="noStrike" baseline="0">
+                        <a:solidFill>
+                          <a:srgbClr val="000000"/>
+                        </a:solidFill>
+                        <a:effectLst/>
+                        <a:latin typeface="Calibri" panose="020F0502020204030204" pitchFamily="34" charset="0"/>
+                      </a:endParaRPr>
+                    </a:p>
+                  </a:txBody>
+                  <a:tcPr marL="7620" marR="7620" marT="7620" marB="0" anchor="b">
+                    <a:lnL w="12700" cap="flat" cmpd="sng" algn="ctr">
+                      <a:solidFill>
+                        <a:schemeClr val="tx1"/>
+                      </a:solidFill>
+                      <a:prstDash val="solid"/>
+                      <a:round/>
+                      <a:headEnd type="none" w="med" len="med"/>
+                      <a:tailEnd type="none" w="med" len="med"/>
+                    </a:lnL>
+                    <a:lnR w="12700" cap="flat" cmpd="sng" algn="ctr">
+                      <a:solidFill>
+                        <a:schemeClr val="tx1"/>
+                      </a:solidFill>
+                      <a:prstDash val="solid"/>
+                      <a:round/>
+                      <a:headEnd type="none" w="med" len="med"/>
+                      <a:tailEnd type="none" w="med" len="med"/>
+                    </a:lnR>
+                    <a:lnT w="12700" cap="flat" cmpd="sng" algn="ctr">
+                      <a:solidFill>
+                        <a:schemeClr val="tx1"/>
+                      </a:solidFill>
+                      <a:prstDash val="solid"/>
+                      <a:round/>
+                      <a:headEnd type="none" w="med" len="med"/>
+                      <a:tailEnd type="none" w="med" len="med"/>
+                    </a:lnT>
+                    <a:lnB w="12700" cap="flat" cmpd="sng" algn="ctr">
+                      <a:solidFill>
+                        <a:schemeClr val="tx1"/>
+                      </a:solidFill>
+                      <a:prstDash val="solid"/>
+                      <a:round/>
+                      <a:headEnd type="none" w="med" len="med"/>
+                      <a:tailEnd type="none" w="med" len="med"/>
+                    </a:lnB>
+                  </a:tcPr>
+                </a:tc>
+                <a:tc>
+                  <a:txBody>
+                    <a:bodyPr/>
+                    <a:lstStyle/>
+                    <a:p>
+                      <a:pPr algn="l" fontAlgn="b"/>
+                      <a:r>
+                        <a:rPr lang="en-US" sz="1600" b="1" i="0" u="none" strike="noStrike" baseline="0" dirty="0">
+                          <a:effectLst/>
+                        </a:rPr>
+                        <a:t>R6</a:t>
+                      </a:r>
+                      <a:endParaRPr lang="en-US" sz="1600" b="1" i="0" u="none" strike="noStrike" baseline="0" dirty="0">
+                        <a:solidFill>
+                          <a:srgbClr val="000000"/>
+                        </a:solidFill>
+                        <a:effectLst/>
+                        <a:latin typeface="Calibri" panose="020F0502020204030204" pitchFamily="34" charset="0"/>
+                      </a:endParaRPr>
+                    </a:p>
+                  </a:txBody>
+                  <a:tcPr marL="7620" marR="7620" marT="7620" marB="0" anchor="b">
+                    <a:lnL w="12700" cap="flat" cmpd="sng" algn="ctr">
+                      <a:solidFill>
+                        <a:schemeClr val="tx1"/>
+                      </a:solidFill>
+                      <a:prstDash val="solid"/>
+                      <a:round/>
+                      <a:headEnd type="none" w="med" len="med"/>
+                      <a:tailEnd type="none" w="med" len="med"/>
+                    </a:lnL>
+                  </a:tcPr>
+                </a:tc>
+                <a:extLst>
+                  <a:ext uri="{0D108BD9-81ED-4DB2-BD59-A6C34878D82A}">
+                    <a16:rowId xmlns:a16="http://schemas.microsoft.com/office/drawing/2014/main" val="3218879389"/>
+                  </a:ext>
+                </a:extLst>
+              </a:tr>
+              <a:tr h="380947">
+                <a:tc>
+                  <a:txBody>
+                    <a:bodyPr/>
+                    <a:lstStyle/>
+                    <a:p>
+                      <a:pPr algn="r" fontAlgn="b"/>
+                      <a:endParaRPr lang="en-US" sz="1600" b="1" i="0" u="none" strike="noStrike" baseline="0" dirty="0">
+                        <a:solidFill>
+                          <a:srgbClr val="000000"/>
+                        </a:solidFill>
+                        <a:effectLst/>
+                        <a:latin typeface="Calibri" panose="020F0502020204030204" pitchFamily="34" charset="0"/>
+                      </a:endParaRPr>
+                    </a:p>
+                  </a:txBody>
+                  <a:tcPr marL="7620" marR="7620" marT="7620" marB="0" anchor="b">
+                    <a:lnR w="12700" cap="flat" cmpd="sng" algn="ctr">
+                      <a:solidFill>
+                        <a:schemeClr val="tx1"/>
+                      </a:solidFill>
+                      <a:prstDash val="solid"/>
+                      <a:round/>
+                      <a:headEnd type="none" w="med" len="med"/>
+                      <a:tailEnd type="none" w="med" len="med"/>
+                    </a:lnR>
+                  </a:tcPr>
+                </a:tc>
+                <a:tc>
+                  <a:txBody>
+                    <a:bodyPr/>
+                    <a:lstStyle/>
+                    <a:p>
+                      <a:pPr algn="ctr" fontAlgn="b"/>
+                      <a:r>
+                        <a:rPr lang="en-US" sz="1600" b="1" i="0" u="none" strike="noStrike" baseline="0" dirty="0">
+                          <a:effectLst/>
+                        </a:rPr>
+                        <a:t> </a:t>
+                      </a:r>
+                      <a:endParaRPr lang="en-US" sz="1600" b="1" i="0" u="none" strike="noStrike" baseline="0" dirty="0">
+                        <a:solidFill>
+                          <a:srgbClr val="000000"/>
+                        </a:solidFill>
+                        <a:effectLst/>
+                        <a:latin typeface="Calibri" panose="020F0502020204030204" pitchFamily="34" charset="0"/>
+                      </a:endParaRPr>
+                    </a:p>
+                  </a:txBody>
+                  <a:tcPr marL="7620" marR="7620" marT="7620" marB="0" anchor="b">
+                    <a:lnL w="12700" cap="flat" cmpd="sng" algn="ctr">
+                      <a:solidFill>
+                        <a:schemeClr val="tx1"/>
+                      </a:solidFill>
+                      <a:prstDash val="solid"/>
+                      <a:round/>
+                      <a:headEnd type="none" w="med" len="med"/>
+                      <a:tailEnd type="none" w="med" len="med"/>
+                    </a:lnL>
+                    <a:lnR w="12700" cap="flat" cmpd="sng" algn="ctr">
+                      <a:solidFill>
+                        <a:schemeClr val="tx1"/>
+                      </a:solidFill>
+                      <a:prstDash val="solid"/>
+                      <a:round/>
+                      <a:headEnd type="none" w="med" len="med"/>
+                      <a:tailEnd type="none" w="med" len="med"/>
+                    </a:lnR>
+                    <a:lnT w="12700" cap="flat" cmpd="sng" algn="ctr">
+                      <a:solidFill>
+                        <a:schemeClr val="tx1"/>
+                      </a:solidFill>
+                      <a:prstDash val="solid"/>
+                      <a:round/>
+                      <a:headEnd type="none" w="med" len="med"/>
+                      <a:tailEnd type="none" w="med" len="med"/>
+                    </a:lnT>
+                    <a:lnB w="12700" cap="flat" cmpd="sng" algn="ctr">
+                      <a:solidFill>
+                        <a:schemeClr val="tx1"/>
+                      </a:solidFill>
+                      <a:prstDash val="solid"/>
+                      <a:round/>
+                      <a:headEnd type="none" w="med" len="med"/>
+                      <a:tailEnd type="none" w="med" len="med"/>
+                    </a:lnB>
+                  </a:tcPr>
+                </a:tc>
+                <a:tc>
+                  <a:txBody>
+                    <a:bodyPr/>
+                    <a:lstStyle/>
+                    <a:p>
+                      <a:pPr algn="l" fontAlgn="b"/>
+                      <a:r>
+                        <a:rPr lang="en-US" sz="1600" b="1" i="0" u="none" strike="noStrike" baseline="0" dirty="0">
+                          <a:effectLst/>
+                        </a:rPr>
+                        <a:t>main</a:t>
+                      </a:r>
+                      <a:endParaRPr lang="en-US" sz="1600" b="1" i="0" u="none" strike="noStrike" baseline="0" dirty="0">
+                        <a:solidFill>
+                          <a:srgbClr val="000000"/>
+                        </a:solidFill>
+                        <a:effectLst/>
+                        <a:latin typeface="Calibri" panose="020F0502020204030204" pitchFamily="34" charset="0"/>
+                      </a:endParaRPr>
+                    </a:p>
+                  </a:txBody>
+                  <a:tcPr marL="7620" marR="7620" marT="7620" marB="0" anchor="b">
+                    <a:lnL w="12700" cap="flat" cmpd="sng" algn="ctr">
+                      <a:solidFill>
+                        <a:schemeClr val="tx1"/>
+                      </a:solidFill>
+                      <a:prstDash val="solid"/>
+                      <a:round/>
+                      <a:headEnd type="none" w="med" len="med"/>
+                      <a:tailEnd type="none" w="med" len="med"/>
+                    </a:lnL>
+                  </a:tcPr>
+                </a:tc>
+                <a:extLst>
+                  <a:ext uri="{0D108BD9-81ED-4DB2-BD59-A6C34878D82A}">
+                    <a16:rowId xmlns:a16="http://schemas.microsoft.com/office/drawing/2014/main" val="3238539815"/>
+                  </a:ext>
+                </a:extLst>
+              </a:tr>
+            </a:tbl>
+          </a:graphicData>
+        </a:graphic>
+      </p:graphicFrame>
+      <p:sp>
+        <p:nvSpPr>
+          <p:cNvPr id="5" name="Rectangle 4">
+            <a:extLst>
+              <a:ext uri="{FF2B5EF4-FFF2-40B4-BE49-F238E27FC236}">
+                <a16:creationId xmlns:a16="http://schemas.microsoft.com/office/drawing/2014/main" id="{7E301281-5F0E-4430-8F1F-E74BA7EEF0C1}"/>
+              </a:ext>
+            </a:extLst>
+          </p:cNvPr>
+          <p:cNvSpPr/>
+          <p:nvPr/>
+        </p:nvSpPr>
+        <p:spPr>
+          <a:xfrm>
+            <a:off x="6655957" y="2649387"/>
+            <a:ext cx="2669315" cy="355516"/>
+          </a:xfrm>
+          <a:prstGeom prst="rect">
+            <a:avLst/>
+          </a:prstGeom>
+          <a:gradFill>
+            <a:gsLst>
+              <a:gs pos="0">
+                <a:srgbClr val="C00000">
+                  <a:alpha val="0"/>
+                </a:srgbClr>
+              </a:gs>
+              <a:gs pos="0">
+                <a:schemeClr val="tx1">
+                  <a:lumMod val="85000"/>
+                  <a:lumOff val="15000"/>
+                  <a:alpha val="46000"/>
+                </a:schemeClr>
+              </a:gs>
+              <a:gs pos="100000">
+                <a:schemeClr val="bg1"/>
+              </a:gs>
+            </a:gsLst>
+          </a:gradFill>
+        </p:spPr>
+        <p:style>
+          <a:lnRef idx="1">
+            <a:schemeClr val="accent1"/>
+          </a:lnRef>
+          <a:fillRef idx="3">
+            <a:schemeClr val="accent1"/>
+          </a:fillRef>
+          <a:effectRef idx="2">
+            <a:schemeClr val="accent1"/>
+          </a:effectRef>
+          <a:fontRef idx="minor">
+            <a:schemeClr val="lt1"/>
+          </a:fontRef>
+        </p:style>
+        <p:txBody>
+          <a:bodyPr rtlCol="0" anchor="ctr"/>
+          <a:lstStyle/>
+          <a:p>
+            <a:pPr algn="ctr"/>
+            <a:endParaRPr lang="en-US"/>
+          </a:p>
+        </p:txBody>
+      </p:sp>
+      <p:sp>
+        <p:nvSpPr>
+          <p:cNvPr id="6" name="Rectangle 5">
+            <a:extLst>
+              <a:ext uri="{FF2B5EF4-FFF2-40B4-BE49-F238E27FC236}">
+                <a16:creationId xmlns:a16="http://schemas.microsoft.com/office/drawing/2014/main" id="{4F62C0D2-00A0-4921-A410-74EE610CEA98}"/>
+              </a:ext>
+            </a:extLst>
+          </p:cNvPr>
+          <p:cNvSpPr/>
+          <p:nvPr/>
+        </p:nvSpPr>
+        <p:spPr>
+          <a:xfrm>
+            <a:off x="7389085" y="3004903"/>
+            <a:ext cx="2432645" cy="355516"/>
+          </a:xfrm>
+          <a:prstGeom prst="rect">
+            <a:avLst/>
+          </a:prstGeom>
+          <a:gradFill>
+            <a:gsLst>
+              <a:gs pos="0">
+                <a:srgbClr val="C00000">
+                  <a:alpha val="0"/>
+                </a:srgbClr>
+              </a:gs>
+              <a:gs pos="0">
+                <a:schemeClr val="tx1">
+                  <a:lumMod val="85000"/>
+                  <a:lumOff val="15000"/>
+                  <a:alpha val="46000"/>
+                </a:schemeClr>
+              </a:gs>
+              <a:gs pos="100000">
+                <a:schemeClr val="bg1"/>
+              </a:gs>
+            </a:gsLst>
+          </a:gradFill>
+        </p:spPr>
+        <p:style>
+          <a:lnRef idx="1">
+            <a:schemeClr val="accent1"/>
+          </a:lnRef>
+          <a:fillRef idx="3">
+            <a:schemeClr val="accent1"/>
+          </a:fillRef>
+          <a:effectRef idx="2">
+            <a:schemeClr val="accent1"/>
+          </a:effectRef>
+          <a:fontRef idx="minor">
+            <a:schemeClr val="lt1"/>
+          </a:fontRef>
+        </p:style>
+        <p:txBody>
+          <a:bodyPr rtlCol="0" anchor="ctr"/>
+          <a:lstStyle/>
+          <a:p>
+            <a:pPr algn="ctr"/>
+            <a:endParaRPr lang="en-US"/>
+          </a:p>
+        </p:txBody>
+      </p:sp>
+      <p:sp>
+        <p:nvSpPr>
+          <p:cNvPr id="7" name="Rectangle 6">
+            <a:extLst>
+              <a:ext uri="{FF2B5EF4-FFF2-40B4-BE49-F238E27FC236}">
+                <a16:creationId xmlns:a16="http://schemas.microsoft.com/office/drawing/2014/main" id="{DEF0D929-1278-462F-A0B0-A29156D9FB5D}"/>
+              </a:ext>
+            </a:extLst>
+          </p:cNvPr>
+          <p:cNvSpPr/>
+          <p:nvPr/>
+        </p:nvSpPr>
+        <p:spPr>
+          <a:xfrm>
+            <a:off x="3748329" y="3004903"/>
+            <a:ext cx="2669315" cy="355516"/>
+          </a:xfrm>
+          <a:prstGeom prst="rect">
+            <a:avLst/>
+          </a:prstGeom>
+          <a:gradFill>
+            <a:gsLst>
+              <a:gs pos="0">
+                <a:srgbClr val="C00000">
+                  <a:alpha val="0"/>
+                </a:srgbClr>
+              </a:gs>
+              <a:gs pos="0">
+                <a:schemeClr val="tx1">
+                  <a:lumMod val="85000"/>
+                  <a:lumOff val="15000"/>
+                  <a:alpha val="46000"/>
+                </a:schemeClr>
+              </a:gs>
+              <a:gs pos="100000">
+                <a:schemeClr val="bg1"/>
+              </a:gs>
+            </a:gsLst>
+          </a:gradFill>
+        </p:spPr>
+        <p:style>
+          <a:lnRef idx="1">
+            <a:schemeClr val="accent1"/>
+          </a:lnRef>
+          <a:fillRef idx="3">
+            <a:schemeClr val="accent1"/>
+          </a:fillRef>
+          <a:effectRef idx="2">
+            <a:schemeClr val="accent1"/>
+          </a:effectRef>
+          <a:fontRef idx="minor">
+            <a:schemeClr val="lt1"/>
+          </a:fontRef>
+        </p:style>
+        <p:txBody>
+          <a:bodyPr rtlCol="0" anchor="ctr"/>
+          <a:lstStyle/>
+          <a:p>
+            <a:pPr algn="ctr"/>
+            <a:endParaRPr lang="en-US"/>
+          </a:p>
+        </p:txBody>
+      </p:sp>
+      <p:sp>
+        <p:nvSpPr>
+          <p:cNvPr id="8" name="Rectangle 7">
+            <a:extLst>
+              <a:ext uri="{FF2B5EF4-FFF2-40B4-BE49-F238E27FC236}">
+                <a16:creationId xmlns:a16="http://schemas.microsoft.com/office/drawing/2014/main" id="{883DAC50-E722-4EA3-910E-F3272AF64660}"/>
+              </a:ext>
+            </a:extLst>
+          </p:cNvPr>
+          <p:cNvSpPr/>
+          <p:nvPr/>
+        </p:nvSpPr>
+        <p:spPr>
+          <a:xfrm>
+            <a:off x="3748329" y="2649387"/>
+            <a:ext cx="2669315" cy="355516"/>
+          </a:xfrm>
+          <a:prstGeom prst="rect">
+            <a:avLst/>
+          </a:prstGeom>
+          <a:gradFill>
+            <a:gsLst>
+              <a:gs pos="0">
+                <a:srgbClr val="C00000">
+                  <a:alpha val="0"/>
+                </a:srgbClr>
+              </a:gs>
+              <a:gs pos="0">
+                <a:schemeClr val="tx1">
+                  <a:lumMod val="85000"/>
+                  <a:lumOff val="15000"/>
+                  <a:alpha val="46000"/>
+                </a:schemeClr>
+              </a:gs>
+              <a:gs pos="100000">
+                <a:schemeClr val="bg1"/>
+              </a:gs>
+            </a:gsLst>
+          </a:gradFill>
+        </p:spPr>
+        <p:style>
+          <a:lnRef idx="1">
+            <a:schemeClr val="accent1"/>
+          </a:lnRef>
+          <a:fillRef idx="3">
+            <a:schemeClr val="accent1"/>
+          </a:fillRef>
+          <a:effectRef idx="2">
+            <a:schemeClr val="accent1"/>
+          </a:effectRef>
+          <a:fontRef idx="minor">
+            <a:schemeClr val="lt1"/>
+          </a:fontRef>
+        </p:style>
+        <p:txBody>
+          <a:bodyPr rtlCol="0" anchor="ctr"/>
+          <a:lstStyle/>
+          <a:p>
+            <a:pPr algn="ctr"/>
+            <a:endParaRPr lang="en-US"/>
+          </a:p>
+        </p:txBody>
+      </p:sp>
+      <p:sp>
+        <p:nvSpPr>
+          <p:cNvPr id="9" name="Rectangle 8">
+            <a:extLst>
+              <a:ext uri="{FF2B5EF4-FFF2-40B4-BE49-F238E27FC236}">
+                <a16:creationId xmlns:a16="http://schemas.microsoft.com/office/drawing/2014/main" id="{63018058-2177-4B48-BFBB-A5D30E7C452D}"/>
+              </a:ext>
+            </a:extLst>
+          </p:cNvPr>
+          <p:cNvSpPr/>
+          <p:nvPr/>
+        </p:nvSpPr>
+        <p:spPr>
+          <a:xfrm>
+            <a:off x="3748329" y="2243071"/>
+            <a:ext cx="2669315" cy="355516"/>
+          </a:xfrm>
+          <a:prstGeom prst="rect">
+            <a:avLst/>
+          </a:prstGeom>
+          <a:gradFill>
+            <a:gsLst>
+              <a:gs pos="0">
+                <a:srgbClr val="C00000">
+                  <a:alpha val="0"/>
+                </a:srgbClr>
+              </a:gs>
+              <a:gs pos="0">
+                <a:schemeClr val="tx1">
+                  <a:lumMod val="85000"/>
+                  <a:lumOff val="15000"/>
+                  <a:alpha val="46000"/>
+                </a:schemeClr>
+              </a:gs>
+              <a:gs pos="100000">
+                <a:schemeClr val="bg1"/>
+              </a:gs>
+            </a:gsLst>
+          </a:gradFill>
+        </p:spPr>
+        <p:style>
+          <a:lnRef idx="1">
+            <a:schemeClr val="accent1"/>
+          </a:lnRef>
+          <a:fillRef idx="3">
+            <a:schemeClr val="accent1"/>
+          </a:fillRef>
+          <a:effectRef idx="2">
+            <a:schemeClr val="accent1"/>
+          </a:effectRef>
+          <a:fontRef idx="minor">
+            <a:schemeClr val="lt1"/>
+          </a:fontRef>
+        </p:style>
+        <p:txBody>
+          <a:bodyPr rtlCol="0" anchor="ctr"/>
+          <a:lstStyle/>
+          <a:p>
+            <a:pPr algn="ctr"/>
+            <a:endParaRPr lang="en-US"/>
+          </a:p>
+        </p:txBody>
+      </p:sp>
+      <p:sp>
+        <p:nvSpPr>
+          <p:cNvPr id="10" name="Rectangle 9">
+            <a:extLst>
+              <a:ext uri="{FF2B5EF4-FFF2-40B4-BE49-F238E27FC236}">
+                <a16:creationId xmlns:a16="http://schemas.microsoft.com/office/drawing/2014/main" id="{ED305699-C26E-4086-BE5E-E0BB38F8A554}"/>
+              </a:ext>
+            </a:extLst>
+          </p:cNvPr>
+          <p:cNvSpPr/>
+          <p:nvPr/>
+        </p:nvSpPr>
+        <p:spPr>
+          <a:xfrm>
+            <a:off x="3748329" y="1862155"/>
+            <a:ext cx="2669315" cy="355516"/>
+          </a:xfrm>
+          <a:prstGeom prst="rect">
+            <a:avLst/>
+          </a:prstGeom>
+          <a:gradFill>
+            <a:gsLst>
+              <a:gs pos="0">
+                <a:srgbClr val="C00000">
+                  <a:alpha val="0"/>
+                </a:srgbClr>
+              </a:gs>
+              <a:gs pos="0">
+                <a:schemeClr val="tx1">
+                  <a:lumMod val="85000"/>
+                  <a:lumOff val="15000"/>
+                  <a:alpha val="46000"/>
+                </a:schemeClr>
+              </a:gs>
+              <a:gs pos="100000">
+                <a:schemeClr val="bg1"/>
+              </a:gs>
+            </a:gsLst>
+          </a:gradFill>
+        </p:spPr>
+        <p:style>
+          <a:lnRef idx="1">
+            <a:schemeClr val="accent1"/>
+          </a:lnRef>
+          <a:fillRef idx="3">
+            <a:schemeClr val="accent1"/>
+          </a:fillRef>
+          <a:effectRef idx="2">
+            <a:schemeClr val="accent1"/>
+          </a:effectRef>
+          <a:fontRef idx="minor">
+            <a:schemeClr val="lt1"/>
+          </a:fontRef>
+        </p:style>
+        <p:txBody>
+          <a:bodyPr rtlCol="0" anchor="ctr"/>
+          <a:lstStyle/>
+          <a:p>
+            <a:pPr algn="ctr"/>
+            <a:endParaRPr lang="en-US"/>
+          </a:p>
+        </p:txBody>
+      </p:sp>
+      <p:sp>
+        <p:nvSpPr>
+          <p:cNvPr id="11" name="Rectangle 10">
+            <a:extLst>
+              <a:ext uri="{FF2B5EF4-FFF2-40B4-BE49-F238E27FC236}">
+                <a16:creationId xmlns:a16="http://schemas.microsoft.com/office/drawing/2014/main" id="{4ED1849D-2456-4FE6-A673-FBFD713454BF}"/>
+              </a:ext>
+            </a:extLst>
+          </p:cNvPr>
+          <p:cNvSpPr/>
+          <p:nvPr/>
+        </p:nvSpPr>
+        <p:spPr>
+          <a:xfrm>
+            <a:off x="6655957" y="1496816"/>
+            <a:ext cx="2669315" cy="355516"/>
+          </a:xfrm>
+          <a:prstGeom prst="rect">
+            <a:avLst/>
+          </a:prstGeom>
+          <a:gradFill>
+            <a:gsLst>
+              <a:gs pos="0">
+                <a:srgbClr val="C00000">
+                  <a:alpha val="0"/>
+                </a:srgbClr>
+              </a:gs>
+              <a:gs pos="0">
+                <a:schemeClr val="tx1">
+                  <a:lumMod val="85000"/>
+                  <a:lumOff val="15000"/>
+                  <a:alpha val="46000"/>
+                </a:schemeClr>
+              </a:gs>
+              <a:gs pos="100000">
+                <a:schemeClr val="bg1"/>
+              </a:gs>
+            </a:gsLst>
+          </a:gradFill>
+        </p:spPr>
+        <p:style>
+          <a:lnRef idx="1">
+            <a:schemeClr val="accent1"/>
+          </a:lnRef>
+          <a:fillRef idx="3">
+            <a:schemeClr val="accent1"/>
+          </a:fillRef>
+          <a:effectRef idx="2">
+            <a:schemeClr val="accent1"/>
+          </a:effectRef>
+          <a:fontRef idx="minor">
+            <a:schemeClr val="lt1"/>
+          </a:fontRef>
+        </p:style>
+        <p:txBody>
+          <a:bodyPr rtlCol="0" anchor="ctr"/>
+          <a:lstStyle/>
+          <a:p>
+            <a:pPr algn="ctr"/>
+            <a:endParaRPr lang="en-US"/>
+          </a:p>
+        </p:txBody>
+      </p:sp>
+      <p:sp>
+        <p:nvSpPr>
+          <p:cNvPr id="12" name="Rectangle 11">
+            <a:extLst>
+              <a:ext uri="{FF2B5EF4-FFF2-40B4-BE49-F238E27FC236}">
+                <a16:creationId xmlns:a16="http://schemas.microsoft.com/office/drawing/2014/main" id="{F4261081-7518-4658-B5B3-25F954EEF532}"/>
+              </a:ext>
+            </a:extLst>
+          </p:cNvPr>
+          <p:cNvSpPr/>
+          <p:nvPr/>
+        </p:nvSpPr>
+        <p:spPr>
+          <a:xfrm>
+            <a:off x="3748328" y="3025390"/>
+            <a:ext cx="2669315" cy="355516"/>
+          </a:xfrm>
+          <a:prstGeom prst="rect">
+            <a:avLst/>
+          </a:prstGeom>
+          <a:gradFill>
+            <a:gsLst>
+              <a:gs pos="0">
+                <a:srgbClr val="C00000">
+                  <a:alpha val="0"/>
+                </a:srgbClr>
+              </a:gs>
+              <a:gs pos="0">
+                <a:srgbClr val="00B050">
+                  <a:alpha val="0"/>
+                </a:srgbClr>
+              </a:gs>
+              <a:gs pos="100000">
+                <a:schemeClr val="bg1"/>
+              </a:gs>
+            </a:gsLst>
+          </a:gradFill>
+        </p:spPr>
+        <p:style>
+          <a:lnRef idx="1">
+            <a:schemeClr val="accent1"/>
+          </a:lnRef>
+          <a:fillRef idx="3">
+            <a:schemeClr val="accent1"/>
+          </a:fillRef>
+          <a:effectRef idx="2">
+            <a:schemeClr val="accent1"/>
+          </a:effectRef>
+          <a:fontRef idx="minor">
+            <a:schemeClr val="lt1"/>
+          </a:fontRef>
+        </p:style>
+        <p:txBody>
+          <a:bodyPr rtlCol="0" anchor="ctr"/>
+          <a:lstStyle/>
+          <a:p>
+            <a:pPr algn="ctr"/>
+            <a:endParaRPr lang="en-US"/>
+          </a:p>
+        </p:txBody>
+      </p:sp>
+      <p:sp>
+        <p:nvSpPr>
+          <p:cNvPr id="14" name="Rectangle 13">
+            <a:extLst>
+              <a:ext uri="{FF2B5EF4-FFF2-40B4-BE49-F238E27FC236}">
+                <a16:creationId xmlns:a16="http://schemas.microsoft.com/office/drawing/2014/main" id="{D04993E8-9098-4BA0-889A-62C8EAEAA2F2}"/>
+              </a:ext>
+            </a:extLst>
+          </p:cNvPr>
+          <p:cNvSpPr/>
+          <p:nvPr/>
+        </p:nvSpPr>
+        <p:spPr>
+          <a:xfrm>
+            <a:off x="7044841" y="1895343"/>
+            <a:ext cx="2669315" cy="355516"/>
+          </a:xfrm>
+          <a:prstGeom prst="rect">
+            <a:avLst/>
+          </a:prstGeom>
+          <a:gradFill>
+            <a:gsLst>
+              <a:gs pos="0">
+                <a:srgbClr val="C00000">
+                  <a:alpha val="0"/>
+                </a:srgbClr>
+              </a:gs>
+              <a:gs pos="0">
+                <a:srgbClr val="00B050">
+                  <a:alpha val="0"/>
+                </a:srgbClr>
+              </a:gs>
+              <a:gs pos="100000">
+                <a:schemeClr val="bg1"/>
+              </a:gs>
+            </a:gsLst>
+          </a:gradFill>
+        </p:spPr>
+        <p:style>
+          <a:lnRef idx="1">
+            <a:schemeClr val="accent1"/>
+          </a:lnRef>
+          <a:fillRef idx="3">
+            <a:schemeClr val="accent1"/>
+          </a:fillRef>
+          <a:effectRef idx="2">
+            <a:schemeClr val="accent1"/>
+          </a:effectRef>
+          <a:fontRef idx="minor">
+            <a:schemeClr val="lt1"/>
+          </a:fontRef>
+        </p:style>
+        <p:txBody>
+          <a:bodyPr rtlCol="0" anchor="ctr"/>
+          <a:lstStyle/>
+          <a:p>
+            <a:pPr algn="ctr"/>
+            <a:endParaRPr lang="en-US"/>
+          </a:p>
+        </p:txBody>
+      </p:sp>
+      <p:sp>
+        <p:nvSpPr>
+          <p:cNvPr id="15" name="Rectangle 14">
+            <a:extLst>
+              <a:ext uri="{FF2B5EF4-FFF2-40B4-BE49-F238E27FC236}">
+                <a16:creationId xmlns:a16="http://schemas.microsoft.com/office/drawing/2014/main" id="{BE831B68-4D87-48F2-991F-E63AE287CFD1}"/>
+              </a:ext>
+            </a:extLst>
+          </p:cNvPr>
+          <p:cNvSpPr/>
+          <p:nvPr/>
+        </p:nvSpPr>
+        <p:spPr>
+          <a:xfrm>
+            <a:off x="3748328" y="2278715"/>
+            <a:ext cx="2669315" cy="355516"/>
+          </a:xfrm>
+          <a:prstGeom prst="rect">
+            <a:avLst/>
+          </a:prstGeom>
+          <a:gradFill>
+            <a:gsLst>
+              <a:gs pos="0">
+                <a:srgbClr val="C00000">
+                  <a:alpha val="0"/>
+                </a:srgbClr>
+              </a:gs>
+              <a:gs pos="0">
+                <a:srgbClr val="00B050">
+                  <a:alpha val="0"/>
+                </a:srgbClr>
+              </a:gs>
+              <a:gs pos="100000">
+                <a:schemeClr val="bg1"/>
+              </a:gs>
+            </a:gsLst>
+          </a:gradFill>
+        </p:spPr>
+        <p:style>
+          <a:lnRef idx="1">
+            <a:schemeClr val="accent1"/>
+          </a:lnRef>
+          <a:fillRef idx="3">
+            <a:schemeClr val="accent1"/>
+          </a:fillRef>
+          <a:effectRef idx="2">
+            <a:schemeClr val="accent1"/>
+          </a:effectRef>
+          <a:fontRef idx="minor">
+            <a:schemeClr val="lt1"/>
+          </a:fontRef>
+        </p:style>
+        <p:txBody>
+          <a:bodyPr rtlCol="0" anchor="ctr"/>
+          <a:lstStyle/>
+          <a:p>
+            <a:pPr algn="ctr"/>
+            <a:endParaRPr lang="en-US"/>
+          </a:p>
+        </p:txBody>
+      </p:sp>
+      <p:sp>
+        <p:nvSpPr>
+          <p:cNvPr id="16" name="Rectangle 15">
+            <a:extLst>
+              <a:ext uri="{FF2B5EF4-FFF2-40B4-BE49-F238E27FC236}">
+                <a16:creationId xmlns:a16="http://schemas.microsoft.com/office/drawing/2014/main" id="{0E67BCD6-CF80-4428-BD2B-5475215EDA3F}"/>
+              </a:ext>
+            </a:extLst>
+          </p:cNvPr>
+          <p:cNvSpPr/>
+          <p:nvPr/>
+        </p:nvSpPr>
+        <p:spPr>
+          <a:xfrm>
+            <a:off x="840700" y="2669874"/>
+            <a:ext cx="2669315" cy="355516"/>
+          </a:xfrm>
+          <a:prstGeom prst="rect">
+            <a:avLst/>
+          </a:prstGeom>
+          <a:gradFill>
+            <a:gsLst>
+              <a:gs pos="0">
+                <a:srgbClr val="C00000">
+                  <a:alpha val="0"/>
+                </a:srgbClr>
+              </a:gs>
+              <a:gs pos="0">
+                <a:srgbClr val="00B050">
+                  <a:alpha val="0"/>
+                </a:srgbClr>
+              </a:gs>
+              <a:gs pos="100000">
+                <a:schemeClr val="bg1"/>
+              </a:gs>
+            </a:gsLst>
+          </a:gradFill>
+        </p:spPr>
+        <p:style>
+          <a:lnRef idx="1">
+            <a:schemeClr val="accent1"/>
+          </a:lnRef>
+          <a:fillRef idx="3">
+            <a:schemeClr val="accent1"/>
+          </a:fillRef>
+          <a:effectRef idx="2">
+            <a:schemeClr val="accent1"/>
+          </a:effectRef>
+          <a:fontRef idx="minor">
+            <a:schemeClr val="lt1"/>
+          </a:fontRef>
+        </p:style>
+        <p:txBody>
+          <a:bodyPr rtlCol="0" anchor="ctr"/>
+          <a:lstStyle/>
+          <a:p>
+            <a:pPr algn="ctr"/>
+            <a:endParaRPr lang="en-US"/>
+          </a:p>
+        </p:txBody>
+      </p:sp>
+      <p:sp>
+        <p:nvSpPr>
+          <p:cNvPr id="17" name="Rectangle 16">
+            <a:extLst>
+              <a:ext uri="{FF2B5EF4-FFF2-40B4-BE49-F238E27FC236}">
+                <a16:creationId xmlns:a16="http://schemas.microsoft.com/office/drawing/2014/main" id="{6E1B4AA7-A7A9-48B2-9FEC-F148CA595E30}"/>
+              </a:ext>
+            </a:extLst>
+          </p:cNvPr>
+          <p:cNvSpPr/>
+          <p:nvPr/>
+        </p:nvSpPr>
+        <p:spPr>
+          <a:xfrm>
+            <a:off x="6655957" y="3404536"/>
+            <a:ext cx="2669315" cy="355516"/>
+          </a:xfrm>
+          <a:prstGeom prst="rect">
+            <a:avLst/>
+          </a:prstGeom>
+          <a:gradFill>
+            <a:gsLst>
+              <a:gs pos="0">
+                <a:srgbClr val="C00000">
+                  <a:alpha val="0"/>
+                </a:srgbClr>
+              </a:gs>
+              <a:gs pos="0">
+                <a:srgbClr val="00B050">
+                  <a:alpha val="0"/>
+                </a:srgbClr>
+              </a:gs>
+              <a:gs pos="100000">
+                <a:schemeClr val="bg1"/>
+              </a:gs>
+            </a:gsLst>
+          </a:gradFill>
+        </p:spPr>
+        <p:style>
+          <a:lnRef idx="1">
+            <a:schemeClr val="accent1"/>
+          </a:lnRef>
+          <a:fillRef idx="3">
+            <a:schemeClr val="accent1"/>
+          </a:fillRef>
+          <a:effectRef idx="2">
+            <a:schemeClr val="accent1"/>
+          </a:effectRef>
+          <a:fontRef idx="minor">
+            <a:schemeClr val="lt1"/>
+          </a:fontRef>
+        </p:style>
+        <p:txBody>
+          <a:bodyPr rtlCol="0" anchor="ctr"/>
+          <a:lstStyle/>
+          <a:p>
+            <a:pPr algn="ctr"/>
+            <a:endParaRPr lang="en-US"/>
+          </a:p>
+        </p:txBody>
+      </p:sp>
+      <p:sp>
+        <p:nvSpPr>
+          <p:cNvPr id="18" name="Rectangle 17">
+            <a:extLst>
+              <a:ext uri="{FF2B5EF4-FFF2-40B4-BE49-F238E27FC236}">
+                <a16:creationId xmlns:a16="http://schemas.microsoft.com/office/drawing/2014/main" id="{16E6804A-2C12-45CC-89C2-3543606FFDC0}"/>
+              </a:ext>
+            </a:extLst>
+          </p:cNvPr>
+          <p:cNvSpPr/>
+          <p:nvPr/>
+        </p:nvSpPr>
+        <p:spPr>
+          <a:xfrm>
+            <a:off x="840700" y="3450255"/>
+            <a:ext cx="2669315" cy="700536"/>
+          </a:xfrm>
+          <a:prstGeom prst="rect">
+            <a:avLst/>
+          </a:prstGeom>
+          <a:gradFill>
+            <a:gsLst>
+              <a:gs pos="0">
+                <a:srgbClr val="C00000">
+                  <a:alpha val="0"/>
+                </a:srgbClr>
+              </a:gs>
+              <a:gs pos="0">
+                <a:srgbClr val="00B050">
+                  <a:alpha val="0"/>
+                </a:srgbClr>
+              </a:gs>
+              <a:gs pos="100000">
+                <a:schemeClr val="bg1"/>
+              </a:gs>
+            </a:gsLst>
+          </a:gradFill>
+        </p:spPr>
+        <p:style>
+          <a:lnRef idx="1">
+            <a:schemeClr val="accent1"/>
+          </a:lnRef>
+          <a:fillRef idx="3">
+            <a:schemeClr val="accent1"/>
+          </a:fillRef>
+          <a:effectRef idx="2">
+            <a:schemeClr val="accent1"/>
+          </a:effectRef>
+          <a:fontRef idx="minor">
+            <a:schemeClr val="lt1"/>
+          </a:fontRef>
+        </p:style>
+        <p:txBody>
+          <a:bodyPr rtlCol="0" anchor="ctr"/>
+          <a:lstStyle/>
+          <a:p>
+            <a:pPr algn="ctr"/>
+            <a:endParaRPr lang="en-US"/>
+          </a:p>
+        </p:txBody>
+      </p:sp>
+      <p:sp>
+        <p:nvSpPr>
+          <p:cNvPr id="19" name="Rectangle 18">
+            <a:extLst>
+              <a:ext uri="{FF2B5EF4-FFF2-40B4-BE49-F238E27FC236}">
+                <a16:creationId xmlns:a16="http://schemas.microsoft.com/office/drawing/2014/main" id="{7B8DEC24-A2AC-4258-9D23-FF20FF6C1F60}"/>
+              </a:ext>
+            </a:extLst>
+          </p:cNvPr>
+          <p:cNvSpPr/>
+          <p:nvPr/>
+        </p:nvSpPr>
+        <p:spPr>
+          <a:xfrm>
+            <a:off x="3748329" y="3795275"/>
+            <a:ext cx="2669315" cy="355516"/>
+          </a:xfrm>
+          <a:prstGeom prst="rect">
+            <a:avLst/>
+          </a:prstGeom>
+          <a:gradFill>
+            <a:gsLst>
+              <a:gs pos="0">
+                <a:srgbClr val="C00000">
+                  <a:alpha val="0"/>
+                </a:srgbClr>
+              </a:gs>
+              <a:gs pos="0">
+                <a:srgbClr val="FF0000">
+                  <a:alpha val="0"/>
+                </a:srgbClr>
+              </a:gs>
+              <a:gs pos="100000">
+                <a:schemeClr val="bg1"/>
+              </a:gs>
+            </a:gsLst>
+          </a:gradFill>
+        </p:spPr>
+        <p:style>
+          <a:lnRef idx="1">
+            <a:schemeClr val="accent1"/>
+          </a:lnRef>
+          <a:fillRef idx="3">
+            <a:schemeClr val="accent1"/>
+          </a:fillRef>
+          <a:effectRef idx="2">
+            <a:schemeClr val="accent1"/>
+          </a:effectRef>
+          <a:fontRef idx="minor">
+            <a:schemeClr val="lt1"/>
+          </a:fontRef>
+        </p:style>
+        <p:txBody>
+          <a:bodyPr rtlCol="0" anchor="ctr"/>
+          <a:lstStyle/>
+          <a:p>
+            <a:pPr algn="ctr"/>
+            <a:endParaRPr lang="en-US"/>
+          </a:p>
+        </p:txBody>
+      </p:sp>
+      <p:sp>
+        <p:nvSpPr>
+          <p:cNvPr id="21" name="Rectangle 20">
+            <a:extLst>
+              <a:ext uri="{FF2B5EF4-FFF2-40B4-BE49-F238E27FC236}">
+                <a16:creationId xmlns:a16="http://schemas.microsoft.com/office/drawing/2014/main" id="{66F09083-5A43-4C4F-8CE0-E21F9205011E}"/>
+              </a:ext>
+            </a:extLst>
+          </p:cNvPr>
+          <p:cNvSpPr/>
+          <p:nvPr/>
+        </p:nvSpPr>
+        <p:spPr>
+          <a:xfrm>
+            <a:off x="649529" y="4230636"/>
+            <a:ext cx="2860486" cy="355516"/>
+          </a:xfrm>
+          <a:prstGeom prst="rect">
+            <a:avLst/>
+          </a:prstGeom>
+          <a:gradFill>
+            <a:gsLst>
+              <a:gs pos="0">
+                <a:srgbClr val="C00000">
+                  <a:alpha val="0"/>
+                </a:srgbClr>
+              </a:gs>
+              <a:gs pos="0">
+                <a:srgbClr val="FF0000">
+                  <a:alpha val="0"/>
+                </a:srgbClr>
+              </a:gs>
+              <a:gs pos="100000">
+                <a:schemeClr val="bg1"/>
+              </a:gs>
+            </a:gsLst>
+          </a:gradFill>
+        </p:spPr>
+        <p:style>
+          <a:lnRef idx="1">
+            <a:schemeClr val="accent1"/>
+          </a:lnRef>
+          <a:fillRef idx="3">
+            <a:schemeClr val="accent1"/>
+          </a:fillRef>
+          <a:effectRef idx="2">
+            <a:schemeClr val="accent1"/>
+          </a:effectRef>
+          <a:fontRef idx="minor">
+            <a:schemeClr val="lt1"/>
+          </a:fontRef>
+        </p:style>
+        <p:txBody>
+          <a:bodyPr rtlCol="0" anchor="ctr"/>
+          <a:lstStyle/>
+          <a:p>
+            <a:pPr algn="ctr"/>
+            <a:endParaRPr lang="en-US"/>
+          </a:p>
+        </p:txBody>
+      </p:sp>
+      <p:sp>
+        <p:nvSpPr>
+          <p:cNvPr id="22" name="Rectangle 21">
+            <a:extLst>
+              <a:ext uri="{FF2B5EF4-FFF2-40B4-BE49-F238E27FC236}">
+                <a16:creationId xmlns:a16="http://schemas.microsoft.com/office/drawing/2014/main" id="{B637A51C-CC03-41B4-B8BF-2608F58927CA}"/>
+              </a:ext>
+            </a:extLst>
+          </p:cNvPr>
+          <p:cNvSpPr/>
+          <p:nvPr/>
+        </p:nvSpPr>
+        <p:spPr>
+          <a:xfrm>
+            <a:off x="6655957" y="4934682"/>
+            <a:ext cx="2669315" cy="355516"/>
+          </a:xfrm>
+          <a:prstGeom prst="rect">
+            <a:avLst/>
+          </a:prstGeom>
+          <a:gradFill>
+            <a:gsLst>
+              <a:gs pos="0">
+                <a:srgbClr val="C00000">
+                  <a:alpha val="0"/>
+                </a:srgbClr>
+              </a:gs>
+              <a:gs pos="0">
+                <a:srgbClr val="FF0000">
+                  <a:alpha val="0"/>
+                </a:srgbClr>
+              </a:gs>
+              <a:gs pos="100000">
+                <a:schemeClr val="bg1"/>
+              </a:gs>
+            </a:gsLst>
+          </a:gradFill>
+        </p:spPr>
+        <p:style>
+          <a:lnRef idx="1">
+            <a:schemeClr val="accent1"/>
+          </a:lnRef>
+          <a:fillRef idx="3">
+            <a:schemeClr val="accent1"/>
+          </a:fillRef>
+          <a:effectRef idx="2">
+            <a:schemeClr val="accent1"/>
+          </a:effectRef>
+          <a:fontRef idx="minor">
+            <a:schemeClr val="lt1"/>
+          </a:fontRef>
+        </p:style>
+        <p:txBody>
+          <a:bodyPr rtlCol="0" anchor="ctr"/>
+          <a:lstStyle/>
+          <a:p>
+            <a:pPr algn="ctr"/>
+            <a:endParaRPr lang="en-US"/>
+          </a:p>
+        </p:txBody>
+      </p:sp>
+      <p:sp>
+        <p:nvSpPr>
+          <p:cNvPr id="23" name="Rectangle 22">
+            <a:extLst>
+              <a:ext uri="{FF2B5EF4-FFF2-40B4-BE49-F238E27FC236}">
+                <a16:creationId xmlns:a16="http://schemas.microsoft.com/office/drawing/2014/main" id="{8B8A4245-BCE2-4AE8-B4AA-7DD747CD85B3}"/>
+              </a:ext>
+            </a:extLst>
+          </p:cNvPr>
+          <p:cNvSpPr/>
+          <p:nvPr/>
+        </p:nvSpPr>
+        <p:spPr>
+          <a:xfrm>
+            <a:off x="840699" y="4567351"/>
+            <a:ext cx="2669315" cy="355516"/>
+          </a:xfrm>
+          <a:prstGeom prst="rect">
+            <a:avLst/>
+          </a:prstGeom>
+          <a:gradFill>
+            <a:gsLst>
+              <a:gs pos="0">
+                <a:srgbClr val="C00000">
+                  <a:alpha val="0"/>
+                </a:srgbClr>
+              </a:gs>
+              <a:gs pos="0">
+                <a:srgbClr val="FF0000">
+                  <a:alpha val="0"/>
+                </a:srgbClr>
+              </a:gs>
+              <a:gs pos="100000">
+                <a:schemeClr val="bg1"/>
+              </a:gs>
+            </a:gsLst>
+          </a:gradFill>
+        </p:spPr>
+        <p:style>
+          <a:lnRef idx="1">
+            <a:schemeClr val="accent1"/>
+          </a:lnRef>
+          <a:fillRef idx="3">
+            <a:schemeClr val="accent1"/>
+          </a:fillRef>
+          <a:effectRef idx="2">
+            <a:schemeClr val="accent1"/>
+          </a:effectRef>
+          <a:fontRef idx="minor">
+            <a:schemeClr val="lt1"/>
+          </a:fontRef>
+        </p:style>
+        <p:txBody>
+          <a:bodyPr rtlCol="0" anchor="ctr"/>
+          <a:lstStyle/>
+          <a:p>
+            <a:pPr algn="ctr"/>
+            <a:endParaRPr lang="en-US"/>
+          </a:p>
+        </p:txBody>
+      </p:sp>
+      <p:sp>
+        <p:nvSpPr>
+          <p:cNvPr id="24" name="Rectangle 23">
+            <a:extLst>
+              <a:ext uri="{FF2B5EF4-FFF2-40B4-BE49-F238E27FC236}">
+                <a16:creationId xmlns:a16="http://schemas.microsoft.com/office/drawing/2014/main" id="{E4D703B4-A5F2-4A48-8CFA-0AC49874BFB5}"/>
+              </a:ext>
+            </a:extLst>
+          </p:cNvPr>
+          <p:cNvSpPr/>
+          <p:nvPr/>
+        </p:nvSpPr>
+        <p:spPr>
+          <a:xfrm>
+            <a:off x="3748329" y="6068575"/>
+            <a:ext cx="2669315" cy="355516"/>
+          </a:xfrm>
+          <a:prstGeom prst="rect">
+            <a:avLst/>
+          </a:prstGeom>
+          <a:gradFill>
+            <a:gsLst>
+              <a:gs pos="0">
+                <a:srgbClr val="C00000">
+                  <a:alpha val="0"/>
+                </a:srgbClr>
+              </a:gs>
+              <a:gs pos="0">
+                <a:srgbClr val="FF0000">
+                  <a:alpha val="0"/>
+                </a:srgbClr>
+              </a:gs>
+              <a:gs pos="100000">
+                <a:schemeClr val="bg1"/>
+              </a:gs>
+            </a:gsLst>
+          </a:gradFill>
+        </p:spPr>
+        <p:style>
+          <a:lnRef idx="1">
+            <a:schemeClr val="accent1"/>
+          </a:lnRef>
+          <a:fillRef idx="3">
+            <a:schemeClr val="accent1"/>
+          </a:fillRef>
+          <a:effectRef idx="2">
+            <a:schemeClr val="accent1"/>
+          </a:effectRef>
+          <a:fontRef idx="minor">
+            <a:schemeClr val="lt1"/>
+          </a:fontRef>
+        </p:style>
+        <p:txBody>
+          <a:bodyPr rtlCol="0" anchor="ctr"/>
+          <a:lstStyle/>
+          <a:p>
+            <a:pPr algn="ctr"/>
+            <a:endParaRPr lang="en-US"/>
+          </a:p>
+        </p:txBody>
+      </p:sp>
+      <p:sp>
+        <p:nvSpPr>
+          <p:cNvPr id="25" name="Rectangle 24">
+            <a:extLst>
+              <a:ext uri="{FF2B5EF4-FFF2-40B4-BE49-F238E27FC236}">
+                <a16:creationId xmlns:a16="http://schemas.microsoft.com/office/drawing/2014/main" id="{50D4B4CC-B512-4D07-ABC5-E8B328C5791C}"/>
+              </a:ext>
+            </a:extLst>
+          </p:cNvPr>
+          <p:cNvSpPr/>
+          <p:nvPr/>
+        </p:nvSpPr>
+        <p:spPr>
+          <a:xfrm>
+            <a:off x="840700" y="5056466"/>
+            <a:ext cx="2669315" cy="355516"/>
+          </a:xfrm>
+          <a:prstGeom prst="rect">
+            <a:avLst/>
+          </a:prstGeom>
+          <a:gradFill>
+            <a:gsLst>
+              <a:gs pos="0">
+                <a:srgbClr val="C00000">
+                  <a:alpha val="0"/>
+                </a:srgbClr>
+              </a:gs>
+              <a:gs pos="0">
+                <a:srgbClr val="FF0000">
+                  <a:alpha val="0"/>
+                </a:srgbClr>
+              </a:gs>
+              <a:gs pos="100000">
+                <a:schemeClr val="bg1"/>
+              </a:gs>
+            </a:gsLst>
+          </a:gradFill>
+        </p:spPr>
+        <p:style>
+          <a:lnRef idx="1">
+            <a:schemeClr val="accent1"/>
+          </a:lnRef>
+          <a:fillRef idx="3">
+            <a:schemeClr val="accent1"/>
+          </a:fillRef>
+          <a:effectRef idx="2">
+            <a:schemeClr val="accent1"/>
+          </a:effectRef>
+          <a:fontRef idx="minor">
+            <a:schemeClr val="lt1"/>
+          </a:fontRef>
+        </p:style>
+        <p:txBody>
+          <a:bodyPr rtlCol="0" anchor="ctr"/>
+          <a:lstStyle/>
+          <a:p>
+            <a:pPr algn="ctr"/>
+            <a:endParaRPr lang="en-US"/>
+          </a:p>
+        </p:txBody>
+      </p:sp>
+      <p:sp>
+        <p:nvSpPr>
+          <p:cNvPr id="26" name="Rectangle 25">
+            <a:extLst>
+              <a:ext uri="{FF2B5EF4-FFF2-40B4-BE49-F238E27FC236}">
+                <a16:creationId xmlns:a16="http://schemas.microsoft.com/office/drawing/2014/main" id="{D426A5E4-6FFE-47FA-954E-2C3C5B26A1DA}"/>
+              </a:ext>
+            </a:extLst>
+          </p:cNvPr>
+          <p:cNvSpPr/>
+          <p:nvPr/>
+        </p:nvSpPr>
+        <p:spPr>
+          <a:xfrm>
+            <a:off x="840698" y="5367823"/>
+            <a:ext cx="2669315" cy="355516"/>
+          </a:xfrm>
+          <a:prstGeom prst="rect">
+            <a:avLst/>
+          </a:prstGeom>
+          <a:gradFill>
+            <a:gsLst>
+              <a:gs pos="0">
+                <a:srgbClr val="C00000">
+                  <a:alpha val="0"/>
+                </a:srgbClr>
+              </a:gs>
+              <a:gs pos="0">
+                <a:srgbClr val="FF0000">
+                  <a:alpha val="0"/>
+                </a:srgbClr>
+              </a:gs>
+              <a:gs pos="100000">
+                <a:schemeClr val="bg1"/>
+              </a:gs>
+            </a:gsLst>
+          </a:gradFill>
+        </p:spPr>
+        <p:style>
+          <a:lnRef idx="1">
+            <a:schemeClr val="accent1"/>
+          </a:lnRef>
+          <a:fillRef idx="3">
+            <a:schemeClr val="accent1"/>
+          </a:fillRef>
+          <a:effectRef idx="2">
+            <a:schemeClr val="accent1"/>
+          </a:effectRef>
+          <a:fontRef idx="minor">
+            <a:schemeClr val="lt1"/>
+          </a:fontRef>
+        </p:style>
+        <p:txBody>
+          <a:bodyPr rtlCol="0" anchor="ctr"/>
+          <a:lstStyle/>
+          <a:p>
+            <a:pPr algn="ctr"/>
+            <a:endParaRPr lang="en-US"/>
+          </a:p>
+        </p:txBody>
+      </p:sp>
+    </p:spTree>
+    <p:extLst>
+      <p:ext uri="{BB962C8B-B14F-4D97-AF65-F5344CB8AC3E}">
+        <p14:creationId xmlns:p14="http://schemas.microsoft.com/office/powerpoint/2010/main" val="2885974424"/>
+      </p:ext>
+    </p:extLst>
+  </p:cSld>
+  <p:clrMapOvr>
+    <a:masterClrMapping/>
+  </p:clrMapOvr>
+  <p:timing>
+    <p:tnLst>
+      <p:par>
+        <p:cTn id="1" dur="indefinite" restart="never" nodeType="tmRoot">
+          <p:childTnLst>
+            <p:seq concurrent="1" nextAc="seek">
+              <p:cTn id="2" dur="indefinite" nodeType="mainSeq">
+                <p:childTnLst>
+                  <p:par>
+                    <p:cTn id="3" fill="hold">
+                      <p:stCondLst>
+                        <p:cond delay="indefinite"/>
+                      </p:stCondLst>
+                      <p:childTnLst>
+                        <p:par>
+                          <p:cTn id="4" fill="hold">
+                            <p:stCondLst>
+                              <p:cond delay="0"/>
+                            </p:stCondLst>
+                            <p:childTnLst>
+                              <p:par>
+                                <p:cTn id="5" presetID="1" presetClass="entr" presetSubtype="0" fill="hold" grpId="0" nodeType="clickEffect">
+                                  <p:stCondLst>
+                                    <p:cond delay="0"/>
+                                  </p:stCondLst>
+                                  <p:childTnLst>
+                                    <p:set>
+                                      <p:cBhvr>
+                                        <p:cTn id="6" dur="1" fill="hold">
+                                          <p:stCondLst>
+                                            <p:cond delay="0"/>
+                                          </p:stCondLst>
+                                        </p:cTn>
+                                        <p:tgtEl>
+                                          <p:spTgt spid="5"/>
+                                        </p:tgtEl>
+                                        <p:attrNameLst>
+                                          <p:attrName>style.visibility</p:attrName>
+                                        </p:attrNameLst>
+                                      </p:cBhvr>
+                                      <p:to>
+                                        <p:strVal val="visible"/>
+                                      </p:to>
+                                    </p:set>
+                                  </p:childTnLst>
+                                </p:cTn>
+                              </p:par>
+                            </p:childTnLst>
+                          </p:cTn>
+                        </p:par>
+                      </p:childTnLst>
+                    </p:cTn>
+                  </p:par>
+                  <p:par>
+                    <p:cTn id="7" fill="hold">
+                      <p:stCondLst>
+                        <p:cond delay="indefinite"/>
+                      </p:stCondLst>
+                      <p:childTnLst>
+                        <p:par>
+                          <p:cTn id="8" fill="hold">
+                            <p:stCondLst>
+                              <p:cond delay="0"/>
+                            </p:stCondLst>
+                            <p:childTnLst>
+                              <p:par>
+                                <p:cTn id="9" presetID="1" presetClass="entr" presetSubtype="0" fill="hold" grpId="0" nodeType="clickEffect">
+                                  <p:stCondLst>
+                                    <p:cond delay="0"/>
+                                  </p:stCondLst>
+                                  <p:childTnLst>
+                                    <p:set>
+                                      <p:cBhvr>
+                                        <p:cTn id="10" dur="1" fill="hold">
+                                          <p:stCondLst>
+                                            <p:cond delay="0"/>
+                                          </p:stCondLst>
+                                        </p:cTn>
+                                        <p:tgtEl>
+                                          <p:spTgt spid="6"/>
+                                        </p:tgtEl>
+                                        <p:attrNameLst>
+                                          <p:attrName>style.visibility</p:attrName>
+                                        </p:attrNameLst>
+                                      </p:cBhvr>
+                                      <p:to>
+                                        <p:strVal val="visible"/>
+                                      </p:to>
+                                    </p:set>
+                                  </p:childTnLst>
+                                </p:cTn>
+                              </p:par>
+                            </p:childTnLst>
+                          </p:cTn>
+                        </p:par>
+                      </p:childTnLst>
+                    </p:cTn>
+                  </p:par>
+                  <p:par>
+                    <p:cTn id="11" fill="hold">
+                      <p:stCondLst>
+                        <p:cond delay="indefinite"/>
+                      </p:stCondLst>
+                      <p:childTnLst>
+                        <p:par>
+                          <p:cTn id="12" fill="hold">
+                            <p:stCondLst>
+                              <p:cond delay="0"/>
+                            </p:stCondLst>
+                            <p:childTnLst>
+                              <p:par>
+                                <p:cTn id="13" presetID="1" presetClass="entr" presetSubtype="0" fill="hold" grpId="0" nodeType="clickEffect">
+                                  <p:stCondLst>
+                                    <p:cond delay="0"/>
+                                  </p:stCondLst>
+                                  <p:childTnLst>
+                                    <p:set>
+                                      <p:cBhvr>
+                                        <p:cTn id="14" dur="1" fill="hold">
+                                          <p:stCondLst>
+                                            <p:cond delay="0"/>
+                                          </p:stCondLst>
+                                        </p:cTn>
+                                        <p:tgtEl>
+                                          <p:spTgt spid="7"/>
+                                        </p:tgtEl>
+                                        <p:attrNameLst>
+                                          <p:attrName>style.visibility</p:attrName>
+                                        </p:attrNameLst>
+                                      </p:cBhvr>
+                                      <p:to>
+                                        <p:strVal val="visible"/>
+                                      </p:to>
+                                    </p:set>
+                                  </p:childTnLst>
+                                </p:cTn>
+                              </p:par>
+                            </p:childTnLst>
+                          </p:cTn>
+                        </p:par>
+                      </p:childTnLst>
+                    </p:cTn>
+                  </p:par>
+                  <p:par>
+                    <p:cTn id="15" fill="hold">
+                      <p:stCondLst>
+                        <p:cond delay="indefinite"/>
+                      </p:stCondLst>
+                      <p:childTnLst>
+                        <p:par>
+                          <p:cTn id="16" fill="hold">
+                            <p:stCondLst>
+                              <p:cond delay="0"/>
+                            </p:stCondLst>
+                            <p:childTnLst>
+                              <p:par>
+                                <p:cTn id="17" presetID="1" presetClass="entr" presetSubtype="0" fill="hold" grpId="0" nodeType="clickEffect">
+                                  <p:stCondLst>
+                                    <p:cond delay="0"/>
+                                  </p:stCondLst>
+                                  <p:childTnLst>
+                                    <p:set>
+                                      <p:cBhvr>
+                                        <p:cTn id="18" dur="1" fill="hold">
+                                          <p:stCondLst>
+                                            <p:cond delay="0"/>
+                                          </p:stCondLst>
+                                        </p:cTn>
+                                        <p:tgtEl>
+                                          <p:spTgt spid="8"/>
+                                        </p:tgtEl>
+                                        <p:attrNameLst>
+                                          <p:attrName>style.visibility</p:attrName>
+                                        </p:attrNameLst>
+                                      </p:cBhvr>
+                                      <p:to>
+                                        <p:strVal val="visible"/>
+                                      </p:to>
+                                    </p:set>
+                                  </p:childTnLst>
+                                </p:cTn>
+                              </p:par>
+                            </p:childTnLst>
+                          </p:cTn>
+                        </p:par>
+                      </p:childTnLst>
+                    </p:cTn>
+                  </p:par>
+                  <p:par>
+                    <p:cTn id="19" fill="hold">
+                      <p:stCondLst>
+                        <p:cond delay="indefinite"/>
+                      </p:stCondLst>
+                      <p:childTnLst>
+                        <p:par>
+                          <p:cTn id="20" fill="hold">
+                            <p:stCondLst>
+                              <p:cond delay="0"/>
+                            </p:stCondLst>
+                            <p:childTnLst>
+                              <p:par>
+                                <p:cTn id="21" presetID="1" presetClass="entr" presetSubtype="0" fill="hold" grpId="0" nodeType="clickEffect">
+                                  <p:stCondLst>
+                                    <p:cond delay="0"/>
+                                  </p:stCondLst>
+                                  <p:childTnLst>
+                                    <p:set>
+                                      <p:cBhvr>
+                                        <p:cTn id="22" dur="1" fill="hold">
+                                          <p:stCondLst>
+                                            <p:cond delay="0"/>
+                                          </p:stCondLst>
+                                        </p:cTn>
+                                        <p:tgtEl>
+                                          <p:spTgt spid="9"/>
+                                        </p:tgtEl>
+                                        <p:attrNameLst>
+                                          <p:attrName>style.visibility</p:attrName>
+                                        </p:attrNameLst>
+                                      </p:cBhvr>
+                                      <p:to>
+                                        <p:strVal val="visible"/>
+                                      </p:to>
+                                    </p:set>
+                                  </p:childTnLst>
+                                </p:cTn>
+                              </p:par>
+                            </p:childTnLst>
+                          </p:cTn>
+                        </p:par>
+                      </p:childTnLst>
+                    </p:cTn>
+                  </p:par>
+                  <p:par>
+                    <p:cTn id="23" fill="hold">
+                      <p:stCondLst>
+                        <p:cond delay="indefinite"/>
+                      </p:stCondLst>
+                      <p:childTnLst>
+                        <p:par>
+                          <p:cTn id="24" fill="hold">
+                            <p:stCondLst>
+                              <p:cond delay="0"/>
+                            </p:stCondLst>
+                            <p:childTnLst>
+                              <p:par>
+                                <p:cTn id="25" presetID="1" presetClass="entr" presetSubtype="0" fill="hold" grpId="0" nodeType="clickEffect">
+                                  <p:stCondLst>
+                                    <p:cond delay="0"/>
+                                  </p:stCondLst>
+                                  <p:childTnLst>
+                                    <p:set>
+                                      <p:cBhvr>
+                                        <p:cTn id="26" dur="1" fill="hold">
+                                          <p:stCondLst>
+                                            <p:cond delay="0"/>
+                                          </p:stCondLst>
+                                        </p:cTn>
+                                        <p:tgtEl>
+                                          <p:spTgt spid="10"/>
+                                        </p:tgtEl>
+                                        <p:attrNameLst>
+                                          <p:attrName>style.visibility</p:attrName>
+                                        </p:attrNameLst>
+                                      </p:cBhvr>
+                                      <p:to>
+                                        <p:strVal val="visible"/>
+                                      </p:to>
+                                    </p:set>
+                                  </p:childTnLst>
+                                </p:cTn>
+                              </p:par>
+                            </p:childTnLst>
+                          </p:cTn>
+                        </p:par>
+                      </p:childTnLst>
+                    </p:cTn>
+                  </p:par>
+                  <p:par>
+                    <p:cTn id="27" fill="hold">
+                      <p:stCondLst>
+                        <p:cond delay="indefinite"/>
+                      </p:stCondLst>
+                      <p:childTnLst>
+                        <p:par>
+                          <p:cTn id="28" fill="hold">
+                            <p:stCondLst>
+                              <p:cond delay="0"/>
+                            </p:stCondLst>
+                            <p:childTnLst>
+                              <p:par>
+                                <p:cTn id="29" presetID="1" presetClass="entr" presetSubtype="0" fill="hold" grpId="0" nodeType="clickEffect">
+                                  <p:stCondLst>
+                                    <p:cond delay="0"/>
+                                  </p:stCondLst>
+                                  <p:childTnLst>
+                                    <p:set>
+                                      <p:cBhvr>
+                                        <p:cTn id="30" dur="1" fill="hold">
+                                          <p:stCondLst>
+                                            <p:cond delay="0"/>
+                                          </p:stCondLst>
+                                        </p:cTn>
+                                        <p:tgtEl>
+                                          <p:spTgt spid="11"/>
+                                        </p:tgtEl>
+                                        <p:attrNameLst>
+                                          <p:attrName>style.visibility</p:attrName>
+                                        </p:attrNameLst>
+                                      </p:cBhvr>
+                                      <p:to>
+                                        <p:strVal val="visible"/>
+                                      </p:to>
+                                    </p:set>
+                                  </p:childTnLst>
+                                </p:cTn>
+                              </p:par>
+                            </p:childTnLst>
+                          </p:cTn>
+                        </p:par>
+                      </p:childTnLst>
+                    </p:cTn>
+                  </p:par>
+                  <p:par>
+                    <p:cTn id="31" fill="hold">
+                      <p:stCondLst>
+                        <p:cond delay="indefinite"/>
+                      </p:stCondLst>
+                      <p:childTnLst>
+                        <p:par>
+                          <p:cTn id="32" fill="hold">
+                            <p:stCondLst>
+                              <p:cond delay="0"/>
+                            </p:stCondLst>
+                            <p:childTnLst>
+                              <p:par>
+                                <p:cTn id="33" presetID="1" presetClass="entr" presetSubtype="0" fill="hold" grpId="0" nodeType="clickEffect">
+                                  <p:stCondLst>
+                                    <p:cond delay="0"/>
+                                  </p:stCondLst>
+                                  <p:childTnLst>
+                                    <p:set>
+                                      <p:cBhvr>
+                                        <p:cTn id="34" dur="1" fill="hold">
+                                          <p:stCondLst>
+                                            <p:cond delay="0"/>
+                                          </p:stCondLst>
+                                        </p:cTn>
+                                        <p:tgtEl>
+                                          <p:spTgt spid="12"/>
+                                        </p:tgtEl>
+                                        <p:attrNameLst>
+                                          <p:attrName>style.visibility</p:attrName>
+                                        </p:attrNameLst>
+                                      </p:cBhvr>
+                                      <p:to>
+                                        <p:strVal val="visible"/>
+                                      </p:to>
+                                    </p:set>
+                                  </p:childTnLst>
+                                </p:cTn>
+                              </p:par>
+                            </p:childTnLst>
+                          </p:cTn>
+                        </p:par>
+                      </p:childTnLst>
+                    </p:cTn>
+                  </p:par>
+                  <p:par>
+                    <p:cTn id="35" fill="hold">
+                      <p:stCondLst>
+                        <p:cond delay="indefinite"/>
+                      </p:stCondLst>
+                      <p:childTnLst>
+                        <p:par>
+                          <p:cTn id="36" fill="hold">
+                            <p:stCondLst>
+                              <p:cond delay="0"/>
+                            </p:stCondLst>
+                            <p:childTnLst>
+                              <p:par>
+                                <p:cTn id="37" presetID="1" presetClass="entr" presetSubtype="0" fill="hold" grpId="0" nodeType="clickEffect">
+                                  <p:stCondLst>
+                                    <p:cond delay="0"/>
+                                  </p:stCondLst>
+                                  <p:childTnLst>
+                                    <p:set>
+                                      <p:cBhvr>
+                                        <p:cTn id="38" dur="1" fill="hold">
+                                          <p:stCondLst>
+                                            <p:cond delay="0"/>
+                                          </p:stCondLst>
+                                        </p:cTn>
+                                        <p:tgtEl>
+                                          <p:spTgt spid="14"/>
+                                        </p:tgtEl>
+                                        <p:attrNameLst>
+                                          <p:attrName>style.visibility</p:attrName>
+                                        </p:attrNameLst>
+                                      </p:cBhvr>
+                                      <p:to>
+                                        <p:strVal val="visible"/>
+                                      </p:to>
+                                    </p:set>
+                                  </p:childTnLst>
+                                </p:cTn>
+                              </p:par>
+                            </p:childTnLst>
+                          </p:cTn>
+                        </p:par>
+                      </p:childTnLst>
+                    </p:cTn>
+                  </p:par>
+                  <p:par>
+                    <p:cTn id="39" fill="hold">
+                      <p:stCondLst>
+                        <p:cond delay="indefinite"/>
+                      </p:stCondLst>
+                      <p:childTnLst>
+                        <p:par>
+                          <p:cTn id="40" fill="hold">
+                            <p:stCondLst>
+                              <p:cond delay="0"/>
+                            </p:stCondLst>
+                            <p:childTnLst>
+                              <p:par>
+                                <p:cTn id="41" presetID="1" presetClass="entr" presetSubtype="0" fill="hold" grpId="0" nodeType="clickEffect">
+                                  <p:stCondLst>
+                                    <p:cond delay="0"/>
+                                  </p:stCondLst>
+                                  <p:childTnLst>
+                                    <p:set>
+                                      <p:cBhvr>
+                                        <p:cTn id="42" dur="1" fill="hold">
+                                          <p:stCondLst>
+                                            <p:cond delay="0"/>
+                                          </p:stCondLst>
+                                        </p:cTn>
+                                        <p:tgtEl>
+                                          <p:spTgt spid="15"/>
+                                        </p:tgtEl>
+                                        <p:attrNameLst>
+                                          <p:attrName>style.visibility</p:attrName>
+                                        </p:attrNameLst>
+                                      </p:cBhvr>
+                                      <p:to>
+                                        <p:strVal val="visible"/>
+                                      </p:to>
+                                    </p:set>
+                                  </p:childTnLst>
+                                </p:cTn>
+                              </p:par>
+                            </p:childTnLst>
+                          </p:cTn>
+                        </p:par>
+                      </p:childTnLst>
+                    </p:cTn>
+                  </p:par>
+                  <p:par>
+                    <p:cTn id="43" fill="hold">
+                      <p:stCondLst>
+                        <p:cond delay="indefinite"/>
+                      </p:stCondLst>
+                      <p:childTnLst>
+                        <p:par>
+                          <p:cTn id="44" fill="hold">
+                            <p:stCondLst>
+                              <p:cond delay="0"/>
+                            </p:stCondLst>
+                            <p:childTnLst>
+                              <p:par>
+                                <p:cTn id="45" presetID="1" presetClass="entr" presetSubtype="0" fill="hold" grpId="0" nodeType="clickEffect">
+                                  <p:stCondLst>
+                                    <p:cond delay="0"/>
+                                  </p:stCondLst>
+                                  <p:childTnLst>
+                                    <p:set>
+                                      <p:cBhvr>
+                                        <p:cTn id="46" dur="1" fill="hold">
+                                          <p:stCondLst>
+                                            <p:cond delay="0"/>
+                                          </p:stCondLst>
+                                        </p:cTn>
+                                        <p:tgtEl>
+                                          <p:spTgt spid="16"/>
+                                        </p:tgtEl>
+                                        <p:attrNameLst>
+                                          <p:attrName>style.visibility</p:attrName>
+                                        </p:attrNameLst>
+                                      </p:cBhvr>
+                                      <p:to>
+                                        <p:strVal val="visible"/>
+                                      </p:to>
+                                    </p:set>
+                                  </p:childTnLst>
+                                </p:cTn>
+                              </p:par>
+                            </p:childTnLst>
+                          </p:cTn>
+                        </p:par>
+                      </p:childTnLst>
+                    </p:cTn>
+                  </p:par>
+                  <p:par>
+                    <p:cTn id="47" fill="hold">
+                      <p:stCondLst>
+                        <p:cond delay="indefinite"/>
+                      </p:stCondLst>
+                      <p:childTnLst>
+                        <p:par>
+                          <p:cTn id="48" fill="hold">
+                            <p:stCondLst>
+                              <p:cond delay="0"/>
+                            </p:stCondLst>
+                            <p:childTnLst>
+                              <p:par>
+                                <p:cTn id="49" presetID="1" presetClass="entr" presetSubtype="0" fill="hold" grpId="0" nodeType="clickEffect">
+                                  <p:stCondLst>
+                                    <p:cond delay="0"/>
+                                  </p:stCondLst>
+                                  <p:childTnLst>
+                                    <p:set>
+                                      <p:cBhvr>
+                                        <p:cTn id="50" dur="1" fill="hold">
+                                          <p:stCondLst>
+                                            <p:cond delay="0"/>
+                                          </p:stCondLst>
+                                        </p:cTn>
+                                        <p:tgtEl>
+                                          <p:spTgt spid="17"/>
+                                        </p:tgtEl>
+                                        <p:attrNameLst>
+                                          <p:attrName>style.visibility</p:attrName>
+                                        </p:attrNameLst>
+                                      </p:cBhvr>
+                                      <p:to>
+                                        <p:strVal val="visible"/>
+                                      </p:to>
+                                    </p:set>
+                                  </p:childTnLst>
+                                </p:cTn>
+                              </p:par>
+                            </p:childTnLst>
+                          </p:cTn>
+                        </p:par>
+                      </p:childTnLst>
+                    </p:cTn>
+                  </p:par>
+                  <p:par>
+                    <p:cTn id="51" fill="hold">
+                      <p:stCondLst>
+                        <p:cond delay="indefinite"/>
+                      </p:stCondLst>
+                      <p:childTnLst>
+                        <p:par>
+                          <p:cTn id="52" fill="hold">
+                            <p:stCondLst>
+                              <p:cond delay="0"/>
+                            </p:stCondLst>
+                            <p:childTnLst>
+                              <p:par>
+                                <p:cTn id="53" presetID="1" presetClass="entr" presetSubtype="0" fill="hold" grpId="0" nodeType="clickEffect">
+                                  <p:stCondLst>
+                                    <p:cond delay="0"/>
+                                  </p:stCondLst>
+                                  <p:childTnLst>
+                                    <p:set>
+                                      <p:cBhvr>
+                                        <p:cTn id="54" dur="1" fill="hold">
+                                          <p:stCondLst>
+                                            <p:cond delay="0"/>
+                                          </p:stCondLst>
+                                        </p:cTn>
+                                        <p:tgtEl>
+                                          <p:spTgt spid="18"/>
+                                        </p:tgtEl>
+                                        <p:attrNameLst>
+                                          <p:attrName>style.visibility</p:attrName>
+                                        </p:attrNameLst>
+                                      </p:cBhvr>
+                                      <p:to>
+                                        <p:strVal val="visible"/>
+                                      </p:to>
+                                    </p:set>
+                                  </p:childTnLst>
+                                </p:cTn>
+                              </p:par>
+                            </p:childTnLst>
+                          </p:cTn>
+                        </p:par>
+                      </p:childTnLst>
+                    </p:cTn>
+                  </p:par>
+                  <p:par>
+                    <p:cTn id="55" fill="hold">
+                      <p:stCondLst>
+                        <p:cond delay="indefinite"/>
+                      </p:stCondLst>
+                      <p:childTnLst>
+                        <p:par>
+                          <p:cTn id="56" fill="hold">
+                            <p:stCondLst>
+                              <p:cond delay="0"/>
+                            </p:stCondLst>
+                            <p:childTnLst>
+                              <p:par>
+                                <p:cTn id="57" presetID="1" presetClass="entr" presetSubtype="0" fill="hold" grpId="0" nodeType="clickEffect">
+                                  <p:stCondLst>
+                                    <p:cond delay="0"/>
+                                  </p:stCondLst>
+                                  <p:childTnLst>
+                                    <p:set>
+                                      <p:cBhvr>
+                                        <p:cTn id="58" dur="1" fill="hold">
+                                          <p:stCondLst>
+                                            <p:cond delay="0"/>
+                                          </p:stCondLst>
+                                        </p:cTn>
+                                        <p:tgtEl>
+                                          <p:spTgt spid="19"/>
+                                        </p:tgtEl>
+                                        <p:attrNameLst>
+                                          <p:attrName>style.visibility</p:attrName>
+                                        </p:attrNameLst>
+                                      </p:cBhvr>
+                                      <p:to>
+                                        <p:strVal val="visible"/>
+                                      </p:to>
+                                    </p:set>
+                                  </p:childTnLst>
+                                </p:cTn>
+                              </p:par>
+                            </p:childTnLst>
+                          </p:cTn>
+                        </p:par>
+                      </p:childTnLst>
+                    </p:cTn>
+                  </p:par>
+                  <p:par>
+                    <p:cTn id="59" fill="hold">
+                      <p:stCondLst>
+                        <p:cond delay="indefinite"/>
+                      </p:stCondLst>
+                      <p:childTnLst>
+                        <p:par>
+                          <p:cTn id="60" fill="hold">
+                            <p:stCondLst>
+                              <p:cond delay="0"/>
+                            </p:stCondLst>
+                            <p:childTnLst>
+                              <p:par>
+                                <p:cTn id="61" presetID="1" presetClass="entr" presetSubtype="0" fill="hold" grpId="0" nodeType="clickEffect">
+                                  <p:stCondLst>
+                                    <p:cond delay="0"/>
+                                  </p:stCondLst>
+                                  <p:childTnLst>
+                                    <p:set>
+                                      <p:cBhvr>
+                                        <p:cTn id="62" dur="1" fill="hold">
+                                          <p:stCondLst>
+                                            <p:cond delay="0"/>
+                                          </p:stCondLst>
+                                        </p:cTn>
+                                        <p:tgtEl>
+                                          <p:spTgt spid="21"/>
+                                        </p:tgtEl>
+                                        <p:attrNameLst>
+                                          <p:attrName>style.visibility</p:attrName>
+                                        </p:attrNameLst>
+                                      </p:cBhvr>
+                                      <p:to>
+                                        <p:strVal val="visible"/>
+                                      </p:to>
+                                    </p:set>
+                                  </p:childTnLst>
+                                </p:cTn>
+                              </p:par>
+                            </p:childTnLst>
+                          </p:cTn>
+                        </p:par>
+                      </p:childTnLst>
+                    </p:cTn>
+                  </p:par>
+                  <p:par>
+                    <p:cTn id="63" fill="hold">
+                      <p:stCondLst>
+                        <p:cond delay="indefinite"/>
+                      </p:stCondLst>
+                      <p:childTnLst>
+                        <p:par>
+                          <p:cTn id="64" fill="hold">
+                            <p:stCondLst>
+                              <p:cond delay="0"/>
+                            </p:stCondLst>
+                            <p:childTnLst>
+                              <p:par>
+                                <p:cTn id="65" presetID="1" presetClass="entr" presetSubtype="0" fill="hold" grpId="0" nodeType="clickEffect">
+                                  <p:stCondLst>
+                                    <p:cond delay="0"/>
+                                  </p:stCondLst>
+                                  <p:childTnLst>
+                                    <p:set>
+                                      <p:cBhvr>
+                                        <p:cTn id="66" dur="1" fill="hold">
+                                          <p:stCondLst>
+                                            <p:cond delay="0"/>
+                                          </p:stCondLst>
+                                        </p:cTn>
+                                        <p:tgtEl>
+                                          <p:spTgt spid="22"/>
+                                        </p:tgtEl>
+                                        <p:attrNameLst>
+                                          <p:attrName>style.visibility</p:attrName>
+                                        </p:attrNameLst>
+                                      </p:cBhvr>
+                                      <p:to>
+                                        <p:strVal val="visible"/>
+                                      </p:to>
+                                    </p:set>
+                                  </p:childTnLst>
+                                </p:cTn>
+                              </p:par>
+                            </p:childTnLst>
+                          </p:cTn>
+                        </p:par>
+                      </p:childTnLst>
+                    </p:cTn>
+                  </p:par>
+                  <p:par>
+                    <p:cTn id="67" fill="hold">
+                      <p:stCondLst>
+                        <p:cond delay="indefinite"/>
+                      </p:stCondLst>
+                      <p:childTnLst>
+                        <p:par>
+                          <p:cTn id="68" fill="hold">
+                            <p:stCondLst>
+                              <p:cond delay="0"/>
+                            </p:stCondLst>
+                            <p:childTnLst>
+                              <p:par>
+                                <p:cTn id="69" presetID="1" presetClass="entr" presetSubtype="0" fill="hold" grpId="0" nodeType="clickEffect">
+                                  <p:stCondLst>
+                                    <p:cond delay="0"/>
+                                  </p:stCondLst>
+                                  <p:childTnLst>
+                                    <p:set>
+                                      <p:cBhvr>
+                                        <p:cTn id="70" dur="1" fill="hold">
+                                          <p:stCondLst>
+                                            <p:cond delay="0"/>
+                                          </p:stCondLst>
+                                        </p:cTn>
+                                        <p:tgtEl>
+                                          <p:spTgt spid="23"/>
+                                        </p:tgtEl>
+                                        <p:attrNameLst>
+                                          <p:attrName>style.visibility</p:attrName>
+                                        </p:attrNameLst>
+                                      </p:cBhvr>
+                                      <p:to>
+                                        <p:strVal val="visible"/>
+                                      </p:to>
+                                    </p:set>
+                                  </p:childTnLst>
+                                </p:cTn>
+                              </p:par>
+                            </p:childTnLst>
+                          </p:cTn>
+                        </p:par>
+                      </p:childTnLst>
+                    </p:cTn>
+                  </p:par>
+                  <p:par>
+                    <p:cTn id="71" fill="hold">
+                      <p:stCondLst>
+                        <p:cond delay="indefinite"/>
+                      </p:stCondLst>
+                      <p:childTnLst>
+                        <p:par>
+                          <p:cTn id="72" fill="hold">
+                            <p:stCondLst>
+                              <p:cond delay="0"/>
+                            </p:stCondLst>
+                            <p:childTnLst>
+                              <p:par>
+                                <p:cTn id="73" presetID="1" presetClass="entr" presetSubtype="0" fill="hold" grpId="0" nodeType="clickEffect">
+                                  <p:stCondLst>
+                                    <p:cond delay="0"/>
+                                  </p:stCondLst>
+                                  <p:childTnLst>
+                                    <p:set>
+                                      <p:cBhvr>
+                                        <p:cTn id="74" dur="1" fill="hold">
+                                          <p:stCondLst>
+                                            <p:cond delay="0"/>
+                                          </p:stCondLst>
+                                        </p:cTn>
+                                        <p:tgtEl>
+                                          <p:spTgt spid="24"/>
+                                        </p:tgtEl>
+                                        <p:attrNameLst>
+                                          <p:attrName>style.visibility</p:attrName>
+                                        </p:attrNameLst>
+                                      </p:cBhvr>
+                                      <p:to>
+                                        <p:strVal val="visible"/>
+                                      </p:to>
+                                    </p:set>
+                                  </p:childTnLst>
+                                </p:cTn>
+                              </p:par>
+                            </p:childTnLst>
+                          </p:cTn>
+                        </p:par>
+                      </p:childTnLst>
+                    </p:cTn>
+                  </p:par>
+                  <p:par>
+                    <p:cTn id="75" fill="hold">
+                      <p:stCondLst>
+                        <p:cond delay="indefinite"/>
+                      </p:stCondLst>
+                      <p:childTnLst>
+                        <p:par>
+                          <p:cTn id="76" fill="hold">
+                            <p:stCondLst>
+                              <p:cond delay="0"/>
+                            </p:stCondLst>
+                            <p:childTnLst>
+                              <p:par>
+                                <p:cTn id="77" presetID="1" presetClass="entr" presetSubtype="0" fill="hold" grpId="0" nodeType="clickEffect">
+                                  <p:stCondLst>
+                                    <p:cond delay="0"/>
+                                  </p:stCondLst>
+                                  <p:childTnLst>
+                                    <p:set>
+                                      <p:cBhvr>
+                                        <p:cTn id="78" dur="1" fill="hold">
+                                          <p:stCondLst>
+                                            <p:cond delay="0"/>
+                                          </p:stCondLst>
+                                        </p:cTn>
+                                        <p:tgtEl>
+                                          <p:spTgt spid="25"/>
+                                        </p:tgtEl>
+                                        <p:attrNameLst>
+                                          <p:attrName>style.visibility</p:attrName>
+                                        </p:attrNameLst>
+                                      </p:cBhvr>
+                                      <p:to>
+                                        <p:strVal val="visible"/>
+                                      </p:to>
+                                    </p:set>
+                                  </p:childTnLst>
+                                </p:cTn>
+                              </p:par>
+                            </p:childTnLst>
+                          </p:cTn>
+                        </p:par>
+                      </p:childTnLst>
+                    </p:cTn>
+                  </p:par>
+                  <p:par>
+                    <p:cTn id="79" fill="hold">
+                      <p:stCondLst>
+                        <p:cond delay="indefinite"/>
+                      </p:stCondLst>
+                      <p:childTnLst>
+                        <p:par>
+                          <p:cTn id="80" fill="hold">
+                            <p:stCondLst>
+                              <p:cond delay="0"/>
+                            </p:stCondLst>
+                            <p:childTnLst>
+                              <p:par>
+                                <p:cTn id="81" presetID="1" presetClass="entr" presetSubtype="0" fill="hold" grpId="0" nodeType="clickEffect">
+                                  <p:stCondLst>
+                                    <p:cond delay="0"/>
+                                  </p:stCondLst>
+                                  <p:childTnLst>
+                                    <p:set>
+                                      <p:cBhvr>
+                                        <p:cTn id="82" dur="1" fill="hold">
+                                          <p:stCondLst>
+                                            <p:cond delay="0"/>
+                                          </p:stCondLst>
+                                        </p:cTn>
+                                        <p:tgtEl>
+                                          <p:spTgt spid="26"/>
+                                        </p:tgtEl>
+                                        <p:attrNameLst>
+                                          <p:attrName>style.visibility</p:attrName>
+                                        </p:attrNameLst>
+                                      </p:cBhvr>
+                                      <p:to>
+                                        <p:strVal val="visible"/>
+                                      </p:to>
+                                    </p:set>
+                                  </p:childTnLst>
+                                </p:cTn>
+                              </p:par>
+                            </p:childTnLst>
+                          </p:cTn>
+                        </p:par>
+                      </p:childTnLst>
+                    </p:cTn>
+                  </p:par>
+                </p:childTnLst>
+              </p:cTn>
+              <p:prevCondLst>
+                <p:cond evt="onPrev" delay="0">
+                  <p:tgtEl>
+                    <p:sldTgt/>
+                  </p:tgtEl>
+                </p:cond>
+              </p:prevCondLst>
+              <p:nextCondLst>
+                <p:cond evt="onNext" delay="0">
+                  <p:tgtEl>
+                    <p:sldTgt/>
+                  </p:tgtEl>
+                </p:cond>
+              </p:nextCondLst>
+            </p:seq>
+          </p:childTnLst>
+        </p:cTn>
+      </p:par>
+    </p:tnLst>
+    <p:bldLst>
+      <p:bldP spid="5" grpId="0" animBg="1"/>
+      <p:bldP spid="6" grpId="0" animBg="1"/>
+      <p:bldP spid="7" grpId="0" animBg="1"/>
+      <p:bldP spid="8" grpId="0" animBg="1"/>
+      <p:bldP spid="9" grpId="0" animBg="1"/>
+      <p:bldP spid="10" grpId="0" animBg="1"/>
+      <p:bldP spid="11" grpId="0" animBg="1"/>
+      <p:bldP spid="12" grpId="0" animBg="1"/>
+      <p:bldP spid="14" grpId="0" animBg="1"/>
+      <p:bldP spid="15" grpId="0" animBg="1"/>
+      <p:bldP spid="16" grpId="0" animBg="1"/>
+      <p:bldP spid="17" grpId="0" animBg="1"/>
+      <p:bldP spid="18" grpId="0" animBg="1"/>
+      <p:bldP spid="19" grpId="0" animBg="1"/>
+      <p:bldP spid="21" grpId="0" animBg="1"/>
+      <p:bldP spid="22" grpId="0" animBg="1"/>
+      <p:bldP spid="23" grpId="0" animBg="1"/>
+      <p:bldP spid="24" grpId="0" animBg="1"/>
+      <p:bldP spid="25" grpId="0" animBg="1"/>
+      <p:bldP spid="26" grpId="0" animBg="1"/>
+    </p:bldLst>
+  </p:timing>
+</p:sld>
+</file>
+
 <file path=ppt/slides/slide2.xml><?xml version="1.0" encoding="utf-8"?>
 <p:sld xmlns:a="http://schemas.openxmlformats.org/drawingml/2006/main" xmlns:r="http://schemas.openxmlformats.org/officeDocument/2006/relationships" xmlns:p="http://schemas.openxmlformats.org/presentationml/2006/main">
   <p:cSld>
@@ -4321,7 +14081,7 @@
           <a:graphicData uri="http://schemas.openxmlformats.org/presentationml/2006/ole">
             <mc:AlternateContent xmlns:mc="http://schemas.openxmlformats.org/markup-compatibility/2006">
               <mc:Choice xmlns:v="urn:schemas-microsoft-com:vml" Requires="v">
-                <p:oleObj spid="_x0000_s1036" r:id="rId3" imgW="2879617" imgH="1426410" progId="Visio.Drawing.11">
+                <p:oleObj spid="_x0000_s1052" r:id="rId3" imgW="2879617" imgH="1426410" progId="Visio.Drawing.11">
                   <p:embed/>
                 </p:oleObj>
               </mc:Choice>
@@ -4498,7 +14258,7 @@
           <a:graphicData uri="http://schemas.openxmlformats.org/presentationml/2006/ole">
             <mc:AlternateContent xmlns:mc="http://schemas.openxmlformats.org/markup-compatibility/2006">
               <mc:Choice xmlns:v="urn:schemas-microsoft-com:vml" Requires="v">
-                <p:oleObj spid="_x0000_s1037" r:id="rId5" imgW="2029239" imgH="1408050" progId="Visio.Drawing.11">
+                <p:oleObj spid="_x0000_s1053" r:id="rId5" imgW="2029239" imgH="1408050" progId="Visio.Drawing.11">
                   <p:embed/>
                 </p:oleObj>
               </mc:Choice>

--- a/Lecture#22/Lecture_22_handout.pptx
+++ b/Lecture#22/Lecture_22_handout.pptx
@@ -8796,7 +8796,7 @@
           <p:nvPr>
             <p:extLst>
               <p:ext uri="{D42A27DB-BD31-4B8C-83A1-F6EECF244321}">
-                <p14:modId xmlns:p14="http://schemas.microsoft.com/office/powerpoint/2010/main" val="3661692088"/>
+                <p14:modId xmlns:p14="http://schemas.microsoft.com/office/powerpoint/2010/main" val="1830298601"/>
               </p:ext>
             </p:extLst>
           </p:nvPr>
@@ -9043,7 +9043,7 @@
                     <a:lstStyle/>
                     <a:p>
                       <a:pPr algn="l" fontAlgn="b"/>
-                      <a:endParaRPr lang="en-US" sz="1600" b="1" i="0" u="none" strike="noStrike" baseline="0">
+                      <a:endParaRPr lang="en-US" sz="1600" b="1" i="0" u="none" strike="noStrike" baseline="0" dirty="0">
                         <a:solidFill>
                           <a:srgbClr val="000000"/>
                         </a:solidFill>
@@ -9483,12 +9483,12 @@
                     <a:p>
                       <a:pPr algn="r" fontAlgn="b"/>
                       <a:r>
-                        <a:rPr lang="en-US" sz="1600" b="1" i="0" u="none" strike="noStrike" baseline="0">
+                        <a:rPr lang="en-US" sz="1600" b="1" i="0" u="none" strike="noStrike" baseline="0" dirty="0">
                           <a:effectLst/>
                         </a:rPr>
                         <a:t>with x6FF8</a:t>
                       </a:r>
-                      <a:endParaRPr lang="en-US" sz="1600" b="1" i="0" u="none" strike="noStrike" baseline="0">
+                      <a:endParaRPr lang="en-US" sz="1600" b="1" i="0" u="none" strike="noStrike" baseline="0" dirty="0">
                         <a:solidFill>
                           <a:srgbClr val="000000"/>
                         </a:solidFill>
@@ -9575,7 +9575,7 @@
                     <a:lstStyle/>
                     <a:p>
                       <a:pPr algn="l" fontAlgn="b"/>
-                      <a:endParaRPr lang="en-US" sz="1600" b="1" i="0" u="none" strike="noStrike" baseline="0">
+                      <a:endParaRPr lang="en-US" sz="1600" b="1" i="0" u="none" strike="noStrike" baseline="0" dirty="0">
                         <a:solidFill>
                           <a:srgbClr val="000000"/>
                         </a:solidFill>
@@ -9610,12 +9610,12 @@
                     <a:p>
                       <a:pPr algn="r" fontAlgn="b"/>
                       <a:r>
-                        <a:rPr lang="en-US" sz="1600" b="1" i="0" u="none" strike="noStrike" baseline="0">
+                        <a:rPr lang="en-US" sz="1600" b="1" i="0" u="none" strike="noStrike" baseline="0" dirty="0">
                           <a:effectLst/>
                         </a:rPr>
-                        <a:t>(after 2nd DONE, RET)-&gt;R6 </a:t>
+                        <a:t>(after 2nd DONE, before RET)-&gt;R6 </a:t>
                       </a:r>
-                      <a:endParaRPr lang="en-US" sz="1600" b="1" i="0" u="none" strike="noStrike" baseline="0">
+                      <a:endParaRPr lang="en-US" sz="1600" b="1" i="0" u="none" strike="noStrike" baseline="0" dirty="0">
                         <a:solidFill>
                           <a:srgbClr val="000000"/>
                         </a:solidFill>
@@ -9706,7 +9706,7 @@
                         <a:rPr lang="pt-BR" sz="1600" b="1" i="0" u="none" strike="noStrike" baseline="0" dirty="0">
                           <a:effectLst/>
                         </a:rPr>
-                        <a:t>R3= [R1+2]=[6004]= 0 (NULL)</a:t>
+                        <a:t>R3= [R1+2]=[6005]= 0 (NULL)</a:t>
                       </a:r>
                       <a:endParaRPr lang="pt-BR" sz="1600" b="1" i="0" u="none" strike="noStrike" baseline="0" dirty="0">
                         <a:solidFill>
@@ -10234,13 +10234,16 @@
                     <a:lstStyle/>
                     <a:p>
                       <a:pPr algn="l" fontAlgn="b"/>
-                      <a:endParaRPr lang="pt-BR" sz="1600" b="1" i="0" u="none" strike="noStrike" baseline="0" dirty="0">
-                        <a:solidFill>
-                          <a:srgbClr val="000000"/>
-                        </a:solidFill>
-                        <a:effectLst/>
-                        <a:latin typeface="Calibri" panose="020F0502020204030204" pitchFamily="34" charset="0"/>
-                      </a:endParaRPr>
+                      <a:r>
+                        <a:rPr lang="pt-BR" sz="1600" b="1" i="0" u="none" strike="noStrike" baseline="0" dirty="0">
+                          <a:solidFill>
+                            <a:srgbClr val="000000"/>
+                          </a:solidFill>
+                          <a:effectLst/>
+                          <a:latin typeface="Calibri" panose="020F0502020204030204" pitchFamily="34" charset="0"/>
+                        </a:rPr>
+                        <a:t> R6 (before 2nd RET)</a:t>
+                      </a:r>
                     </a:p>
                   </a:txBody>
                   <a:tcPr marL="7620" marR="7620" marT="7620" marB="0" anchor="b">
@@ -11695,8 +11698,8 @@
         </p:nvSpPr>
         <p:spPr>
           <a:xfrm>
-            <a:off x="840700" y="2669874"/>
-            <a:ext cx="2669315" cy="355516"/>
+            <a:off x="533400" y="2669874"/>
+            <a:ext cx="2976615" cy="335029"/>
           </a:xfrm>
           <a:prstGeom prst="rect">
             <a:avLst/>
@@ -12000,7 +12003,7 @@
         </p:nvSpPr>
         <p:spPr>
           <a:xfrm>
-            <a:off x="6655957" y="4934682"/>
+            <a:off x="840700" y="4602745"/>
             <a:ext cx="2669315" cy="355516"/>
           </a:xfrm>
           <a:prstGeom prst="rect">
@@ -12061,7 +12064,7 @@
         </p:nvSpPr>
         <p:spPr>
           <a:xfrm>
-            <a:off x="840699" y="4567351"/>
+            <a:off x="6655956" y="4230636"/>
             <a:ext cx="2669315" cy="355516"/>
           </a:xfrm>
           <a:prstGeom prst="rect">
@@ -12122,7 +12125,7 @@
         </p:nvSpPr>
         <p:spPr>
           <a:xfrm>
-            <a:off x="3748329" y="6068575"/>
+            <a:off x="6655957" y="4975454"/>
             <a:ext cx="2669315" cy="355516"/>
           </a:xfrm>
           <a:prstGeom prst="rect">
@@ -12183,7 +12186,7 @@
         </p:nvSpPr>
         <p:spPr>
           <a:xfrm>
-            <a:off x="840700" y="5056466"/>
+            <a:off x="3748329" y="6075657"/>
             <a:ext cx="2669315" cy="355516"/>
           </a:xfrm>
           <a:prstGeom prst="rect">
@@ -12244,7 +12247,68 @@
         </p:nvSpPr>
         <p:spPr>
           <a:xfrm>
-            <a:off x="840698" y="5367823"/>
+            <a:off x="840700" y="4958261"/>
+            <a:ext cx="2669315" cy="355516"/>
+          </a:xfrm>
+          <a:prstGeom prst="rect">
+            <a:avLst/>
+          </a:prstGeom>
+          <a:gradFill>
+            <a:gsLst>
+              <a:gs pos="0">
+                <a:srgbClr val="C00000">
+                  <a:alpha val="0"/>
+                </a:srgbClr>
+              </a:gs>
+              <a:gs pos="0">
+                <a:srgbClr val="FF0000">
+                  <a:alpha val="0"/>
+                </a:srgbClr>
+              </a:gs>
+              <a:gs pos="100000">
+                <a:schemeClr val="bg1"/>
+              </a:gs>
+            </a:gsLst>
+          </a:gradFill>
+        </p:spPr>
+        <p:style>
+          <a:lnRef idx="1">
+            <a:schemeClr val="accent1"/>
+          </a:lnRef>
+          <a:fillRef idx="3">
+            <a:schemeClr val="accent1"/>
+          </a:fillRef>
+          <a:effectRef idx="2">
+            <a:schemeClr val="accent1"/>
+          </a:effectRef>
+          <a:fontRef idx="minor">
+            <a:schemeClr val="lt1"/>
+          </a:fontRef>
+        </p:style>
+        <p:txBody>
+          <a:bodyPr rtlCol="0" anchor="ctr"/>
+          <a:lstStyle/>
+          <a:p>
+            <a:pPr algn="ctr"/>
+            <a:endParaRPr lang="en-US"/>
+          </a:p>
+        </p:txBody>
+      </p:sp>
+      <p:sp>
+        <p:nvSpPr>
+          <p:cNvPr id="27" name="Rectangle 26">
+            <a:extLst>
+              <a:ext uri="{FF2B5EF4-FFF2-40B4-BE49-F238E27FC236}">
+                <a16:creationId xmlns:a16="http://schemas.microsoft.com/office/drawing/2014/main" id="{EC86B57B-7A7E-4F4B-84DD-008AC9E75031}"/>
+              </a:ext>
+            </a:extLst>
+          </p:cNvPr>
+          <p:cNvSpPr/>
+          <p:nvPr/>
+        </p:nvSpPr>
+        <p:spPr>
+          <a:xfrm>
+            <a:off x="840700" y="5347732"/>
             <a:ext cx="2669315" cy="355516"/>
           </a:xfrm>
           <a:prstGeom prst="rect">
@@ -13209,6 +13273,51 @@
                       </p:childTnLst>
                     </p:cTn>
                   </p:par>
+                  <p:par>
+                    <p:cTn id="83" fill="hold">
+                      <p:stCondLst>
+                        <p:cond delay="indefinite"/>
+                      </p:stCondLst>
+                      <p:childTnLst>
+                        <p:par>
+                          <p:cTn id="84" fill="hold">
+                            <p:stCondLst>
+                              <p:cond delay="0"/>
+                            </p:stCondLst>
+                            <p:childTnLst>
+                              <p:par>
+                                <p:cTn id="85" presetID="1" presetClass="entr" presetSubtype="0" fill="hold" grpId="0" nodeType="clickEffect">
+                                  <p:stCondLst>
+                                    <p:cond delay="0"/>
+                                  </p:stCondLst>
+                                  <p:childTnLst>
+                                    <p:set>
+                                      <p:cBhvr>
+                                        <p:cTn id="86" dur="1" fill="hold">
+                                          <p:stCondLst>
+                                            <p:cond delay="0"/>
+                                          </p:stCondLst>
+                                        </p:cTn>
+                                        <p:tgtEl>
+                                          <p:spTgt spid="27"/>
+                                        </p:tgtEl>
+                                        <p:attrNameLst>
+                                          <p:attrName>style.visibility</p:attrName>
+                                        </p:attrNameLst>
+                                      </p:cBhvr>
+                                      <p:to>
+                                        <p:strVal val="visible"/>
+                                      </p:to>
+                                    </p:set>
+                                  </p:childTnLst>
+                                </p:cTn>
+                              </p:par>
+                            </p:childTnLst>
+                          </p:cTn>
+                        </p:par>
+                      </p:childTnLst>
+                    </p:cTn>
+                  </p:par>
                 </p:childTnLst>
               </p:cTn>
               <p:prevCondLst>
@@ -13251,6 +13360,7 @@
       <p:bldP spid="24" grpId="0" animBg="1"/>
       <p:bldP spid="25" grpId="0" animBg="1"/>
       <p:bldP spid="26" grpId="0" animBg="1"/>
+      <p:bldP spid="27" grpId="0" animBg="1"/>
     </p:bldLst>
   </p:timing>
 </p:sld>
@@ -14081,7 +14191,7 @@
           <a:graphicData uri="http://schemas.openxmlformats.org/presentationml/2006/ole">
             <mc:AlternateContent xmlns:mc="http://schemas.openxmlformats.org/markup-compatibility/2006">
               <mc:Choice xmlns:v="urn:schemas-microsoft-com:vml" Requires="v">
-                <p:oleObj spid="_x0000_s1052" r:id="rId3" imgW="2879617" imgH="1426410" progId="Visio.Drawing.11">
+                <p:oleObj spid="_x0000_s1054" r:id="rId3" imgW="2879617" imgH="1426410" progId="Visio.Drawing.11">
                   <p:embed/>
                 </p:oleObj>
               </mc:Choice>
@@ -14258,7 +14368,7 @@
           <a:graphicData uri="http://schemas.openxmlformats.org/presentationml/2006/ole">
             <mc:AlternateContent xmlns:mc="http://schemas.openxmlformats.org/markup-compatibility/2006">
               <mc:Choice xmlns:v="urn:schemas-microsoft-com:vml" Requires="v">
-                <p:oleObj spid="_x0000_s1053" r:id="rId5" imgW="2029239" imgH="1408050" progId="Visio.Drawing.11">
+                <p:oleObj spid="_x0000_s1055" r:id="rId5" imgW="2029239" imgH="1408050" progId="Visio.Drawing.11">
                   <p:embed/>
                 </p:oleObj>
               </mc:Choice>
